--- a/LATEX + ppt/Tussentijdse Presentatie .pptx
+++ b/LATEX + ppt/Tussentijdse Presentatie .pptx
@@ -6,10 +6,10 @@
     <p:sldMasterId id="2147483694" r:id="rId2"/>
   </p:sldMasterIdLst>
   <p:notesMasterIdLst>
-    <p:notesMasterId r:id="rId27"/>
+    <p:notesMasterId r:id="rId29"/>
   </p:notesMasterIdLst>
   <p:handoutMasterIdLst>
-    <p:handoutMasterId r:id="rId28"/>
+    <p:handoutMasterId r:id="rId30"/>
   </p:handoutMasterIdLst>
   <p:sldIdLst>
     <p:sldId id="261" r:id="rId3"/>
@@ -25,17 +25,19 @@
     <p:sldId id="273" r:id="rId13"/>
     <p:sldId id="277" r:id="rId14"/>
     <p:sldId id="274" r:id="rId15"/>
-    <p:sldId id="278" r:id="rId16"/>
-    <p:sldId id="276" r:id="rId17"/>
-    <p:sldId id="279" r:id="rId18"/>
-    <p:sldId id="280" r:id="rId19"/>
-    <p:sldId id="281" r:id="rId20"/>
-    <p:sldId id="283" r:id="rId21"/>
-    <p:sldId id="292" r:id="rId22"/>
-    <p:sldId id="285" r:id="rId23"/>
-    <p:sldId id="286" r:id="rId24"/>
-    <p:sldId id="267" r:id="rId25"/>
-    <p:sldId id="266" r:id="rId26"/>
+    <p:sldId id="293" r:id="rId16"/>
+    <p:sldId id="294" r:id="rId17"/>
+    <p:sldId id="278" r:id="rId18"/>
+    <p:sldId id="276" r:id="rId19"/>
+    <p:sldId id="279" r:id="rId20"/>
+    <p:sldId id="280" r:id="rId21"/>
+    <p:sldId id="281" r:id="rId22"/>
+    <p:sldId id="295" r:id="rId23"/>
+    <p:sldId id="283" r:id="rId24"/>
+    <p:sldId id="298" r:id="rId25"/>
+    <p:sldId id="297" r:id="rId26"/>
+    <p:sldId id="296" r:id="rId27"/>
+    <p:sldId id="266" r:id="rId28"/>
   </p:sldIdLst>
   <p:sldSz cx="12192000" cy="6858000"/>
   <p:notesSz cx="6858000" cy="9144000"/>
@@ -235,7 +237,7 @@
           <a:p>
             <a:fld id="{8F591CCF-F6FD-734B-854A-5BC033593B1E}" type="datetimeFigureOut">
               <a:rPr lang="nl-NL" smtClean="0"/>
-              <a:t>31-3-2023</a:t>
+              <a:t>19-5-2023</a:t>
             </a:fld>
             <a:endParaRPr lang="nl-NL"/>
           </a:p>
@@ -400,7 +402,7 @@
           <a:p>
             <a:fld id="{23C66214-DB21-4647-B5DA-0D17CA592867}" type="datetimeFigureOut">
               <a:rPr lang="nl-NL" smtClean="0"/>
-              <a:t>31-3-2023</a:t>
+              <a:t>19-5-2023</a:t>
             </a:fld>
             <a:endParaRPr lang="nl-NL"/>
           </a:p>
@@ -1389,7 +1391,7 @@
           <a:p>
             <a:fld id="{CD8EC345-7FB1-4DDD-8C99-610F4A0CCD77}" type="datetime1">
               <a:rPr lang="nl-BE" smtClean="0"/>
-              <a:t>31/03/2023</a:t>
+              <a:t>19/05/2023</a:t>
             </a:fld>
             <a:endParaRPr lang="nl-NL"/>
           </a:p>
@@ -1672,7 +1674,7 @@
           <a:p>
             <a:fld id="{5487CBB6-2126-41A6-B9B2-1B3E58B7F358}" type="datetime1">
               <a:rPr lang="nl-BE" smtClean="0"/>
-              <a:t>31/03/2023</a:t>
+              <a:t>19/05/2023</a:t>
             </a:fld>
             <a:endParaRPr lang="nl-NL"/>
           </a:p>
@@ -2002,7 +2004,7 @@
           <a:p>
             <a:fld id="{D7A24CD4-5DC9-4118-ABE7-2BE5EAE697B9}" type="datetime1">
               <a:rPr lang="nl-BE" smtClean="0"/>
-              <a:t>31/03/2023</a:t>
+              <a:t>19/05/2023</a:t>
             </a:fld>
             <a:endParaRPr lang="nl-NL"/>
           </a:p>
@@ -2322,7 +2324,7 @@
           <a:p>
             <a:fld id="{5971B238-6ABF-4361-91B6-4E2C76136EFE}" type="datetime1">
               <a:rPr lang="nl-BE" smtClean="0"/>
-              <a:t>31/03/2023</a:t>
+              <a:t>19/05/2023</a:t>
             </a:fld>
             <a:endParaRPr lang="nl-NL" dirty="0"/>
           </a:p>
@@ -2643,7 +2645,7 @@
           <a:p>
             <a:fld id="{7AC2E154-E327-4EA4-B2CC-E57A22EFC917}" type="datetime1">
               <a:rPr lang="nl-BE" smtClean="0"/>
-              <a:t>31/03/2023</a:t>
+              <a:t>19/05/2023</a:t>
             </a:fld>
             <a:endParaRPr lang="nl-NL" dirty="0"/>
           </a:p>
@@ -2785,7 +2787,7 @@
           <a:p>
             <a:fld id="{36FA22F4-6030-4BDD-AF0F-025C87B37A4C}" type="datetime1">
               <a:rPr lang="nl-BE" smtClean="0"/>
-              <a:t>31/03/2023</a:t>
+              <a:t>19/05/2023</a:t>
             </a:fld>
             <a:endParaRPr lang="nl-NL"/>
           </a:p>
@@ -3269,7 +3271,7 @@
           <a:p>
             <a:fld id="{72DCE82B-64D4-4473-A3B4-807D67EBE02B}" type="datetime1">
               <a:rPr lang="nl-BE" smtClean="0"/>
-              <a:t>31/03/2023</a:t>
+              <a:t>19/05/2023</a:t>
             </a:fld>
             <a:endParaRPr lang="nl-NL" dirty="0"/>
           </a:p>
@@ -3390,7 +3392,7 @@
           <a:p>
             <a:fld id="{AB4EBAB5-4286-46F6-A2F8-DF93B69E81D2}" type="datetime1">
               <a:rPr lang="nl-BE" smtClean="0"/>
-              <a:t>31/03/2023</a:t>
+              <a:t>19/05/2023</a:t>
             </a:fld>
             <a:endParaRPr lang="nl-NL"/>
           </a:p>
@@ -3511,7 +3513,7 @@
           <a:p>
             <a:fld id="{DE5B5EFD-5FA7-4ADA-A4C7-6863DCA9031A}" type="datetime1">
               <a:rPr lang="nl-BE" smtClean="0"/>
-              <a:t>31/03/2023</a:t>
+              <a:t>19/05/2023</a:t>
             </a:fld>
             <a:endParaRPr lang="nl-NL"/>
           </a:p>
@@ -3693,7 +3695,7 @@
           <a:p>
             <a:fld id="{61079889-0470-4CFB-95EE-15317261670A}" type="datetime1">
               <a:rPr lang="nl-BE" smtClean="0"/>
-              <a:t>31/03/2023</a:t>
+              <a:t>19/05/2023</a:t>
             </a:fld>
             <a:endParaRPr lang="nl-NL" dirty="0"/>
           </a:p>
@@ -3947,7 +3949,7 @@
           <a:p>
             <a:fld id="{ADC442C5-A06B-4C52-BB6E-6946CDC12E38}" type="datetime1">
               <a:rPr lang="nl-BE" smtClean="0"/>
-              <a:t>31/03/2023</a:t>
+              <a:t>19/05/2023</a:t>
             </a:fld>
             <a:endParaRPr lang="nl-NL" dirty="0"/>
           </a:p>
@@ -4588,7 +4590,7 @@
           <a:p>
             <a:fld id="{39D20C4C-7810-465D-8480-DA5686803D3E}" type="datetime1">
               <a:rPr lang="nl-BE" smtClean="0"/>
-              <a:t>31/03/2023</a:t>
+              <a:t>19/05/2023</a:t>
             </a:fld>
             <a:endParaRPr lang="nl-NL" dirty="0"/>
           </a:p>
@@ -5350,7 +5352,7 @@
         <p:spPr>
           <a:xfrm>
             <a:off x="401216" y="1567543"/>
-            <a:ext cx="5694784" cy="4247317"/>
+            <a:ext cx="5694784" cy="4524315"/>
           </a:xfrm>
           <a:prstGeom prst="rect">
             <a:avLst/>
@@ -5380,7 +5382,7 @@
             </a:pPr>
             <a:r>
               <a:rPr lang="nl-BE" dirty="0"/>
-              <a:t>Houten planken</a:t>
+              <a:t>MDF</a:t>
             </a:r>
           </a:p>
           <a:p>
@@ -5398,17 +5400,29 @@
               <a:buFont typeface="Arial" panose="020B0604020202020204" pitchFamily="34" charset="0"/>
               <a:buChar char="•"/>
             </a:pPr>
-            <a:r>
-              <a:rPr lang="nl-BE" dirty="0"/>
-              <a:t>Bouten/Moeren</a:t>
-            </a:r>
+            <a:endParaRPr lang="nl-BE" dirty="0"/>
           </a:p>
           <a:p>
             <a:pPr marL="285750" indent="-285750">
               <a:buFont typeface="Arial" panose="020B0604020202020204" pitchFamily="34" charset="0"/>
               <a:buChar char="•"/>
             </a:pPr>
-            <a:endParaRPr lang="nl-BE" dirty="0"/>
+            <a:r>
+              <a:rPr lang="nl-BE" dirty="0" err="1"/>
+              <a:t>Breadbord</a:t>
+            </a:r>
+            <a:r>
+              <a:rPr lang="nl-BE" dirty="0"/>
+              <a:t> (</a:t>
+            </a:r>
+            <a:r>
+              <a:rPr lang="nl-BE" dirty="0" err="1"/>
+              <a:t>Fullsize</a:t>
+            </a:r>
+            <a:r>
+              <a:rPr lang="nl-BE" dirty="0"/>
+              <a:t>) </a:t>
+            </a:r>
           </a:p>
           <a:p>
             <a:pPr marL="285750" indent="-285750">
@@ -5417,19 +5431,11 @@
             </a:pPr>
             <a:r>
               <a:rPr lang="nl-BE" dirty="0" err="1"/>
-              <a:t>Breadbord</a:t>
+              <a:t>Arduino</a:t>
             </a:r>
             <a:r>
               <a:rPr lang="nl-BE" dirty="0"/>
-              <a:t> (</a:t>
-            </a:r>
-            <a:r>
-              <a:rPr lang="nl-BE" dirty="0" err="1"/>
-              <a:t>Fullsize</a:t>
-            </a:r>
-            <a:r>
-              <a:rPr lang="nl-BE" dirty="0"/>
-              <a:t>) </a:t>
+              <a:t> Nano</a:t>
             </a:r>
           </a:p>
           <a:p>
@@ -5438,12 +5444,8 @@
               <a:buChar char="•"/>
             </a:pPr>
             <a:r>
-              <a:rPr lang="nl-BE" dirty="0" err="1"/>
-              <a:t>Arduino</a:t>
-            </a:r>
-            <a:r>
               <a:rPr lang="nl-BE" dirty="0"/>
-              <a:t> Nano</a:t>
+              <a:t>2 motoren (HP- 1:100)</a:t>
             </a:r>
           </a:p>
           <a:p>
@@ -5453,7 +5455,7 @@
             </a:pPr>
             <a:r>
               <a:rPr lang="nl-BE" dirty="0"/>
-              <a:t>2 motoren (HP- 1:100)</a:t>
+              <a:t>Dual motor driver</a:t>
             </a:r>
           </a:p>
           <a:p>
@@ -5462,12 +5464,8 @@
               <a:buChar char="•"/>
             </a:pPr>
             <a:r>
-              <a:rPr lang="nl-BE" dirty="0" err="1"/>
-              <a:t>Stepper</a:t>
-            </a:r>
-            <a:r>
               <a:rPr lang="nl-BE" dirty="0"/>
-              <a:t> Motor Driver</a:t>
+              <a:t>USB webcam (1080P)</a:t>
             </a:r>
           </a:p>
           <a:p>
@@ -5477,7 +5475,7 @@
             </a:pPr>
             <a:r>
               <a:rPr lang="nl-BE" dirty="0"/>
-              <a:t>Webcam</a:t>
+              <a:t>9V batterij</a:t>
             </a:r>
           </a:p>
           <a:p>
@@ -5487,7 +5485,7 @@
             </a:pPr>
             <a:r>
               <a:rPr lang="nl-BE" dirty="0"/>
-              <a:t>Powerbank</a:t>
+              <a:t>Relais</a:t>
             </a:r>
           </a:p>
           <a:p>
@@ -5529,6 +5527,20 @@
             <a:r>
               <a:rPr lang="nl-BE" dirty="0"/>
               <a:t>Jerrycan (10L)</a:t>
+            </a:r>
+          </a:p>
+          <a:p>
+            <a:pPr marL="285750" indent="-285750">
+              <a:buFont typeface="Arial" panose="020B0604020202020204" pitchFamily="34" charset="0"/>
+              <a:buChar char="•"/>
+            </a:pPr>
+            <a:r>
+              <a:rPr lang="nl-BE" dirty="0" err="1"/>
+              <a:t>Whadda</a:t>
+            </a:r>
+            <a:r>
+              <a:rPr lang="nl-BE" dirty="0"/>
+              <a:t> waterflowsensor</a:t>
             </a:r>
           </a:p>
         </p:txBody>
@@ -5587,7 +5599,7 @@
         </p:spPr>
         <p:txBody>
           <a:bodyPr>
-            <a:normAutofit/>
+            <a:normAutofit lnSpcReduction="10000"/>
           </a:bodyPr>
           <a:lstStyle/>
           <a:p>
@@ -5675,7 +5687,7 @@
                   </a:schemeClr>
                 </a:solidFill>
               </a:rPr>
-              <a:t>Wat hebben we al gerealiseerd?</a:t>
+              <a:t>Prototype</a:t>
             </a:r>
           </a:p>
           <a:p>
@@ -5691,7 +5703,23 @@
                   </a:schemeClr>
                 </a:solidFill>
               </a:rPr>
-              <a:t>Wat moeten we nog doen?</a:t>
+              <a:t>Resultaten</a:t>
+            </a:r>
+          </a:p>
+          <a:p>
+            <a:pPr marL="457200" indent="-457200">
+              <a:buFont typeface="+mj-lt"/>
+              <a:buAutoNum type="arabicPeriod"/>
+            </a:pPr>
+            <a:r>
+              <a:rPr lang="nl-BE" dirty="0">
+                <a:solidFill>
+                  <a:schemeClr val="bg2">
+                    <a:lumMod val="75000"/>
+                  </a:schemeClr>
+                </a:solidFill>
+              </a:rPr>
+              <a:t>Besluit</a:t>
             </a:r>
           </a:p>
           <a:p>
@@ -5858,7 +5886,7 @@
         </p:spPr>
         <p:txBody>
           <a:bodyPr>
-            <a:normAutofit/>
+            <a:normAutofit lnSpcReduction="10000"/>
           </a:bodyPr>
           <a:lstStyle/>
           <a:p>
@@ -5964,7 +5992,7 @@
                   </a:schemeClr>
                 </a:solidFill>
               </a:rPr>
-              <a:t>Wat hebben we al gerealiseerd?</a:t>
+              <a:t>Prototype</a:t>
             </a:r>
           </a:p>
           <a:p>
@@ -5980,7 +6008,23 @@
                   </a:schemeClr>
                 </a:solidFill>
               </a:rPr>
-              <a:t>Wat moeten we nog doen?</a:t>
+              <a:t>Resultaten</a:t>
+            </a:r>
+          </a:p>
+          <a:p>
+            <a:pPr marL="457200" indent="-457200">
+              <a:buFont typeface="+mj-lt"/>
+              <a:buAutoNum type="arabicPeriod"/>
+            </a:pPr>
+            <a:r>
+              <a:rPr lang="nl-BE" dirty="0">
+                <a:solidFill>
+                  <a:schemeClr val="bg2">
+                    <a:lumMod val="75000"/>
+                  </a:schemeClr>
+                </a:solidFill>
+              </a:rPr>
+              <a:t>Besluit</a:t>
             </a:r>
           </a:p>
           <a:p>
@@ -6146,7 +6190,7 @@
           <a:p>
             <a:r>
               <a:rPr lang="nl-BE" dirty="0"/>
-              <a:t>USB Webcam 1080P (laptop)</a:t>
+              <a:t>USB Webcam 1080P </a:t>
             </a:r>
           </a:p>
         </p:txBody>
@@ -6174,13 +6218,27 @@
           <a:p>
             <a:r>
               <a:rPr lang="nl-BE" dirty="0"/>
+              <a:t>Verbonden met laptop via USB-kabel</a:t>
+            </a:r>
+          </a:p>
+          <a:p>
+            <a:r>
+              <a:rPr lang="nl-BE" dirty="0"/>
               <a:t>Draait mee met arm</a:t>
             </a:r>
           </a:p>
           <a:p>
             <a:r>
               <a:rPr lang="nl-BE" dirty="0"/>
-              <a:t>Detecteert rode objecten</a:t>
+              <a:t>Detecteert rode objecten </a:t>
+            </a:r>
+            <a:r>
+              <a:rPr lang="nl-BE" dirty="0" err="1"/>
+              <a:t>m.b.v</a:t>
+            </a:r>
+            <a:r>
+              <a:rPr lang="nl-BE" dirty="0"/>
+              <a:t> python-code</a:t>
             </a:r>
           </a:p>
           <a:p>
@@ -6192,7 +6250,7 @@
           <a:p>
             <a:r>
               <a:rPr lang="nl-BE" dirty="0"/>
-              <a:t>Berekent afstand tussen camera en voorwerp</a:t>
+              <a:t>Berekent afstand tussen camera en voorwerp via python-code</a:t>
             </a:r>
           </a:p>
           <a:p>
@@ -6370,10 +6428,10 @@
       </p:grpSpPr>
       <p:sp>
         <p:nvSpPr>
-          <p:cNvPr id="2" name="Content Placeholder 1">
+          <p:cNvPr id="6" name="Footer Placeholder 5">
             <a:extLst>
               <a:ext uri="{FF2B5EF4-FFF2-40B4-BE49-F238E27FC236}">
-                <a16:creationId xmlns:a16="http://schemas.microsoft.com/office/drawing/2014/main" id="{9572C954-C83C-EE79-685B-900385B3EC4B}"/>
+                <a16:creationId xmlns:a16="http://schemas.microsoft.com/office/drawing/2014/main" id="{E7738884-CFEB-E873-9638-8040BF99F2B4}"/>
               </a:ext>
             </a:extLst>
           </p:cNvPr>
@@ -6381,201 +6439,27 @@
             <a:spLocks noGrp="1"/>
           </p:cNvSpPr>
           <p:nvPr>
-            <p:ph idx="1"/>
-          </p:nvPr>
-        </p:nvSpPr>
-        <p:spPr>
-          <a:xfrm>
-            <a:off x="576000" y="1656000"/>
-            <a:ext cx="11041200" cy="4554000"/>
-          </a:xfrm>
-        </p:spPr>
-        <p:txBody>
-          <a:bodyPr>
-            <a:normAutofit/>
-          </a:bodyPr>
-          <a:lstStyle/>
-          <a:p>
-            <a:pPr marL="457200" indent="-457200">
-              <a:buFont typeface="+mj-lt"/>
-              <a:buAutoNum type="arabicPeriod"/>
-            </a:pPr>
-            <a:r>
-              <a:rPr lang="nl-BE" dirty="0">
-                <a:solidFill>
-                  <a:schemeClr val="bg2">
-                    <a:lumMod val="75000"/>
-                  </a:schemeClr>
-                </a:solidFill>
-              </a:rPr>
-              <a:t>Inleiding</a:t>
-            </a:r>
-          </a:p>
-          <a:p>
-            <a:pPr marL="457200" indent="-457200">
-              <a:buFont typeface="+mj-lt"/>
-              <a:buAutoNum type="arabicPeriod"/>
-            </a:pPr>
-            <a:r>
-              <a:rPr lang="nl-BE" dirty="0">
-                <a:solidFill>
-                  <a:schemeClr val="bg2">
-                    <a:lumMod val="75000"/>
-                  </a:schemeClr>
-                </a:solidFill>
-              </a:rPr>
-              <a:t>Ontwerp</a:t>
-            </a:r>
-          </a:p>
-          <a:p>
-            <a:pPr marL="457200" indent="-457200">
-              <a:buFont typeface="+mj-lt"/>
-              <a:buAutoNum type="arabicPeriod"/>
-            </a:pPr>
-            <a:r>
-              <a:rPr lang="nl-BE" dirty="0">
-                <a:solidFill>
-                  <a:schemeClr val="bg2">
-                    <a:lumMod val="75000"/>
-                  </a:schemeClr>
-                </a:solidFill>
-              </a:rPr>
-              <a:t>Stappen</a:t>
-            </a:r>
-          </a:p>
-          <a:p>
-            <a:pPr marL="914400" lvl="1" indent="-457200">
-              <a:buFont typeface="+mj-lt"/>
-              <a:buAutoNum type="arabicPeriod"/>
-            </a:pPr>
-            <a:r>
-              <a:rPr lang="nl-BE" dirty="0">
-                <a:solidFill>
-                  <a:schemeClr val="bg2">
-                    <a:lumMod val="75000"/>
-                  </a:schemeClr>
-                </a:solidFill>
-              </a:rPr>
-              <a:t>Detectie en lokalisatie</a:t>
-            </a:r>
-          </a:p>
-          <a:p>
-            <a:pPr marL="914400" lvl="1" indent="-457200">
-              <a:buFont typeface="+mj-lt"/>
-              <a:buAutoNum type="arabicPeriod"/>
-            </a:pPr>
-            <a:r>
-              <a:rPr lang="nl-BE" dirty="0"/>
-              <a:t>Richten</a:t>
-            </a:r>
-          </a:p>
-          <a:p>
-            <a:pPr marL="914400" lvl="1" indent="-457200">
-              <a:buFont typeface="+mj-lt"/>
-              <a:buAutoNum type="arabicPeriod"/>
-            </a:pPr>
-            <a:r>
-              <a:rPr lang="nl-BE" dirty="0">
-                <a:solidFill>
-                  <a:schemeClr val="bg2">
-                    <a:lumMod val="75000"/>
-                  </a:schemeClr>
-                </a:solidFill>
-              </a:rPr>
-              <a:t>Blussen</a:t>
-            </a:r>
-          </a:p>
-          <a:p>
-            <a:pPr marL="457200" indent="-457200">
-              <a:buFont typeface="+mj-lt"/>
-              <a:buAutoNum type="arabicPeriod"/>
-            </a:pPr>
-            <a:r>
-              <a:rPr lang="nl-BE" dirty="0">
-                <a:solidFill>
-                  <a:schemeClr val="bg2">
-                    <a:lumMod val="75000"/>
-                  </a:schemeClr>
-                </a:solidFill>
-              </a:rPr>
-              <a:t>Wat hebben we al gerealiseerd?</a:t>
-            </a:r>
-          </a:p>
-          <a:p>
-            <a:pPr marL="457200" indent="-457200">
-              <a:buFont typeface="+mj-lt"/>
-              <a:buAutoNum type="arabicPeriod"/>
-            </a:pPr>
-            <a:r>
-              <a:rPr lang="nl-BE" dirty="0">
-                <a:solidFill>
-                  <a:schemeClr val="bg2">
-                    <a:lumMod val="75000"/>
-                  </a:schemeClr>
-                </a:solidFill>
-              </a:rPr>
-              <a:t>Wat moeten we nog doen?</a:t>
-            </a:r>
-          </a:p>
-          <a:p>
-            <a:pPr marL="457200" indent="-457200">
-              <a:buFont typeface="+mj-lt"/>
-              <a:buAutoNum type="arabicPeriod"/>
-            </a:pPr>
-            <a:r>
-              <a:rPr lang="nl-BE" dirty="0">
-                <a:solidFill>
-                  <a:schemeClr val="bg2">
-                    <a:lumMod val="75000"/>
-                  </a:schemeClr>
-                </a:solidFill>
-              </a:rPr>
-              <a:t>Bibliografie</a:t>
-            </a:r>
-          </a:p>
-          <a:p>
-            <a:pPr marL="457200" indent="-457200">
-              <a:buFont typeface="+mj-lt"/>
-              <a:buAutoNum type="arabicPeriod"/>
-            </a:pPr>
-            <a:endParaRPr lang="nl-BE" dirty="0"/>
-          </a:p>
-        </p:txBody>
-      </p:sp>
-      <p:sp>
-        <p:nvSpPr>
-          <p:cNvPr id="3" name="Footer Placeholder 2">
+            <p:ph type="ftr" sz="quarter" idx="11"/>
+          </p:nvPr>
+        </p:nvSpPr>
+        <p:spPr/>
+        <p:txBody>
+          <a:bodyPr/>
+          <a:lstStyle/>
+          <a:p>
+            <a:r>
+              <a:rPr lang="nl-NL"/>
+              <a:t>Groep Wetenschappen &amp; Techonologie - Ingenieurswetenschappen</a:t>
+            </a:r>
+          </a:p>
+        </p:txBody>
+      </p:sp>
+      <p:sp>
+        <p:nvSpPr>
+          <p:cNvPr id="7" name="Slide Number Placeholder 6">
             <a:extLst>
               <a:ext uri="{FF2B5EF4-FFF2-40B4-BE49-F238E27FC236}">
-                <a16:creationId xmlns:a16="http://schemas.microsoft.com/office/drawing/2014/main" id="{87B9D861-BADE-1735-BC5D-FB0CE4C31EFE}"/>
-              </a:ext>
-            </a:extLst>
-          </p:cNvPr>
-          <p:cNvSpPr>
-            <a:spLocks noGrp="1"/>
-          </p:cNvSpPr>
-          <p:nvPr>
-            <p:ph type="ftr" sz="quarter" idx="11"/>
-          </p:nvPr>
-        </p:nvSpPr>
-        <p:spPr/>
-        <p:txBody>
-          <a:bodyPr/>
-          <a:lstStyle/>
-          <a:p>
-            <a:r>
-              <a:rPr lang="nl-NL"/>
-              <a:t>Groep Wetenschappen &amp; Techonologie - Ingenieurswetenschappen</a:t>
-            </a:r>
-          </a:p>
-        </p:txBody>
-      </p:sp>
-      <p:sp>
-        <p:nvSpPr>
-          <p:cNvPr id="4" name="Slide Number Placeholder 3">
-            <a:extLst>
-              <a:ext uri="{FF2B5EF4-FFF2-40B4-BE49-F238E27FC236}">
-                <a16:creationId xmlns:a16="http://schemas.microsoft.com/office/drawing/2014/main" id="{FC23E00C-3A77-A444-8280-8A8A5D17B5DF}"/>
+                <a16:creationId xmlns:a16="http://schemas.microsoft.com/office/drawing/2014/main" id="{8B4A2913-2DD3-8246-35B2-FC914661C675}"/>
               </a:ext>
             </a:extLst>
           </p:cNvPr>
@@ -6601,10 +6485,10 @@
       </p:sp>
       <p:sp>
         <p:nvSpPr>
-          <p:cNvPr id="5" name="Title 4">
+          <p:cNvPr id="8" name="Title 7">
             <a:extLst>
               <a:ext uri="{FF2B5EF4-FFF2-40B4-BE49-F238E27FC236}">
-                <a16:creationId xmlns:a16="http://schemas.microsoft.com/office/drawing/2014/main" id="{344F2F4D-955A-2213-B685-181EC6CE1CBA}"/>
+                <a16:creationId xmlns:a16="http://schemas.microsoft.com/office/drawing/2014/main" id="{1A3C5AD3-66D1-7596-A21F-598749058B1A}"/>
               </a:ext>
             </a:extLst>
           </p:cNvPr>
@@ -6622,15 +6506,46 @@
           <a:p>
             <a:r>
               <a:rPr lang="nl-BE" dirty="0"/>
-              <a:t>Overzicht</a:t>
-            </a:r>
-          </a:p>
-        </p:txBody>
-      </p:sp>
+              <a:t>Detectie en lokalisatie</a:t>
+            </a:r>
+          </a:p>
+        </p:txBody>
+      </p:sp>
+      <p:pic>
+        <p:nvPicPr>
+          <p:cNvPr id="10" name="Picture 9">
+            <a:extLst>
+              <a:ext uri="{FF2B5EF4-FFF2-40B4-BE49-F238E27FC236}">
+                <a16:creationId xmlns:a16="http://schemas.microsoft.com/office/drawing/2014/main" id="{7315F134-7F36-C790-5F47-102EA470CC20}"/>
+              </a:ext>
+            </a:extLst>
+          </p:cNvPr>
+          <p:cNvPicPr>
+            <a:picLocks noChangeAspect="1"/>
+          </p:cNvPicPr>
+          <p:nvPr/>
+        </p:nvPicPr>
+        <p:blipFill rotWithShape="1">
+          <a:blip r:embed="rId2"/>
+          <a:srcRect l="47716" t="17046" r="20702" b="26951"/>
+          <a:stretch/>
+        </p:blipFill>
+        <p:spPr>
+          <a:xfrm rot="16200000">
+            <a:off x="3792402" y="910352"/>
+            <a:ext cx="5050078" cy="5037296"/>
+          </a:xfrm>
+          <a:prstGeom prst="snip1Rect">
+            <a:avLst>
+              <a:gd name="adj" fmla="val 39636"/>
+            </a:avLst>
+          </a:prstGeom>
+        </p:spPr>
+      </p:pic>
     </p:spTree>
     <p:extLst>
       <p:ext uri="{BB962C8B-B14F-4D97-AF65-F5344CB8AC3E}">
-        <p14:creationId xmlns:p14="http://schemas.microsoft.com/office/powerpoint/2010/main" val="3496813920"/>
+        <p14:creationId xmlns:p14="http://schemas.microsoft.com/office/powerpoint/2010/main" val="861611313"/>
       </p:ext>
     </p:extLst>
   </p:cSld>
@@ -6659,6 +6574,455 @@
       </p:grpSpPr>
       <p:sp>
         <p:nvSpPr>
+          <p:cNvPr id="6" name="Footer Placeholder 5">
+            <a:extLst>
+              <a:ext uri="{FF2B5EF4-FFF2-40B4-BE49-F238E27FC236}">
+                <a16:creationId xmlns:a16="http://schemas.microsoft.com/office/drawing/2014/main" id="{E7738884-CFEB-E873-9638-8040BF99F2B4}"/>
+              </a:ext>
+            </a:extLst>
+          </p:cNvPr>
+          <p:cNvSpPr>
+            <a:spLocks noGrp="1"/>
+          </p:cNvSpPr>
+          <p:nvPr>
+            <p:ph type="ftr" sz="quarter" idx="11"/>
+          </p:nvPr>
+        </p:nvSpPr>
+        <p:spPr/>
+        <p:txBody>
+          <a:bodyPr/>
+          <a:lstStyle/>
+          <a:p>
+            <a:r>
+              <a:rPr lang="nl-NL"/>
+              <a:t>Groep Wetenschappen &amp; Techonologie - Ingenieurswetenschappen</a:t>
+            </a:r>
+          </a:p>
+        </p:txBody>
+      </p:sp>
+      <p:sp>
+        <p:nvSpPr>
+          <p:cNvPr id="7" name="Slide Number Placeholder 6">
+            <a:extLst>
+              <a:ext uri="{FF2B5EF4-FFF2-40B4-BE49-F238E27FC236}">
+                <a16:creationId xmlns:a16="http://schemas.microsoft.com/office/drawing/2014/main" id="{8B4A2913-2DD3-8246-35B2-FC914661C675}"/>
+              </a:ext>
+            </a:extLst>
+          </p:cNvPr>
+          <p:cNvSpPr>
+            <a:spLocks noGrp="1"/>
+          </p:cNvSpPr>
+          <p:nvPr>
+            <p:ph type="sldNum" sz="quarter" idx="12"/>
+          </p:nvPr>
+        </p:nvSpPr>
+        <p:spPr/>
+        <p:txBody>
+          <a:bodyPr/>
+          <a:lstStyle/>
+          <a:p>
+            <a:fld id="{0A297500-7527-634B-90F4-69D0994C32B4}" type="slidenum">
+              <a:rPr lang="nl-NL" smtClean="0"/>
+              <a:t>15</a:t>
+            </a:fld>
+            <a:endParaRPr lang="nl-NL"/>
+          </a:p>
+        </p:txBody>
+      </p:sp>
+      <p:sp>
+        <p:nvSpPr>
+          <p:cNvPr id="8" name="Title 7">
+            <a:extLst>
+              <a:ext uri="{FF2B5EF4-FFF2-40B4-BE49-F238E27FC236}">
+                <a16:creationId xmlns:a16="http://schemas.microsoft.com/office/drawing/2014/main" id="{1A3C5AD3-66D1-7596-A21F-598749058B1A}"/>
+              </a:ext>
+            </a:extLst>
+          </p:cNvPr>
+          <p:cNvSpPr>
+            <a:spLocks noGrp="1"/>
+          </p:cNvSpPr>
+          <p:nvPr>
+            <p:ph type="title"/>
+          </p:nvPr>
+        </p:nvSpPr>
+        <p:spPr/>
+        <p:txBody>
+          <a:bodyPr/>
+          <a:lstStyle/>
+          <a:p>
+            <a:r>
+              <a:rPr lang="nl-BE" dirty="0"/>
+              <a:t>Detectie en lokalisatie</a:t>
+            </a:r>
+          </a:p>
+        </p:txBody>
+      </p:sp>
+      <p:pic>
+        <p:nvPicPr>
+          <p:cNvPr id="3" name="Picture 9">
+            <a:extLst>
+              <a:ext uri="{FF2B5EF4-FFF2-40B4-BE49-F238E27FC236}">
+                <a16:creationId xmlns:a16="http://schemas.microsoft.com/office/drawing/2014/main" id="{94F3CAE0-C7D2-FA4E-E6EE-A9590D8B274F}"/>
+              </a:ext>
+            </a:extLst>
+          </p:cNvPr>
+          <p:cNvPicPr>
+            <a:picLocks noChangeAspect="1"/>
+          </p:cNvPicPr>
+          <p:nvPr/>
+        </p:nvPicPr>
+        <p:blipFill rotWithShape="1">
+          <a:blip r:embed="rId2"/>
+          <a:srcRect l="19810" t="17046" r="51651" b="5715"/>
+          <a:stretch/>
+        </p:blipFill>
+        <p:spPr>
+          <a:xfrm rot="16200000">
+            <a:off x="3380802" y="-145892"/>
+            <a:ext cx="4880310" cy="7429865"/>
+          </a:xfrm>
+          <a:prstGeom prst="rect">
+            <a:avLst/>
+          </a:prstGeom>
+        </p:spPr>
+      </p:pic>
+    </p:spTree>
+    <p:extLst>
+      <p:ext uri="{BB962C8B-B14F-4D97-AF65-F5344CB8AC3E}">
+        <p14:creationId xmlns:p14="http://schemas.microsoft.com/office/powerpoint/2010/main" val="844844535"/>
+      </p:ext>
+    </p:extLst>
+  </p:cSld>
+  <p:clrMapOvr>
+    <a:masterClrMapping/>
+  </p:clrMapOvr>
+</p:sld>
+</file>
+
+<file path=ppt/slides/slide16.xml><?xml version="1.0" encoding="utf-8"?>
+<p:sld xmlns:a="http://schemas.openxmlformats.org/drawingml/2006/main" xmlns:r="http://schemas.openxmlformats.org/officeDocument/2006/relationships" xmlns:p="http://schemas.openxmlformats.org/presentationml/2006/main">
+  <p:cSld>
+    <p:spTree>
+      <p:nvGrpSpPr>
+        <p:cNvPr id="1" name=""/>
+        <p:cNvGrpSpPr/>
+        <p:nvPr/>
+      </p:nvGrpSpPr>
+      <p:grpSpPr>
+        <a:xfrm>
+          <a:off x="0" y="0"/>
+          <a:ext cx="0" cy="0"/>
+          <a:chOff x="0" y="0"/>
+          <a:chExt cx="0" cy="0"/>
+        </a:xfrm>
+      </p:grpSpPr>
+      <p:sp>
+        <p:nvSpPr>
+          <p:cNvPr id="2" name="Content Placeholder 1">
+            <a:extLst>
+              <a:ext uri="{FF2B5EF4-FFF2-40B4-BE49-F238E27FC236}">
+                <a16:creationId xmlns:a16="http://schemas.microsoft.com/office/drawing/2014/main" id="{9572C954-C83C-EE79-685B-900385B3EC4B}"/>
+              </a:ext>
+            </a:extLst>
+          </p:cNvPr>
+          <p:cNvSpPr>
+            <a:spLocks noGrp="1"/>
+          </p:cNvSpPr>
+          <p:nvPr>
+            <p:ph idx="1"/>
+          </p:nvPr>
+        </p:nvSpPr>
+        <p:spPr>
+          <a:xfrm>
+            <a:off x="576000" y="1656000"/>
+            <a:ext cx="11041200" cy="4554000"/>
+          </a:xfrm>
+        </p:spPr>
+        <p:txBody>
+          <a:bodyPr>
+            <a:normAutofit lnSpcReduction="10000"/>
+          </a:bodyPr>
+          <a:lstStyle/>
+          <a:p>
+            <a:pPr marL="457200" indent="-457200">
+              <a:buFont typeface="+mj-lt"/>
+              <a:buAutoNum type="arabicPeriod"/>
+            </a:pPr>
+            <a:r>
+              <a:rPr lang="nl-BE" dirty="0">
+                <a:solidFill>
+                  <a:schemeClr val="bg2">
+                    <a:lumMod val="75000"/>
+                  </a:schemeClr>
+                </a:solidFill>
+              </a:rPr>
+              <a:t>Inleiding</a:t>
+            </a:r>
+          </a:p>
+          <a:p>
+            <a:pPr marL="457200" indent="-457200">
+              <a:buFont typeface="+mj-lt"/>
+              <a:buAutoNum type="arabicPeriod"/>
+            </a:pPr>
+            <a:r>
+              <a:rPr lang="nl-BE" dirty="0">
+                <a:solidFill>
+                  <a:schemeClr val="bg2">
+                    <a:lumMod val="75000"/>
+                  </a:schemeClr>
+                </a:solidFill>
+              </a:rPr>
+              <a:t>Ontwerp</a:t>
+            </a:r>
+          </a:p>
+          <a:p>
+            <a:pPr marL="457200" indent="-457200">
+              <a:buFont typeface="+mj-lt"/>
+              <a:buAutoNum type="arabicPeriod"/>
+            </a:pPr>
+            <a:r>
+              <a:rPr lang="nl-BE" dirty="0">
+                <a:solidFill>
+                  <a:schemeClr val="bg2">
+                    <a:lumMod val="75000"/>
+                  </a:schemeClr>
+                </a:solidFill>
+              </a:rPr>
+              <a:t>Stappen</a:t>
+            </a:r>
+          </a:p>
+          <a:p>
+            <a:pPr marL="914400" lvl="1" indent="-457200">
+              <a:buFont typeface="+mj-lt"/>
+              <a:buAutoNum type="arabicPeriod"/>
+            </a:pPr>
+            <a:r>
+              <a:rPr lang="nl-BE" dirty="0">
+                <a:solidFill>
+                  <a:schemeClr val="bg2">
+                    <a:lumMod val="75000"/>
+                  </a:schemeClr>
+                </a:solidFill>
+              </a:rPr>
+              <a:t>Detectie en lokalisatie</a:t>
+            </a:r>
+          </a:p>
+          <a:p>
+            <a:pPr marL="914400" lvl="1" indent="-457200">
+              <a:buFont typeface="+mj-lt"/>
+              <a:buAutoNum type="arabicPeriod"/>
+            </a:pPr>
+            <a:r>
+              <a:rPr lang="nl-BE" dirty="0"/>
+              <a:t>Richten</a:t>
+            </a:r>
+          </a:p>
+          <a:p>
+            <a:pPr marL="914400" lvl="1" indent="-457200">
+              <a:buFont typeface="+mj-lt"/>
+              <a:buAutoNum type="arabicPeriod"/>
+            </a:pPr>
+            <a:r>
+              <a:rPr lang="nl-BE" dirty="0">
+                <a:solidFill>
+                  <a:schemeClr val="bg2">
+                    <a:lumMod val="75000"/>
+                  </a:schemeClr>
+                </a:solidFill>
+              </a:rPr>
+              <a:t>Blussen</a:t>
+            </a:r>
+          </a:p>
+          <a:p>
+            <a:pPr marL="457200" indent="-457200">
+              <a:buFont typeface="+mj-lt"/>
+              <a:buAutoNum type="arabicPeriod"/>
+            </a:pPr>
+            <a:r>
+              <a:rPr lang="nl-BE" dirty="0">
+                <a:solidFill>
+                  <a:schemeClr val="bg2">
+                    <a:lumMod val="75000"/>
+                  </a:schemeClr>
+                </a:solidFill>
+              </a:rPr>
+              <a:t>Prototype</a:t>
+            </a:r>
+          </a:p>
+          <a:p>
+            <a:pPr marL="457200" indent="-457200">
+              <a:buFont typeface="+mj-lt"/>
+              <a:buAutoNum type="arabicPeriod"/>
+            </a:pPr>
+            <a:r>
+              <a:rPr lang="nl-BE" dirty="0">
+                <a:solidFill>
+                  <a:schemeClr val="bg2">
+                    <a:lumMod val="75000"/>
+                  </a:schemeClr>
+                </a:solidFill>
+              </a:rPr>
+              <a:t>Resultaten</a:t>
+            </a:r>
+          </a:p>
+          <a:p>
+            <a:pPr marL="457200" indent="-457200">
+              <a:buFont typeface="+mj-lt"/>
+              <a:buAutoNum type="arabicPeriod"/>
+            </a:pPr>
+            <a:r>
+              <a:rPr lang="nl-BE" dirty="0">
+                <a:solidFill>
+                  <a:schemeClr val="bg2">
+                    <a:lumMod val="75000"/>
+                  </a:schemeClr>
+                </a:solidFill>
+              </a:rPr>
+              <a:t>Besluit</a:t>
+            </a:r>
+          </a:p>
+          <a:p>
+            <a:pPr marL="457200" indent="-457200">
+              <a:buFont typeface="+mj-lt"/>
+              <a:buAutoNum type="arabicPeriod"/>
+            </a:pPr>
+            <a:r>
+              <a:rPr lang="nl-BE" dirty="0">
+                <a:solidFill>
+                  <a:schemeClr val="bg2">
+                    <a:lumMod val="75000"/>
+                  </a:schemeClr>
+                </a:solidFill>
+              </a:rPr>
+              <a:t>Bibliografie</a:t>
+            </a:r>
+          </a:p>
+          <a:p>
+            <a:pPr marL="457200" indent="-457200">
+              <a:buFont typeface="+mj-lt"/>
+              <a:buAutoNum type="arabicPeriod"/>
+            </a:pPr>
+            <a:endParaRPr lang="nl-BE" dirty="0"/>
+          </a:p>
+        </p:txBody>
+      </p:sp>
+      <p:sp>
+        <p:nvSpPr>
+          <p:cNvPr id="3" name="Footer Placeholder 2">
+            <a:extLst>
+              <a:ext uri="{FF2B5EF4-FFF2-40B4-BE49-F238E27FC236}">
+                <a16:creationId xmlns:a16="http://schemas.microsoft.com/office/drawing/2014/main" id="{87B9D861-BADE-1735-BC5D-FB0CE4C31EFE}"/>
+              </a:ext>
+            </a:extLst>
+          </p:cNvPr>
+          <p:cNvSpPr>
+            <a:spLocks noGrp="1"/>
+          </p:cNvSpPr>
+          <p:nvPr>
+            <p:ph type="ftr" sz="quarter" idx="11"/>
+          </p:nvPr>
+        </p:nvSpPr>
+        <p:spPr/>
+        <p:txBody>
+          <a:bodyPr/>
+          <a:lstStyle/>
+          <a:p>
+            <a:r>
+              <a:rPr lang="nl-NL"/>
+              <a:t>Groep Wetenschappen &amp; Techonologie - Ingenieurswetenschappen</a:t>
+            </a:r>
+          </a:p>
+        </p:txBody>
+      </p:sp>
+      <p:sp>
+        <p:nvSpPr>
+          <p:cNvPr id="4" name="Slide Number Placeholder 3">
+            <a:extLst>
+              <a:ext uri="{FF2B5EF4-FFF2-40B4-BE49-F238E27FC236}">
+                <a16:creationId xmlns:a16="http://schemas.microsoft.com/office/drawing/2014/main" id="{FC23E00C-3A77-A444-8280-8A8A5D17B5DF}"/>
+              </a:ext>
+            </a:extLst>
+          </p:cNvPr>
+          <p:cNvSpPr>
+            <a:spLocks noGrp="1"/>
+          </p:cNvSpPr>
+          <p:nvPr>
+            <p:ph type="sldNum" sz="quarter" idx="12"/>
+          </p:nvPr>
+        </p:nvSpPr>
+        <p:spPr/>
+        <p:txBody>
+          <a:bodyPr/>
+          <a:lstStyle/>
+          <a:p>
+            <a:fld id="{0A297500-7527-634B-90F4-69D0994C32B4}" type="slidenum">
+              <a:rPr lang="nl-NL" smtClean="0"/>
+              <a:t>16</a:t>
+            </a:fld>
+            <a:endParaRPr lang="nl-NL"/>
+          </a:p>
+        </p:txBody>
+      </p:sp>
+      <p:sp>
+        <p:nvSpPr>
+          <p:cNvPr id="5" name="Title 4">
+            <a:extLst>
+              <a:ext uri="{FF2B5EF4-FFF2-40B4-BE49-F238E27FC236}">
+                <a16:creationId xmlns:a16="http://schemas.microsoft.com/office/drawing/2014/main" id="{344F2F4D-955A-2213-B685-181EC6CE1CBA}"/>
+              </a:ext>
+            </a:extLst>
+          </p:cNvPr>
+          <p:cNvSpPr>
+            <a:spLocks noGrp="1"/>
+          </p:cNvSpPr>
+          <p:nvPr>
+            <p:ph type="title"/>
+          </p:nvPr>
+        </p:nvSpPr>
+        <p:spPr/>
+        <p:txBody>
+          <a:bodyPr/>
+          <a:lstStyle/>
+          <a:p>
+            <a:r>
+              <a:rPr lang="nl-BE" dirty="0"/>
+              <a:t>Overzicht</a:t>
+            </a:r>
+          </a:p>
+        </p:txBody>
+      </p:sp>
+    </p:spTree>
+    <p:extLst>
+      <p:ext uri="{BB962C8B-B14F-4D97-AF65-F5344CB8AC3E}">
+        <p14:creationId xmlns:p14="http://schemas.microsoft.com/office/powerpoint/2010/main" val="3496813920"/>
+      </p:ext>
+    </p:extLst>
+  </p:cSld>
+  <p:clrMapOvr>
+    <a:masterClrMapping/>
+  </p:clrMapOvr>
+</p:sld>
+</file>
+
+<file path=ppt/slides/slide17.xml><?xml version="1.0" encoding="utf-8"?>
+<p:sld xmlns:a="http://schemas.openxmlformats.org/drawingml/2006/main" xmlns:r="http://schemas.openxmlformats.org/officeDocument/2006/relationships" xmlns:p="http://schemas.openxmlformats.org/presentationml/2006/main">
+  <p:cSld>
+    <p:spTree>
+      <p:nvGrpSpPr>
+        <p:cNvPr id="1" name=""/>
+        <p:cNvGrpSpPr/>
+        <p:nvPr/>
+      </p:nvGrpSpPr>
+      <p:grpSpPr>
+        <a:xfrm>
+          <a:off x="0" y="0"/>
+          <a:ext cx="0" cy="0"/>
+          <a:chOff x="0" y="0"/>
+          <a:chExt cx="0" cy="0"/>
+        </a:xfrm>
+      </p:grpSpPr>
+      <p:sp>
+        <p:nvSpPr>
           <p:cNvPr id="2" name="Text Placeholder 1">
             <a:extLst>
               <a:ext uri="{FF2B5EF4-FFF2-40B4-BE49-F238E27FC236}">
@@ -6770,7 +7134,7 @@
           <a:p>
             <a:fld id="{0A297500-7527-634B-90F4-69D0994C32B4}" type="slidenum">
               <a:rPr lang="nl-NL" smtClean="0"/>
-              <a:t>15</a:t>
+              <a:t>17</a:t>
             </a:fld>
             <a:endParaRPr lang="nl-NL"/>
           </a:p>
@@ -6848,519 +7212,6 @@
 </p:sld>
 </file>
 
-<file path=ppt/slides/slide16.xml><?xml version="1.0" encoding="utf-8"?>
-<p:sld xmlns:a="http://schemas.openxmlformats.org/drawingml/2006/main" xmlns:r="http://schemas.openxmlformats.org/officeDocument/2006/relationships" xmlns:p="http://schemas.openxmlformats.org/presentationml/2006/main">
-  <p:cSld>
-    <p:spTree>
-      <p:nvGrpSpPr>
-        <p:cNvPr id="1" name=""/>
-        <p:cNvGrpSpPr/>
-        <p:nvPr/>
-      </p:nvGrpSpPr>
-      <p:grpSpPr>
-        <a:xfrm>
-          <a:off x="0" y="0"/>
-          <a:ext cx="0" cy="0"/>
-          <a:chOff x="0" y="0"/>
-          <a:chExt cx="0" cy="0"/>
-        </a:xfrm>
-      </p:grpSpPr>
-      <p:sp>
-        <p:nvSpPr>
-          <p:cNvPr id="2" name="Text Placeholder 1">
-            <a:extLst>
-              <a:ext uri="{FF2B5EF4-FFF2-40B4-BE49-F238E27FC236}">
-                <a16:creationId xmlns:a16="http://schemas.microsoft.com/office/drawing/2014/main" id="{5E925BC7-2783-5805-B3C1-BADD15B9D513}"/>
-              </a:ext>
-            </a:extLst>
-          </p:cNvPr>
-          <p:cNvSpPr>
-            <a:spLocks noGrp="1"/>
-          </p:cNvSpPr>
-          <p:nvPr>
-            <p:ph type="body" idx="1"/>
-          </p:nvPr>
-        </p:nvSpPr>
-        <p:spPr/>
-        <p:txBody>
-          <a:bodyPr/>
-          <a:lstStyle/>
-          <a:p>
-            <a:r>
-              <a:rPr lang="nl-BE" dirty="0"/>
-              <a:t>Beweging</a:t>
-            </a:r>
-          </a:p>
-        </p:txBody>
-      </p:sp>
-      <p:sp>
-        <p:nvSpPr>
-          <p:cNvPr id="3" name="Content Placeholder 2">
-            <a:extLst>
-              <a:ext uri="{FF2B5EF4-FFF2-40B4-BE49-F238E27FC236}">
-                <a16:creationId xmlns:a16="http://schemas.microsoft.com/office/drawing/2014/main" id="{1454D4B1-BBA9-833E-209C-1050200223C8}"/>
-              </a:ext>
-            </a:extLst>
-          </p:cNvPr>
-          <p:cNvSpPr>
-            <a:spLocks noGrp="1"/>
-          </p:cNvSpPr>
-          <p:nvPr>
-            <p:ph sz="half" idx="2"/>
-          </p:nvPr>
-        </p:nvSpPr>
-        <p:spPr/>
-        <p:txBody>
-          <a:bodyPr/>
-          <a:lstStyle/>
-          <a:p>
-            <a:r>
-              <a:rPr lang="nl-BE" dirty="0"/>
-              <a:t>2 motoren (Micro Metal Gear Motor 100:1 HP)</a:t>
-            </a:r>
-          </a:p>
-          <a:p>
-            <a:r>
-              <a:rPr lang="nl-BE" dirty="0"/>
-              <a:t>Horizontale rotatie: roterend platform met arm, camera en 2</a:t>
-            </a:r>
-            <a:r>
-              <a:rPr lang="nl-BE" baseline="30000" dirty="0"/>
-              <a:t>de</a:t>
-            </a:r>
-            <a:r>
-              <a:rPr lang="nl-BE" dirty="0"/>
-              <a:t> motor</a:t>
-            </a:r>
-          </a:p>
-          <a:p>
-            <a:r>
-              <a:rPr lang="nl-BE" dirty="0"/>
-              <a:t>Verticale rotatie: motor op platform verbonden met arm</a:t>
-            </a:r>
-          </a:p>
-          <a:p>
-            <a:endParaRPr lang="nl-BE" dirty="0"/>
-          </a:p>
-        </p:txBody>
-      </p:sp>
-      <p:sp>
-        <p:nvSpPr>
-          <p:cNvPr id="6" name="Footer Placeholder 5">
-            <a:extLst>
-              <a:ext uri="{FF2B5EF4-FFF2-40B4-BE49-F238E27FC236}">
-                <a16:creationId xmlns:a16="http://schemas.microsoft.com/office/drawing/2014/main" id="{D693DDB0-6963-65AA-2FFD-A8BADBC9180D}"/>
-              </a:ext>
-            </a:extLst>
-          </p:cNvPr>
-          <p:cNvSpPr>
-            <a:spLocks noGrp="1"/>
-          </p:cNvSpPr>
-          <p:nvPr>
-            <p:ph type="ftr" sz="quarter" idx="11"/>
-          </p:nvPr>
-        </p:nvSpPr>
-        <p:spPr/>
-        <p:txBody>
-          <a:bodyPr/>
-          <a:lstStyle/>
-          <a:p>
-            <a:r>
-              <a:rPr lang="nl-NL"/>
-              <a:t>Groep Wetenschappen &amp; Techonologie - Ingenieurswetenschappen</a:t>
-            </a:r>
-          </a:p>
-        </p:txBody>
-      </p:sp>
-      <p:sp>
-        <p:nvSpPr>
-          <p:cNvPr id="7" name="Slide Number Placeholder 6">
-            <a:extLst>
-              <a:ext uri="{FF2B5EF4-FFF2-40B4-BE49-F238E27FC236}">
-                <a16:creationId xmlns:a16="http://schemas.microsoft.com/office/drawing/2014/main" id="{1ACCFD81-E394-7E86-FF33-CF750CD610C3}"/>
-              </a:ext>
-            </a:extLst>
-          </p:cNvPr>
-          <p:cNvSpPr>
-            <a:spLocks noGrp="1"/>
-          </p:cNvSpPr>
-          <p:nvPr>
-            <p:ph type="sldNum" sz="quarter" idx="12"/>
-          </p:nvPr>
-        </p:nvSpPr>
-        <p:spPr/>
-        <p:txBody>
-          <a:bodyPr/>
-          <a:lstStyle/>
-          <a:p>
-            <a:fld id="{0A297500-7527-634B-90F4-69D0994C32B4}" type="slidenum">
-              <a:rPr lang="nl-NL" smtClean="0"/>
-              <a:t>16</a:t>
-            </a:fld>
-            <a:endParaRPr lang="nl-NL"/>
-          </a:p>
-        </p:txBody>
-      </p:sp>
-      <p:sp>
-        <p:nvSpPr>
-          <p:cNvPr id="8" name="Title 7">
-            <a:extLst>
-              <a:ext uri="{FF2B5EF4-FFF2-40B4-BE49-F238E27FC236}">
-                <a16:creationId xmlns:a16="http://schemas.microsoft.com/office/drawing/2014/main" id="{A535BE19-1CD8-CF0B-8D60-42B0794840EE}"/>
-              </a:ext>
-            </a:extLst>
-          </p:cNvPr>
-          <p:cNvSpPr>
-            <a:spLocks noGrp="1"/>
-          </p:cNvSpPr>
-          <p:nvPr>
-            <p:ph type="title"/>
-          </p:nvPr>
-        </p:nvSpPr>
-        <p:spPr/>
-        <p:txBody>
-          <a:bodyPr/>
-          <a:lstStyle/>
-          <a:p>
-            <a:r>
-              <a:rPr lang="nl-BE" dirty="0"/>
-              <a:t>Richten</a:t>
-            </a:r>
-          </a:p>
-        </p:txBody>
-      </p:sp>
-      <p:pic>
-        <p:nvPicPr>
-          <p:cNvPr id="13" name="Picture 12" descr="Diagram&#10;&#10;Description automatically generated">
-            <a:extLst>
-              <a:ext uri="{FF2B5EF4-FFF2-40B4-BE49-F238E27FC236}">
-                <a16:creationId xmlns:a16="http://schemas.microsoft.com/office/drawing/2014/main" id="{F3CE1736-58FA-CEE1-FF53-8BC72BB6C3E9}"/>
-              </a:ext>
-            </a:extLst>
-          </p:cNvPr>
-          <p:cNvPicPr>
-            <a:picLocks noChangeAspect="1"/>
-          </p:cNvPicPr>
-          <p:nvPr/>
-        </p:nvPicPr>
-        <p:blipFill>
-          <a:blip r:embed="rId2"/>
-          <a:stretch>
-            <a:fillRect/>
-          </a:stretch>
-        </p:blipFill>
-        <p:spPr>
-          <a:xfrm>
-            <a:off x="8042528" y="607654"/>
-            <a:ext cx="2181529" cy="5134692"/>
-          </a:xfrm>
-          <a:prstGeom prst="rect">
-            <a:avLst/>
-          </a:prstGeom>
-        </p:spPr>
-      </p:pic>
-    </p:spTree>
-    <p:extLst>
-      <p:ext uri="{BB962C8B-B14F-4D97-AF65-F5344CB8AC3E}">
-        <p14:creationId xmlns:p14="http://schemas.microsoft.com/office/powerpoint/2010/main" val="4123170472"/>
-      </p:ext>
-    </p:extLst>
-  </p:cSld>
-  <p:clrMapOvr>
-    <a:masterClrMapping/>
-  </p:clrMapOvr>
-</p:sld>
-</file>
-
-<file path=ppt/slides/slide17.xml><?xml version="1.0" encoding="utf-8"?>
-<p:sld xmlns:a="http://schemas.openxmlformats.org/drawingml/2006/main" xmlns:r="http://schemas.openxmlformats.org/officeDocument/2006/relationships" xmlns:p="http://schemas.openxmlformats.org/presentationml/2006/main">
-  <p:cSld>
-    <p:spTree>
-      <p:nvGrpSpPr>
-        <p:cNvPr id="1" name=""/>
-        <p:cNvGrpSpPr/>
-        <p:nvPr/>
-      </p:nvGrpSpPr>
-      <p:grpSpPr>
-        <a:xfrm>
-          <a:off x="0" y="0"/>
-          <a:ext cx="0" cy="0"/>
-          <a:chOff x="0" y="0"/>
-          <a:chExt cx="0" cy="0"/>
-        </a:xfrm>
-      </p:grpSpPr>
-      <p:sp>
-        <p:nvSpPr>
-          <p:cNvPr id="2" name="Content Placeholder 1">
-            <a:extLst>
-              <a:ext uri="{FF2B5EF4-FFF2-40B4-BE49-F238E27FC236}">
-                <a16:creationId xmlns:a16="http://schemas.microsoft.com/office/drawing/2014/main" id="{9572C954-C83C-EE79-685B-900385B3EC4B}"/>
-              </a:ext>
-            </a:extLst>
-          </p:cNvPr>
-          <p:cNvSpPr>
-            <a:spLocks noGrp="1"/>
-          </p:cNvSpPr>
-          <p:nvPr>
-            <p:ph idx="1"/>
-          </p:nvPr>
-        </p:nvSpPr>
-        <p:spPr>
-          <a:xfrm>
-            <a:off x="576000" y="1656000"/>
-            <a:ext cx="11041200" cy="4554000"/>
-          </a:xfrm>
-        </p:spPr>
-        <p:txBody>
-          <a:bodyPr>
-            <a:normAutofit/>
-          </a:bodyPr>
-          <a:lstStyle/>
-          <a:p>
-            <a:pPr marL="457200" indent="-457200">
-              <a:buFont typeface="+mj-lt"/>
-              <a:buAutoNum type="arabicPeriod"/>
-            </a:pPr>
-            <a:r>
-              <a:rPr lang="nl-BE" dirty="0">
-                <a:solidFill>
-                  <a:schemeClr val="bg2">
-                    <a:lumMod val="75000"/>
-                  </a:schemeClr>
-                </a:solidFill>
-              </a:rPr>
-              <a:t>Inleiding</a:t>
-            </a:r>
-          </a:p>
-          <a:p>
-            <a:pPr marL="457200" indent="-457200">
-              <a:buFont typeface="+mj-lt"/>
-              <a:buAutoNum type="arabicPeriod"/>
-            </a:pPr>
-            <a:r>
-              <a:rPr lang="nl-BE" dirty="0">
-                <a:solidFill>
-                  <a:schemeClr val="bg2">
-                    <a:lumMod val="75000"/>
-                  </a:schemeClr>
-                </a:solidFill>
-              </a:rPr>
-              <a:t>Ontwerp</a:t>
-            </a:r>
-          </a:p>
-          <a:p>
-            <a:pPr marL="457200" indent="-457200">
-              <a:buFont typeface="+mj-lt"/>
-              <a:buAutoNum type="arabicPeriod"/>
-            </a:pPr>
-            <a:r>
-              <a:rPr lang="nl-BE" dirty="0">
-                <a:solidFill>
-                  <a:schemeClr val="bg2">
-                    <a:lumMod val="75000"/>
-                  </a:schemeClr>
-                </a:solidFill>
-              </a:rPr>
-              <a:t>Stappen</a:t>
-            </a:r>
-          </a:p>
-          <a:p>
-            <a:pPr marL="914400" lvl="1" indent="-457200">
-              <a:buFont typeface="+mj-lt"/>
-              <a:buAutoNum type="arabicPeriod"/>
-            </a:pPr>
-            <a:r>
-              <a:rPr lang="nl-BE" dirty="0">
-                <a:solidFill>
-                  <a:schemeClr val="bg2">
-                    <a:lumMod val="75000"/>
-                  </a:schemeClr>
-                </a:solidFill>
-              </a:rPr>
-              <a:t>Detectie en lokalisatie</a:t>
-            </a:r>
-          </a:p>
-          <a:p>
-            <a:pPr marL="914400" lvl="1" indent="-457200">
-              <a:buFont typeface="+mj-lt"/>
-              <a:buAutoNum type="arabicPeriod"/>
-            </a:pPr>
-            <a:r>
-              <a:rPr lang="nl-BE" dirty="0">
-                <a:solidFill>
-                  <a:schemeClr val="bg2">
-                    <a:lumMod val="75000"/>
-                  </a:schemeClr>
-                </a:solidFill>
-              </a:rPr>
-              <a:t>Richten</a:t>
-            </a:r>
-          </a:p>
-          <a:p>
-            <a:pPr marL="914400" lvl="1" indent="-457200">
-              <a:buFont typeface="+mj-lt"/>
-              <a:buAutoNum type="arabicPeriod"/>
-            </a:pPr>
-            <a:r>
-              <a:rPr lang="nl-BE" dirty="0"/>
-              <a:t>Blussen</a:t>
-            </a:r>
-          </a:p>
-          <a:p>
-            <a:pPr marL="457200" indent="-457200">
-              <a:buFont typeface="+mj-lt"/>
-              <a:buAutoNum type="arabicPeriod"/>
-            </a:pPr>
-            <a:r>
-              <a:rPr lang="nl-BE" dirty="0">
-                <a:solidFill>
-                  <a:schemeClr val="bg2">
-                    <a:lumMod val="75000"/>
-                  </a:schemeClr>
-                </a:solidFill>
-              </a:rPr>
-              <a:t>Wat hebben we al gerealiseerd?</a:t>
-            </a:r>
-          </a:p>
-          <a:p>
-            <a:pPr marL="457200" indent="-457200">
-              <a:buFont typeface="+mj-lt"/>
-              <a:buAutoNum type="arabicPeriod"/>
-            </a:pPr>
-            <a:r>
-              <a:rPr lang="nl-BE" dirty="0">
-                <a:solidFill>
-                  <a:schemeClr val="bg2">
-                    <a:lumMod val="75000"/>
-                  </a:schemeClr>
-                </a:solidFill>
-              </a:rPr>
-              <a:t>Wat moeten we nog doen?</a:t>
-            </a:r>
-          </a:p>
-          <a:p>
-            <a:pPr marL="457200" indent="-457200">
-              <a:buFont typeface="+mj-lt"/>
-              <a:buAutoNum type="arabicPeriod"/>
-            </a:pPr>
-            <a:r>
-              <a:rPr lang="nl-BE" dirty="0">
-                <a:solidFill>
-                  <a:schemeClr val="bg2">
-                    <a:lumMod val="75000"/>
-                  </a:schemeClr>
-                </a:solidFill>
-              </a:rPr>
-              <a:t>Bibliografie</a:t>
-            </a:r>
-          </a:p>
-          <a:p>
-            <a:pPr marL="457200" indent="-457200">
-              <a:buFont typeface="+mj-lt"/>
-              <a:buAutoNum type="arabicPeriod"/>
-            </a:pPr>
-            <a:endParaRPr lang="nl-BE" dirty="0"/>
-          </a:p>
-        </p:txBody>
-      </p:sp>
-      <p:sp>
-        <p:nvSpPr>
-          <p:cNvPr id="3" name="Footer Placeholder 2">
-            <a:extLst>
-              <a:ext uri="{FF2B5EF4-FFF2-40B4-BE49-F238E27FC236}">
-                <a16:creationId xmlns:a16="http://schemas.microsoft.com/office/drawing/2014/main" id="{87B9D861-BADE-1735-BC5D-FB0CE4C31EFE}"/>
-              </a:ext>
-            </a:extLst>
-          </p:cNvPr>
-          <p:cNvSpPr>
-            <a:spLocks noGrp="1"/>
-          </p:cNvSpPr>
-          <p:nvPr>
-            <p:ph type="ftr" sz="quarter" idx="11"/>
-          </p:nvPr>
-        </p:nvSpPr>
-        <p:spPr/>
-        <p:txBody>
-          <a:bodyPr/>
-          <a:lstStyle/>
-          <a:p>
-            <a:r>
-              <a:rPr lang="nl-NL"/>
-              <a:t>Groep Wetenschappen &amp; Techonologie - Ingenieurswetenschappen</a:t>
-            </a:r>
-          </a:p>
-        </p:txBody>
-      </p:sp>
-      <p:sp>
-        <p:nvSpPr>
-          <p:cNvPr id="4" name="Slide Number Placeholder 3">
-            <a:extLst>
-              <a:ext uri="{FF2B5EF4-FFF2-40B4-BE49-F238E27FC236}">
-                <a16:creationId xmlns:a16="http://schemas.microsoft.com/office/drawing/2014/main" id="{FC23E00C-3A77-A444-8280-8A8A5D17B5DF}"/>
-              </a:ext>
-            </a:extLst>
-          </p:cNvPr>
-          <p:cNvSpPr>
-            <a:spLocks noGrp="1"/>
-          </p:cNvSpPr>
-          <p:nvPr>
-            <p:ph type="sldNum" sz="quarter" idx="12"/>
-          </p:nvPr>
-        </p:nvSpPr>
-        <p:spPr/>
-        <p:txBody>
-          <a:bodyPr/>
-          <a:lstStyle/>
-          <a:p>
-            <a:fld id="{0A297500-7527-634B-90F4-69D0994C32B4}" type="slidenum">
-              <a:rPr lang="nl-NL" smtClean="0"/>
-              <a:t>17</a:t>
-            </a:fld>
-            <a:endParaRPr lang="nl-NL"/>
-          </a:p>
-        </p:txBody>
-      </p:sp>
-      <p:sp>
-        <p:nvSpPr>
-          <p:cNvPr id="5" name="Title 4">
-            <a:extLst>
-              <a:ext uri="{FF2B5EF4-FFF2-40B4-BE49-F238E27FC236}">
-                <a16:creationId xmlns:a16="http://schemas.microsoft.com/office/drawing/2014/main" id="{344F2F4D-955A-2213-B685-181EC6CE1CBA}"/>
-              </a:ext>
-            </a:extLst>
-          </p:cNvPr>
-          <p:cNvSpPr>
-            <a:spLocks noGrp="1"/>
-          </p:cNvSpPr>
-          <p:nvPr>
-            <p:ph type="title"/>
-          </p:nvPr>
-        </p:nvSpPr>
-        <p:spPr/>
-        <p:txBody>
-          <a:bodyPr/>
-          <a:lstStyle/>
-          <a:p>
-            <a:r>
-              <a:rPr lang="nl-BE" dirty="0"/>
-              <a:t>Overzicht</a:t>
-            </a:r>
-          </a:p>
-        </p:txBody>
-      </p:sp>
-    </p:spTree>
-    <p:extLst>
-      <p:ext uri="{BB962C8B-B14F-4D97-AF65-F5344CB8AC3E}">
-        <p14:creationId xmlns:p14="http://schemas.microsoft.com/office/powerpoint/2010/main" val="4078082637"/>
-      </p:ext>
-    </p:extLst>
-  </p:cSld>
-  <p:clrMapOvr>
-    <a:masterClrMapping/>
-  </p:clrMapOvr>
-</p:sld>
-</file>
-
 <file path=ppt/slides/slide18.xml><?xml version="1.0" encoding="utf-8"?>
 <p:sld xmlns:a="http://schemas.openxmlformats.org/drawingml/2006/main" xmlns:r="http://schemas.openxmlformats.org/officeDocument/2006/relationships" xmlns:p="http://schemas.openxmlformats.org/presentationml/2006/main">
   <p:cSld>
@@ -7383,7 +7234,7 @@
           <p:cNvPr id="2" name="Text Placeholder 1">
             <a:extLst>
               <a:ext uri="{FF2B5EF4-FFF2-40B4-BE49-F238E27FC236}">
-                <a16:creationId xmlns:a16="http://schemas.microsoft.com/office/drawing/2014/main" id="{50812383-1E2C-0593-3BE3-D56DEB273572}"/>
+                <a16:creationId xmlns:a16="http://schemas.microsoft.com/office/drawing/2014/main" id="{5E925BC7-2783-5805-B3C1-BADD15B9D513}"/>
               </a:ext>
             </a:extLst>
           </p:cNvPr>
@@ -7401,7 +7252,7 @@
           <a:p>
             <a:r>
               <a:rPr lang="nl-BE" dirty="0"/>
-              <a:t>Pomp</a:t>
+              <a:t>Beweging</a:t>
             </a:r>
           </a:p>
         </p:txBody>
@@ -7411,7 +7262,7 @@
           <p:cNvPr id="3" name="Content Placeholder 2">
             <a:extLst>
               <a:ext uri="{FF2B5EF4-FFF2-40B4-BE49-F238E27FC236}">
-                <a16:creationId xmlns:a16="http://schemas.microsoft.com/office/drawing/2014/main" id="{4BCCE717-1B93-CB5A-606B-91B7DF303444}"/>
+                <a16:creationId xmlns:a16="http://schemas.microsoft.com/office/drawing/2014/main" id="{1454D4B1-BBA9-833E-209C-1050200223C8}"/>
               </a:ext>
             </a:extLst>
           </p:cNvPr>
@@ -7429,35 +7280,33 @@
           <a:p>
             <a:r>
               <a:rPr lang="nl-BE" dirty="0"/>
-              <a:t>Wanneer armen correct gericht </a:t>
-            </a:r>
-            <a:r>
-              <a:rPr lang="nl-BE" dirty="0">
-                <a:sym typeface="Wingdings" panose="05000000000000000000" pitchFamily="2" charset="2"/>
-              </a:rPr>
-              <a:t> signaal begin werking pomp</a:t>
-            </a:r>
-          </a:p>
-          <a:p>
-            <a:r>
-              <a:rPr lang="nl-BE" dirty="0" err="1">
-                <a:sym typeface="Wingdings" panose="05000000000000000000" pitchFamily="2" charset="2"/>
-              </a:rPr>
-              <a:t>Whadda</a:t>
-            </a:r>
-            <a:r>
-              <a:rPr lang="nl-BE" dirty="0">
-                <a:sym typeface="Wingdings" panose="05000000000000000000" pitchFamily="2" charset="2"/>
-              </a:rPr>
-              <a:t> WPSE470 waterflowsensor treed in werking voor eventuele aanpassingen van hoek </a:t>
-            </a:r>
-          </a:p>
-          <a:p>
-            <a:r>
-              <a:rPr lang="nl-BE" dirty="0">
-                <a:sym typeface="Wingdings" panose="05000000000000000000" pitchFamily="2" charset="2"/>
-              </a:rPr>
-              <a:t>Juiste hoeveelheid water + ingerekende verspilling water wegspuiten</a:t>
+              <a:t>2 motoren (Micro Metal Gear Motor 100:1 HP)</a:t>
+            </a:r>
+          </a:p>
+          <a:p>
+            <a:r>
+              <a:rPr lang="nl-BE" dirty="0"/>
+              <a:t>Horizontale rotatie: roterend platform met arm, camera en 2</a:t>
+            </a:r>
+            <a:r>
+              <a:rPr lang="nl-BE" baseline="30000" dirty="0"/>
+              <a:t>de</a:t>
+            </a:r>
+            <a:r>
+              <a:rPr lang="nl-BE" dirty="0"/>
+              <a:t> motor</a:t>
+            </a:r>
+          </a:p>
+          <a:p>
+            <a:r>
+              <a:rPr lang="nl-BE" dirty="0"/>
+              <a:t>Arm beweegt verticaal door hefboomsysteem</a:t>
+            </a:r>
+          </a:p>
+          <a:p>
+            <a:r>
+              <a:rPr lang="nl-BE" dirty="0"/>
+              <a:t>Verticale rotatie: motor op platform verbonden met arm</a:t>
             </a:r>
           </a:p>
           <a:p>
@@ -7470,7 +7319,7 @@
           <p:cNvPr id="6" name="Footer Placeholder 5">
             <a:extLst>
               <a:ext uri="{FF2B5EF4-FFF2-40B4-BE49-F238E27FC236}">
-                <a16:creationId xmlns:a16="http://schemas.microsoft.com/office/drawing/2014/main" id="{E13CA08D-D5EF-EEAC-9FE9-44301BE6DDF9}"/>
+                <a16:creationId xmlns:a16="http://schemas.microsoft.com/office/drawing/2014/main" id="{D693DDB0-6963-65AA-2FFD-A8BADBC9180D}"/>
               </a:ext>
             </a:extLst>
           </p:cNvPr>
@@ -7498,7 +7347,7 @@
           <p:cNvPr id="7" name="Slide Number Placeholder 6">
             <a:extLst>
               <a:ext uri="{FF2B5EF4-FFF2-40B4-BE49-F238E27FC236}">
-                <a16:creationId xmlns:a16="http://schemas.microsoft.com/office/drawing/2014/main" id="{B6711DA2-BB57-AD9E-12B5-F7ABC208B350}"/>
+                <a16:creationId xmlns:a16="http://schemas.microsoft.com/office/drawing/2014/main" id="{1ACCFD81-E394-7E86-FF33-CF750CD610C3}"/>
               </a:ext>
             </a:extLst>
           </p:cNvPr>
@@ -7527,7 +7376,7 @@
           <p:cNvPr id="8" name="Title 7">
             <a:extLst>
               <a:ext uri="{FF2B5EF4-FFF2-40B4-BE49-F238E27FC236}">
-                <a16:creationId xmlns:a16="http://schemas.microsoft.com/office/drawing/2014/main" id="{7475CB8F-7F64-009D-D0F4-18C7B69D1AE7}"/>
+                <a16:creationId xmlns:a16="http://schemas.microsoft.com/office/drawing/2014/main" id="{A535BE19-1CD8-CF0B-8D60-42B0794840EE}"/>
               </a:ext>
             </a:extLst>
           </p:cNvPr>
@@ -7545,17 +7394,17 @@
           <a:p>
             <a:r>
               <a:rPr lang="nl-BE" dirty="0"/>
-              <a:t>Blussen</a:t>
+              <a:t>Richten</a:t>
             </a:r>
           </a:p>
         </p:txBody>
       </p:sp>
       <p:pic>
         <p:nvPicPr>
-          <p:cNvPr id="10" name="Picture 9" descr="Diagram&#10;&#10;Description automatically generated">
+          <p:cNvPr id="13" name="Picture 12" descr="Diagram&#10;&#10;Description automatically generated">
             <a:extLst>
               <a:ext uri="{FF2B5EF4-FFF2-40B4-BE49-F238E27FC236}">
-                <a16:creationId xmlns:a16="http://schemas.microsoft.com/office/drawing/2014/main" id="{8718F5DC-CE2F-9D0A-B521-AFFC69626CC2}"/>
+                <a16:creationId xmlns:a16="http://schemas.microsoft.com/office/drawing/2014/main" id="{F3CE1736-58FA-CEE1-FF53-8BC72BB6C3E9}"/>
               </a:ext>
             </a:extLst>
           </p:cNvPr>
@@ -7564,16 +7413,15 @@
           </p:cNvPicPr>
           <p:nvPr/>
         </p:nvPicPr>
-        <p:blipFill>
+        <p:blipFill rotWithShape="1">
           <a:blip r:embed="rId2"/>
-          <a:stretch>
-            <a:fillRect/>
-          </a:stretch>
+          <a:srcRect t="523" b="1895"/>
+          <a:stretch/>
         </p:blipFill>
         <p:spPr>
           <a:xfrm>
-            <a:off x="7098500" y="668156"/>
-            <a:ext cx="3542180" cy="5332732"/>
+            <a:off x="7352064" y="198040"/>
+            <a:ext cx="2575708" cy="5915889"/>
           </a:xfrm>
           <a:prstGeom prst="rect">
             <a:avLst/>
@@ -7583,7 +7431,7 @@
     </p:spTree>
     <p:extLst>
       <p:ext uri="{BB962C8B-B14F-4D97-AF65-F5344CB8AC3E}">
-        <p14:creationId xmlns:p14="http://schemas.microsoft.com/office/powerpoint/2010/main" val="387171481"/>
+        <p14:creationId xmlns:p14="http://schemas.microsoft.com/office/powerpoint/2010/main" val="4123170472"/>
       </p:ext>
     </p:extLst>
   </p:cSld>
@@ -7634,7 +7482,7 @@
         </p:spPr>
         <p:txBody>
           <a:bodyPr>
-            <a:normAutofit/>
+            <a:normAutofit lnSpcReduction="10000"/>
           </a:bodyPr>
           <a:lstStyle/>
           <a:p>
@@ -7723,6 +7571,16 @@
               <a:buAutoNum type="arabicPeriod"/>
             </a:pPr>
             <a:r>
+              <a:rPr lang="nl-BE" dirty="0"/>
+              <a:t>Blussen</a:t>
+            </a:r>
+          </a:p>
+          <a:p>
+            <a:pPr marL="457200" indent="-457200">
+              <a:buFont typeface="+mj-lt"/>
+              <a:buAutoNum type="arabicPeriod"/>
+            </a:pPr>
+            <a:r>
               <a:rPr lang="nl-BE" dirty="0">
                 <a:solidFill>
                   <a:schemeClr val="bg2">
@@ -7730,17 +7588,7 @@
                   </a:schemeClr>
                 </a:solidFill>
               </a:rPr>
-              <a:t>Blussen</a:t>
-            </a:r>
-          </a:p>
-          <a:p>
-            <a:pPr marL="457200" indent="-457200">
-              <a:buFont typeface="+mj-lt"/>
-              <a:buAutoNum type="arabicPeriod"/>
-            </a:pPr>
-            <a:r>
-              <a:rPr lang="nl-BE" dirty="0"/>
-              <a:t>Wat hebben we al gerealiseerd?</a:t>
+              <a:t>Prototype</a:t>
             </a:r>
           </a:p>
           <a:p>
@@ -7756,7 +7604,23 @@
                   </a:schemeClr>
                 </a:solidFill>
               </a:rPr>
-              <a:t>Wat moeten we nog doen?</a:t>
+              <a:t>Resultaten</a:t>
+            </a:r>
+          </a:p>
+          <a:p>
+            <a:pPr marL="457200" indent="-457200">
+              <a:buFont typeface="+mj-lt"/>
+              <a:buAutoNum type="arabicPeriod"/>
+            </a:pPr>
+            <a:r>
+              <a:rPr lang="nl-BE" dirty="0">
+                <a:solidFill>
+                  <a:schemeClr val="bg2">
+                    <a:lumMod val="75000"/>
+                  </a:schemeClr>
+                </a:solidFill>
+              </a:rPr>
+              <a:t>Besluit</a:t>
             </a:r>
           </a:p>
           <a:p>
@@ -7872,7 +7736,7 @@
     </p:spTree>
     <p:extLst>
       <p:ext uri="{BB962C8B-B14F-4D97-AF65-F5344CB8AC3E}">
-        <p14:creationId xmlns:p14="http://schemas.microsoft.com/office/powerpoint/2010/main" val="244562561"/>
+        <p14:creationId xmlns:p14="http://schemas.microsoft.com/office/powerpoint/2010/main" val="4078082637"/>
       </p:ext>
     </p:extLst>
   </p:cSld>
@@ -7993,7 +7857,7 @@
             </a:pPr>
             <a:r>
               <a:rPr lang="nl-BE" dirty="0"/>
-              <a:t>Wat hebben we al gerealiseerd?</a:t>
+              <a:t>Prototype</a:t>
             </a:r>
           </a:p>
           <a:p>
@@ -8003,7 +7867,7 @@
             </a:pPr>
             <a:r>
               <a:rPr lang="nl-BE" dirty="0"/>
-              <a:t>Wat moeten we nog doen?</a:t>
+              <a:t>Resultaten</a:t>
             </a:r>
           </a:p>
           <a:p>
@@ -8155,7 +8019,7 @@
           <p:cNvPr id="2" name="Text Placeholder 1">
             <a:extLst>
               <a:ext uri="{FF2B5EF4-FFF2-40B4-BE49-F238E27FC236}">
-                <a16:creationId xmlns:a16="http://schemas.microsoft.com/office/drawing/2014/main" id="{42671717-52C7-0E8F-8CBA-82691BF1E69D}"/>
+                <a16:creationId xmlns:a16="http://schemas.microsoft.com/office/drawing/2014/main" id="{50812383-1E2C-0593-3BE3-D56DEB273572}"/>
               </a:ext>
             </a:extLst>
           </p:cNvPr>
@@ -8173,7 +8037,7 @@
           <a:p>
             <a:r>
               <a:rPr lang="nl-BE" dirty="0"/>
-              <a:t>Camera</a:t>
+              <a:t>Pomp</a:t>
             </a:r>
           </a:p>
         </p:txBody>
@@ -8183,7 +8047,7 @@
           <p:cNvPr id="3" name="Content Placeholder 2">
             <a:extLst>
               <a:ext uri="{FF2B5EF4-FFF2-40B4-BE49-F238E27FC236}">
-                <a16:creationId xmlns:a16="http://schemas.microsoft.com/office/drawing/2014/main" id="{8FCFCA61-ACBD-CB03-BDBC-7FA6AFD5FF83}"/>
+                <a16:creationId xmlns:a16="http://schemas.microsoft.com/office/drawing/2014/main" id="{4BCCE717-1B93-CB5A-606B-91B7DF303444}"/>
               </a:ext>
             </a:extLst>
           </p:cNvPr>
@@ -8201,59 +8065,48 @@
           <a:p>
             <a:r>
               <a:rPr lang="nl-BE" dirty="0"/>
-              <a:t>Detectie van rode objecten</a:t>
-            </a:r>
-          </a:p>
-          <a:p>
-            <a:r>
-              <a:rPr lang="nl-BE" dirty="0"/>
-              <a:t>Schatting afstand tot (rode) object</a:t>
-            </a:r>
-          </a:p>
-          <a:p>
-            <a:r>
-              <a:rPr lang="nl-BE" dirty="0"/>
-              <a:t>Hoekbepaling van arm</a:t>
-            </a:r>
-          </a:p>
-          <a:p>
-            <a:r>
-              <a:rPr lang="nl-BE" dirty="0"/>
-              <a:t>Code arm richten om afstand tot voorwerp te overbruggen</a:t>
-            </a:r>
-          </a:p>
-          <a:p>
-            <a:r>
-              <a:rPr lang="nl-BE" dirty="0"/>
-              <a:t>Berekening diameter mondstuk</a:t>
+              <a:t>Wanneer armen correct gericht </a:t>
+            </a:r>
+            <a:r>
+              <a:rPr lang="nl-BE" dirty="0">
+                <a:sym typeface="Wingdings" panose="05000000000000000000" pitchFamily="2" charset="2"/>
+              </a:rPr>
+              <a:t> signaal  werking pomp</a:t>
+            </a:r>
+          </a:p>
+          <a:p>
+            <a:r>
+              <a:rPr lang="nl-BE" dirty="0" err="1">
+                <a:sym typeface="Wingdings" panose="05000000000000000000" pitchFamily="2" charset="2"/>
+              </a:rPr>
+              <a:t>Whadda</a:t>
+            </a:r>
+            <a:r>
+              <a:rPr lang="nl-BE" dirty="0">
+                <a:sym typeface="Wingdings" panose="05000000000000000000" pitchFamily="2" charset="2"/>
+              </a:rPr>
+              <a:t> waterflowsensor treed in werking voor eventuele aanpassingen van hoek </a:t>
+            </a:r>
+          </a:p>
+          <a:p>
+            <a:r>
+              <a:rPr lang="nl-BE" dirty="0">
+                <a:sym typeface="Wingdings" panose="05000000000000000000" pitchFamily="2" charset="2"/>
+              </a:rPr>
+              <a:t>Juiste hoeveelheid water + ingerekende verspilling water wegspuiten</a:t>
             </a:r>
           </a:p>
           <a:p>
             <a:endParaRPr lang="nl-BE" dirty="0"/>
           </a:p>
-          <a:p>
-            <a:endParaRPr lang="nl-BE" dirty="0"/>
-          </a:p>
-          <a:p>
-            <a:endParaRPr lang="nl-BE" dirty="0"/>
-          </a:p>
-          <a:p>
-            <a:endParaRPr lang="nl-BE" dirty="0"/>
-          </a:p>
-          <a:p>
-            <a:endParaRPr lang="nl-BE" dirty="0"/>
-          </a:p>
-          <a:p>
-            <a:endParaRPr lang="nl-BE" dirty="0"/>
-          </a:p>
-        </p:txBody>
-      </p:sp>
-      <p:sp>
-        <p:nvSpPr>
-          <p:cNvPr id="4" name="Text Placeholder 3">
+        </p:txBody>
+      </p:sp>
+      <p:sp>
+        <p:nvSpPr>
+          <p:cNvPr id="6" name="Footer Placeholder 5">
             <a:extLst>
               <a:ext uri="{FF2B5EF4-FFF2-40B4-BE49-F238E27FC236}">
-                <a16:creationId xmlns:a16="http://schemas.microsoft.com/office/drawing/2014/main" id="{7B23A01F-059C-4587-B76A-B65CAA425AC3}"/>
+                <a16:creationId xmlns:a16="http://schemas.microsoft.com/office/drawing/2014/main" id="{E13CA08D-D5EF-EEAC-9FE9-44301BE6DDF9}"/>
               </a:ext>
             </a:extLst>
           </p:cNvPr>
@@ -8261,56 +8114,6 @@
             <a:spLocks noGrp="1"/>
           </p:cNvSpPr>
           <p:nvPr>
-            <p:ph type="body" sz="quarter" idx="3"/>
-          </p:nvPr>
-        </p:nvSpPr>
-        <p:spPr/>
-        <p:txBody>
-          <a:bodyPr/>
-          <a:lstStyle/>
-          <a:p>
-            <a:endParaRPr lang="nl-BE"/>
-          </a:p>
-        </p:txBody>
-      </p:sp>
-      <p:sp>
-        <p:nvSpPr>
-          <p:cNvPr id="5" name="Content Placeholder 4">
-            <a:extLst>
-              <a:ext uri="{FF2B5EF4-FFF2-40B4-BE49-F238E27FC236}">
-                <a16:creationId xmlns:a16="http://schemas.microsoft.com/office/drawing/2014/main" id="{1EB4A612-97F7-2B20-3DB2-67D253B50602}"/>
-              </a:ext>
-            </a:extLst>
-          </p:cNvPr>
-          <p:cNvSpPr>
-            <a:spLocks noGrp="1"/>
-          </p:cNvSpPr>
-          <p:nvPr>
-            <p:ph sz="quarter" idx="4"/>
-          </p:nvPr>
-        </p:nvSpPr>
-        <p:spPr/>
-        <p:txBody>
-          <a:bodyPr/>
-          <a:lstStyle/>
-          <a:p>
-            <a:endParaRPr lang="nl-BE"/>
-          </a:p>
-        </p:txBody>
-      </p:sp>
-      <p:sp>
-        <p:nvSpPr>
-          <p:cNvPr id="6" name="Footer Placeholder 5">
-            <a:extLst>
-              <a:ext uri="{FF2B5EF4-FFF2-40B4-BE49-F238E27FC236}">
-                <a16:creationId xmlns:a16="http://schemas.microsoft.com/office/drawing/2014/main" id="{8BB99E3E-1E5A-E5EF-E353-65D0EB6CA66E}"/>
-              </a:ext>
-            </a:extLst>
-          </p:cNvPr>
-          <p:cNvSpPr>
-            <a:spLocks noGrp="1"/>
-          </p:cNvSpPr>
-          <p:nvPr>
             <p:ph type="ftr" sz="quarter" idx="11"/>
           </p:nvPr>
         </p:nvSpPr>
@@ -8331,7 +8134,7 @@
           <p:cNvPr id="7" name="Slide Number Placeholder 6">
             <a:extLst>
               <a:ext uri="{FF2B5EF4-FFF2-40B4-BE49-F238E27FC236}">
-                <a16:creationId xmlns:a16="http://schemas.microsoft.com/office/drawing/2014/main" id="{D380BCEF-6875-4D68-E6BB-B225F0B47195}"/>
+                <a16:creationId xmlns:a16="http://schemas.microsoft.com/office/drawing/2014/main" id="{B6711DA2-BB57-AD9E-12B5-F7ABC208B350}"/>
               </a:ext>
             </a:extLst>
           </p:cNvPr>
@@ -8360,7 +8163,7 @@
           <p:cNvPr id="8" name="Title 7">
             <a:extLst>
               <a:ext uri="{FF2B5EF4-FFF2-40B4-BE49-F238E27FC236}">
-                <a16:creationId xmlns:a16="http://schemas.microsoft.com/office/drawing/2014/main" id="{1050185B-6923-7C42-87E5-8D5CD63462E1}"/>
+                <a16:creationId xmlns:a16="http://schemas.microsoft.com/office/drawing/2014/main" id="{7475CB8F-7F64-009D-D0F4-18C7B69D1AE7}"/>
               </a:ext>
             </a:extLst>
           </p:cNvPr>
@@ -8378,7 +8181,7 @@
           <a:p>
             <a:r>
               <a:rPr lang="nl-BE" dirty="0"/>
-              <a:t>Wat hebben we al gerealiseerd?</a:t>
+              <a:t>Blussen</a:t>
             </a:r>
           </a:p>
         </p:txBody>
@@ -8386,7 +8189,7 @@
     </p:spTree>
     <p:extLst>
       <p:ext uri="{BB962C8B-B14F-4D97-AF65-F5344CB8AC3E}">
-        <p14:creationId xmlns:p14="http://schemas.microsoft.com/office/powerpoint/2010/main" val="1527144204"/>
+        <p14:creationId xmlns:p14="http://schemas.microsoft.com/office/powerpoint/2010/main" val="387171481"/>
       </p:ext>
     </p:extLst>
   </p:cSld>
@@ -8415,10 +8218,10 @@
       </p:grpSpPr>
       <p:sp>
         <p:nvSpPr>
-          <p:cNvPr id="2" name="Content Placeholder 1">
+          <p:cNvPr id="6" name="Footer Placeholder 5">
             <a:extLst>
               <a:ext uri="{FF2B5EF4-FFF2-40B4-BE49-F238E27FC236}">
-                <a16:creationId xmlns:a16="http://schemas.microsoft.com/office/drawing/2014/main" id="{9572C954-C83C-EE79-685B-900385B3EC4B}"/>
+                <a16:creationId xmlns:a16="http://schemas.microsoft.com/office/drawing/2014/main" id="{E13CA08D-D5EF-EEAC-9FE9-44301BE6DDF9}"/>
               </a:ext>
             </a:extLst>
           </p:cNvPr>
@@ -8426,201 +8229,27 @@
             <a:spLocks noGrp="1"/>
           </p:cNvSpPr>
           <p:nvPr>
-            <p:ph idx="1"/>
-          </p:nvPr>
-        </p:nvSpPr>
-        <p:spPr>
-          <a:xfrm>
-            <a:off x="576000" y="1656000"/>
-            <a:ext cx="11041200" cy="4554000"/>
-          </a:xfrm>
-        </p:spPr>
-        <p:txBody>
-          <a:bodyPr>
-            <a:normAutofit/>
-          </a:bodyPr>
-          <a:lstStyle/>
-          <a:p>
-            <a:pPr marL="457200" indent="-457200">
-              <a:buFont typeface="+mj-lt"/>
-              <a:buAutoNum type="arabicPeriod"/>
-            </a:pPr>
-            <a:r>
-              <a:rPr lang="nl-BE" dirty="0">
-                <a:solidFill>
-                  <a:schemeClr val="bg2">
-                    <a:lumMod val="75000"/>
-                  </a:schemeClr>
-                </a:solidFill>
-              </a:rPr>
-              <a:t>Inleiding</a:t>
-            </a:r>
-          </a:p>
-          <a:p>
-            <a:pPr marL="457200" indent="-457200">
-              <a:buFont typeface="+mj-lt"/>
-              <a:buAutoNum type="arabicPeriod"/>
-            </a:pPr>
-            <a:r>
-              <a:rPr lang="nl-BE" dirty="0">
-                <a:solidFill>
-                  <a:schemeClr val="bg2">
-                    <a:lumMod val="75000"/>
-                  </a:schemeClr>
-                </a:solidFill>
-              </a:rPr>
-              <a:t>Ontwerp</a:t>
-            </a:r>
-          </a:p>
-          <a:p>
-            <a:pPr marL="457200" indent="-457200">
-              <a:buFont typeface="+mj-lt"/>
-              <a:buAutoNum type="arabicPeriod"/>
-            </a:pPr>
-            <a:r>
-              <a:rPr lang="nl-BE" dirty="0">
-                <a:solidFill>
-                  <a:schemeClr val="bg2">
-                    <a:lumMod val="75000"/>
-                  </a:schemeClr>
-                </a:solidFill>
-              </a:rPr>
-              <a:t>Stappen</a:t>
-            </a:r>
-          </a:p>
-          <a:p>
-            <a:pPr marL="914400" lvl="1" indent="-457200">
-              <a:buFont typeface="+mj-lt"/>
-              <a:buAutoNum type="arabicPeriod"/>
-            </a:pPr>
-            <a:r>
-              <a:rPr lang="nl-BE" dirty="0">
-                <a:solidFill>
-                  <a:schemeClr val="bg2">
-                    <a:lumMod val="75000"/>
-                  </a:schemeClr>
-                </a:solidFill>
-              </a:rPr>
-              <a:t>Detectie en lokalisatie</a:t>
-            </a:r>
-          </a:p>
-          <a:p>
-            <a:pPr marL="914400" lvl="1" indent="-457200">
-              <a:buFont typeface="+mj-lt"/>
-              <a:buAutoNum type="arabicPeriod"/>
-            </a:pPr>
-            <a:r>
-              <a:rPr lang="nl-BE" dirty="0">
-                <a:solidFill>
-                  <a:schemeClr val="bg2">
-                    <a:lumMod val="75000"/>
-                  </a:schemeClr>
-                </a:solidFill>
-              </a:rPr>
-              <a:t>Richten</a:t>
-            </a:r>
-          </a:p>
-          <a:p>
-            <a:pPr marL="914400" lvl="1" indent="-457200">
-              <a:buFont typeface="+mj-lt"/>
-              <a:buAutoNum type="arabicPeriod"/>
-            </a:pPr>
-            <a:r>
-              <a:rPr lang="nl-BE" dirty="0">
-                <a:solidFill>
-                  <a:schemeClr val="bg2">
-                    <a:lumMod val="75000"/>
-                  </a:schemeClr>
-                </a:solidFill>
-              </a:rPr>
-              <a:t>Blussen</a:t>
-            </a:r>
-          </a:p>
-          <a:p>
-            <a:pPr marL="457200" indent="-457200">
-              <a:buFont typeface="+mj-lt"/>
-              <a:buAutoNum type="arabicPeriod"/>
-            </a:pPr>
-            <a:r>
-              <a:rPr lang="nl-BE" dirty="0">
-                <a:solidFill>
-                  <a:schemeClr val="bg2">
-                    <a:lumMod val="75000"/>
-                  </a:schemeClr>
-                </a:solidFill>
-              </a:rPr>
-              <a:t>Wat hebben we al gerealiseerd?</a:t>
-            </a:r>
-          </a:p>
-          <a:p>
-            <a:pPr marL="457200" indent="-457200">
-              <a:buFont typeface="+mj-lt"/>
-              <a:buAutoNum type="arabicPeriod"/>
-            </a:pPr>
-            <a:r>
-              <a:rPr lang="nl-BE" dirty="0"/>
-              <a:t>Wat moeten we nog doen?</a:t>
-            </a:r>
-          </a:p>
-          <a:p>
-            <a:pPr marL="457200" indent="-457200">
-              <a:buFont typeface="+mj-lt"/>
-              <a:buAutoNum type="arabicPeriod"/>
-            </a:pPr>
-            <a:r>
-              <a:rPr lang="nl-BE" dirty="0">
-                <a:solidFill>
-                  <a:schemeClr val="bg2">
-                    <a:lumMod val="75000"/>
-                  </a:schemeClr>
-                </a:solidFill>
-              </a:rPr>
-              <a:t>Bibliografie</a:t>
-            </a:r>
-          </a:p>
-          <a:p>
-            <a:pPr marL="457200" indent="-457200">
-              <a:buFont typeface="+mj-lt"/>
-              <a:buAutoNum type="arabicPeriod"/>
-            </a:pPr>
-            <a:endParaRPr lang="nl-BE" dirty="0"/>
-          </a:p>
-        </p:txBody>
-      </p:sp>
-      <p:sp>
-        <p:nvSpPr>
-          <p:cNvPr id="3" name="Footer Placeholder 2">
+            <p:ph type="ftr" sz="quarter" idx="11"/>
+          </p:nvPr>
+        </p:nvSpPr>
+        <p:spPr/>
+        <p:txBody>
+          <a:bodyPr/>
+          <a:lstStyle/>
+          <a:p>
+            <a:r>
+              <a:rPr lang="nl-NL"/>
+              <a:t>Groep Wetenschappen &amp; Techonologie - Ingenieurswetenschappen</a:t>
+            </a:r>
+          </a:p>
+        </p:txBody>
+      </p:sp>
+      <p:sp>
+        <p:nvSpPr>
+          <p:cNvPr id="7" name="Slide Number Placeholder 6">
             <a:extLst>
               <a:ext uri="{FF2B5EF4-FFF2-40B4-BE49-F238E27FC236}">
-                <a16:creationId xmlns:a16="http://schemas.microsoft.com/office/drawing/2014/main" id="{87B9D861-BADE-1735-BC5D-FB0CE4C31EFE}"/>
-              </a:ext>
-            </a:extLst>
-          </p:cNvPr>
-          <p:cNvSpPr>
-            <a:spLocks noGrp="1"/>
-          </p:cNvSpPr>
-          <p:nvPr>
-            <p:ph type="ftr" sz="quarter" idx="11"/>
-          </p:nvPr>
-        </p:nvSpPr>
-        <p:spPr/>
-        <p:txBody>
-          <a:bodyPr/>
-          <a:lstStyle/>
-          <a:p>
-            <a:r>
-              <a:rPr lang="nl-NL"/>
-              <a:t>Groep Wetenschappen &amp; Techonologie - Ingenieurswetenschappen</a:t>
-            </a:r>
-          </a:p>
-        </p:txBody>
-      </p:sp>
-      <p:sp>
-        <p:nvSpPr>
-          <p:cNvPr id="4" name="Slide Number Placeholder 3">
-            <a:extLst>
-              <a:ext uri="{FF2B5EF4-FFF2-40B4-BE49-F238E27FC236}">
-                <a16:creationId xmlns:a16="http://schemas.microsoft.com/office/drawing/2014/main" id="{FC23E00C-3A77-A444-8280-8A8A5D17B5DF}"/>
+                <a16:creationId xmlns:a16="http://schemas.microsoft.com/office/drawing/2014/main" id="{B6711DA2-BB57-AD9E-12B5-F7ABC208B350}"/>
               </a:ext>
             </a:extLst>
           </p:cNvPr>
@@ -8646,10 +8275,10 @@
       </p:sp>
       <p:sp>
         <p:nvSpPr>
-          <p:cNvPr id="5" name="Title 4">
+          <p:cNvPr id="8" name="Title 7">
             <a:extLst>
               <a:ext uri="{FF2B5EF4-FFF2-40B4-BE49-F238E27FC236}">
-                <a16:creationId xmlns:a16="http://schemas.microsoft.com/office/drawing/2014/main" id="{344F2F4D-955A-2213-B685-181EC6CE1CBA}"/>
+                <a16:creationId xmlns:a16="http://schemas.microsoft.com/office/drawing/2014/main" id="{7475CB8F-7F64-009D-D0F4-18C7B69D1AE7}"/>
               </a:ext>
             </a:extLst>
           </p:cNvPr>
@@ -8667,15 +8296,73 @@
           <a:p>
             <a:r>
               <a:rPr lang="nl-BE" dirty="0"/>
-              <a:t>Overzicht</a:t>
-            </a:r>
-          </a:p>
-        </p:txBody>
-      </p:sp>
+              <a:t>Blussen</a:t>
+            </a:r>
+          </a:p>
+        </p:txBody>
+      </p:sp>
+      <p:pic>
+        <p:nvPicPr>
+          <p:cNvPr id="10" name="Picture 9" descr="Diagram&#10;&#10;Description automatically generated">
+            <a:extLst>
+              <a:ext uri="{FF2B5EF4-FFF2-40B4-BE49-F238E27FC236}">
+                <a16:creationId xmlns:a16="http://schemas.microsoft.com/office/drawing/2014/main" id="{8718F5DC-CE2F-9D0A-B521-AFFC69626CC2}"/>
+              </a:ext>
+            </a:extLst>
+          </p:cNvPr>
+          <p:cNvPicPr>
+            <a:picLocks noChangeAspect="1"/>
+          </p:cNvPicPr>
+          <p:nvPr/>
+        </p:nvPicPr>
+        <p:blipFill rotWithShape="1">
+          <a:blip r:embed="rId2"/>
+          <a:srcRect t="51771"/>
+          <a:stretch/>
+        </p:blipFill>
+        <p:spPr>
+          <a:xfrm>
+            <a:off x="6370713" y="2912417"/>
+            <a:ext cx="4387483" cy="3185641"/>
+          </a:xfrm>
+          <a:prstGeom prst="rect">
+            <a:avLst/>
+          </a:prstGeom>
+        </p:spPr>
+      </p:pic>
+      <p:pic>
+        <p:nvPicPr>
+          <p:cNvPr id="9" name="Picture 9" descr="Diagram&#10;&#10;Description automatically generated">
+            <a:extLst>
+              <a:ext uri="{FF2B5EF4-FFF2-40B4-BE49-F238E27FC236}">
+                <a16:creationId xmlns:a16="http://schemas.microsoft.com/office/drawing/2014/main" id="{16C4ADDA-D7E4-C6C4-97DB-22874BF23808}"/>
+              </a:ext>
+            </a:extLst>
+          </p:cNvPr>
+          <p:cNvPicPr>
+            <a:picLocks noChangeAspect="1"/>
+          </p:cNvPicPr>
+          <p:nvPr/>
+        </p:nvPicPr>
+        <p:blipFill rotWithShape="1">
+          <a:blip r:embed="rId2"/>
+          <a:srcRect b="48228"/>
+          <a:stretch/>
+        </p:blipFill>
+        <p:spPr>
+          <a:xfrm>
+            <a:off x="1255553" y="1097779"/>
+            <a:ext cx="4565736" cy="3558623"/>
+          </a:xfrm>
+          <a:prstGeom prst="rect">
+            <a:avLst/>
+          </a:prstGeom>
+        </p:spPr>
+      </p:pic>
     </p:spTree>
     <p:extLst>
       <p:ext uri="{BB962C8B-B14F-4D97-AF65-F5344CB8AC3E}">
-        <p14:creationId xmlns:p14="http://schemas.microsoft.com/office/powerpoint/2010/main" val="2118278311"/>
+        <p14:creationId xmlns:p14="http://schemas.microsoft.com/office/powerpoint/2010/main" val="4058785787"/>
       </p:ext>
     </p:extLst>
   </p:cSld>
@@ -8704,10 +8391,10 @@
       </p:grpSpPr>
       <p:sp>
         <p:nvSpPr>
-          <p:cNvPr id="2" name="Text Placeholder 1">
+          <p:cNvPr id="2" name="Content Placeholder 1">
             <a:extLst>
               <a:ext uri="{FF2B5EF4-FFF2-40B4-BE49-F238E27FC236}">
-                <a16:creationId xmlns:a16="http://schemas.microsoft.com/office/drawing/2014/main" id="{AA374080-FDE0-F154-2EF7-C8C94C09C5A2}"/>
+                <a16:creationId xmlns:a16="http://schemas.microsoft.com/office/drawing/2014/main" id="{9572C954-C83C-EE79-685B-900385B3EC4B}"/>
               </a:ext>
             </a:extLst>
           </p:cNvPr>
@@ -8715,27 +8402,248 @@
             <a:spLocks noGrp="1"/>
           </p:cNvSpPr>
           <p:nvPr>
-            <p:ph type="body" idx="1"/>
-          </p:nvPr>
-        </p:nvSpPr>
-        <p:spPr/>
-        <p:txBody>
-          <a:bodyPr/>
-          <a:lstStyle/>
-          <a:p>
-            <a:r>
-              <a:rPr lang="nl-BE" dirty="0"/>
-              <a:t>Lokalisatie</a:t>
-            </a:r>
-          </a:p>
-        </p:txBody>
-      </p:sp>
-      <p:sp>
-        <p:nvSpPr>
-          <p:cNvPr id="3" name="Content Placeholder 2">
+            <p:ph idx="1"/>
+          </p:nvPr>
+        </p:nvSpPr>
+        <p:spPr>
+          <a:xfrm>
+            <a:off x="576000" y="1656000"/>
+            <a:ext cx="11041200" cy="4554000"/>
+          </a:xfrm>
+        </p:spPr>
+        <p:txBody>
+          <a:bodyPr>
+            <a:normAutofit fontScale="85000" lnSpcReduction="20000"/>
+          </a:bodyPr>
+          <a:lstStyle/>
+          <a:p>
+            <a:pPr marL="457200" indent="-457200">
+              <a:buFont typeface="+mj-lt"/>
+              <a:buAutoNum type="arabicPeriod"/>
+            </a:pPr>
+            <a:r>
+              <a:rPr lang="nl-BE" dirty="0">
+                <a:solidFill>
+                  <a:schemeClr val="bg2">
+                    <a:lumMod val="75000"/>
+                  </a:schemeClr>
+                </a:solidFill>
+              </a:rPr>
+              <a:t>Inleiding</a:t>
+            </a:r>
+          </a:p>
+          <a:p>
+            <a:pPr marL="457200" indent="-457200">
+              <a:buFont typeface="+mj-lt"/>
+              <a:buAutoNum type="arabicPeriod"/>
+            </a:pPr>
+            <a:r>
+              <a:rPr lang="nl-BE" dirty="0">
+                <a:solidFill>
+                  <a:schemeClr val="bg2">
+                    <a:lumMod val="75000"/>
+                  </a:schemeClr>
+                </a:solidFill>
+              </a:rPr>
+              <a:t>Ontwerp</a:t>
+            </a:r>
+          </a:p>
+          <a:p>
+            <a:pPr marL="457200" indent="-457200">
+              <a:buFont typeface="+mj-lt"/>
+              <a:buAutoNum type="arabicPeriod"/>
+            </a:pPr>
+            <a:r>
+              <a:rPr lang="nl-BE" dirty="0">
+                <a:solidFill>
+                  <a:schemeClr val="bg2">
+                    <a:lumMod val="75000"/>
+                  </a:schemeClr>
+                </a:solidFill>
+              </a:rPr>
+              <a:t>Stappen</a:t>
+            </a:r>
+          </a:p>
+          <a:p>
+            <a:pPr marL="914400" lvl="1" indent="-457200">
+              <a:buFont typeface="+mj-lt"/>
+              <a:buAutoNum type="arabicPeriod"/>
+            </a:pPr>
+            <a:r>
+              <a:rPr lang="nl-BE" dirty="0">
+                <a:solidFill>
+                  <a:schemeClr val="bg2">
+                    <a:lumMod val="75000"/>
+                  </a:schemeClr>
+                </a:solidFill>
+              </a:rPr>
+              <a:t>Detectie en lokalisatie</a:t>
+            </a:r>
+          </a:p>
+          <a:p>
+            <a:pPr marL="914400" lvl="1" indent="-457200">
+              <a:buFont typeface="+mj-lt"/>
+              <a:buAutoNum type="arabicPeriod"/>
+            </a:pPr>
+            <a:r>
+              <a:rPr lang="nl-BE" dirty="0">
+                <a:solidFill>
+                  <a:schemeClr val="bg2">
+                    <a:lumMod val="75000"/>
+                  </a:schemeClr>
+                </a:solidFill>
+              </a:rPr>
+              <a:t>Richten</a:t>
+            </a:r>
+          </a:p>
+          <a:p>
+            <a:pPr marL="914400" lvl="1" indent="-457200">
+              <a:buFont typeface="+mj-lt"/>
+              <a:buAutoNum type="arabicPeriod"/>
+            </a:pPr>
+            <a:r>
+              <a:rPr lang="nl-BE" dirty="0">
+                <a:solidFill>
+                  <a:schemeClr val="bg2">
+                    <a:lumMod val="75000"/>
+                  </a:schemeClr>
+                </a:solidFill>
+              </a:rPr>
+              <a:t>Blussen</a:t>
+            </a:r>
+          </a:p>
+          <a:p>
+            <a:pPr marL="457200" indent="-457200">
+              <a:lnSpc>
+                <a:spcPct val="110000"/>
+              </a:lnSpc>
+              <a:buFont typeface="+mj-lt"/>
+              <a:buAutoNum type="arabicPeriod"/>
+            </a:pPr>
+            <a:r>
+              <a:rPr lang="nl-BE" dirty="0" err="1"/>
+              <a:t>Protoype</a:t>
+            </a:r>
+            <a:endParaRPr lang="nl-BE" dirty="0"/>
+          </a:p>
+          <a:p>
+            <a:pPr marL="914400" lvl="1" indent="-457200">
+              <a:buFont typeface="+mj-lt"/>
+              <a:buAutoNum type="arabicPeriod"/>
+            </a:pPr>
+            <a:r>
+              <a:rPr lang="nl-BE" dirty="0">
+                <a:solidFill>
+                  <a:schemeClr val="bg2">
+                    <a:lumMod val="75000"/>
+                  </a:schemeClr>
+                </a:solidFill>
+              </a:rPr>
+              <a:t>Constructie</a:t>
+            </a:r>
+          </a:p>
+          <a:p>
+            <a:pPr marL="914400" lvl="1" indent="-457200">
+              <a:buFont typeface="+mj-lt"/>
+              <a:buAutoNum type="arabicPeriod"/>
+            </a:pPr>
+            <a:r>
+              <a:rPr lang="nl-BE" dirty="0">
+                <a:solidFill>
+                  <a:schemeClr val="bg2">
+                    <a:lumMod val="75000"/>
+                  </a:schemeClr>
+                </a:solidFill>
+              </a:rPr>
+              <a:t>Elektrisch circuit</a:t>
+            </a:r>
+          </a:p>
+          <a:p>
+            <a:pPr marL="914400" lvl="1" indent="-457200">
+              <a:buFont typeface="+mj-lt"/>
+              <a:buAutoNum type="arabicPeriod"/>
+            </a:pPr>
+            <a:r>
+              <a:rPr lang="nl-BE" dirty="0">
+                <a:solidFill>
+                  <a:schemeClr val="bg2">
+                    <a:lumMod val="75000"/>
+                  </a:schemeClr>
+                </a:solidFill>
+              </a:rPr>
+              <a:t>Arm en spuit</a:t>
+            </a:r>
+          </a:p>
+          <a:p>
+            <a:pPr marL="457200" indent="-457200">
+              <a:buFont typeface="+mj-lt"/>
+              <a:buAutoNum type="arabicPeriod"/>
+            </a:pPr>
+            <a:r>
+              <a:rPr lang="nl-BE" dirty="0" err="1">
+                <a:solidFill>
+                  <a:schemeClr val="bg2">
+                    <a:lumMod val="75000"/>
+                  </a:schemeClr>
+                </a:solidFill>
+              </a:rPr>
+              <a:t>Resulaten</a:t>
+            </a:r>
+            <a:endParaRPr lang="nl-BE" dirty="0">
+              <a:solidFill>
+                <a:schemeClr val="bg2">
+                  <a:lumMod val="75000"/>
+                </a:schemeClr>
+              </a:solidFill>
+            </a:endParaRPr>
+          </a:p>
+          <a:p>
+            <a:pPr marL="457200" indent="-457200">
+              <a:buFont typeface="+mj-lt"/>
+              <a:buAutoNum type="arabicPeriod"/>
+            </a:pPr>
+            <a:r>
+              <a:rPr lang="nl-BE" dirty="0">
+                <a:solidFill>
+                  <a:schemeClr val="bg2">
+                    <a:lumMod val="75000"/>
+                  </a:schemeClr>
+                </a:solidFill>
+              </a:rPr>
+              <a:t>Besluit</a:t>
+            </a:r>
+          </a:p>
+          <a:p>
+            <a:pPr marL="457200" indent="-457200">
+              <a:buFont typeface="+mj-lt"/>
+              <a:buAutoNum type="arabicPeriod"/>
+            </a:pPr>
+            <a:r>
+              <a:rPr lang="nl-BE" dirty="0">
+                <a:solidFill>
+                  <a:schemeClr val="bg2">
+                    <a:lumMod val="75000"/>
+                  </a:schemeClr>
+                </a:solidFill>
+              </a:rPr>
+              <a:t>Bibliografie</a:t>
+            </a:r>
+          </a:p>
+          <a:p>
+            <a:pPr marL="457200" indent="-457200">
+              <a:buFont typeface="+mj-lt"/>
+              <a:buAutoNum type="arabicPeriod"/>
+            </a:pPr>
+            <a:endParaRPr lang="nl-BE" dirty="0"/>
+          </a:p>
+        </p:txBody>
+      </p:sp>
+      <p:sp>
+        <p:nvSpPr>
+          <p:cNvPr id="3" name="Footer Placeholder 2">
             <a:extLst>
               <a:ext uri="{FF2B5EF4-FFF2-40B4-BE49-F238E27FC236}">
-                <a16:creationId xmlns:a16="http://schemas.microsoft.com/office/drawing/2014/main" id="{B4833FFA-663B-841C-AB8D-5402BE0BA8E2}"/>
+                <a16:creationId xmlns:a16="http://schemas.microsoft.com/office/drawing/2014/main" id="{87B9D861-BADE-1735-BC5D-FB0CE4C31EFE}"/>
               </a:ext>
             </a:extLst>
           </p:cNvPr>
@@ -8743,7 +8651,7 @@
             <a:spLocks noGrp="1"/>
           </p:cNvSpPr>
           <p:nvPr>
-            <p:ph sz="half" idx="2"/>
+            <p:ph type="ftr" sz="quarter" idx="11"/>
           </p:nvPr>
         </p:nvSpPr>
         <p:spPr/>
@@ -8752,146 +8660,18 @@
           <a:lstStyle/>
           <a:p>
             <a:r>
-              <a:rPr lang="nl-BE" dirty="0"/>
-              <a:t>Testen uitvoeren en indien nodig camera kalibreren</a:t>
-            </a:r>
-          </a:p>
-          <a:p>
-            <a:r>
-              <a:rPr lang="nl-BE" dirty="0"/>
-              <a:t>Aanpassingen aan code als verwarring tussen voorwerpen</a:t>
-            </a:r>
-          </a:p>
-          <a:p>
-            <a:r>
-              <a:rPr lang="nl-BE" dirty="0"/>
-              <a:t>Testen foutenmarge water </a:t>
-            </a:r>
-          </a:p>
-          <a:p>
-            <a:endParaRPr lang="nl-BE" dirty="0"/>
-          </a:p>
-        </p:txBody>
-      </p:sp>
-      <p:sp>
-        <p:nvSpPr>
-          <p:cNvPr id="4" name="Text Placeholder 3">
+              <a:rPr lang="nl-NL"/>
+              <a:t>Groep Wetenschappen &amp; Techonologie - Ingenieurswetenschappen</a:t>
+            </a:r>
+          </a:p>
+        </p:txBody>
+      </p:sp>
+      <p:sp>
+        <p:nvSpPr>
+          <p:cNvPr id="4" name="Slide Number Placeholder 3">
             <a:extLst>
               <a:ext uri="{FF2B5EF4-FFF2-40B4-BE49-F238E27FC236}">
-                <a16:creationId xmlns:a16="http://schemas.microsoft.com/office/drawing/2014/main" id="{035C8CD6-38C8-C526-0B17-94D0463F146A}"/>
-              </a:ext>
-            </a:extLst>
-          </p:cNvPr>
-          <p:cNvSpPr>
-            <a:spLocks noGrp="1"/>
-          </p:cNvSpPr>
-          <p:nvPr>
-            <p:ph type="body" sz="quarter" idx="3"/>
-          </p:nvPr>
-        </p:nvSpPr>
-        <p:spPr/>
-        <p:txBody>
-          <a:bodyPr/>
-          <a:lstStyle/>
-          <a:p>
-            <a:r>
-              <a:rPr lang="nl-BE" dirty="0"/>
-              <a:t>Richten</a:t>
-            </a:r>
-          </a:p>
-        </p:txBody>
-      </p:sp>
-      <p:sp>
-        <p:nvSpPr>
-          <p:cNvPr id="5" name="Content Placeholder 4">
-            <a:extLst>
-              <a:ext uri="{FF2B5EF4-FFF2-40B4-BE49-F238E27FC236}">
-                <a16:creationId xmlns:a16="http://schemas.microsoft.com/office/drawing/2014/main" id="{1E0811B4-F1E3-FAFC-E95A-C1AE5891E7A0}"/>
-              </a:ext>
-            </a:extLst>
-          </p:cNvPr>
-          <p:cNvSpPr>
-            <a:spLocks noGrp="1"/>
-          </p:cNvSpPr>
-          <p:nvPr>
-            <p:ph sz="quarter" idx="4"/>
-          </p:nvPr>
-        </p:nvSpPr>
-        <p:spPr/>
-        <p:txBody>
-          <a:bodyPr/>
-          <a:lstStyle/>
-          <a:p>
-            <a:r>
-              <a:rPr lang="nl-BE" dirty="0"/>
-              <a:t>Motoriek</a:t>
-            </a:r>
-          </a:p>
-          <a:p>
-            <a:r>
-              <a:rPr lang="nl-BE" dirty="0"/>
-              <a:t>Overeenstemmen met berekeningen</a:t>
-            </a:r>
-          </a:p>
-          <a:p>
-            <a:r>
-              <a:rPr lang="nl-BE" dirty="0"/>
-              <a:t>Draaien en op en neer bewegen van de arm</a:t>
-            </a:r>
-          </a:p>
-          <a:p>
-            <a:r>
-              <a:rPr lang="nl-BE" dirty="0"/>
-              <a:t>2 motoren + webcam</a:t>
-            </a:r>
-          </a:p>
-          <a:p>
-            <a:r>
-              <a:rPr lang="nl-BE" dirty="0"/>
-              <a:t>Programmeren van </a:t>
-            </a:r>
-            <a:r>
-              <a:rPr lang="nl-BE" dirty="0" err="1"/>
-              <a:t>Arduino</a:t>
-            </a:r>
-            <a:endParaRPr lang="nl-BE" dirty="0"/>
-          </a:p>
-        </p:txBody>
-      </p:sp>
-      <p:sp>
-        <p:nvSpPr>
-          <p:cNvPr id="6" name="Footer Placeholder 5">
-            <a:extLst>
-              <a:ext uri="{FF2B5EF4-FFF2-40B4-BE49-F238E27FC236}">
-                <a16:creationId xmlns:a16="http://schemas.microsoft.com/office/drawing/2014/main" id="{A5D769F1-6CBB-431E-4C1F-357F61F51094}"/>
-              </a:ext>
-            </a:extLst>
-          </p:cNvPr>
-          <p:cNvSpPr>
-            <a:spLocks noGrp="1"/>
-          </p:cNvSpPr>
-          <p:nvPr>
-            <p:ph type="ftr" sz="quarter" idx="11"/>
-          </p:nvPr>
-        </p:nvSpPr>
-        <p:spPr/>
-        <p:txBody>
-          <a:bodyPr/>
-          <a:lstStyle/>
-          <a:p>
-            <a:r>
-              <a:rPr lang="nl-NL"/>
-              <a:t>Groep Wetenschappen &amp; Techonologie - Ingenieurswetenschappen</a:t>
-            </a:r>
-          </a:p>
-        </p:txBody>
-      </p:sp>
-      <p:sp>
-        <p:nvSpPr>
-          <p:cNvPr id="7" name="Slide Number Placeholder 6">
-            <a:extLst>
-              <a:ext uri="{FF2B5EF4-FFF2-40B4-BE49-F238E27FC236}">
-                <a16:creationId xmlns:a16="http://schemas.microsoft.com/office/drawing/2014/main" id="{573F4B3D-FE69-DD51-2A8E-A739C269E0DC}"/>
+                <a16:creationId xmlns:a16="http://schemas.microsoft.com/office/drawing/2014/main" id="{FC23E00C-3A77-A444-8280-8A8A5D17B5DF}"/>
               </a:ext>
             </a:extLst>
           </p:cNvPr>
@@ -8917,10 +8697,10 @@
       </p:sp>
       <p:sp>
         <p:nvSpPr>
-          <p:cNvPr id="8" name="Title 7">
+          <p:cNvPr id="5" name="Title 4">
             <a:extLst>
               <a:ext uri="{FF2B5EF4-FFF2-40B4-BE49-F238E27FC236}">
-                <a16:creationId xmlns:a16="http://schemas.microsoft.com/office/drawing/2014/main" id="{07D18A09-467D-D5A0-79C1-C8F36D7960C6}"/>
+                <a16:creationId xmlns:a16="http://schemas.microsoft.com/office/drawing/2014/main" id="{344F2F4D-955A-2213-B685-181EC6CE1CBA}"/>
               </a:ext>
             </a:extLst>
           </p:cNvPr>
@@ -8938,7 +8718,7 @@
           <a:p>
             <a:r>
               <a:rPr lang="nl-BE" dirty="0"/>
-              <a:t>Wat moeten we nog doen?</a:t>
+              <a:t>Overzicht</a:t>
             </a:r>
           </a:p>
         </p:txBody>
@@ -8946,7 +8726,7 @@
     </p:spTree>
     <p:extLst>
       <p:ext uri="{BB962C8B-B14F-4D97-AF65-F5344CB8AC3E}">
-        <p14:creationId xmlns:p14="http://schemas.microsoft.com/office/powerpoint/2010/main" val="61076732"/>
+        <p14:creationId xmlns:p14="http://schemas.microsoft.com/office/powerpoint/2010/main" val="244562561"/>
       </p:ext>
     </p:extLst>
   </p:cSld>
@@ -8997,7 +8777,7 @@
         </p:spPr>
         <p:txBody>
           <a:bodyPr>
-            <a:normAutofit/>
+            <a:normAutofit fontScale="85000" lnSpcReduction="20000"/>
           </a:bodyPr>
           <a:lstStyle/>
           <a:p>
@@ -9102,18 +8882,39 @@
               <a:buAutoNum type="arabicPeriod"/>
             </a:pPr>
             <a:r>
-              <a:rPr lang="nl-BE" dirty="0">
+              <a:rPr lang="nl-BE" dirty="0" err="1">
                 <a:solidFill>
                   <a:schemeClr val="bg2">
                     <a:lumMod val="75000"/>
                   </a:schemeClr>
                 </a:solidFill>
               </a:rPr>
-              <a:t>Wat hebben we al gerealiseerd?</a:t>
-            </a:r>
-          </a:p>
-          <a:p>
-            <a:pPr marL="457200" indent="-457200">
+              <a:t>Protoype</a:t>
+            </a:r>
+            <a:endParaRPr lang="nl-BE" dirty="0">
+              <a:solidFill>
+                <a:schemeClr val="bg2">
+                  <a:lumMod val="75000"/>
+                </a:schemeClr>
+              </a:solidFill>
+            </a:endParaRPr>
+          </a:p>
+          <a:p>
+            <a:pPr marL="914400" lvl="1" indent="-457200">
+              <a:buFont typeface="+mj-lt"/>
+              <a:buAutoNum type="arabicPeriod"/>
+            </a:pPr>
+            <a:r>
+              <a:rPr lang="nl-BE" dirty="0">
+                <a:solidFill>
+                  <a:srgbClr val="2F4D5D"/>
+                </a:solidFill>
+              </a:rPr>
+              <a:t>Constructie</a:t>
+            </a:r>
+          </a:p>
+          <a:p>
+            <a:pPr marL="914400" lvl="1" indent="-457200">
               <a:buFont typeface="+mj-lt"/>
               <a:buAutoNum type="arabicPeriod"/>
             </a:pPr>
@@ -9125,7 +8926,23 @@
                   </a:schemeClr>
                 </a:solidFill>
               </a:rPr>
-              <a:t>Wat moeten we nog doen?</a:t>
+              <a:t>Elektrisch circuit</a:t>
+            </a:r>
+          </a:p>
+          <a:p>
+            <a:pPr marL="914400" lvl="1" indent="-457200">
+              <a:buFont typeface="+mj-lt"/>
+              <a:buAutoNum type="arabicPeriod"/>
+            </a:pPr>
+            <a:r>
+              <a:rPr lang="nl-BE" dirty="0">
+                <a:solidFill>
+                  <a:schemeClr val="bg2">
+                    <a:lumMod val="75000"/>
+                  </a:schemeClr>
+                </a:solidFill>
+              </a:rPr>
+              <a:t>Arm en spuit</a:t>
             </a:r>
           </a:p>
           <a:p>
@@ -9134,7 +8951,52 @@
               <a:buAutoNum type="arabicPeriod"/>
             </a:pPr>
             <a:r>
-              <a:rPr lang="nl-BE" dirty="0"/>
+              <a:rPr lang="nl-BE" dirty="0" err="1">
+                <a:solidFill>
+                  <a:schemeClr val="bg2">
+                    <a:lumMod val="75000"/>
+                  </a:schemeClr>
+                </a:solidFill>
+              </a:rPr>
+              <a:t>Resulaten</a:t>
+            </a:r>
+            <a:endParaRPr lang="nl-BE" dirty="0">
+              <a:solidFill>
+                <a:schemeClr val="bg2">
+                  <a:lumMod val="75000"/>
+                </a:schemeClr>
+              </a:solidFill>
+            </a:endParaRPr>
+          </a:p>
+          <a:p>
+            <a:pPr marL="457200" indent="-457200">
+              <a:buFont typeface="+mj-lt"/>
+              <a:buAutoNum type="arabicPeriod"/>
+            </a:pPr>
+            <a:r>
+              <a:rPr lang="nl-BE" dirty="0">
+                <a:solidFill>
+                  <a:schemeClr val="bg2">
+                    <a:lumMod val="75000"/>
+                  </a:schemeClr>
+                </a:solidFill>
+              </a:rPr>
+              <a:t>Besluit</a:t>
+            </a:r>
+          </a:p>
+          <a:p>
+            <a:pPr marL="457200" indent="-457200">
+              <a:buFont typeface="+mj-lt"/>
+              <a:buAutoNum type="arabicPeriod"/>
+            </a:pPr>
+            <a:r>
+              <a:rPr lang="nl-BE" dirty="0">
+                <a:solidFill>
+                  <a:schemeClr val="bg2">
+                    <a:lumMod val="75000"/>
+                  </a:schemeClr>
+                </a:solidFill>
+              </a:rPr>
               <a:t>Bibliografie</a:t>
             </a:r>
           </a:p>
@@ -9235,7 +9097,7 @@
     </p:spTree>
     <p:extLst>
       <p:ext uri="{BB962C8B-B14F-4D97-AF65-F5344CB8AC3E}">
-        <p14:creationId xmlns:p14="http://schemas.microsoft.com/office/powerpoint/2010/main" val="2017556472"/>
+        <p14:creationId xmlns:p14="http://schemas.microsoft.com/office/powerpoint/2010/main" val="3193707533"/>
       </p:ext>
     </p:extLst>
   </p:cSld>
@@ -9267,6 +9129,754 @@
           <p:cNvPr id="2" name="Content Placeholder 1">
             <a:extLst>
               <a:ext uri="{FF2B5EF4-FFF2-40B4-BE49-F238E27FC236}">
+                <a16:creationId xmlns:a16="http://schemas.microsoft.com/office/drawing/2014/main" id="{9572C954-C83C-EE79-685B-900385B3EC4B}"/>
+              </a:ext>
+            </a:extLst>
+          </p:cNvPr>
+          <p:cNvSpPr>
+            <a:spLocks noGrp="1"/>
+          </p:cNvSpPr>
+          <p:nvPr>
+            <p:ph idx="1"/>
+          </p:nvPr>
+        </p:nvSpPr>
+        <p:spPr>
+          <a:xfrm>
+            <a:off x="576000" y="1656000"/>
+            <a:ext cx="11041200" cy="4554000"/>
+          </a:xfrm>
+        </p:spPr>
+        <p:txBody>
+          <a:bodyPr>
+            <a:normAutofit fontScale="85000" lnSpcReduction="20000"/>
+          </a:bodyPr>
+          <a:lstStyle/>
+          <a:p>
+            <a:pPr marL="457200" indent="-457200">
+              <a:buFont typeface="+mj-lt"/>
+              <a:buAutoNum type="arabicPeriod"/>
+            </a:pPr>
+            <a:r>
+              <a:rPr lang="nl-BE" dirty="0">
+                <a:solidFill>
+                  <a:schemeClr val="bg2">
+                    <a:lumMod val="75000"/>
+                  </a:schemeClr>
+                </a:solidFill>
+              </a:rPr>
+              <a:t>Inleiding</a:t>
+            </a:r>
+          </a:p>
+          <a:p>
+            <a:pPr marL="457200" indent="-457200">
+              <a:buFont typeface="+mj-lt"/>
+              <a:buAutoNum type="arabicPeriod"/>
+            </a:pPr>
+            <a:r>
+              <a:rPr lang="nl-BE" dirty="0">
+                <a:solidFill>
+                  <a:schemeClr val="bg2">
+                    <a:lumMod val="75000"/>
+                  </a:schemeClr>
+                </a:solidFill>
+              </a:rPr>
+              <a:t>Ontwerp</a:t>
+            </a:r>
+          </a:p>
+          <a:p>
+            <a:pPr marL="457200" indent="-457200">
+              <a:buFont typeface="+mj-lt"/>
+              <a:buAutoNum type="arabicPeriod"/>
+            </a:pPr>
+            <a:r>
+              <a:rPr lang="nl-BE" dirty="0">
+                <a:solidFill>
+                  <a:schemeClr val="bg2">
+                    <a:lumMod val="75000"/>
+                  </a:schemeClr>
+                </a:solidFill>
+              </a:rPr>
+              <a:t>Stappen</a:t>
+            </a:r>
+          </a:p>
+          <a:p>
+            <a:pPr marL="914400" lvl="1" indent="-457200">
+              <a:buFont typeface="+mj-lt"/>
+              <a:buAutoNum type="arabicPeriod"/>
+            </a:pPr>
+            <a:r>
+              <a:rPr lang="nl-BE" dirty="0">
+                <a:solidFill>
+                  <a:schemeClr val="bg2">
+                    <a:lumMod val="75000"/>
+                  </a:schemeClr>
+                </a:solidFill>
+              </a:rPr>
+              <a:t>Detectie en lokalisatie</a:t>
+            </a:r>
+          </a:p>
+          <a:p>
+            <a:pPr marL="914400" lvl="1" indent="-457200">
+              <a:buFont typeface="+mj-lt"/>
+              <a:buAutoNum type="arabicPeriod"/>
+            </a:pPr>
+            <a:r>
+              <a:rPr lang="nl-BE" dirty="0">
+                <a:solidFill>
+                  <a:schemeClr val="bg2">
+                    <a:lumMod val="75000"/>
+                  </a:schemeClr>
+                </a:solidFill>
+              </a:rPr>
+              <a:t>Richten</a:t>
+            </a:r>
+          </a:p>
+          <a:p>
+            <a:pPr marL="914400" lvl="1" indent="-457200">
+              <a:buFont typeface="+mj-lt"/>
+              <a:buAutoNum type="arabicPeriod"/>
+            </a:pPr>
+            <a:r>
+              <a:rPr lang="nl-BE" dirty="0">
+                <a:solidFill>
+                  <a:schemeClr val="bg2">
+                    <a:lumMod val="75000"/>
+                  </a:schemeClr>
+                </a:solidFill>
+              </a:rPr>
+              <a:t>Blussen</a:t>
+            </a:r>
+          </a:p>
+          <a:p>
+            <a:pPr marL="457200" indent="-457200">
+              <a:lnSpc>
+                <a:spcPct val="110000"/>
+              </a:lnSpc>
+              <a:buFont typeface="+mj-lt"/>
+              <a:buAutoNum type="arabicPeriod"/>
+            </a:pPr>
+            <a:r>
+              <a:rPr lang="nl-BE" dirty="0" err="1">
+                <a:solidFill>
+                  <a:schemeClr val="bg2">
+                    <a:lumMod val="75000"/>
+                  </a:schemeClr>
+                </a:solidFill>
+              </a:rPr>
+              <a:t>Protoype</a:t>
+            </a:r>
+            <a:endParaRPr lang="nl-BE" dirty="0">
+              <a:solidFill>
+                <a:schemeClr val="bg2">
+                  <a:lumMod val="75000"/>
+                </a:schemeClr>
+              </a:solidFill>
+            </a:endParaRPr>
+          </a:p>
+          <a:p>
+            <a:pPr marL="914400" lvl="1" indent="-457200">
+              <a:buFont typeface="+mj-lt"/>
+              <a:buAutoNum type="arabicPeriod"/>
+            </a:pPr>
+            <a:r>
+              <a:rPr lang="nl-BE" dirty="0">
+                <a:solidFill>
+                  <a:schemeClr val="bg2">
+                    <a:lumMod val="75000"/>
+                  </a:schemeClr>
+                </a:solidFill>
+              </a:rPr>
+              <a:t>Constructie</a:t>
+            </a:r>
+          </a:p>
+          <a:p>
+            <a:pPr marL="914400" lvl="1" indent="-457200">
+              <a:buFont typeface="+mj-lt"/>
+              <a:buAutoNum type="arabicPeriod"/>
+            </a:pPr>
+            <a:r>
+              <a:rPr lang="nl-BE" dirty="0">
+                <a:solidFill>
+                  <a:srgbClr val="2F4D5D"/>
+                </a:solidFill>
+              </a:rPr>
+              <a:t>Elektrisch circuit</a:t>
+            </a:r>
+          </a:p>
+          <a:p>
+            <a:pPr marL="914400" lvl="1" indent="-457200">
+              <a:buFont typeface="+mj-lt"/>
+              <a:buAutoNum type="arabicPeriod"/>
+            </a:pPr>
+            <a:r>
+              <a:rPr lang="nl-BE" dirty="0">
+                <a:solidFill>
+                  <a:schemeClr val="bg2">
+                    <a:lumMod val="75000"/>
+                  </a:schemeClr>
+                </a:solidFill>
+              </a:rPr>
+              <a:t>Arm en spuit</a:t>
+            </a:r>
+          </a:p>
+          <a:p>
+            <a:pPr marL="457200" indent="-457200">
+              <a:buFont typeface="+mj-lt"/>
+              <a:buAutoNum type="arabicPeriod"/>
+            </a:pPr>
+            <a:r>
+              <a:rPr lang="nl-BE" dirty="0" err="1">
+                <a:solidFill>
+                  <a:schemeClr val="bg2">
+                    <a:lumMod val="75000"/>
+                  </a:schemeClr>
+                </a:solidFill>
+              </a:rPr>
+              <a:t>Resulaten</a:t>
+            </a:r>
+            <a:endParaRPr lang="nl-BE" dirty="0">
+              <a:solidFill>
+                <a:schemeClr val="bg2">
+                  <a:lumMod val="75000"/>
+                </a:schemeClr>
+              </a:solidFill>
+            </a:endParaRPr>
+          </a:p>
+          <a:p>
+            <a:pPr marL="457200" indent="-457200">
+              <a:buFont typeface="+mj-lt"/>
+              <a:buAutoNum type="arabicPeriod"/>
+            </a:pPr>
+            <a:r>
+              <a:rPr lang="nl-BE" dirty="0">
+                <a:solidFill>
+                  <a:schemeClr val="bg2">
+                    <a:lumMod val="75000"/>
+                  </a:schemeClr>
+                </a:solidFill>
+              </a:rPr>
+              <a:t>Besluit</a:t>
+            </a:r>
+          </a:p>
+          <a:p>
+            <a:pPr marL="457200" indent="-457200">
+              <a:buFont typeface="+mj-lt"/>
+              <a:buAutoNum type="arabicPeriod"/>
+            </a:pPr>
+            <a:r>
+              <a:rPr lang="nl-BE" dirty="0">
+                <a:solidFill>
+                  <a:schemeClr val="bg2">
+                    <a:lumMod val="75000"/>
+                  </a:schemeClr>
+                </a:solidFill>
+              </a:rPr>
+              <a:t>Bibliografie</a:t>
+            </a:r>
+          </a:p>
+          <a:p>
+            <a:pPr marL="457200" indent="-457200">
+              <a:buFont typeface="+mj-lt"/>
+              <a:buAutoNum type="arabicPeriod"/>
+            </a:pPr>
+            <a:endParaRPr lang="nl-BE" dirty="0"/>
+          </a:p>
+        </p:txBody>
+      </p:sp>
+      <p:sp>
+        <p:nvSpPr>
+          <p:cNvPr id="3" name="Footer Placeholder 2">
+            <a:extLst>
+              <a:ext uri="{FF2B5EF4-FFF2-40B4-BE49-F238E27FC236}">
+                <a16:creationId xmlns:a16="http://schemas.microsoft.com/office/drawing/2014/main" id="{87B9D861-BADE-1735-BC5D-FB0CE4C31EFE}"/>
+              </a:ext>
+            </a:extLst>
+          </p:cNvPr>
+          <p:cNvSpPr>
+            <a:spLocks noGrp="1"/>
+          </p:cNvSpPr>
+          <p:nvPr>
+            <p:ph type="ftr" sz="quarter" idx="11"/>
+          </p:nvPr>
+        </p:nvSpPr>
+        <p:spPr/>
+        <p:txBody>
+          <a:bodyPr/>
+          <a:lstStyle/>
+          <a:p>
+            <a:r>
+              <a:rPr lang="nl-NL"/>
+              <a:t>Groep Wetenschappen &amp; Techonologie - Ingenieurswetenschappen</a:t>
+            </a:r>
+          </a:p>
+        </p:txBody>
+      </p:sp>
+      <p:sp>
+        <p:nvSpPr>
+          <p:cNvPr id="4" name="Slide Number Placeholder 3">
+            <a:extLst>
+              <a:ext uri="{FF2B5EF4-FFF2-40B4-BE49-F238E27FC236}">
+                <a16:creationId xmlns:a16="http://schemas.microsoft.com/office/drawing/2014/main" id="{FC23E00C-3A77-A444-8280-8A8A5D17B5DF}"/>
+              </a:ext>
+            </a:extLst>
+          </p:cNvPr>
+          <p:cNvSpPr>
+            <a:spLocks noGrp="1"/>
+          </p:cNvSpPr>
+          <p:nvPr>
+            <p:ph type="sldNum" sz="quarter" idx="12"/>
+          </p:nvPr>
+        </p:nvSpPr>
+        <p:spPr/>
+        <p:txBody>
+          <a:bodyPr/>
+          <a:lstStyle/>
+          <a:p>
+            <a:fld id="{0A297500-7527-634B-90F4-69D0994C32B4}" type="slidenum">
+              <a:rPr lang="nl-NL" smtClean="0"/>
+              <a:t>24</a:t>
+            </a:fld>
+            <a:endParaRPr lang="nl-NL"/>
+          </a:p>
+        </p:txBody>
+      </p:sp>
+      <p:sp>
+        <p:nvSpPr>
+          <p:cNvPr id="5" name="Title 4">
+            <a:extLst>
+              <a:ext uri="{FF2B5EF4-FFF2-40B4-BE49-F238E27FC236}">
+                <a16:creationId xmlns:a16="http://schemas.microsoft.com/office/drawing/2014/main" id="{344F2F4D-955A-2213-B685-181EC6CE1CBA}"/>
+              </a:ext>
+            </a:extLst>
+          </p:cNvPr>
+          <p:cNvSpPr>
+            <a:spLocks noGrp="1"/>
+          </p:cNvSpPr>
+          <p:nvPr>
+            <p:ph type="title"/>
+          </p:nvPr>
+        </p:nvSpPr>
+        <p:spPr/>
+        <p:txBody>
+          <a:bodyPr/>
+          <a:lstStyle/>
+          <a:p>
+            <a:r>
+              <a:rPr lang="nl-BE" dirty="0"/>
+              <a:t>Overzicht</a:t>
+            </a:r>
+          </a:p>
+        </p:txBody>
+      </p:sp>
+    </p:spTree>
+    <p:extLst>
+      <p:ext uri="{BB962C8B-B14F-4D97-AF65-F5344CB8AC3E}">
+        <p14:creationId xmlns:p14="http://schemas.microsoft.com/office/powerpoint/2010/main" val="2412665421"/>
+      </p:ext>
+    </p:extLst>
+  </p:cSld>
+  <p:clrMapOvr>
+    <a:masterClrMapping/>
+  </p:clrMapOvr>
+</p:sld>
+</file>
+
+<file path=ppt/slides/slide25.xml><?xml version="1.0" encoding="utf-8"?>
+<p:sld xmlns:a="http://schemas.openxmlformats.org/drawingml/2006/main" xmlns:r="http://schemas.openxmlformats.org/officeDocument/2006/relationships" xmlns:p="http://schemas.openxmlformats.org/presentationml/2006/main">
+  <p:cSld>
+    <p:spTree>
+      <p:nvGrpSpPr>
+        <p:cNvPr id="1" name=""/>
+        <p:cNvGrpSpPr/>
+        <p:nvPr/>
+      </p:nvGrpSpPr>
+      <p:grpSpPr>
+        <a:xfrm>
+          <a:off x="0" y="0"/>
+          <a:ext cx="0" cy="0"/>
+          <a:chOff x="0" y="0"/>
+          <a:chExt cx="0" cy="0"/>
+        </a:xfrm>
+      </p:grpSpPr>
+      <p:sp>
+        <p:nvSpPr>
+          <p:cNvPr id="2" name="Content Placeholder 1">
+            <a:extLst>
+              <a:ext uri="{FF2B5EF4-FFF2-40B4-BE49-F238E27FC236}">
+                <a16:creationId xmlns:a16="http://schemas.microsoft.com/office/drawing/2014/main" id="{9572C954-C83C-EE79-685B-900385B3EC4B}"/>
+              </a:ext>
+            </a:extLst>
+          </p:cNvPr>
+          <p:cNvSpPr>
+            <a:spLocks noGrp="1"/>
+          </p:cNvSpPr>
+          <p:nvPr>
+            <p:ph idx="1"/>
+          </p:nvPr>
+        </p:nvSpPr>
+        <p:spPr>
+          <a:xfrm>
+            <a:off x="576000" y="1656000"/>
+            <a:ext cx="11041200" cy="4554000"/>
+          </a:xfrm>
+        </p:spPr>
+        <p:txBody>
+          <a:bodyPr>
+            <a:normAutofit fontScale="85000" lnSpcReduction="20000"/>
+          </a:bodyPr>
+          <a:lstStyle/>
+          <a:p>
+            <a:pPr marL="457200" indent="-457200">
+              <a:buFont typeface="+mj-lt"/>
+              <a:buAutoNum type="arabicPeriod"/>
+            </a:pPr>
+            <a:r>
+              <a:rPr lang="nl-BE" dirty="0">
+                <a:solidFill>
+                  <a:schemeClr val="bg2">
+                    <a:lumMod val="75000"/>
+                  </a:schemeClr>
+                </a:solidFill>
+              </a:rPr>
+              <a:t>Inleiding</a:t>
+            </a:r>
+          </a:p>
+          <a:p>
+            <a:pPr marL="457200" indent="-457200">
+              <a:buFont typeface="+mj-lt"/>
+              <a:buAutoNum type="arabicPeriod"/>
+            </a:pPr>
+            <a:r>
+              <a:rPr lang="nl-BE" dirty="0">
+                <a:solidFill>
+                  <a:schemeClr val="bg2">
+                    <a:lumMod val="75000"/>
+                  </a:schemeClr>
+                </a:solidFill>
+              </a:rPr>
+              <a:t>Ontwerp</a:t>
+            </a:r>
+          </a:p>
+          <a:p>
+            <a:pPr marL="457200" indent="-457200">
+              <a:buFont typeface="+mj-lt"/>
+              <a:buAutoNum type="arabicPeriod"/>
+            </a:pPr>
+            <a:r>
+              <a:rPr lang="nl-BE" dirty="0">
+                <a:solidFill>
+                  <a:schemeClr val="bg2">
+                    <a:lumMod val="75000"/>
+                  </a:schemeClr>
+                </a:solidFill>
+              </a:rPr>
+              <a:t>Stappen</a:t>
+            </a:r>
+          </a:p>
+          <a:p>
+            <a:pPr marL="914400" lvl="1" indent="-457200">
+              <a:buFont typeface="+mj-lt"/>
+              <a:buAutoNum type="arabicPeriod"/>
+            </a:pPr>
+            <a:r>
+              <a:rPr lang="nl-BE" dirty="0">
+                <a:solidFill>
+                  <a:schemeClr val="bg2">
+                    <a:lumMod val="75000"/>
+                  </a:schemeClr>
+                </a:solidFill>
+              </a:rPr>
+              <a:t>Detectie en lokalisatie</a:t>
+            </a:r>
+          </a:p>
+          <a:p>
+            <a:pPr marL="914400" lvl="1" indent="-457200">
+              <a:buFont typeface="+mj-lt"/>
+              <a:buAutoNum type="arabicPeriod"/>
+            </a:pPr>
+            <a:r>
+              <a:rPr lang="nl-BE" dirty="0">
+                <a:solidFill>
+                  <a:schemeClr val="bg2">
+                    <a:lumMod val="75000"/>
+                  </a:schemeClr>
+                </a:solidFill>
+              </a:rPr>
+              <a:t>Richten</a:t>
+            </a:r>
+          </a:p>
+          <a:p>
+            <a:pPr marL="914400" lvl="1" indent="-457200">
+              <a:buFont typeface="+mj-lt"/>
+              <a:buAutoNum type="arabicPeriod"/>
+            </a:pPr>
+            <a:r>
+              <a:rPr lang="nl-BE" dirty="0">
+                <a:solidFill>
+                  <a:schemeClr val="bg2">
+                    <a:lumMod val="75000"/>
+                  </a:schemeClr>
+                </a:solidFill>
+              </a:rPr>
+              <a:t>Blussen</a:t>
+            </a:r>
+          </a:p>
+          <a:p>
+            <a:pPr marL="457200" indent="-457200">
+              <a:lnSpc>
+                <a:spcPct val="110000"/>
+              </a:lnSpc>
+              <a:buFont typeface="+mj-lt"/>
+              <a:buAutoNum type="arabicPeriod"/>
+            </a:pPr>
+            <a:r>
+              <a:rPr lang="nl-BE" dirty="0" err="1">
+                <a:solidFill>
+                  <a:schemeClr val="bg2">
+                    <a:lumMod val="75000"/>
+                  </a:schemeClr>
+                </a:solidFill>
+              </a:rPr>
+              <a:t>Protoype</a:t>
+            </a:r>
+            <a:endParaRPr lang="nl-BE" dirty="0">
+              <a:solidFill>
+                <a:schemeClr val="bg2">
+                  <a:lumMod val="75000"/>
+                </a:schemeClr>
+              </a:solidFill>
+            </a:endParaRPr>
+          </a:p>
+          <a:p>
+            <a:pPr marL="914400" lvl="1" indent="-457200">
+              <a:buFont typeface="+mj-lt"/>
+              <a:buAutoNum type="arabicPeriod"/>
+            </a:pPr>
+            <a:r>
+              <a:rPr lang="nl-BE" dirty="0">
+                <a:solidFill>
+                  <a:schemeClr val="bg2">
+                    <a:lumMod val="75000"/>
+                  </a:schemeClr>
+                </a:solidFill>
+              </a:rPr>
+              <a:t>Constructie</a:t>
+            </a:r>
+          </a:p>
+          <a:p>
+            <a:pPr marL="914400" lvl="1" indent="-457200">
+              <a:buFont typeface="+mj-lt"/>
+              <a:buAutoNum type="arabicPeriod"/>
+            </a:pPr>
+            <a:r>
+              <a:rPr lang="nl-BE" dirty="0">
+                <a:solidFill>
+                  <a:schemeClr val="bg2">
+                    <a:lumMod val="75000"/>
+                  </a:schemeClr>
+                </a:solidFill>
+              </a:rPr>
+              <a:t>Elektrisch circuit</a:t>
+            </a:r>
+          </a:p>
+          <a:p>
+            <a:pPr marL="914400" lvl="1" indent="-457200">
+              <a:buFont typeface="+mj-lt"/>
+              <a:buAutoNum type="arabicPeriod"/>
+            </a:pPr>
+            <a:r>
+              <a:rPr lang="nl-BE" dirty="0">
+                <a:solidFill>
+                  <a:srgbClr val="2F4D5D"/>
+                </a:solidFill>
+              </a:rPr>
+              <a:t>Arm en spuit</a:t>
+            </a:r>
+          </a:p>
+          <a:p>
+            <a:pPr marL="457200" indent="-457200">
+              <a:buFont typeface="+mj-lt"/>
+              <a:buAutoNum type="arabicPeriod"/>
+            </a:pPr>
+            <a:r>
+              <a:rPr lang="nl-BE" dirty="0" err="1">
+                <a:solidFill>
+                  <a:schemeClr val="bg2">
+                    <a:lumMod val="75000"/>
+                  </a:schemeClr>
+                </a:solidFill>
+              </a:rPr>
+              <a:t>Resulaten</a:t>
+            </a:r>
+            <a:endParaRPr lang="nl-BE" dirty="0">
+              <a:solidFill>
+                <a:schemeClr val="bg2">
+                  <a:lumMod val="75000"/>
+                </a:schemeClr>
+              </a:solidFill>
+            </a:endParaRPr>
+          </a:p>
+          <a:p>
+            <a:pPr marL="457200" indent="-457200">
+              <a:buFont typeface="+mj-lt"/>
+              <a:buAutoNum type="arabicPeriod"/>
+            </a:pPr>
+            <a:r>
+              <a:rPr lang="nl-BE" dirty="0">
+                <a:solidFill>
+                  <a:schemeClr val="bg2">
+                    <a:lumMod val="75000"/>
+                  </a:schemeClr>
+                </a:solidFill>
+              </a:rPr>
+              <a:t>Besluit</a:t>
+            </a:r>
+          </a:p>
+          <a:p>
+            <a:pPr marL="457200" indent="-457200">
+              <a:buFont typeface="+mj-lt"/>
+              <a:buAutoNum type="arabicPeriod"/>
+            </a:pPr>
+            <a:r>
+              <a:rPr lang="nl-BE" dirty="0">
+                <a:solidFill>
+                  <a:schemeClr val="bg2">
+                    <a:lumMod val="75000"/>
+                  </a:schemeClr>
+                </a:solidFill>
+              </a:rPr>
+              <a:t>Bibliografie</a:t>
+            </a:r>
+          </a:p>
+          <a:p>
+            <a:pPr marL="457200" indent="-457200">
+              <a:buFont typeface="+mj-lt"/>
+              <a:buAutoNum type="arabicPeriod"/>
+            </a:pPr>
+            <a:endParaRPr lang="nl-BE" dirty="0"/>
+          </a:p>
+        </p:txBody>
+      </p:sp>
+      <p:sp>
+        <p:nvSpPr>
+          <p:cNvPr id="3" name="Footer Placeholder 2">
+            <a:extLst>
+              <a:ext uri="{FF2B5EF4-FFF2-40B4-BE49-F238E27FC236}">
+                <a16:creationId xmlns:a16="http://schemas.microsoft.com/office/drawing/2014/main" id="{87B9D861-BADE-1735-BC5D-FB0CE4C31EFE}"/>
+              </a:ext>
+            </a:extLst>
+          </p:cNvPr>
+          <p:cNvSpPr>
+            <a:spLocks noGrp="1"/>
+          </p:cNvSpPr>
+          <p:nvPr>
+            <p:ph type="ftr" sz="quarter" idx="11"/>
+          </p:nvPr>
+        </p:nvSpPr>
+        <p:spPr/>
+        <p:txBody>
+          <a:bodyPr/>
+          <a:lstStyle/>
+          <a:p>
+            <a:r>
+              <a:rPr lang="nl-NL"/>
+              <a:t>Groep Wetenschappen &amp; Techonologie - Ingenieurswetenschappen</a:t>
+            </a:r>
+          </a:p>
+        </p:txBody>
+      </p:sp>
+      <p:sp>
+        <p:nvSpPr>
+          <p:cNvPr id="4" name="Slide Number Placeholder 3">
+            <a:extLst>
+              <a:ext uri="{FF2B5EF4-FFF2-40B4-BE49-F238E27FC236}">
+                <a16:creationId xmlns:a16="http://schemas.microsoft.com/office/drawing/2014/main" id="{FC23E00C-3A77-A444-8280-8A8A5D17B5DF}"/>
+              </a:ext>
+            </a:extLst>
+          </p:cNvPr>
+          <p:cNvSpPr>
+            <a:spLocks noGrp="1"/>
+          </p:cNvSpPr>
+          <p:nvPr>
+            <p:ph type="sldNum" sz="quarter" idx="12"/>
+          </p:nvPr>
+        </p:nvSpPr>
+        <p:spPr/>
+        <p:txBody>
+          <a:bodyPr/>
+          <a:lstStyle/>
+          <a:p>
+            <a:fld id="{0A297500-7527-634B-90F4-69D0994C32B4}" type="slidenum">
+              <a:rPr lang="nl-NL" smtClean="0"/>
+              <a:t>25</a:t>
+            </a:fld>
+            <a:endParaRPr lang="nl-NL"/>
+          </a:p>
+        </p:txBody>
+      </p:sp>
+      <p:sp>
+        <p:nvSpPr>
+          <p:cNvPr id="5" name="Title 4">
+            <a:extLst>
+              <a:ext uri="{FF2B5EF4-FFF2-40B4-BE49-F238E27FC236}">
+                <a16:creationId xmlns:a16="http://schemas.microsoft.com/office/drawing/2014/main" id="{344F2F4D-955A-2213-B685-181EC6CE1CBA}"/>
+              </a:ext>
+            </a:extLst>
+          </p:cNvPr>
+          <p:cNvSpPr>
+            <a:spLocks noGrp="1"/>
+          </p:cNvSpPr>
+          <p:nvPr>
+            <p:ph type="title"/>
+          </p:nvPr>
+        </p:nvSpPr>
+        <p:spPr/>
+        <p:txBody>
+          <a:bodyPr/>
+          <a:lstStyle/>
+          <a:p>
+            <a:r>
+              <a:rPr lang="nl-BE" dirty="0"/>
+              <a:t>Overzicht</a:t>
+            </a:r>
+          </a:p>
+        </p:txBody>
+      </p:sp>
+    </p:spTree>
+    <p:extLst>
+      <p:ext uri="{BB962C8B-B14F-4D97-AF65-F5344CB8AC3E}">
+        <p14:creationId xmlns:p14="http://schemas.microsoft.com/office/powerpoint/2010/main" val="2121751276"/>
+      </p:ext>
+    </p:extLst>
+  </p:cSld>
+  <p:clrMapOvr>
+    <a:masterClrMapping/>
+  </p:clrMapOvr>
+</p:sld>
+</file>
+
+<file path=ppt/slides/slide26.xml><?xml version="1.0" encoding="utf-8"?>
+<p:sld xmlns:a="http://schemas.openxmlformats.org/drawingml/2006/main" xmlns:r="http://schemas.openxmlformats.org/officeDocument/2006/relationships" xmlns:p="http://schemas.openxmlformats.org/presentationml/2006/main">
+  <p:cSld>
+    <p:spTree>
+      <p:nvGrpSpPr>
+        <p:cNvPr id="1" name=""/>
+        <p:cNvGrpSpPr/>
+        <p:nvPr/>
+      </p:nvGrpSpPr>
+      <p:grpSpPr>
+        <a:xfrm>
+          <a:off x="0" y="0"/>
+          <a:ext cx="0" cy="0"/>
+          <a:chOff x="0" y="0"/>
+          <a:chExt cx="0" cy="0"/>
+        </a:xfrm>
+      </p:grpSpPr>
+      <p:sp>
+        <p:nvSpPr>
+          <p:cNvPr id="2" name="Content Placeholder 1">
+            <a:extLst>
+              <a:ext uri="{FF2B5EF4-FFF2-40B4-BE49-F238E27FC236}">
                 <a16:creationId xmlns:a16="http://schemas.microsoft.com/office/drawing/2014/main" id="{85A032CF-9302-46B3-9566-34644DB13228}"/>
               </a:ext>
             </a:extLst>
@@ -9310,6 +9920,270 @@
               </a:rPr>
               <a:t>Fire Fighting – Home (fsip.co.uk)</a:t>
             </a:r>
+            <a:endParaRPr lang="en-GB" dirty="0"/>
+          </a:p>
+          <a:p>
+            <a:pPr marL="457200" indent="-457200">
+              <a:lnSpc>
+                <a:spcPct val="200000"/>
+              </a:lnSpc>
+            </a:pPr>
+            <a:r>
+              <a:rPr lang="nl-BE" sz="1800" dirty="0" err="1">
+                <a:effectLst/>
+                <a:latin typeface="Times New Roman" panose="02020603050405020304" pitchFamily="18" charset="0"/>
+              </a:rPr>
+              <a:t>Murtaza’s</a:t>
+            </a:r>
+            <a:r>
+              <a:rPr lang="nl-BE" sz="1800" dirty="0">
+                <a:effectLst/>
+                <a:latin typeface="Times New Roman" panose="02020603050405020304" pitchFamily="18" charset="0"/>
+              </a:rPr>
+              <a:t> Workshop - </a:t>
+            </a:r>
+            <a:r>
+              <a:rPr lang="nl-BE" sz="1800" dirty="0" err="1">
+                <a:effectLst/>
+                <a:latin typeface="Times New Roman" panose="02020603050405020304" pitchFamily="18" charset="0"/>
+              </a:rPr>
+              <a:t>Robotics</a:t>
+            </a:r>
+            <a:r>
+              <a:rPr lang="nl-BE" sz="1800" dirty="0">
+                <a:effectLst/>
+                <a:latin typeface="Times New Roman" panose="02020603050405020304" pitchFamily="18" charset="0"/>
+              </a:rPr>
+              <a:t> </a:t>
+            </a:r>
+            <a:r>
+              <a:rPr lang="nl-BE" sz="1800" dirty="0" err="1">
+                <a:effectLst/>
+                <a:latin typeface="Times New Roman" panose="02020603050405020304" pitchFamily="18" charset="0"/>
+              </a:rPr>
+              <a:t>and</a:t>
+            </a:r>
+            <a:r>
+              <a:rPr lang="nl-BE" sz="1800" dirty="0">
+                <a:effectLst/>
+                <a:latin typeface="Times New Roman" panose="02020603050405020304" pitchFamily="18" charset="0"/>
+              </a:rPr>
+              <a:t> AI. (2020, 30 augustus). </a:t>
+            </a:r>
+            <a:r>
+              <a:rPr lang="nl-BE" sz="1800" i="1" dirty="0">
+                <a:effectLst/>
+                <a:latin typeface="Times New Roman" panose="02020603050405020304" pitchFamily="18" charset="0"/>
+              </a:rPr>
+              <a:t>Object </a:t>
+            </a:r>
+            <a:r>
+              <a:rPr lang="nl-BE" sz="1800" i="1" dirty="0" err="1">
+                <a:effectLst/>
+                <a:latin typeface="Times New Roman" panose="02020603050405020304" pitchFamily="18" charset="0"/>
+              </a:rPr>
+              <a:t>Detection</a:t>
+            </a:r>
+            <a:r>
+              <a:rPr lang="nl-BE" sz="1800" i="1" dirty="0">
+                <a:effectLst/>
+                <a:latin typeface="Times New Roman" panose="02020603050405020304" pitchFamily="18" charset="0"/>
+              </a:rPr>
+              <a:t> </a:t>
+            </a:r>
+            <a:r>
+              <a:rPr lang="nl-BE" sz="1800" i="1" dirty="0" err="1">
+                <a:effectLst/>
+                <a:latin typeface="Times New Roman" panose="02020603050405020304" pitchFamily="18" charset="0"/>
+              </a:rPr>
+              <a:t>OpenCV</a:t>
+            </a:r>
+            <a:r>
+              <a:rPr lang="nl-BE" sz="1800" i="1" dirty="0">
+                <a:effectLst/>
+                <a:latin typeface="Times New Roman" panose="02020603050405020304" pitchFamily="18" charset="0"/>
+              </a:rPr>
+              <a:t> Python | Easy </a:t>
+            </a:r>
+            <a:r>
+              <a:rPr lang="nl-BE" sz="1800" i="1" dirty="0" err="1">
+                <a:effectLst/>
+                <a:latin typeface="Times New Roman" panose="02020603050405020304" pitchFamily="18" charset="0"/>
+              </a:rPr>
+              <a:t>and</a:t>
+            </a:r>
+            <a:r>
+              <a:rPr lang="nl-BE" sz="1800" i="1" dirty="0">
+                <a:effectLst/>
+                <a:latin typeface="Times New Roman" panose="02020603050405020304" pitchFamily="18" charset="0"/>
+              </a:rPr>
+              <a:t> </a:t>
+            </a:r>
+            <a:r>
+              <a:rPr lang="nl-BE" sz="1800" i="1" dirty="0" err="1">
+                <a:effectLst/>
+                <a:latin typeface="Times New Roman" panose="02020603050405020304" pitchFamily="18" charset="0"/>
+              </a:rPr>
+              <a:t>Fast</a:t>
+            </a:r>
+            <a:r>
+              <a:rPr lang="nl-BE" sz="1800" i="1" dirty="0">
+                <a:effectLst/>
+                <a:latin typeface="Times New Roman" panose="02020603050405020304" pitchFamily="18" charset="0"/>
+              </a:rPr>
+              <a:t> (2020)</a:t>
+            </a:r>
+            <a:r>
+              <a:rPr lang="nl-BE" sz="1800" dirty="0">
+                <a:effectLst/>
+                <a:latin typeface="Times New Roman" panose="02020603050405020304" pitchFamily="18" charset="0"/>
+              </a:rPr>
+              <a:t> [Video]. YouTube. https://www.youtube.com/watch?v=HXDD7-EnGBY</a:t>
+            </a:r>
+          </a:p>
+          <a:p>
+            <a:r>
+              <a:rPr lang="nl-BE" sz="1800" dirty="0">
+                <a:effectLst/>
+                <a:latin typeface="Times New Roman" panose="02020603050405020304" pitchFamily="18" charset="0"/>
+              </a:rPr>
+              <a:t>Computer </a:t>
+            </a:r>
+            <a:r>
+              <a:rPr lang="nl-BE" sz="1800" dirty="0" err="1">
+                <a:effectLst/>
+                <a:latin typeface="Times New Roman" panose="02020603050405020304" pitchFamily="18" charset="0"/>
+              </a:rPr>
+              <a:t>vision</a:t>
+            </a:r>
+            <a:r>
+              <a:rPr lang="nl-BE" sz="1800" dirty="0">
+                <a:effectLst/>
+                <a:latin typeface="Times New Roman" panose="02020603050405020304" pitchFamily="18" charset="0"/>
+              </a:rPr>
+              <a:t> engineer. (2022, 27 oktober). </a:t>
+            </a:r>
+            <a:r>
+              <a:rPr lang="nl-BE" sz="1800" i="1" dirty="0" err="1">
+                <a:effectLst/>
+                <a:latin typeface="Times New Roman" panose="02020603050405020304" pitchFamily="18" charset="0"/>
+              </a:rPr>
+              <a:t>Detecting</a:t>
+            </a:r>
+            <a:r>
+              <a:rPr lang="nl-BE" sz="1800" i="1" dirty="0">
+                <a:effectLst/>
+                <a:latin typeface="Times New Roman" panose="02020603050405020304" pitchFamily="18" charset="0"/>
+              </a:rPr>
+              <a:t> </a:t>
+            </a:r>
+            <a:r>
+              <a:rPr lang="nl-BE" sz="1800" i="1" dirty="0" err="1">
+                <a:effectLst/>
+                <a:latin typeface="Times New Roman" panose="02020603050405020304" pitchFamily="18" charset="0"/>
+              </a:rPr>
+              <a:t>color</a:t>
+            </a:r>
+            <a:r>
+              <a:rPr lang="nl-BE" sz="1800" i="1" dirty="0">
+                <a:effectLst/>
+                <a:latin typeface="Times New Roman" panose="02020603050405020304" pitchFamily="18" charset="0"/>
+              </a:rPr>
+              <a:t> </a:t>
+            </a:r>
+            <a:r>
+              <a:rPr lang="nl-BE" sz="1800" i="1" dirty="0" err="1">
+                <a:effectLst/>
+                <a:latin typeface="Times New Roman" panose="02020603050405020304" pitchFamily="18" charset="0"/>
+              </a:rPr>
+              <a:t>with</a:t>
+            </a:r>
+            <a:r>
+              <a:rPr lang="nl-BE" sz="1800" i="1" dirty="0">
+                <a:effectLst/>
+                <a:latin typeface="Times New Roman" panose="02020603050405020304" pitchFamily="18" charset="0"/>
+              </a:rPr>
+              <a:t> Python </a:t>
+            </a:r>
+            <a:r>
+              <a:rPr lang="nl-BE" sz="1800" i="1" dirty="0" err="1">
+                <a:effectLst/>
+                <a:latin typeface="Times New Roman" panose="02020603050405020304" pitchFamily="18" charset="0"/>
+              </a:rPr>
+              <a:t>and</a:t>
+            </a:r>
+            <a:r>
+              <a:rPr lang="nl-BE" sz="1800" i="1" dirty="0">
+                <a:effectLst/>
+                <a:latin typeface="Times New Roman" panose="02020603050405020304" pitchFamily="18" charset="0"/>
+              </a:rPr>
+              <a:t> </a:t>
+            </a:r>
+            <a:r>
+              <a:rPr lang="nl-BE" sz="1800" i="1" dirty="0" err="1">
+                <a:effectLst/>
+                <a:latin typeface="Times New Roman" panose="02020603050405020304" pitchFamily="18" charset="0"/>
+              </a:rPr>
+              <a:t>OpenCV</a:t>
+            </a:r>
+            <a:r>
+              <a:rPr lang="nl-BE" sz="1800" i="1" dirty="0">
+                <a:effectLst/>
+                <a:latin typeface="Times New Roman" panose="02020603050405020304" pitchFamily="18" charset="0"/>
+              </a:rPr>
+              <a:t> </a:t>
+            </a:r>
+            <a:r>
+              <a:rPr lang="nl-BE" sz="1800" i="1" dirty="0" err="1">
+                <a:effectLst/>
+                <a:latin typeface="Times New Roman" panose="02020603050405020304" pitchFamily="18" charset="0"/>
+              </a:rPr>
+              <a:t>using</a:t>
+            </a:r>
+            <a:r>
+              <a:rPr lang="nl-BE" sz="1800" i="1" dirty="0">
+                <a:effectLst/>
+                <a:latin typeface="Times New Roman" panose="02020603050405020304" pitchFamily="18" charset="0"/>
+              </a:rPr>
+              <a:t> HSV </a:t>
+            </a:r>
+            <a:r>
+              <a:rPr lang="nl-BE" sz="1800" i="1" dirty="0" err="1">
+                <a:effectLst/>
+                <a:latin typeface="Times New Roman" panose="02020603050405020304" pitchFamily="18" charset="0"/>
+              </a:rPr>
+              <a:t>colorspace</a:t>
+            </a:r>
+            <a:r>
+              <a:rPr lang="nl-BE" sz="1800" i="1" dirty="0">
+                <a:effectLst/>
+                <a:latin typeface="Times New Roman" panose="02020603050405020304" pitchFamily="18" charset="0"/>
+              </a:rPr>
+              <a:t> | Computer </a:t>
+            </a:r>
+            <a:r>
+              <a:rPr lang="nl-BE" sz="1800" i="1" dirty="0" err="1">
+                <a:effectLst/>
+                <a:latin typeface="Times New Roman" panose="02020603050405020304" pitchFamily="18" charset="0"/>
+              </a:rPr>
+              <a:t>vision</a:t>
+            </a:r>
+            <a:r>
+              <a:rPr lang="nl-BE" sz="1800" i="1" dirty="0">
+                <a:effectLst/>
+                <a:latin typeface="Times New Roman" panose="02020603050405020304" pitchFamily="18" charset="0"/>
+              </a:rPr>
+              <a:t> tutorial</a:t>
+            </a:r>
+            <a:r>
+              <a:rPr lang="nl-BE" sz="1800" dirty="0">
+                <a:effectLst/>
+                <a:latin typeface="Times New Roman" panose="02020603050405020304" pitchFamily="18" charset="0"/>
+              </a:rPr>
+              <a:t> [Video]. YouTube. https://www.youtube.com/watch?v=aFNDh5k3SjU</a:t>
+            </a:r>
+          </a:p>
+          <a:p>
             <a:endParaRPr lang="nl-BE" dirty="0"/>
           </a:p>
         </p:txBody>
@@ -9365,7 +10239,7 @@
           <a:p>
             <a:fld id="{0A297500-7527-634B-90F4-69D0994C32B4}" type="slidenum">
               <a:rPr lang="nl-NL" smtClean="0"/>
-              <a:t>24</a:t>
+              <a:t>26</a:t>
             </a:fld>
             <a:endParaRPr lang="nl-NL"/>
           </a:p>
@@ -9453,7 +10327,7 @@
         </p:spPr>
         <p:txBody>
           <a:bodyPr>
-            <a:normAutofit/>
+            <a:normAutofit lnSpcReduction="10000"/>
           </a:bodyPr>
           <a:lstStyle/>
           <a:p>
@@ -9559,7 +10433,7 @@
                   </a:schemeClr>
                 </a:solidFill>
               </a:rPr>
-              <a:t>Wat hebben we al gerealiseerd?</a:t>
+              <a:t>Prototype</a:t>
             </a:r>
           </a:p>
           <a:p>
@@ -9575,7 +10449,23 @@
                   </a:schemeClr>
                 </a:solidFill>
               </a:rPr>
-              <a:t>Wat moeten we nog doen?</a:t>
+              <a:t>Resultaten</a:t>
+            </a:r>
+          </a:p>
+          <a:p>
+            <a:pPr marL="457200" indent="-457200">
+              <a:buFont typeface="+mj-lt"/>
+              <a:buAutoNum type="arabicPeriod"/>
+            </a:pPr>
+            <a:r>
+              <a:rPr lang="nl-BE" dirty="0">
+                <a:solidFill>
+                  <a:schemeClr val="bg2">
+                    <a:lumMod val="75000"/>
+                  </a:schemeClr>
+                </a:solidFill>
+              </a:rPr>
+              <a:t>Besluit</a:t>
             </a:r>
           </a:p>
           <a:p>
@@ -10275,7 +11165,7 @@
         </p:spPr>
         <p:txBody>
           <a:bodyPr>
-            <a:normAutofit/>
+            <a:normAutofit lnSpcReduction="10000"/>
           </a:bodyPr>
           <a:lstStyle/>
           <a:p>
@@ -10381,7 +11271,7 @@
                   </a:schemeClr>
                 </a:solidFill>
               </a:rPr>
-              <a:t>Wat hebben we al gerealiseerd?</a:t>
+              <a:t>Prototype</a:t>
             </a:r>
           </a:p>
           <a:p>
@@ -10397,7 +11287,23 @@
                   </a:schemeClr>
                 </a:solidFill>
               </a:rPr>
-              <a:t>Wat moeten we nog doen?</a:t>
+              <a:t>Resultaten</a:t>
+            </a:r>
+          </a:p>
+          <a:p>
+            <a:pPr marL="457200" indent="-457200">
+              <a:buFont typeface="+mj-lt"/>
+              <a:buAutoNum type="arabicPeriod"/>
+            </a:pPr>
+            <a:r>
+              <a:rPr lang="nl-BE" dirty="0">
+                <a:solidFill>
+                  <a:schemeClr val="bg2">
+                    <a:lumMod val="75000"/>
+                  </a:schemeClr>
+                </a:solidFill>
+              </a:rPr>
+              <a:t>Besluit</a:t>
             </a:r>
           </a:p>
           <a:p>
@@ -11043,7 +11949,15 @@
           <a:p>
             <a:r>
               <a:rPr lang="nl-NL" dirty="0"/>
-              <a:t>Hoeveelheid water per blussing: (wordt nog bekend gemaakt, foutenmarge nog inrekenen) </a:t>
+              <a:t>Hoeveelheid water per blussing: </a:t>
+            </a:r>
+            <a:r>
+              <a:rPr lang="nl-NL" dirty="0">
+                <a:highlight>
+                  <a:srgbClr val="FFFF00"/>
+                </a:highlight>
+              </a:rPr>
+              <a:t>…</a:t>
             </a:r>
           </a:p>
           <a:p>

--- a/LATEX + ppt/Tussentijdse Presentatie .pptx
+++ b/LATEX + ppt/Tussentijdse Presentatie .pptx
@@ -6,10 +6,10 @@
     <p:sldMasterId id="2147483694" r:id="rId2"/>
   </p:sldMasterIdLst>
   <p:notesMasterIdLst>
-    <p:notesMasterId r:id="rId29"/>
+    <p:notesMasterId r:id="rId38"/>
   </p:notesMasterIdLst>
   <p:handoutMasterIdLst>
-    <p:handoutMasterId r:id="rId30"/>
+    <p:handoutMasterId r:id="rId39"/>
   </p:handoutMasterIdLst>
   <p:sldIdLst>
     <p:sldId id="261" r:id="rId3"/>
@@ -35,9 +35,18 @@
     <p:sldId id="295" r:id="rId23"/>
     <p:sldId id="283" r:id="rId24"/>
     <p:sldId id="298" r:id="rId25"/>
-    <p:sldId id="297" r:id="rId26"/>
-    <p:sldId id="296" r:id="rId27"/>
-    <p:sldId id="266" r:id="rId28"/>
+    <p:sldId id="306" r:id="rId26"/>
+    <p:sldId id="297" r:id="rId27"/>
+    <p:sldId id="299" r:id="rId28"/>
+    <p:sldId id="296" r:id="rId29"/>
+    <p:sldId id="300" r:id="rId30"/>
+    <p:sldId id="307" r:id="rId31"/>
+    <p:sldId id="301" r:id="rId32"/>
+    <p:sldId id="305" r:id="rId33"/>
+    <p:sldId id="303" r:id="rId34"/>
+    <p:sldId id="304" r:id="rId35"/>
+    <p:sldId id="302" r:id="rId36"/>
+    <p:sldId id="266" r:id="rId37"/>
   </p:sldIdLst>
   <p:sldSz cx="12192000" cy="6858000"/>
   <p:notesSz cx="6858000" cy="9144000"/>
@@ -5599,7 +5608,7 @@
         </p:spPr>
         <p:txBody>
           <a:bodyPr>
-            <a:normAutofit lnSpcReduction="10000"/>
+            <a:normAutofit fontScale="85000" lnSpcReduction="20000"/>
           </a:bodyPr>
           <a:lstStyle/>
           <a:p>
@@ -5688,6 +5697,54 @@
                 </a:solidFill>
               </a:rPr>
               <a:t>Prototype</a:t>
+            </a:r>
+          </a:p>
+          <a:p>
+            <a:pPr marL="914400" lvl="1" indent="-457200">
+              <a:buFont typeface="+mj-lt"/>
+              <a:buAutoNum type="arabicPeriod"/>
+            </a:pPr>
+            <a:r>
+              <a:rPr lang="nl-BE" dirty="0">
+                <a:solidFill>
+                  <a:schemeClr val="bg2">
+                    <a:lumMod val="75000"/>
+                  </a:schemeClr>
+                </a:solidFill>
+              </a:rPr>
+              <a:t>Constructie</a:t>
+            </a:r>
+          </a:p>
+          <a:p>
+            <a:pPr marL="914400" lvl="1" indent="-457200">
+              <a:buFont typeface="+mj-lt"/>
+              <a:buAutoNum type="arabicPeriod"/>
+            </a:pPr>
+            <a:r>
+              <a:rPr lang="nl-BE" dirty="0">
+                <a:solidFill>
+                  <a:schemeClr val="bg2">
+                    <a:lumMod val="75000"/>
+                  </a:schemeClr>
+                </a:solidFill>
+              </a:rPr>
+              <a:t>Elektrisch circuit</a:t>
+            </a:r>
+          </a:p>
+          <a:p>
+            <a:pPr marL="914400" lvl="1" indent="-457200">
+              <a:buFont typeface="+mj-lt"/>
+              <a:buAutoNum type="arabicPeriod"/>
+            </a:pPr>
+            <a:r>
+              <a:rPr lang="nl-BE" dirty="0">
+                <a:solidFill>
+                  <a:schemeClr val="bg2">
+                    <a:lumMod val="75000"/>
+                  </a:schemeClr>
+                </a:solidFill>
+              </a:rPr>
+              <a:t>Roterend platform, arm en spuit</a:t>
             </a:r>
           </a:p>
           <a:p>
@@ -5886,7 +5943,7 @@
         </p:spPr>
         <p:txBody>
           <a:bodyPr>
-            <a:normAutofit lnSpcReduction="10000"/>
+            <a:normAutofit fontScale="85000" lnSpcReduction="20000"/>
           </a:bodyPr>
           <a:lstStyle/>
           <a:p>
@@ -5993,6 +6050,54 @@
                 </a:solidFill>
               </a:rPr>
               <a:t>Prototype</a:t>
+            </a:r>
+          </a:p>
+          <a:p>
+            <a:pPr marL="914400" lvl="1" indent="-457200">
+              <a:buFont typeface="+mj-lt"/>
+              <a:buAutoNum type="arabicPeriod"/>
+            </a:pPr>
+            <a:r>
+              <a:rPr lang="nl-BE" dirty="0">
+                <a:solidFill>
+                  <a:schemeClr val="bg2">
+                    <a:lumMod val="75000"/>
+                  </a:schemeClr>
+                </a:solidFill>
+              </a:rPr>
+              <a:t>Constructie</a:t>
+            </a:r>
+          </a:p>
+          <a:p>
+            <a:pPr marL="914400" lvl="1" indent="-457200">
+              <a:buFont typeface="+mj-lt"/>
+              <a:buAutoNum type="arabicPeriod"/>
+            </a:pPr>
+            <a:r>
+              <a:rPr lang="nl-BE" dirty="0">
+                <a:solidFill>
+                  <a:schemeClr val="bg2">
+                    <a:lumMod val="75000"/>
+                  </a:schemeClr>
+                </a:solidFill>
+              </a:rPr>
+              <a:t>Elektrisch circuit</a:t>
+            </a:r>
+          </a:p>
+          <a:p>
+            <a:pPr marL="914400" lvl="1" indent="-457200">
+              <a:buFont typeface="+mj-lt"/>
+              <a:buAutoNum type="arabicPeriod"/>
+            </a:pPr>
+            <a:r>
+              <a:rPr lang="nl-BE" dirty="0">
+                <a:solidFill>
+                  <a:schemeClr val="bg2">
+                    <a:lumMod val="75000"/>
+                  </a:schemeClr>
+                </a:solidFill>
+              </a:rPr>
+              <a:t>Roterend platform, arm en spuit</a:t>
             </a:r>
           </a:p>
           <a:p>
@@ -6740,7 +6845,7 @@
         </p:spPr>
         <p:txBody>
           <a:bodyPr>
-            <a:normAutofit lnSpcReduction="10000"/>
+            <a:normAutofit fontScale="85000" lnSpcReduction="20000"/>
           </a:bodyPr>
           <a:lstStyle/>
           <a:p>
@@ -6847,6 +6952,54 @@
                 </a:solidFill>
               </a:rPr>
               <a:t>Prototype</a:t>
+            </a:r>
+          </a:p>
+          <a:p>
+            <a:pPr marL="914400" lvl="1" indent="-457200">
+              <a:buFont typeface="+mj-lt"/>
+              <a:buAutoNum type="arabicPeriod"/>
+            </a:pPr>
+            <a:r>
+              <a:rPr lang="nl-BE" dirty="0">
+                <a:solidFill>
+                  <a:schemeClr val="bg2">
+                    <a:lumMod val="75000"/>
+                  </a:schemeClr>
+                </a:solidFill>
+              </a:rPr>
+              <a:t>Constructie</a:t>
+            </a:r>
+          </a:p>
+          <a:p>
+            <a:pPr marL="914400" lvl="1" indent="-457200">
+              <a:buFont typeface="+mj-lt"/>
+              <a:buAutoNum type="arabicPeriod"/>
+            </a:pPr>
+            <a:r>
+              <a:rPr lang="nl-BE" dirty="0">
+                <a:solidFill>
+                  <a:schemeClr val="bg2">
+                    <a:lumMod val="75000"/>
+                  </a:schemeClr>
+                </a:solidFill>
+              </a:rPr>
+              <a:t>Elektrisch circuit</a:t>
+            </a:r>
+          </a:p>
+          <a:p>
+            <a:pPr marL="914400" lvl="1" indent="-457200">
+              <a:buFont typeface="+mj-lt"/>
+              <a:buAutoNum type="arabicPeriod"/>
+            </a:pPr>
+            <a:r>
+              <a:rPr lang="nl-BE" dirty="0">
+                <a:solidFill>
+                  <a:schemeClr val="bg2">
+                    <a:lumMod val="75000"/>
+                  </a:schemeClr>
+                </a:solidFill>
+              </a:rPr>
+              <a:t>Roterend platform, arm en spuit</a:t>
             </a:r>
           </a:p>
           <a:p>
@@ -7482,7 +7635,7 @@
         </p:spPr>
         <p:txBody>
           <a:bodyPr>
-            <a:normAutofit lnSpcReduction="10000"/>
+            <a:normAutofit fontScale="85000" lnSpcReduction="20000"/>
           </a:bodyPr>
           <a:lstStyle/>
           <a:p>
@@ -7589,6 +7742,54 @@
                 </a:solidFill>
               </a:rPr>
               <a:t>Prototype</a:t>
+            </a:r>
+          </a:p>
+          <a:p>
+            <a:pPr marL="914400" lvl="1" indent="-457200">
+              <a:buFont typeface="+mj-lt"/>
+              <a:buAutoNum type="arabicPeriod"/>
+            </a:pPr>
+            <a:r>
+              <a:rPr lang="nl-BE" dirty="0">
+                <a:solidFill>
+                  <a:schemeClr val="bg2">
+                    <a:lumMod val="75000"/>
+                  </a:schemeClr>
+                </a:solidFill>
+              </a:rPr>
+              <a:t>Constructie</a:t>
+            </a:r>
+          </a:p>
+          <a:p>
+            <a:pPr marL="914400" lvl="1" indent="-457200">
+              <a:buFont typeface="+mj-lt"/>
+              <a:buAutoNum type="arabicPeriod"/>
+            </a:pPr>
+            <a:r>
+              <a:rPr lang="nl-BE" dirty="0">
+                <a:solidFill>
+                  <a:schemeClr val="bg2">
+                    <a:lumMod val="75000"/>
+                  </a:schemeClr>
+                </a:solidFill>
+              </a:rPr>
+              <a:t>Elektrisch circuit</a:t>
+            </a:r>
+          </a:p>
+          <a:p>
+            <a:pPr marL="914400" lvl="1" indent="-457200">
+              <a:buFont typeface="+mj-lt"/>
+              <a:buAutoNum type="arabicPeriod"/>
+            </a:pPr>
+            <a:r>
+              <a:rPr lang="nl-BE" dirty="0">
+                <a:solidFill>
+                  <a:schemeClr val="bg2">
+                    <a:lumMod val="75000"/>
+                  </a:schemeClr>
+                </a:solidFill>
+              </a:rPr>
+              <a:t>Roterend platform, arm en spuit</a:t>
             </a:r>
           </a:p>
           <a:p>
@@ -7787,7 +7988,7 @@
         </p:spPr>
         <p:txBody>
           <a:bodyPr>
-            <a:normAutofit lnSpcReduction="10000"/>
+            <a:normAutofit fontScale="85000" lnSpcReduction="20000"/>
           </a:bodyPr>
           <a:lstStyle/>
           <a:p>
@@ -7858,6 +8059,36 @@
             <a:r>
               <a:rPr lang="nl-BE" dirty="0"/>
               <a:t>Prototype</a:t>
+            </a:r>
+          </a:p>
+          <a:p>
+            <a:pPr marL="914400" lvl="1" indent="-457200">
+              <a:buFont typeface="+mj-lt"/>
+              <a:buAutoNum type="arabicPeriod"/>
+            </a:pPr>
+            <a:r>
+              <a:rPr lang="nl-BE" dirty="0"/>
+              <a:t>Constructie</a:t>
+            </a:r>
+          </a:p>
+          <a:p>
+            <a:pPr marL="914400" lvl="1" indent="-457200">
+              <a:buFont typeface="+mj-lt"/>
+              <a:buAutoNum type="arabicPeriod"/>
+            </a:pPr>
+            <a:r>
+              <a:rPr lang="nl-BE" dirty="0"/>
+              <a:t>Elektrisch circuit</a:t>
+            </a:r>
+          </a:p>
+          <a:p>
+            <a:pPr marL="914400" lvl="1" indent="-457200">
+              <a:buFont typeface="+mj-lt"/>
+              <a:buAutoNum type="arabicPeriod"/>
+            </a:pPr>
+            <a:r>
+              <a:rPr lang="nl-BE" dirty="0"/>
+              <a:t>Roterend platform, arm en spuit</a:t>
             </a:r>
           </a:p>
           <a:p>
@@ -8521,13 +8752,54 @@
               <a:buAutoNum type="arabicPeriod"/>
             </a:pPr>
             <a:r>
-              <a:rPr lang="nl-BE" dirty="0" err="1"/>
-              <a:t>Protoype</a:t>
-            </a:r>
-            <a:endParaRPr lang="nl-BE" dirty="0"/>
+              <a:rPr lang="nl-BE" dirty="0"/>
+              <a:t>Prototype</a:t>
+            </a:r>
           </a:p>
           <a:p>
             <a:pPr marL="914400" lvl="1" indent="-457200">
+              <a:buFont typeface="+mj-lt"/>
+              <a:buAutoNum type="arabicPeriod"/>
+            </a:pPr>
+            <a:r>
+              <a:rPr lang="nl-BE" dirty="0">
+                <a:solidFill>
+                  <a:srgbClr val="2F4D5D"/>
+                </a:solidFill>
+              </a:rPr>
+              <a:t>Constructie</a:t>
+            </a:r>
+          </a:p>
+          <a:p>
+            <a:pPr marL="914400" lvl="1" indent="-457200">
+              <a:buFont typeface="+mj-lt"/>
+              <a:buAutoNum type="arabicPeriod"/>
+            </a:pPr>
+            <a:r>
+              <a:rPr lang="nl-BE" dirty="0">
+                <a:solidFill>
+                  <a:srgbClr val="2F4D5D"/>
+                </a:solidFill>
+              </a:rPr>
+              <a:t>Elektrisch circuit</a:t>
+            </a:r>
+          </a:p>
+          <a:p>
+            <a:pPr marL="914400" lvl="1" indent="-457200">
+              <a:buFont typeface="+mj-lt"/>
+              <a:buAutoNum type="arabicPeriod"/>
+            </a:pPr>
+            <a:r>
+              <a:rPr lang="nl-BE" dirty="0">
+                <a:solidFill>
+                  <a:srgbClr val="2F4D5D"/>
+                </a:solidFill>
+              </a:rPr>
+              <a:t>Roterend platform, arm en spuit</a:t>
+            </a:r>
+          </a:p>
+          <a:p>
+            <a:pPr marL="457200" indent="-457200">
               <a:buFont typeface="+mj-lt"/>
               <a:buAutoNum type="arabicPeriod"/>
             </a:pPr>
@@ -8539,63 +8811,8 @@
                   </a:schemeClr>
                 </a:solidFill>
               </a:rPr>
-              <a:t>Constructie</a:t>
-            </a:r>
-          </a:p>
-          <a:p>
-            <a:pPr marL="914400" lvl="1" indent="-457200">
-              <a:buFont typeface="+mj-lt"/>
-              <a:buAutoNum type="arabicPeriod"/>
-            </a:pPr>
-            <a:r>
-              <a:rPr lang="nl-BE" dirty="0">
-                <a:solidFill>
-                  <a:schemeClr val="bg2">
-                    <a:lumMod val="75000"/>
-                  </a:schemeClr>
-                </a:solidFill>
-              </a:rPr>
-              <a:t>Elektrisch circuit</a:t>
-            </a:r>
-          </a:p>
-          <a:p>
-            <a:pPr marL="914400" lvl="1" indent="-457200">
-              <a:buFont typeface="+mj-lt"/>
-              <a:buAutoNum type="arabicPeriod"/>
-            </a:pPr>
-            <a:r>
-              <a:rPr lang="nl-BE" dirty="0">
-                <a:solidFill>
-                  <a:schemeClr val="bg2">
-                    <a:lumMod val="75000"/>
-                  </a:schemeClr>
-                </a:solidFill>
-              </a:rPr>
-              <a:t>Arm en spuit</a:t>
-            </a:r>
-          </a:p>
-          <a:p>
-            <a:pPr marL="457200" indent="-457200">
-              <a:buFont typeface="+mj-lt"/>
-              <a:buAutoNum type="arabicPeriod"/>
-            </a:pPr>
-            <a:r>
-              <a:rPr lang="nl-BE" dirty="0" err="1">
-                <a:solidFill>
-                  <a:schemeClr val="bg2">
-                    <a:lumMod val="75000"/>
-                  </a:schemeClr>
-                </a:solidFill>
-              </a:rPr>
-              <a:t>Resulaten</a:t>
-            </a:r>
-            <a:endParaRPr lang="nl-BE" dirty="0">
-              <a:solidFill>
-                <a:schemeClr val="bg2">
-                  <a:lumMod val="75000"/>
-                </a:schemeClr>
-              </a:solidFill>
-            </a:endParaRPr>
+              <a:t>Resultaten</a:t>
+            </a:r>
           </a:p>
           <a:p>
             <a:pPr marL="457200" indent="-457200">
@@ -8882,22 +9099,15 @@
               <a:buAutoNum type="arabicPeriod"/>
             </a:pPr>
             <a:r>
-              <a:rPr lang="nl-BE" dirty="0" err="1">
+              <a:rPr lang="nl-BE" dirty="0">
                 <a:solidFill>
                   <a:schemeClr val="bg2">
                     <a:lumMod val="75000"/>
                   </a:schemeClr>
                 </a:solidFill>
               </a:rPr>
-              <a:t>Protoype</a:t>
-            </a:r>
-            <a:endParaRPr lang="nl-BE" dirty="0">
-              <a:solidFill>
-                <a:schemeClr val="bg2">
-                  <a:lumMod val="75000"/>
-                </a:schemeClr>
-              </a:solidFill>
-            </a:endParaRPr>
+              <a:t>Prototype</a:t>
+            </a:r>
           </a:p>
           <a:p>
             <a:pPr marL="914400" lvl="1" indent="-457200">
@@ -8942,7 +9152,7 @@
                   </a:schemeClr>
                 </a:solidFill>
               </a:rPr>
-              <a:t>Arm en spuit</a:t>
+              <a:t>Roterend platform, arm en spuit</a:t>
             </a:r>
           </a:p>
           <a:p>
@@ -8951,22 +9161,15 @@
               <a:buAutoNum type="arabicPeriod"/>
             </a:pPr>
             <a:r>
-              <a:rPr lang="nl-BE" dirty="0" err="1">
+              <a:rPr lang="nl-BE" dirty="0">
                 <a:solidFill>
                   <a:schemeClr val="bg2">
                     <a:lumMod val="75000"/>
                   </a:schemeClr>
                 </a:solidFill>
               </a:rPr>
-              <a:t>Resulaten</a:t>
-            </a:r>
-            <a:endParaRPr lang="nl-BE" dirty="0">
-              <a:solidFill>
-                <a:schemeClr val="bg2">
-                  <a:lumMod val="75000"/>
-                </a:schemeClr>
-              </a:solidFill>
-            </a:endParaRPr>
+              <a:t>Resultaten</a:t>
+            </a:r>
           </a:p>
           <a:p>
             <a:pPr marL="457200" indent="-457200">
@@ -9126,10 +9329,10 @@
       </p:grpSpPr>
       <p:sp>
         <p:nvSpPr>
-          <p:cNvPr id="2" name="Content Placeholder 1">
-            <a:extLst>
-              <a:ext uri="{FF2B5EF4-FFF2-40B4-BE49-F238E27FC236}">
-                <a16:creationId xmlns:a16="http://schemas.microsoft.com/office/drawing/2014/main" id="{9572C954-C83C-EE79-685B-900385B3EC4B}"/>
+          <p:cNvPr id="2" name="Tijdelijke aanduiding voor inhoud 1">
+            <a:extLst>
+              <a:ext uri="{FF2B5EF4-FFF2-40B4-BE49-F238E27FC236}">
+                <a16:creationId xmlns:a16="http://schemas.microsoft.com/office/drawing/2014/main" id="{B6A60DE6-3A34-E74A-CDA5-9F19F9AF0987}"/>
               </a:ext>
             </a:extLst>
           </p:cNvPr>
@@ -9140,255 +9343,21 @@
             <p:ph idx="1"/>
           </p:nvPr>
         </p:nvSpPr>
-        <p:spPr>
-          <a:xfrm>
-            <a:off x="576000" y="1656000"/>
-            <a:ext cx="11041200" cy="4554000"/>
-          </a:xfrm>
-        </p:spPr>
-        <p:txBody>
-          <a:bodyPr>
-            <a:normAutofit fontScale="85000" lnSpcReduction="20000"/>
-          </a:bodyPr>
-          <a:lstStyle/>
-          <a:p>
-            <a:pPr marL="457200" indent="-457200">
-              <a:buFont typeface="+mj-lt"/>
-              <a:buAutoNum type="arabicPeriod"/>
-            </a:pPr>
-            <a:r>
-              <a:rPr lang="nl-BE" dirty="0">
-                <a:solidFill>
-                  <a:schemeClr val="bg2">
-                    <a:lumMod val="75000"/>
-                  </a:schemeClr>
-                </a:solidFill>
-              </a:rPr>
-              <a:t>Inleiding</a:t>
-            </a:r>
-          </a:p>
-          <a:p>
-            <a:pPr marL="457200" indent="-457200">
-              <a:buFont typeface="+mj-lt"/>
-              <a:buAutoNum type="arabicPeriod"/>
-            </a:pPr>
-            <a:r>
-              <a:rPr lang="nl-BE" dirty="0">
-                <a:solidFill>
-                  <a:schemeClr val="bg2">
-                    <a:lumMod val="75000"/>
-                  </a:schemeClr>
-                </a:solidFill>
-              </a:rPr>
-              <a:t>Ontwerp</a:t>
-            </a:r>
-          </a:p>
-          <a:p>
-            <a:pPr marL="457200" indent="-457200">
-              <a:buFont typeface="+mj-lt"/>
-              <a:buAutoNum type="arabicPeriod"/>
-            </a:pPr>
-            <a:r>
-              <a:rPr lang="nl-BE" dirty="0">
-                <a:solidFill>
-                  <a:schemeClr val="bg2">
-                    <a:lumMod val="75000"/>
-                  </a:schemeClr>
-                </a:solidFill>
-              </a:rPr>
-              <a:t>Stappen</a:t>
-            </a:r>
-          </a:p>
-          <a:p>
-            <a:pPr marL="914400" lvl="1" indent="-457200">
-              <a:buFont typeface="+mj-lt"/>
-              <a:buAutoNum type="arabicPeriod"/>
-            </a:pPr>
-            <a:r>
-              <a:rPr lang="nl-BE" dirty="0">
-                <a:solidFill>
-                  <a:schemeClr val="bg2">
-                    <a:lumMod val="75000"/>
-                  </a:schemeClr>
-                </a:solidFill>
-              </a:rPr>
-              <a:t>Detectie en lokalisatie</a:t>
-            </a:r>
-          </a:p>
-          <a:p>
-            <a:pPr marL="914400" lvl="1" indent="-457200">
-              <a:buFont typeface="+mj-lt"/>
-              <a:buAutoNum type="arabicPeriod"/>
-            </a:pPr>
-            <a:r>
-              <a:rPr lang="nl-BE" dirty="0">
-                <a:solidFill>
-                  <a:schemeClr val="bg2">
-                    <a:lumMod val="75000"/>
-                  </a:schemeClr>
-                </a:solidFill>
-              </a:rPr>
-              <a:t>Richten</a:t>
-            </a:r>
-          </a:p>
-          <a:p>
-            <a:pPr marL="914400" lvl="1" indent="-457200">
-              <a:buFont typeface="+mj-lt"/>
-              <a:buAutoNum type="arabicPeriod"/>
-            </a:pPr>
-            <a:r>
-              <a:rPr lang="nl-BE" dirty="0">
-                <a:solidFill>
-                  <a:schemeClr val="bg2">
-                    <a:lumMod val="75000"/>
-                  </a:schemeClr>
-                </a:solidFill>
-              </a:rPr>
-              <a:t>Blussen</a:t>
-            </a:r>
-          </a:p>
-          <a:p>
-            <a:pPr marL="457200" indent="-457200">
-              <a:lnSpc>
-                <a:spcPct val="110000"/>
-              </a:lnSpc>
-              <a:buFont typeface="+mj-lt"/>
-              <a:buAutoNum type="arabicPeriod"/>
-            </a:pPr>
-            <a:r>
-              <a:rPr lang="nl-BE" dirty="0" err="1">
-                <a:solidFill>
-                  <a:schemeClr val="bg2">
-                    <a:lumMod val="75000"/>
-                  </a:schemeClr>
-                </a:solidFill>
-              </a:rPr>
-              <a:t>Protoype</a:t>
-            </a:r>
-            <a:endParaRPr lang="nl-BE" dirty="0">
-              <a:solidFill>
-                <a:schemeClr val="bg2">
-                  <a:lumMod val="75000"/>
-                </a:schemeClr>
-              </a:solidFill>
-            </a:endParaRPr>
-          </a:p>
-          <a:p>
-            <a:pPr marL="914400" lvl="1" indent="-457200">
-              <a:buFont typeface="+mj-lt"/>
-              <a:buAutoNum type="arabicPeriod"/>
-            </a:pPr>
-            <a:r>
-              <a:rPr lang="nl-BE" dirty="0">
-                <a:solidFill>
-                  <a:schemeClr val="bg2">
-                    <a:lumMod val="75000"/>
-                  </a:schemeClr>
-                </a:solidFill>
-              </a:rPr>
-              <a:t>Constructie</a:t>
-            </a:r>
-          </a:p>
-          <a:p>
-            <a:pPr marL="914400" lvl="1" indent="-457200">
-              <a:buFont typeface="+mj-lt"/>
-              <a:buAutoNum type="arabicPeriod"/>
-            </a:pPr>
-            <a:r>
-              <a:rPr lang="nl-BE" dirty="0">
-                <a:solidFill>
-                  <a:srgbClr val="2F4D5D"/>
-                </a:solidFill>
-              </a:rPr>
-              <a:t>Elektrisch circuit</a:t>
-            </a:r>
-          </a:p>
-          <a:p>
-            <a:pPr marL="914400" lvl="1" indent="-457200">
-              <a:buFont typeface="+mj-lt"/>
-              <a:buAutoNum type="arabicPeriod"/>
-            </a:pPr>
-            <a:r>
-              <a:rPr lang="nl-BE" dirty="0">
-                <a:solidFill>
-                  <a:schemeClr val="bg2">
-                    <a:lumMod val="75000"/>
-                  </a:schemeClr>
-                </a:solidFill>
-              </a:rPr>
-              <a:t>Arm en spuit</a:t>
-            </a:r>
-          </a:p>
-          <a:p>
-            <a:pPr marL="457200" indent="-457200">
-              <a:buFont typeface="+mj-lt"/>
-              <a:buAutoNum type="arabicPeriod"/>
-            </a:pPr>
-            <a:r>
-              <a:rPr lang="nl-BE" dirty="0" err="1">
-                <a:solidFill>
-                  <a:schemeClr val="bg2">
-                    <a:lumMod val="75000"/>
-                  </a:schemeClr>
-                </a:solidFill>
-              </a:rPr>
-              <a:t>Resulaten</a:t>
-            </a:r>
-            <a:endParaRPr lang="nl-BE" dirty="0">
-              <a:solidFill>
-                <a:schemeClr val="bg2">
-                  <a:lumMod val="75000"/>
-                </a:schemeClr>
-              </a:solidFill>
-            </a:endParaRPr>
-          </a:p>
-          <a:p>
-            <a:pPr marL="457200" indent="-457200">
-              <a:buFont typeface="+mj-lt"/>
-              <a:buAutoNum type="arabicPeriod"/>
-            </a:pPr>
-            <a:r>
-              <a:rPr lang="nl-BE" dirty="0">
-                <a:solidFill>
-                  <a:schemeClr val="bg2">
-                    <a:lumMod val="75000"/>
-                  </a:schemeClr>
-                </a:solidFill>
-              </a:rPr>
-              <a:t>Besluit</a:t>
-            </a:r>
-          </a:p>
-          <a:p>
-            <a:pPr marL="457200" indent="-457200">
-              <a:buFont typeface="+mj-lt"/>
-              <a:buAutoNum type="arabicPeriod"/>
-            </a:pPr>
-            <a:r>
-              <a:rPr lang="nl-BE" dirty="0">
-                <a:solidFill>
-                  <a:schemeClr val="bg2">
-                    <a:lumMod val="75000"/>
-                  </a:schemeClr>
-                </a:solidFill>
-              </a:rPr>
-              <a:t>Bibliografie</a:t>
-            </a:r>
-          </a:p>
-          <a:p>
-            <a:pPr marL="457200" indent="-457200">
-              <a:buFont typeface="+mj-lt"/>
-              <a:buAutoNum type="arabicPeriod"/>
-            </a:pPr>
-            <a:endParaRPr lang="nl-BE" dirty="0"/>
-          </a:p>
-        </p:txBody>
-      </p:sp>
-      <p:sp>
-        <p:nvSpPr>
-          <p:cNvPr id="3" name="Footer Placeholder 2">
-            <a:extLst>
-              <a:ext uri="{FF2B5EF4-FFF2-40B4-BE49-F238E27FC236}">
-                <a16:creationId xmlns:a16="http://schemas.microsoft.com/office/drawing/2014/main" id="{87B9D861-BADE-1735-BC5D-FB0CE4C31EFE}"/>
+        <p:spPr/>
+        <p:txBody>
+          <a:bodyPr/>
+          <a:lstStyle/>
+          <a:p>
+            <a:endParaRPr lang="nl-BE"/>
+          </a:p>
+        </p:txBody>
+      </p:sp>
+      <p:sp>
+        <p:nvSpPr>
+          <p:cNvPr id="3" name="Tijdelijke aanduiding voor voettekst 2">
+            <a:extLst>
+              <a:ext uri="{FF2B5EF4-FFF2-40B4-BE49-F238E27FC236}">
+                <a16:creationId xmlns:a16="http://schemas.microsoft.com/office/drawing/2014/main" id="{A3C45B16-4957-91EE-AB59-FA7A16363943}"/>
               </a:ext>
             </a:extLst>
           </p:cNvPr>
@@ -9413,10 +9382,10 @@
       </p:sp>
       <p:sp>
         <p:nvSpPr>
-          <p:cNvPr id="4" name="Slide Number Placeholder 3">
-            <a:extLst>
-              <a:ext uri="{FF2B5EF4-FFF2-40B4-BE49-F238E27FC236}">
-                <a16:creationId xmlns:a16="http://schemas.microsoft.com/office/drawing/2014/main" id="{FC23E00C-3A77-A444-8280-8A8A5D17B5DF}"/>
+          <p:cNvPr id="4" name="Tijdelijke aanduiding voor dianummer 3">
+            <a:extLst>
+              <a:ext uri="{FF2B5EF4-FFF2-40B4-BE49-F238E27FC236}">
+                <a16:creationId xmlns:a16="http://schemas.microsoft.com/office/drawing/2014/main" id="{4EE68931-ACD6-F55B-AC2B-249F4D411F44}"/>
               </a:ext>
             </a:extLst>
           </p:cNvPr>
@@ -9442,10 +9411,10 @@
       </p:sp>
       <p:sp>
         <p:nvSpPr>
-          <p:cNvPr id="5" name="Title 4">
-            <a:extLst>
-              <a:ext uri="{FF2B5EF4-FFF2-40B4-BE49-F238E27FC236}">
-                <a16:creationId xmlns:a16="http://schemas.microsoft.com/office/drawing/2014/main" id="{344F2F4D-955A-2213-B685-181EC6CE1CBA}"/>
+          <p:cNvPr id="5" name="Titel 4">
+            <a:extLst>
+              <a:ext uri="{FF2B5EF4-FFF2-40B4-BE49-F238E27FC236}">
+                <a16:creationId xmlns:a16="http://schemas.microsoft.com/office/drawing/2014/main" id="{5BD581BA-B1E3-532F-501B-AA34F183EF81}"/>
               </a:ext>
             </a:extLst>
           </p:cNvPr>
@@ -9463,7 +9432,7 @@
           <a:p>
             <a:r>
               <a:rPr lang="nl-BE" dirty="0"/>
-              <a:t>Overzicht</a:t>
+              <a:t>Constructie</a:t>
             </a:r>
           </a:p>
         </p:txBody>
@@ -9471,7 +9440,7 @@
     </p:spTree>
     <p:extLst>
       <p:ext uri="{BB962C8B-B14F-4D97-AF65-F5344CB8AC3E}">
-        <p14:creationId xmlns:p14="http://schemas.microsoft.com/office/powerpoint/2010/main" val="2412665421"/>
+        <p14:creationId xmlns:p14="http://schemas.microsoft.com/office/powerpoint/2010/main" val="3912640935"/>
       </p:ext>
     </p:extLst>
   </p:cSld>
@@ -9630,22 +9599,15 @@
               <a:buAutoNum type="arabicPeriod"/>
             </a:pPr>
             <a:r>
-              <a:rPr lang="nl-BE" dirty="0" err="1">
+              <a:rPr lang="nl-BE" dirty="0">
                 <a:solidFill>
                   <a:schemeClr val="bg2">
                     <a:lumMod val="75000"/>
                   </a:schemeClr>
                 </a:solidFill>
               </a:rPr>
-              <a:t>Protoype</a:t>
-            </a:r>
-            <a:endParaRPr lang="nl-BE" dirty="0">
-              <a:solidFill>
-                <a:schemeClr val="bg2">
-                  <a:lumMod val="75000"/>
-                </a:schemeClr>
-              </a:solidFill>
-            </a:endParaRPr>
+              <a:t>Prototype</a:t>
+            </a:r>
           </a:p>
           <a:p>
             <a:pPr marL="914400" lvl="1" indent="-457200">
@@ -9671,26 +9633,26 @@
             <a:r>
               <a:rPr lang="nl-BE" dirty="0">
                 <a:solidFill>
+                  <a:srgbClr val="2F4D5D"/>
+                </a:solidFill>
+              </a:rPr>
+              <a:t>Elektrisch circuit</a:t>
+            </a:r>
+          </a:p>
+          <a:p>
+            <a:pPr marL="914400" lvl="1" indent="-457200">
+              <a:buFont typeface="+mj-lt"/>
+              <a:buAutoNum type="arabicPeriod"/>
+            </a:pPr>
+            <a:r>
+              <a:rPr lang="nl-BE" dirty="0">
+                <a:solidFill>
                   <a:schemeClr val="bg2">
                     <a:lumMod val="75000"/>
                   </a:schemeClr>
                 </a:solidFill>
               </a:rPr>
-              <a:t>Elektrisch circuit</a:t>
-            </a:r>
-          </a:p>
-          <a:p>
-            <a:pPr marL="914400" lvl="1" indent="-457200">
-              <a:buFont typeface="+mj-lt"/>
-              <a:buAutoNum type="arabicPeriod"/>
-            </a:pPr>
-            <a:r>
-              <a:rPr lang="nl-BE" dirty="0">
-                <a:solidFill>
-                  <a:srgbClr val="2F4D5D"/>
-                </a:solidFill>
-              </a:rPr>
-              <a:t>Arm en spuit</a:t>
+              <a:t>Roterend platform, arm en spuit</a:t>
             </a:r>
           </a:p>
           <a:p>
@@ -9699,22 +9661,15 @@
               <a:buAutoNum type="arabicPeriod"/>
             </a:pPr>
             <a:r>
-              <a:rPr lang="nl-BE" dirty="0" err="1">
+              <a:rPr lang="nl-BE" dirty="0">
                 <a:solidFill>
                   <a:schemeClr val="bg2">
                     <a:lumMod val="75000"/>
                   </a:schemeClr>
                 </a:solidFill>
               </a:rPr>
-              <a:t>Resulaten</a:t>
-            </a:r>
-            <a:endParaRPr lang="nl-BE" dirty="0">
-              <a:solidFill>
-                <a:schemeClr val="bg2">
-                  <a:lumMod val="75000"/>
-                </a:schemeClr>
-              </a:solidFill>
-            </a:endParaRPr>
+              <a:t>Resultaten</a:t>
+            </a:r>
           </a:p>
           <a:p>
             <a:pPr marL="457200" indent="-457200">
@@ -9845,7 +9800,7 @@
     </p:spTree>
     <p:extLst>
       <p:ext uri="{BB962C8B-B14F-4D97-AF65-F5344CB8AC3E}">
-        <p14:creationId xmlns:p14="http://schemas.microsoft.com/office/powerpoint/2010/main" val="2121751276"/>
+        <p14:creationId xmlns:p14="http://schemas.microsoft.com/office/powerpoint/2010/main" val="2412665421"/>
       </p:ext>
     </p:extLst>
   </p:cSld>
@@ -9874,326 +9829,10 @@
       </p:grpSpPr>
       <p:sp>
         <p:nvSpPr>
-          <p:cNvPr id="2" name="Content Placeholder 1">
-            <a:extLst>
-              <a:ext uri="{FF2B5EF4-FFF2-40B4-BE49-F238E27FC236}">
-                <a16:creationId xmlns:a16="http://schemas.microsoft.com/office/drawing/2014/main" id="{85A032CF-9302-46B3-9566-34644DB13228}"/>
-              </a:ext>
-            </a:extLst>
-          </p:cNvPr>
-          <p:cNvSpPr>
-            <a:spLocks noGrp="1"/>
-          </p:cNvSpPr>
-          <p:nvPr>
-            <p:ph idx="1"/>
-          </p:nvPr>
-        </p:nvSpPr>
-        <p:spPr/>
-        <p:txBody>
-          <a:bodyPr/>
-          <a:lstStyle/>
-          <a:p>
-            <a:r>
-              <a:rPr lang="nl-BE" dirty="0"/>
-              <a:t>Foto slide 4: </a:t>
-            </a:r>
-            <a:r>
-              <a:rPr lang="en-GB" dirty="0">
-                <a:hlinkClick r:id="rId2"/>
-              </a:rPr>
-              <a:t>Atlanta Fire Sprinkler System Maintenance, Inspection | Fire Systems, Inc</a:t>
-            </a:r>
-            <a:endParaRPr lang="en-GB" dirty="0"/>
-          </a:p>
-          <a:p>
-            <a:r>
-              <a:rPr lang="en-GB" dirty="0" err="1"/>
-              <a:t>Foto</a:t>
-            </a:r>
-            <a:r>
-              <a:rPr lang="en-GB" dirty="0"/>
-              <a:t> slide 5: </a:t>
-            </a:r>
-            <a:r>
-              <a:rPr lang="en-GB" dirty="0">
-                <a:hlinkClick r:id="rId3"/>
-              </a:rPr>
-              <a:t>Fire Fighting – Home (fsip.co.uk)</a:t>
-            </a:r>
-            <a:endParaRPr lang="en-GB" dirty="0"/>
-          </a:p>
-          <a:p>
-            <a:pPr marL="457200" indent="-457200">
-              <a:lnSpc>
-                <a:spcPct val="200000"/>
-              </a:lnSpc>
-            </a:pPr>
-            <a:r>
-              <a:rPr lang="nl-BE" sz="1800" dirty="0" err="1">
-                <a:effectLst/>
-                <a:latin typeface="Times New Roman" panose="02020603050405020304" pitchFamily="18" charset="0"/>
-              </a:rPr>
-              <a:t>Murtaza’s</a:t>
-            </a:r>
-            <a:r>
-              <a:rPr lang="nl-BE" sz="1800" dirty="0">
-                <a:effectLst/>
-                <a:latin typeface="Times New Roman" panose="02020603050405020304" pitchFamily="18" charset="0"/>
-              </a:rPr>
-              <a:t> Workshop - </a:t>
-            </a:r>
-            <a:r>
-              <a:rPr lang="nl-BE" sz="1800" dirty="0" err="1">
-                <a:effectLst/>
-                <a:latin typeface="Times New Roman" panose="02020603050405020304" pitchFamily="18" charset="0"/>
-              </a:rPr>
-              <a:t>Robotics</a:t>
-            </a:r>
-            <a:r>
-              <a:rPr lang="nl-BE" sz="1800" dirty="0">
-                <a:effectLst/>
-                <a:latin typeface="Times New Roman" panose="02020603050405020304" pitchFamily="18" charset="0"/>
-              </a:rPr>
-              <a:t> </a:t>
-            </a:r>
-            <a:r>
-              <a:rPr lang="nl-BE" sz="1800" dirty="0" err="1">
-                <a:effectLst/>
-                <a:latin typeface="Times New Roman" panose="02020603050405020304" pitchFamily="18" charset="0"/>
-              </a:rPr>
-              <a:t>and</a:t>
-            </a:r>
-            <a:r>
-              <a:rPr lang="nl-BE" sz="1800" dirty="0">
-                <a:effectLst/>
-                <a:latin typeface="Times New Roman" panose="02020603050405020304" pitchFamily="18" charset="0"/>
-              </a:rPr>
-              <a:t> AI. (2020, 30 augustus). </a:t>
-            </a:r>
-            <a:r>
-              <a:rPr lang="nl-BE" sz="1800" i="1" dirty="0">
-                <a:effectLst/>
-                <a:latin typeface="Times New Roman" panose="02020603050405020304" pitchFamily="18" charset="0"/>
-              </a:rPr>
-              <a:t>Object </a:t>
-            </a:r>
-            <a:r>
-              <a:rPr lang="nl-BE" sz="1800" i="1" dirty="0" err="1">
-                <a:effectLst/>
-                <a:latin typeface="Times New Roman" panose="02020603050405020304" pitchFamily="18" charset="0"/>
-              </a:rPr>
-              <a:t>Detection</a:t>
-            </a:r>
-            <a:r>
-              <a:rPr lang="nl-BE" sz="1800" i="1" dirty="0">
-                <a:effectLst/>
-                <a:latin typeface="Times New Roman" panose="02020603050405020304" pitchFamily="18" charset="0"/>
-              </a:rPr>
-              <a:t> </a:t>
-            </a:r>
-            <a:r>
-              <a:rPr lang="nl-BE" sz="1800" i="1" dirty="0" err="1">
-                <a:effectLst/>
-                <a:latin typeface="Times New Roman" panose="02020603050405020304" pitchFamily="18" charset="0"/>
-              </a:rPr>
-              <a:t>OpenCV</a:t>
-            </a:r>
-            <a:r>
-              <a:rPr lang="nl-BE" sz="1800" i="1" dirty="0">
-                <a:effectLst/>
-                <a:latin typeface="Times New Roman" panose="02020603050405020304" pitchFamily="18" charset="0"/>
-              </a:rPr>
-              <a:t> Python | Easy </a:t>
-            </a:r>
-            <a:r>
-              <a:rPr lang="nl-BE" sz="1800" i="1" dirty="0" err="1">
-                <a:effectLst/>
-                <a:latin typeface="Times New Roman" panose="02020603050405020304" pitchFamily="18" charset="0"/>
-              </a:rPr>
-              <a:t>and</a:t>
-            </a:r>
-            <a:r>
-              <a:rPr lang="nl-BE" sz="1800" i="1" dirty="0">
-                <a:effectLst/>
-                <a:latin typeface="Times New Roman" panose="02020603050405020304" pitchFamily="18" charset="0"/>
-              </a:rPr>
-              <a:t> </a:t>
-            </a:r>
-            <a:r>
-              <a:rPr lang="nl-BE" sz="1800" i="1" dirty="0" err="1">
-                <a:effectLst/>
-                <a:latin typeface="Times New Roman" panose="02020603050405020304" pitchFamily="18" charset="0"/>
-              </a:rPr>
-              <a:t>Fast</a:t>
-            </a:r>
-            <a:r>
-              <a:rPr lang="nl-BE" sz="1800" i="1" dirty="0">
-                <a:effectLst/>
-                <a:latin typeface="Times New Roman" panose="02020603050405020304" pitchFamily="18" charset="0"/>
-              </a:rPr>
-              <a:t> (2020)</a:t>
-            </a:r>
-            <a:r>
-              <a:rPr lang="nl-BE" sz="1800" dirty="0">
-                <a:effectLst/>
-                <a:latin typeface="Times New Roman" panose="02020603050405020304" pitchFamily="18" charset="0"/>
-              </a:rPr>
-              <a:t> [Video]. YouTube. https://www.youtube.com/watch?v=HXDD7-EnGBY</a:t>
-            </a:r>
-          </a:p>
-          <a:p>
-            <a:r>
-              <a:rPr lang="nl-BE" sz="1800" dirty="0">
-                <a:effectLst/>
-                <a:latin typeface="Times New Roman" panose="02020603050405020304" pitchFamily="18" charset="0"/>
-              </a:rPr>
-              <a:t>Computer </a:t>
-            </a:r>
-            <a:r>
-              <a:rPr lang="nl-BE" sz="1800" dirty="0" err="1">
-                <a:effectLst/>
-                <a:latin typeface="Times New Roman" panose="02020603050405020304" pitchFamily="18" charset="0"/>
-              </a:rPr>
-              <a:t>vision</a:t>
-            </a:r>
-            <a:r>
-              <a:rPr lang="nl-BE" sz="1800" dirty="0">
-                <a:effectLst/>
-                <a:latin typeface="Times New Roman" panose="02020603050405020304" pitchFamily="18" charset="0"/>
-              </a:rPr>
-              <a:t> engineer. (2022, 27 oktober). </a:t>
-            </a:r>
-            <a:r>
-              <a:rPr lang="nl-BE" sz="1800" i="1" dirty="0" err="1">
-                <a:effectLst/>
-                <a:latin typeface="Times New Roman" panose="02020603050405020304" pitchFamily="18" charset="0"/>
-              </a:rPr>
-              <a:t>Detecting</a:t>
-            </a:r>
-            <a:r>
-              <a:rPr lang="nl-BE" sz="1800" i="1" dirty="0">
-                <a:effectLst/>
-                <a:latin typeface="Times New Roman" panose="02020603050405020304" pitchFamily="18" charset="0"/>
-              </a:rPr>
-              <a:t> </a:t>
-            </a:r>
-            <a:r>
-              <a:rPr lang="nl-BE" sz="1800" i="1" dirty="0" err="1">
-                <a:effectLst/>
-                <a:latin typeface="Times New Roman" panose="02020603050405020304" pitchFamily="18" charset="0"/>
-              </a:rPr>
-              <a:t>color</a:t>
-            </a:r>
-            <a:r>
-              <a:rPr lang="nl-BE" sz="1800" i="1" dirty="0">
-                <a:effectLst/>
-                <a:latin typeface="Times New Roman" panose="02020603050405020304" pitchFamily="18" charset="0"/>
-              </a:rPr>
-              <a:t> </a:t>
-            </a:r>
-            <a:r>
-              <a:rPr lang="nl-BE" sz="1800" i="1" dirty="0" err="1">
-                <a:effectLst/>
-                <a:latin typeface="Times New Roman" panose="02020603050405020304" pitchFamily="18" charset="0"/>
-              </a:rPr>
-              <a:t>with</a:t>
-            </a:r>
-            <a:r>
-              <a:rPr lang="nl-BE" sz="1800" i="1" dirty="0">
-                <a:effectLst/>
-                <a:latin typeface="Times New Roman" panose="02020603050405020304" pitchFamily="18" charset="0"/>
-              </a:rPr>
-              <a:t> Python </a:t>
-            </a:r>
-            <a:r>
-              <a:rPr lang="nl-BE" sz="1800" i="1" dirty="0" err="1">
-                <a:effectLst/>
-                <a:latin typeface="Times New Roman" panose="02020603050405020304" pitchFamily="18" charset="0"/>
-              </a:rPr>
-              <a:t>and</a:t>
-            </a:r>
-            <a:r>
-              <a:rPr lang="nl-BE" sz="1800" i="1" dirty="0">
-                <a:effectLst/>
-                <a:latin typeface="Times New Roman" panose="02020603050405020304" pitchFamily="18" charset="0"/>
-              </a:rPr>
-              <a:t> </a:t>
-            </a:r>
-            <a:r>
-              <a:rPr lang="nl-BE" sz="1800" i="1" dirty="0" err="1">
-                <a:effectLst/>
-                <a:latin typeface="Times New Roman" panose="02020603050405020304" pitchFamily="18" charset="0"/>
-              </a:rPr>
-              <a:t>OpenCV</a:t>
-            </a:r>
-            <a:r>
-              <a:rPr lang="nl-BE" sz="1800" i="1" dirty="0">
-                <a:effectLst/>
-                <a:latin typeface="Times New Roman" panose="02020603050405020304" pitchFamily="18" charset="0"/>
-              </a:rPr>
-              <a:t> </a:t>
-            </a:r>
-            <a:r>
-              <a:rPr lang="nl-BE" sz="1800" i="1" dirty="0" err="1">
-                <a:effectLst/>
-                <a:latin typeface="Times New Roman" panose="02020603050405020304" pitchFamily="18" charset="0"/>
-              </a:rPr>
-              <a:t>using</a:t>
-            </a:r>
-            <a:r>
-              <a:rPr lang="nl-BE" sz="1800" i="1" dirty="0">
-                <a:effectLst/>
-                <a:latin typeface="Times New Roman" panose="02020603050405020304" pitchFamily="18" charset="0"/>
-              </a:rPr>
-              <a:t> HSV </a:t>
-            </a:r>
-            <a:r>
-              <a:rPr lang="nl-BE" sz="1800" i="1" dirty="0" err="1">
-                <a:effectLst/>
-                <a:latin typeface="Times New Roman" panose="02020603050405020304" pitchFamily="18" charset="0"/>
-              </a:rPr>
-              <a:t>colorspace</a:t>
-            </a:r>
-            <a:r>
-              <a:rPr lang="nl-BE" sz="1800" i="1" dirty="0">
-                <a:effectLst/>
-                <a:latin typeface="Times New Roman" panose="02020603050405020304" pitchFamily="18" charset="0"/>
-              </a:rPr>
-              <a:t> | Computer </a:t>
-            </a:r>
-            <a:r>
-              <a:rPr lang="nl-BE" sz="1800" i="1" dirty="0" err="1">
-                <a:effectLst/>
-                <a:latin typeface="Times New Roman" panose="02020603050405020304" pitchFamily="18" charset="0"/>
-              </a:rPr>
-              <a:t>vision</a:t>
-            </a:r>
-            <a:r>
-              <a:rPr lang="nl-BE" sz="1800" i="1" dirty="0">
-                <a:effectLst/>
-                <a:latin typeface="Times New Roman" panose="02020603050405020304" pitchFamily="18" charset="0"/>
-              </a:rPr>
-              <a:t> tutorial</a:t>
-            </a:r>
-            <a:r>
-              <a:rPr lang="nl-BE" sz="1800" dirty="0">
-                <a:effectLst/>
-                <a:latin typeface="Times New Roman" panose="02020603050405020304" pitchFamily="18" charset="0"/>
-              </a:rPr>
-              <a:t> [Video]. YouTube. https://www.youtube.com/watch?v=aFNDh5k3SjU</a:t>
-            </a:r>
-          </a:p>
-          <a:p>
-            <a:endParaRPr lang="nl-BE" dirty="0"/>
-          </a:p>
-        </p:txBody>
-      </p:sp>
-      <p:sp>
-        <p:nvSpPr>
-          <p:cNvPr id="3" name="Footer Placeholder 2">
-            <a:extLst>
-              <a:ext uri="{FF2B5EF4-FFF2-40B4-BE49-F238E27FC236}">
-                <a16:creationId xmlns:a16="http://schemas.microsoft.com/office/drawing/2014/main" id="{C68F1553-03FA-9C76-A5E3-1A99E48216D4}"/>
+          <p:cNvPr id="3" name="Tijdelijke aanduiding voor voettekst 2">
+            <a:extLst>
+              <a:ext uri="{FF2B5EF4-FFF2-40B4-BE49-F238E27FC236}">
+                <a16:creationId xmlns:a16="http://schemas.microsoft.com/office/drawing/2014/main" id="{7A770359-8797-E265-1378-2D5B42C9615A}"/>
               </a:ext>
             </a:extLst>
           </p:cNvPr>
@@ -10218,10 +9857,10 @@
       </p:sp>
       <p:sp>
         <p:nvSpPr>
-          <p:cNvPr id="4" name="Slide Number Placeholder 3">
-            <a:extLst>
-              <a:ext uri="{FF2B5EF4-FFF2-40B4-BE49-F238E27FC236}">
-                <a16:creationId xmlns:a16="http://schemas.microsoft.com/office/drawing/2014/main" id="{75C45B18-4417-2586-DD6A-F7E999094C67}"/>
+          <p:cNvPr id="4" name="Tijdelijke aanduiding voor dianummer 3">
+            <a:extLst>
+              <a:ext uri="{FF2B5EF4-FFF2-40B4-BE49-F238E27FC236}">
+                <a16:creationId xmlns:a16="http://schemas.microsoft.com/office/drawing/2014/main" id="{117E0DCE-45CC-5552-629C-E06CFA2D124C}"/>
               </a:ext>
             </a:extLst>
           </p:cNvPr>
@@ -10247,10 +9886,10 @@
       </p:sp>
       <p:sp>
         <p:nvSpPr>
-          <p:cNvPr id="5" name="Title 4">
-            <a:extLst>
-              <a:ext uri="{FF2B5EF4-FFF2-40B4-BE49-F238E27FC236}">
-                <a16:creationId xmlns:a16="http://schemas.microsoft.com/office/drawing/2014/main" id="{1AE79574-779C-D2D4-7D15-657E3D15DCA5}"/>
+          <p:cNvPr id="5" name="Titel 4">
+            <a:extLst>
+              <a:ext uri="{FF2B5EF4-FFF2-40B4-BE49-F238E27FC236}">
+                <a16:creationId xmlns:a16="http://schemas.microsoft.com/office/drawing/2014/main" id="{87E10DF5-024D-EAE4-4971-DDC79E51DB1B}"/>
               </a:ext>
             </a:extLst>
           </p:cNvPr>
@@ -10268,15 +9907,750 @@
           <a:p>
             <a:r>
               <a:rPr lang="nl-BE" dirty="0"/>
-              <a:t>Bibliografie</a:t>
-            </a:r>
-          </a:p>
-        </p:txBody>
-      </p:sp>
+              <a:t>Elektrisch circuit</a:t>
+            </a:r>
+          </a:p>
+        </p:txBody>
+      </p:sp>
+      <p:pic>
+        <p:nvPicPr>
+          <p:cNvPr id="13" name="Tijdelijke aanduiding voor inhoud 12">
+            <a:extLst>
+              <a:ext uri="{FF2B5EF4-FFF2-40B4-BE49-F238E27FC236}">
+                <a16:creationId xmlns:a16="http://schemas.microsoft.com/office/drawing/2014/main" id="{B46517BD-7979-6DA3-FE0D-9D7FDBA73C20}"/>
+              </a:ext>
+            </a:extLst>
+          </p:cNvPr>
+          <p:cNvPicPr>
+            <a:picLocks noGrp="1" noChangeAspect="1"/>
+          </p:cNvPicPr>
+          <p:nvPr>
+            <p:ph idx="1"/>
+          </p:nvPr>
+        </p:nvPicPr>
+        <p:blipFill rotWithShape="1">
+          <a:blip r:embed="rId2"/>
+          <a:srcRect l="17736" t="17963" r="21009" b="21087"/>
+          <a:stretch/>
+        </p:blipFill>
+        <p:spPr>
+          <a:xfrm>
+            <a:off x="2276669" y="1359036"/>
+            <a:ext cx="8294913" cy="4642599"/>
+          </a:xfrm>
+        </p:spPr>
+      </p:pic>
     </p:spTree>
     <p:extLst>
       <p:ext uri="{BB962C8B-B14F-4D97-AF65-F5344CB8AC3E}">
-        <p14:creationId xmlns:p14="http://schemas.microsoft.com/office/powerpoint/2010/main" val="709090371"/>
+        <p14:creationId xmlns:p14="http://schemas.microsoft.com/office/powerpoint/2010/main" val="657891824"/>
+      </p:ext>
+    </p:extLst>
+  </p:cSld>
+  <p:clrMapOvr>
+    <a:masterClrMapping/>
+  </p:clrMapOvr>
+</p:sld>
+</file>
+
+<file path=ppt/slides/slide27.xml><?xml version="1.0" encoding="utf-8"?>
+<p:sld xmlns:a="http://schemas.openxmlformats.org/drawingml/2006/main" xmlns:r="http://schemas.openxmlformats.org/officeDocument/2006/relationships" xmlns:p="http://schemas.openxmlformats.org/presentationml/2006/main">
+  <p:cSld>
+    <p:spTree>
+      <p:nvGrpSpPr>
+        <p:cNvPr id="1" name=""/>
+        <p:cNvGrpSpPr/>
+        <p:nvPr/>
+      </p:nvGrpSpPr>
+      <p:grpSpPr>
+        <a:xfrm>
+          <a:off x="0" y="0"/>
+          <a:ext cx="0" cy="0"/>
+          <a:chOff x="0" y="0"/>
+          <a:chExt cx="0" cy="0"/>
+        </a:xfrm>
+      </p:grpSpPr>
+      <p:sp>
+        <p:nvSpPr>
+          <p:cNvPr id="2" name="Content Placeholder 1">
+            <a:extLst>
+              <a:ext uri="{FF2B5EF4-FFF2-40B4-BE49-F238E27FC236}">
+                <a16:creationId xmlns:a16="http://schemas.microsoft.com/office/drawing/2014/main" id="{9572C954-C83C-EE79-685B-900385B3EC4B}"/>
+              </a:ext>
+            </a:extLst>
+          </p:cNvPr>
+          <p:cNvSpPr>
+            <a:spLocks noGrp="1"/>
+          </p:cNvSpPr>
+          <p:nvPr>
+            <p:ph idx="1"/>
+          </p:nvPr>
+        </p:nvSpPr>
+        <p:spPr>
+          <a:xfrm>
+            <a:off x="576000" y="1656000"/>
+            <a:ext cx="11041200" cy="4554000"/>
+          </a:xfrm>
+        </p:spPr>
+        <p:txBody>
+          <a:bodyPr>
+            <a:normAutofit fontScale="85000" lnSpcReduction="20000"/>
+          </a:bodyPr>
+          <a:lstStyle/>
+          <a:p>
+            <a:pPr marL="457200" indent="-457200">
+              <a:buFont typeface="+mj-lt"/>
+              <a:buAutoNum type="arabicPeriod"/>
+            </a:pPr>
+            <a:r>
+              <a:rPr lang="nl-BE" dirty="0">
+                <a:solidFill>
+                  <a:schemeClr val="bg2">
+                    <a:lumMod val="75000"/>
+                  </a:schemeClr>
+                </a:solidFill>
+              </a:rPr>
+              <a:t>Inleiding</a:t>
+            </a:r>
+          </a:p>
+          <a:p>
+            <a:pPr marL="457200" indent="-457200">
+              <a:buFont typeface="+mj-lt"/>
+              <a:buAutoNum type="arabicPeriod"/>
+            </a:pPr>
+            <a:r>
+              <a:rPr lang="nl-BE" dirty="0">
+                <a:solidFill>
+                  <a:schemeClr val="bg2">
+                    <a:lumMod val="75000"/>
+                  </a:schemeClr>
+                </a:solidFill>
+              </a:rPr>
+              <a:t>Ontwerp</a:t>
+            </a:r>
+          </a:p>
+          <a:p>
+            <a:pPr marL="457200" indent="-457200">
+              <a:buFont typeface="+mj-lt"/>
+              <a:buAutoNum type="arabicPeriod"/>
+            </a:pPr>
+            <a:r>
+              <a:rPr lang="nl-BE" dirty="0">
+                <a:solidFill>
+                  <a:schemeClr val="bg2">
+                    <a:lumMod val="75000"/>
+                  </a:schemeClr>
+                </a:solidFill>
+              </a:rPr>
+              <a:t>Stappen</a:t>
+            </a:r>
+          </a:p>
+          <a:p>
+            <a:pPr marL="914400" lvl="1" indent="-457200">
+              <a:buFont typeface="+mj-lt"/>
+              <a:buAutoNum type="arabicPeriod"/>
+            </a:pPr>
+            <a:r>
+              <a:rPr lang="nl-BE" dirty="0">
+                <a:solidFill>
+                  <a:schemeClr val="bg2">
+                    <a:lumMod val="75000"/>
+                  </a:schemeClr>
+                </a:solidFill>
+              </a:rPr>
+              <a:t>Detectie en lokalisatie</a:t>
+            </a:r>
+          </a:p>
+          <a:p>
+            <a:pPr marL="914400" lvl="1" indent="-457200">
+              <a:buFont typeface="+mj-lt"/>
+              <a:buAutoNum type="arabicPeriod"/>
+            </a:pPr>
+            <a:r>
+              <a:rPr lang="nl-BE" dirty="0">
+                <a:solidFill>
+                  <a:schemeClr val="bg2">
+                    <a:lumMod val="75000"/>
+                  </a:schemeClr>
+                </a:solidFill>
+              </a:rPr>
+              <a:t>Richten</a:t>
+            </a:r>
+          </a:p>
+          <a:p>
+            <a:pPr marL="914400" lvl="1" indent="-457200">
+              <a:buFont typeface="+mj-lt"/>
+              <a:buAutoNum type="arabicPeriod"/>
+            </a:pPr>
+            <a:r>
+              <a:rPr lang="nl-BE" dirty="0">
+                <a:solidFill>
+                  <a:schemeClr val="bg2">
+                    <a:lumMod val="75000"/>
+                  </a:schemeClr>
+                </a:solidFill>
+              </a:rPr>
+              <a:t>Blussen</a:t>
+            </a:r>
+          </a:p>
+          <a:p>
+            <a:pPr marL="457200" indent="-457200">
+              <a:lnSpc>
+                <a:spcPct val="110000"/>
+              </a:lnSpc>
+              <a:buFont typeface="+mj-lt"/>
+              <a:buAutoNum type="arabicPeriod"/>
+            </a:pPr>
+            <a:r>
+              <a:rPr lang="nl-BE" dirty="0">
+                <a:solidFill>
+                  <a:schemeClr val="bg2">
+                    <a:lumMod val="75000"/>
+                  </a:schemeClr>
+                </a:solidFill>
+              </a:rPr>
+              <a:t>Prototype</a:t>
+            </a:r>
+          </a:p>
+          <a:p>
+            <a:pPr marL="914400" lvl="1" indent="-457200">
+              <a:buFont typeface="+mj-lt"/>
+              <a:buAutoNum type="arabicPeriod"/>
+            </a:pPr>
+            <a:r>
+              <a:rPr lang="nl-BE" dirty="0">
+                <a:solidFill>
+                  <a:schemeClr val="bg2">
+                    <a:lumMod val="75000"/>
+                  </a:schemeClr>
+                </a:solidFill>
+              </a:rPr>
+              <a:t>Constructie</a:t>
+            </a:r>
+          </a:p>
+          <a:p>
+            <a:pPr marL="914400" lvl="1" indent="-457200">
+              <a:buFont typeface="+mj-lt"/>
+              <a:buAutoNum type="arabicPeriod"/>
+            </a:pPr>
+            <a:r>
+              <a:rPr lang="nl-BE" dirty="0">
+                <a:solidFill>
+                  <a:schemeClr val="bg2">
+                    <a:lumMod val="75000"/>
+                  </a:schemeClr>
+                </a:solidFill>
+              </a:rPr>
+              <a:t>Elektrisch circuit</a:t>
+            </a:r>
+          </a:p>
+          <a:p>
+            <a:pPr marL="914400" lvl="1" indent="-457200">
+              <a:buFont typeface="+mj-lt"/>
+              <a:buAutoNum type="arabicPeriod"/>
+            </a:pPr>
+            <a:r>
+              <a:rPr lang="nl-BE" dirty="0">
+                <a:solidFill>
+                  <a:srgbClr val="2F4D5D"/>
+                </a:solidFill>
+              </a:rPr>
+              <a:t>Roterend platform, arm en spuit</a:t>
+            </a:r>
+          </a:p>
+          <a:p>
+            <a:pPr marL="457200" indent="-457200">
+              <a:buFont typeface="+mj-lt"/>
+              <a:buAutoNum type="arabicPeriod"/>
+            </a:pPr>
+            <a:r>
+              <a:rPr lang="nl-BE" dirty="0">
+                <a:solidFill>
+                  <a:schemeClr val="bg2">
+                    <a:lumMod val="75000"/>
+                  </a:schemeClr>
+                </a:solidFill>
+              </a:rPr>
+              <a:t>Resultaten</a:t>
+            </a:r>
+          </a:p>
+          <a:p>
+            <a:pPr marL="457200" indent="-457200">
+              <a:buFont typeface="+mj-lt"/>
+              <a:buAutoNum type="arabicPeriod"/>
+            </a:pPr>
+            <a:r>
+              <a:rPr lang="nl-BE" dirty="0">
+                <a:solidFill>
+                  <a:schemeClr val="bg2">
+                    <a:lumMod val="75000"/>
+                  </a:schemeClr>
+                </a:solidFill>
+              </a:rPr>
+              <a:t>Besluit</a:t>
+            </a:r>
+          </a:p>
+          <a:p>
+            <a:pPr marL="457200" indent="-457200">
+              <a:buFont typeface="+mj-lt"/>
+              <a:buAutoNum type="arabicPeriod"/>
+            </a:pPr>
+            <a:r>
+              <a:rPr lang="nl-BE" dirty="0">
+                <a:solidFill>
+                  <a:schemeClr val="bg2">
+                    <a:lumMod val="75000"/>
+                  </a:schemeClr>
+                </a:solidFill>
+              </a:rPr>
+              <a:t>Bibliografie</a:t>
+            </a:r>
+          </a:p>
+          <a:p>
+            <a:pPr marL="457200" indent="-457200">
+              <a:buFont typeface="+mj-lt"/>
+              <a:buAutoNum type="arabicPeriod"/>
+            </a:pPr>
+            <a:endParaRPr lang="nl-BE" dirty="0"/>
+          </a:p>
+        </p:txBody>
+      </p:sp>
+      <p:sp>
+        <p:nvSpPr>
+          <p:cNvPr id="3" name="Footer Placeholder 2">
+            <a:extLst>
+              <a:ext uri="{FF2B5EF4-FFF2-40B4-BE49-F238E27FC236}">
+                <a16:creationId xmlns:a16="http://schemas.microsoft.com/office/drawing/2014/main" id="{87B9D861-BADE-1735-BC5D-FB0CE4C31EFE}"/>
+              </a:ext>
+            </a:extLst>
+          </p:cNvPr>
+          <p:cNvSpPr>
+            <a:spLocks noGrp="1"/>
+          </p:cNvSpPr>
+          <p:nvPr>
+            <p:ph type="ftr" sz="quarter" idx="11"/>
+          </p:nvPr>
+        </p:nvSpPr>
+        <p:spPr/>
+        <p:txBody>
+          <a:bodyPr/>
+          <a:lstStyle/>
+          <a:p>
+            <a:r>
+              <a:rPr lang="nl-NL"/>
+              <a:t>Groep Wetenschappen &amp; Techonologie - Ingenieurswetenschappen</a:t>
+            </a:r>
+          </a:p>
+        </p:txBody>
+      </p:sp>
+      <p:sp>
+        <p:nvSpPr>
+          <p:cNvPr id="4" name="Slide Number Placeholder 3">
+            <a:extLst>
+              <a:ext uri="{FF2B5EF4-FFF2-40B4-BE49-F238E27FC236}">
+                <a16:creationId xmlns:a16="http://schemas.microsoft.com/office/drawing/2014/main" id="{FC23E00C-3A77-A444-8280-8A8A5D17B5DF}"/>
+              </a:ext>
+            </a:extLst>
+          </p:cNvPr>
+          <p:cNvSpPr>
+            <a:spLocks noGrp="1"/>
+          </p:cNvSpPr>
+          <p:nvPr>
+            <p:ph type="sldNum" sz="quarter" idx="12"/>
+          </p:nvPr>
+        </p:nvSpPr>
+        <p:spPr/>
+        <p:txBody>
+          <a:bodyPr/>
+          <a:lstStyle/>
+          <a:p>
+            <a:fld id="{0A297500-7527-634B-90F4-69D0994C32B4}" type="slidenum">
+              <a:rPr lang="nl-NL" smtClean="0"/>
+              <a:t>27</a:t>
+            </a:fld>
+            <a:endParaRPr lang="nl-NL"/>
+          </a:p>
+        </p:txBody>
+      </p:sp>
+      <p:sp>
+        <p:nvSpPr>
+          <p:cNvPr id="5" name="Title 4">
+            <a:extLst>
+              <a:ext uri="{FF2B5EF4-FFF2-40B4-BE49-F238E27FC236}">
+                <a16:creationId xmlns:a16="http://schemas.microsoft.com/office/drawing/2014/main" id="{344F2F4D-955A-2213-B685-181EC6CE1CBA}"/>
+              </a:ext>
+            </a:extLst>
+          </p:cNvPr>
+          <p:cNvSpPr>
+            <a:spLocks noGrp="1"/>
+          </p:cNvSpPr>
+          <p:nvPr>
+            <p:ph type="title"/>
+          </p:nvPr>
+        </p:nvSpPr>
+        <p:spPr/>
+        <p:txBody>
+          <a:bodyPr/>
+          <a:lstStyle/>
+          <a:p>
+            <a:r>
+              <a:rPr lang="nl-BE" dirty="0"/>
+              <a:t>Overzicht</a:t>
+            </a:r>
+          </a:p>
+        </p:txBody>
+      </p:sp>
+    </p:spTree>
+    <p:extLst>
+      <p:ext uri="{BB962C8B-B14F-4D97-AF65-F5344CB8AC3E}">
+        <p14:creationId xmlns:p14="http://schemas.microsoft.com/office/powerpoint/2010/main" val="2121751276"/>
+      </p:ext>
+    </p:extLst>
+  </p:cSld>
+  <p:clrMapOvr>
+    <a:masterClrMapping/>
+  </p:clrMapOvr>
+</p:sld>
+</file>
+
+<file path=ppt/slides/slide28.xml><?xml version="1.0" encoding="utf-8"?>
+<p:sld xmlns:a="http://schemas.openxmlformats.org/drawingml/2006/main" xmlns:r="http://schemas.openxmlformats.org/officeDocument/2006/relationships" xmlns:p="http://schemas.openxmlformats.org/presentationml/2006/main">
+  <p:cSld>
+    <p:spTree>
+      <p:nvGrpSpPr>
+        <p:cNvPr id="1" name=""/>
+        <p:cNvGrpSpPr/>
+        <p:nvPr/>
+      </p:nvGrpSpPr>
+      <p:grpSpPr>
+        <a:xfrm>
+          <a:off x="0" y="0"/>
+          <a:ext cx="0" cy="0"/>
+          <a:chOff x="0" y="0"/>
+          <a:chExt cx="0" cy="0"/>
+        </a:xfrm>
+      </p:grpSpPr>
+      <p:sp>
+        <p:nvSpPr>
+          <p:cNvPr id="2" name="Tijdelijke aanduiding voor inhoud 1">
+            <a:extLst>
+              <a:ext uri="{FF2B5EF4-FFF2-40B4-BE49-F238E27FC236}">
+                <a16:creationId xmlns:a16="http://schemas.microsoft.com/office/drawing/2014/main" id="{D7EA0FB0-C761-9893-4496-9C0756E40E27}"/>
+              </a:ext>
+            </a:extLst>
+          </p:cNvPr>
+          <p:cNvSpPr>
+            <a:spLocks noGrp="1"/>
+          </p:cNvSpPr>
+          <p:nvPr>
+            <p:ph idx="1"/>
+          </p:nvPr>
+        </p:nvSpPr>
+        <p:spPr/>
+        <p:txBody>
+          <a:bodyPr/>
+          <a:lstStyle/>
+          <a:p>
+            <a:r>
+              <a:rPr lang="nl-BE" dirty="0"/>
+              <a:t>Motor bevestigt in bovenste platform</a:t>
+            </a:r>
+          </a:p>
+          <a:p>
+            <a:r>
+              <a:rPr lang="nl-BE" dirty="0"/>
+              <a:t>Zorgt voor horizontale beweging roterend platform</a:t>
+            </a:r>
+          </a:p>
+          <a:p>
+            <a:endParaRPr lang="nl-BE" dirty="0"/>
+          </a:p>
+          <a:p>
+            <a:r>
+              <a:rPr lang="nl-BE" dirty="0"/>
+              <a:t>Arm </a:t>
+            </a:r>
+            <a:r>
+              <a:rPr lang="nl-BE" dirty="0">
+                <a:sym typeface="Wingdings" panose="05000000000000000000" pitchFamily="2" charset="2"/>
+              </a:rPr>
+              <a:t> 2 plastieken armpjes verbonden door moeren en bouten</a:t>
+            </a:r>
+          </a:p>
+          <a:p>
+            <a:r>
+              <a:rPr lang="nl-BE" dirty="0">
+                <a:sym typeface="Wingdings" panose="05000000000000000000" pitchFamily="2" charset="2"/>
+              </a:rPr>
+              <a:t>Waterflowsensor bevestigt op de arm</a:t>
+            </a:r>
+          </a:p>
+          <a:p>
+            <a:r>
+              <a:rPr lang="nl-BE" dirty="0">
+                <a:sym typeface="Wingdings" panose="05000000000000000000" pitchFamily="2" charset="2"/>
+              </a:rPr>
+              <a:t>Spuit bevestigt op de waterflowsensor</a:t>
+            </a:r>
+          </a:p>
+          <a:p>
+            <a:r>
+              <a:rPr lang="nl-BE" dirty="0">
+                <a:sym typeface="Wingdings" panose="05000000000000000000" pitchFamily="2" charset="2"/>
+              </a:rPr>
+              <a:t>Motor is verbonden met soort van katrol</a:t>
+            </a:r>
+          </a:p>
+          <a:p>
+            <a:pPr marL="0" indent="0">
+              <a:buNone/>
+            </a:pPr>
+            <a:r>
+              <a:rPr lang="nl-BE" dirty="0">
+                <a:sym typeface="Wingdings" panose="05000000000000000000" pitchFamily="2" charset="2"/>
+              </a:rPr>
+              <a:t> Arm verticaal laten bewegen</a:t>
+            </a:r>
+            <a:endParaRPr lang="nl-BE" dirty="0"/>
+          </a:p>
+        </p:txBody>
+      </p:sp>
+      <p:sp>
+        <p:nvSpPr>
+          <p:cNvPr id="3" name="Tijdelijke aanduiding voor voettekst 2">
+            <a:extLst>
+              <a:ext uri="{FF2B5EF4-FFF2-40B4-BE49-F238E27FC236}">
+                <a16:creationId xmlns:a16="http://schemas.microsoft.com/office/drawing/2014/main" id="{D2C775B9-B25D-0966-82C5-B65E4C072514}"/>
+              </a:ext>
+            </a:extLst>
+          </p:cNvPr>
+          <p:cNvSpPr>
+            <a:spLocks noGrp="1"/>
+          </p:cNvSpPr>
+          <p:nvPr>
+            <p:ph type="ftr" sz="quarter" idx="11"/>
+          </p:nvPr>
+        </p:nvSpPr>
+        <p:spPr/>
+        <p:txBody>
+          <a:bodyPr/>
+          <a:lstStyle/>
+          <a:p>
+            <a:r>
+              <a:rPr lang="nl-NL"/>
+              <a:t>Groep Wetenschappen &amp; Techonologie - Ingenieurswetenschappen</a:t>
+            </a:r>
+          </a:p>
+        </p:txBody>
+      </p:sp>
+      <p:sp>
+        <p:nvSpPr>
+          <p:cNvPr id="4" name="Tijdelijke aanduiding voor dianummer 3">
+            <a:extLst>
+              <a:ext uri="{FF2B5EF4-FFF2-40B4-BE49-F238E27FC236}">
+                <a16:creationId xmlns:a16="http://schemas.microsoft.com/office/drawing/2014/main" id="{C77301C9-D089-18ED-7E94-1F65259AC890}"/>
+              </a:ext>
+            </a:extLst>
+          </p:cNvPr>
+          <p:cNvSpPr>
+            <a:spLocks noGrp="1"/>
+          </p:cNvSpPr>
+          <p:nvPr>
+            <p:ph type="sldNum" sz="quarter" idx="12"/>
+          </p:nvPr>
+        </p:nvSpPr>
+        <p:spPr/>
+        <p:txBody>
+          <a:bodyPr/>
+          <a:lstStyle/>
+          <a:p>
+            <a:fld id="{0A297500-7527-634B-90F4-69D0994C32B4}" type="slidenum">
+              <a:rPr lang="nl-NL" smtClean="0"/>
+              <a:t>28</a:t>
+            </a:fld>
+            <a:endParaRPr lang="nl-NL"/>
+          </a:p>
+        </p:txBody>
+      </p:sp>
+      <p:sp>
+        <p:nvSpPr>
+          <p:cNvPr id="5" name="Titel 4">
+            <a:extLst>
+              <a:ext uri="{FF2B5EF4-FFF2-40B4-BE49-F238E27FC236}">
+                <a16:creationId xmlns:a16="http://schemas.microsoft.com/office/drawing/2014/main" id="{FFE4AE8B-85A5-8D10-D7A2-08FB43B5D9A5}"/>
+              </a:ext>
+            </a:extLst>
+          </p:cNvPr>
+          <p:cNvSpPr>
+            <a:spLocks noGrp="1"/>
+          </p:cNvSpPr>
+          <p:nvPr>
+            <p:ph type="title"/>
+          </p:nvPr>
+        </p:nvSpPr>
+        <p:spPr/>
+        <p:txBody>
+          <a:bodyPr/>
+          <a:lstStyle/>
+          <a:p>
+            <a:r>
+              <a:rPr lang="nl-BE" dirty="0"/>
+              <a:t>Roterend platform, arm en spuit</a:t>
+            </a:r>
+          </a:p>
+        </p:txBody>
+      </p:sp>
+    </p:spTree>
+    <p:extLst>
+      <p:ext uri="{BB962C8B-B14F-4D97-AF65-F5344CB8AC3E}">
+        <p14:creationId xmlns:p14="http://schemas.microsoft.com/office/powerpoint/2010/main" val="601338310"/>
+      </p:ext>
+    </p:extLst>
+  </p:cSld>
+  <p:clrMapOvr>
+    <a:masterClrMapping/>
+  </p:clrMapOvr>
+</p:sld>
+</file>
+
+<file path=ppt/slides/slide29.xml><?xml version="1.0" encoding="utf-8"?>
+<p:sld xmlns:a="http://schemas.openxmlformats.org/drawingml/2006/main" xmlns:r="http://schemas.openxmlformats.org/officeDocument/2006/relationships" xmlns:p="http://schemas.openxmlformats.org/presentationml/2006/main">
+  <p:cSld>
+    <p:spTree>
+      <p:nvGrpSpPr>
+        <p:cNvPr id="1" name=""/>
+        <p:cNvGrpSpPr/>
+        <p:nvPr/>
+      </p:nvGrpSpPr>
+      <p:grpSpPr>
+        <a:xfrm>
+          <a:off x="0" y="0"/>
+          <a:ext cx="0" cy="0"/>
+          <a:chOff x="0" y="0"/>
+          <a:chExt cx="0" cy="0"/>
+        </a:xfrm>
+      </p:grpSpPr>
+      <p:sp>
+        <p:nvSpPr>
+          <p:cNvPr id="2" name="Tijdelijke aanduiding voor inhoud 1">
+            <a:extLst>
+              <a:ext uri="{FF2B5EF4-FFF2-40B4-BE49-F238E27FC236}">
+                <a16:creationId xmlns:a16="http://schemas.microsoft.com/office/drawing/2014/main" id="{A5F629C2-B33C-AC72-6E8E-625EA95FA82B}"/>
+              </a:ext>
+            </a:extLst>
+          </p:cNvPr>
+          <p:cNvSpPr>
+            <a:spLocks noGrp="1"/>
+          </p:cNvSpPr>
+          <p:nvPr>
+            <p:ph idx="1"/>
+          </p:nvPr>
+        </p:nvSpPr>
+        <p:spPr/>
+        <p:txBody>
+          <a:bodyPr/>
+          <a:lstStyle/>
+          <a:p>
+            <a:r>
+              <a:rPr lang="nl-BE" dirty="0">
+                <a:highlight>
+                  <a:srgbClr val="FFFF00"/>
+                </a:highlight>
+              </a:rPr>
+              <a:t>FOTO</a:t>
+            </a:r>
+          </a:p>
+        </p:txBody>
+      </p:sp>
+      <p:sp>
+        <p:nvSpPr>
+          <p:cNvPr id="3" name="Tijdelijke aanduiding voor voettekst 2">
+            <a:extLst>
+              <a:ext uri="{FF2B5EF4-FFF2-40B4-BE49-F238E27FC236}">
+                <a16:creationId xmlns:a16="http://schemas.microsoft.com/office/drawing/2014/main" id="{7E6183AA-755B-D00A-4B4A-0A6C048D0110}"/>
+              </a:ext>
+            </a:extLst>
+          </p:cNvPr>
+          <p:cNvSpPr>
+            <a:spLocks noGrp="1"/>
+          </p:cNvSpPr>
+          <p:nvPr>
+            <p:ph type="ftr" sz="quarter" idx="11"/>
+          </p:nvPr>
+        </p:nvSpPr>
+        <p:spPr/>
+        <p:txBody>
+          <a:bodyPr/>
+          <a:lstStyle/>
+          <a:p>
+            <a:r>
+              <a:rPr lang="nl-NL"/>
+              <a:t>Groep Wetenschappen &amp; Techonologie - Ingenieurswetenschappen</a:t>
+            </a:r>
+          </a:p>
+        </p:txBody>
+      </p:sp>
+      <p:sp>
+        <p:nvSpPr>
+          <p:cNvPr id="4" name="Tijdelijke aanduiding voor dianummer 3">
+            <a:extLst>
+              <a:ext uri="{FF2B5EF4-FFF2-40B4-BE49-F238E27FC236}">
+                <a16:creationId xmlns:a16="http://schemas.microsoft.com/office/drawing/2014/main" id="{B59F1B29-6A86-E677-61E1-AC80EED570D8}"/>
+              </a:ext>
+            </a:extLst>
+          </p:cNvPr>
+          <p:cNvSpPr>
+            <a:spLocks noGrp="1"/>
+          </p:cNvSpPr>
+          <p:nvPr>
+            <p:ph type="sldNum" sz="quarter" idx="12"/>
+          </p:nvPr>
+        </p:nvSpPr>
+        <p:spPr/>
+        <p:txBody>
+          <a:bodyPr/>
+          <a:lstStyle/>
+          <a:p>
+            <a:fld id="{0A297500-7527-634B-90F4-69D0994C32B4}" type="slidenum">
+              <a:rPr lang="nl-NL" smtClean="0"/>
+              <a:t>29</a:t>
+            </a:fld>
+            <a:endParaRPr lang="nl-NL"/>
+          </a:p>
+        </p:txBody>
+      </p:sp>
+      <p:sp>
+        <p:nvSpPr>
+          <p:cNvPr id="5" name="Titel 4">
+            <a:extLst>
+              <a:ext uri="{FF2B5EF4-FFF2-40B4-BE49-F238E27FC236}">
+                <a16:creationId xmlns:a16="http://schemas.microsoft.com/office/drawing/2014/main" id="{7D29AEA4-3104-90CD-F76F-0B59FFA218C8}"/>
+              </a:ext>
+            </a:extLst>
+          </p:cNvPr>
+          <p:cNvSpPr>
+            <a:spLocks noGrp="1"/>
+          </p:cNvSpPr>
+          <p:nvPr>
+            <p:ph type="title"/>
+          </p:nvPr>
+        </p:nvSpPr>
+        <p:spPr/>
+        <p:txBody>
+          <a:bodyPr/>
+          <a:lstStyle/>
+          <a:p>
+            <a:r>
+              <a:rPr lang="nl-BE" dirty="0"/>
+              <a:t>Roteren platform, arm en spuit</a:t>
+            </a:r>
+          </a:p>
+        </p:txBody>
+      </p:sp>
+    </p:spTree>
+    <p:extLst>
+      <p:ext uri="{BB962C8B-B14F-4D97-AF65-F5344CB8AC3E}">
+        <p14:creationId xmlns:p14="http://schemas.microsoft.com/office/powerpoint/2010/main" val="3621051948"/>
       </p:ext>
     </p:extLst>
   </p:cSld>
@@ -10327,7 +10701,7 @@
         </p:spPr>
         <p:txBody>
           <a:bodyPr>
-            <a:normAutofit lnSpcReduction="10000"/>
+            <a:normAutofit fontScale="85000" lnSpcReduction="20000"/>
           </a:bodyPr>
           <a:lstStyle/>
           <a:p>
@@ -10434,6 +10808,54 @@
                 </a:solidFill>
               </a:rPr>
               <a:t>Prototype</a:t>
+            </a:r>
+          </a:p>
+          <a:p>
+            <a:pPr marL="914400" lvl="1" indent="-457200">
+              <a:buFont typeface="+mj-lt"/>
+              <a:buAutoNum type="arabicPeriod"/>
+            </a:pPr>
+            <a:r>
+              <a:rPr lang="nl-BE" dirty="0">
+                <a:solidFill>
+                  <a:schemeClr val="bg2">
+                    <a:lumMod val="75000"/>
+                  </a:schemeClr>
+                </a:solidFill>
+              </a:rPr>
+              <a:t>Constructie</a:t>
+            </a:r>
+          </a:p>
+          <a:p>
+            <a:pPr marL="914400" lvl="1" indent="-457200">
+              <a:buFont typeface="+mj-lt"/>
+              <a:buAutoNum type="arabicPeriod"/>
+            </a:pPr>
+            <a:r>
+              <a:rPr lang="nl-BE" dirty="0">
+                <a:solidFill>
+                  <a:schemeClr val="bg2">
+                    <a:lumMod val="75000"/>
+                  </a:schemeClr>
+                </a:solidFill>
+              </a:rPr>
+              <a:t>Elektrisch circuit</a:t>
+            </a:r>
+          </a:p>
+          <a:p>
+            <a:pPr marL="914400" lvl="1" indent="-457200">
+              <a:buFont typeface="+mj-lt"/>
+              <a:buAutoNum type="arabicPeriod"/>
+            </a:pPr>
+            <a:r>
+              <a:rPr lang="nl-BE" dirty="0">
+                <a:solidFill>
+                  <a:schemeClr val="bg2">
+                    <a:lumMod val="75000"/>
+                  </a:schemeClr>
+                </a:solidFill>
+              </a:rPr>
+              <a:t>Roterend platform, arm en spuit</a:t>
             </a:r>
           </a:p>
           <a:p>
@@ -10582,6 +11004,1823 @@
     <p:extLst>
       <p:ext uri="{BB962C8B-B14F-4D97-AF65-F5344CB8AC3E}">
         <p14:creationId xmlns:p14="http://schemas.microsoft.com/office/powerpoint/2010/main" val="3516422215"/>
+      </p:ext>
+    </p:extLst>
+  </p:cSld>
+  <p:clrMapOvr>
+    <a:masterClrMapping/>
+  </p:clrMapOvr>
+</p:sld>
+</file>
+
+<file path=ppt/slides/slide30.xml><?xml version="1.0" encoding="utf-8"?>
+<p:sld xmlns:a="http://schemas.openxmlformats.org/drawingml/2006/main" xmlns:r="http://schemas.openxmlformats.org/officeDocument/2006/relationships" xmlns:p="http://schemas.openxmlformats.org/presentationml/2006/main">
+  <p:cSld>
+    <p:spTree>
+      <p:nvGrpSpPr>
+        <p:cNvPr id="1" name=""/>
+        <p:cNvGrpSpPr/>
+        <p:nvPr/>
+      </p:nvGrpSpPr>
+      <p:grpSpPr>
+        <a:xfrm>
+          <a:off x="0" y="0"/>
+          <a:ext cx="0" cy="0"/>
+          <a:chOff x="0" y="0"/>
+          <a:chExt cx="0" cy="0"/>
+        </a:xfrm>
+      </p:grpSpPr>
+      <p:sp>
+        <p:nvSpPr>
+          <p:cNvPr id="2" name="Content Placeholder 1">
+            <a:extLst>
+              <a:ext uri="{FF2B5EF4-FFF2-40B4-BE49-F238E27FC236}">
+                <a16:creationId xmlns:a16="http://schemas.microsoft.com/office/drawing/2014/main" id="{9572C954-C83C-EE79-685B-900385B3EC4B}"/>
+              </a:ext>
+            </a:extLst>
+          </p:cNvPr>
+          <p:cNvSpPr>
+            <a:spLocks noGrp="1"/>
+          </p:cNvSpPr>
+          <p:nvPr>
+            <p:ph idx="1"/>
+          </p:nvPr>
+        </p:nvSpPr>
+        <p:spPr>
+          <a:xfrm>
+            <a:off x="576000" y="1656000"/>
+            <a:ext cx="11041200" cy="4554000"/>
+          </a:xfrm>
+        </p:spPr>
+        <p:txBody>
+          <a:bodyPr>
+            <a:normAutofit fontScale="85000" lnSpcReduction="20000"/>
+          </a:bodyPr>
+          <a:lstStyle/>
+          <a:p>
+            <a:pPr marL="457200" indent="-457200">
+              <a:buFont typeface="+mj-lt"/>
+              <a:buAutoNum type="arabicPeriod"/>
+            </a:pPr>
+            <a:r>
+              <a:rPr lang="nl-BE" dirty="0">
+                <a:solidFill>
+                  <a:schemeClr val="bg2">
+                    <a:lumMod val="75000"/>
+                  </a:schemeClr>
+                </a:solidFill>
+              </a:rPr>
+              <a:t>Inleiding</a:t>
+            </a:r>
+          </a:p>
+          <a:p>
+            <a:pPr marL="457200" indent="-457200">
+              <a:buFont typeface="+mj-lt"/>
+              <a:buAutoNum type="arabicPeriod"/>
+            </a:pPr>
+            <a:r>
+              <a:rPr lang="nl-BE" dirty="0">
+                <a:solidFill>
+                  <a:schemeClr val="bg2">
+                    <a:lumMod val="75000"/>
+                  </a:schemeClr>
+                </a:solidFill>
+              </a:rPr>
+              <a:t>Ontwerp</a:t>
+            </a:r>
+          </a:p>
+          <a:p>
+            <a:pPr marL="457200" indent="-457200">
+              <a:buFont typeface="+mj-lt"/>
+              <a:buAutoNum type="arabicPeriod"/>
+            </a:pPr>
+            <a:r>
+              <a:rPr lang="nl-BE" dirty="0">
+                <a:solidFill>
+                  <a:schemeClr val="bg2">
+                    <a:lumMod val="75000"/>
+                  </a:schemeClr>
+                </a:solidFill>
+              </a:rPr>
+              <a:t>Stappen</a:t>
+            </a:r>
+          </a:p>
+          <a:p>
+            <a:pPr marL="914400" lvl="1" indent="-457200">
+              <a:buFont typeface="+mj-lt"/>
+              <a:buAutoNum type="arabicPeriod"/>
+            </a:pPr>
+            <a:r>
+              <a:rPr lang="nl-BE" dirty="0">
+                <a:solidFill>
+                  <a:schemeClr val="bg2">
+                    <a:lumMod val="75000"/>
+                  </a:schemeClr>
+                </a:solidFill>
+              </a:rPr>
+              <a:t>Detectie en lokalisatie</a:t>
+            </a:r>
+          </a:p>
+          <a:p>
+            <a:pPr marL="914400" lvl="1" indent="-457200">
+              <a:buFont typeface="+mj-lt"/>
+              <a:buAutoNum type="arabicPeriod"/>
+            </a:pPr>
+            <a:r>
+              <a:rPr lang="nl-BE" dirty="0">
+                <a:solidFill>
+                  <a:schemeClr val="bg2">
+                    <a:lumMod val="75000"/>
+                  </a:schemeClr>
+                </a:solidFill>
+              </a:rPr>
+              <a:t>Richten</a:t>
+            </a:r>
+          </a:p>
+          <a:p>
+            <a:pPr marL="914400" lvl="1" indent="-457200">
+              <a:buFont typeface="+mj-lt"/>
+              <a:buAutoNum type="arabicPeriod"/>
+            </a:pPr>
+            <a:r>
+              <a:rPr lang="nl-BE" dirty="0">
+                <a:solidFill>
+                  <a:schemeClr val="bg2">
+                    <a:lumMod val="75000"/>
+                  </a:schemeClr>
+                </a:solidFill>
+              </a:rPr>
+              <a:t>Blussen</a:t>
+            </a:r>
+          </a:p>
+          <a:p>
+            <a:pPr marL="457200" indent="-457200">
+              <a:lnSpc>
+                <a:spcPct val="110000"/>
+              </a:lnSpc>
+              <a:buFont typeface="+mj-lt"/>
+              <a:buAutoNum type="arabicPeriod"/>
+            </a:pPr>
+            <a:r>
+              <a:rPr lang="nl-BE" dirty="0">
+                <a:solidFill>
+                  <a:schemeClr val="bg2">
+                    <a:lumMod val="75000"/>
+                  </a:schemeClr>
+                </a:solidFill>
+              </a:rPr>
+              <a:t>Prototype</a:t>
+            </a:r>
+          </a:p>
+          <a:p>
+            <a:pPr marL="914400" lvl="1" indent="-457200">
+              <a:buFont typeface="+mj-lt"/>
+              <a:buAutoNum type="arabicPeriod"/>
+            </a:pPr>
+            <a:r>
+              <a:rPr lang="nl-BE" dirty="0">
+                <a:solidFill>
+                  <a:schemeClr val="bg2">
+                    <a:lumMod val="75000"/>
+                  </a:schemeClr>
+                </a:solidFill>
+              </a:rPr>
+              <a:t>Constructie</a:t>
+            </a:r>
+          </a:p>
+          <a:p>
+            <a:pPr marL="914400" lvl="1" indent="-457200">
+              <a:buFont typeface="+mj-lt"/>
+              <a:buAutoNum type="arabicPeriod"/>
+            </a:pPr>
+            <a:r>
+              <a:rPr lang="nl-BE" dirty="0">
+                <a:solidFill>
+                  <a:schemeClr val="bg2">
+                    <a:lumMod val="75000"/>
+                  </a:schemeClr>
+                </a:solidFill>
+              </a:rPr>
+              <a:t>Elektrisch circuit</a:t>
+            </a:r>
+          </a:p>
+          <a:p>
+            <a:pPr marL="914400" lvl="1" indent="-457200">
+              <a:buFont typeface="+mj-lt"/>
+              <a:buAutoNum type="arabicPeriod"/>
+            </a:pPr>
+            <a:r>
+              <a:rPr lang="nl-BE" dirty="0">
+                <a:solidFill>
+                  <a:schemeClr val="bg2">
+                    <a:lumMod val="75000"/>
+                  </a:schemeClr>
+                </a:solidFill>
+              </a:rPr>
+              <a:t>Roterend platform, arm en spuit</a:t>
+            </a:r>
+          </a:p>
+          <a:p>
+            <a:pPr marL="457200" indent="-457200">
+              <a:buFont typeface="+mj-lt"/>
+              <a:buAutoNum type="arabicPeriod"/>
+            </a:pPr>
+            <a:r>
+              <a:rPr lang="nl-BE" dirty="0">
+                <a:solidFill>
+                  <a:srgbClr val="2F4D5D"/>
+                </a:solidFill>
+              </a:rPr>
+              <a:t>Resultaten</a:t>
+            </a:r>
+          </a:p>
+          <a:p>
+            <a:pPr marL="457200" indent="-457200">
+              <a:buFont typeface="+mj-lt"/>
+              <a:buAutoNum type="arabicPeriod"/>
+            </a:pPr>
+            <a:r>
+              <a:rPr lang="nl-BE" dirty="0">
+                <a:solidFill>
+                  <a:schemeClr val="bg2">
+                    <a:lumMod val="75000"/>
+                  </a:schemeClr>
+                </a:solidFill>
+              </a:rPr>
+              <a:t>Besluit</a:t>
+            </a:r>
+          </a:p>
+          <a:p>
+            <a:pPr marL="457200" indent="-457200">
+              <a:buFont typeface="+mj-lt"/>
+              <a:buAutoNum type="arabicPeriod"/>
+            </a:pPr>
+            <a:r>
+              <a:rPr lang="nl-BE" dirty="0">
+                <a:solidFill>
+                  <a:schemeClr val="bg2">
+                    <a:lumMod val="75000"/>
+                  </a:schemeClr>
+                </a:solidFill>
+              </a:rPr>
+              <a:t>Bibliografie</a:t>
+            </a:r>
+          </a:p>
+          <a:p>
+            <a:pPr marL="457200" indent="-457200">
+              <a:buFont typeface="+mj-lt"/>
+              <a:buAutoNum type="arabicPeriod"/>
+            </a:pPr>
+            <a:endParaRPr lang="nl-BE" dirty="0"/>
+          </a:p>
+        </p:txBody>
+      </p:sp>
+      <p:sp>
+        <p:nvSpPr>
+          <p:cNvPr id="3" name="Footer Placeholder 2">
+            <a:extLst>
+              <a:ext uri="{FF2B5EF4-FFF2-40B4-BE49-F238E27FC236}">
+                <a16:creationId xmlns:a16="http://schemas.microsoft.com/office/drawing/2014/main" id="{87B9D861-BADE-1735-BC5D-FB0CE4C31EFE}"/>
+              </a:ext>
+            </a:extLst>
+          </p:cNvPr>
+          <p:cNvSpPr>
+            <a:spLocks noGrp="1"/>
+          </p:cNvSpPr>
+          <p:nvPr>
+            <p:ph type="ftr" sz="quarter" idx="11"/>
+          </p:nvPr>
+        </p:nvSpPr>
+        <p:spPr/>
+        <p:txBody>
+          <a:bodyPr/>
+          <a:lstStyle/>
+          <a:p>
+            <a:r>
+              <a:rPr lang="nl-NL"/>
+              <a:t>Groep Wetenschappen &amp; Techonologie - Ingenieurswetenschappen</a:t>
+            </a:r>
+          </a:p>
+        </p:txBody>
+      </p:sp>
+      <p:sp>
+        <p:nvSpPr>
+          <p:cNvPr id="4" name="Slide Number Placeholder 3">
+            <a:extLst>
+              <a:ext uri="{FF2B5EF4-FFF2-40B4-BE49-F238E27FC236}">
+                <a16:creationId xmlns:a16="http://schemas.microsoft.com/office/drawing/2014/main" id="{FC23E00C-3A77-A444-8280-8A8A5D17B5DF}"/>
+              </a:ext>
+            </a:extLst>
+          </p:cNvPr>
+          <p:cNvSpPr>
+            <a:spLocks noGrp="1"/>
+          </p:cNvSpPr>
+          <p:nvPr>
+            <p:ph type="sldNum" sz="quarter" idx="12"/>
+          </p:nvPr>
+        </p:nvSpPr>
+        <p:spPr/>
+        <p:txBody>
+          <a:bodyPr/>
+          <a:lstStyle/>
+          <a:p>
+            <a:fld id="{0A297500-7527-634B-90F4-69D0994C32B4}" type="slidenum">
+              <a:rPr lang="nl-NL" smtClean="0"/>
+              <a:t>30</a:t>
+            </a:fld>
+            <a:endParaRPr lang="nl-NL"/>
+          </a:p>
+        </p:txBody>
+      </p:sp>
+      <p:sp>
+        <p:nvSpPr>
+          <p:cNvPr id="5" name="Title 4">
+            <a:extLst>
+              <a:ext uri="{FF2B5EF4-FFF2-40B4-BE49-F238E27FC236}">
+                <a16:creationId xmlns:a16="http://schemas.microsoft.com/office/drawing/2014/main" id="{344F2F4D-955A-2213-B685-181EC6CE1CBA}"/>
+              </a:ext>
+            </a:extLst>
+          </p:cNvPr>
+          <p:cNvSpPr>
+            <a:spLocks noGrp="1"/>
+          </p:cNvSpPr>
+          <p:nvPr>
+            <p:ph type="title"/>
+          </p:nvPr>
+        </p:nvSpPr>
+        <p:spPr/>
+        <p:txBody>
+          <a:bodyPr/>
+          <a:lstStyle/>
+          <a:p>
+            <a:r>
+              <a:rPr lang="nl-BE" dirty="0"/>
+              <a:t>Overzicht</a:t>
+            </a:r>
+          </a:p>
+        </p:txBody>
+      </p:sp>
+    </p:spTree>
+    <p:extLst>
+      <p:ext uri="{BB962C8B-B14F-4D97-AF65-F5344CB8AC3E}">
+        <p14:creationId xmlns:p14="http://schemas.microsoft.com/office/powerpoint/2010/main" val="3228113776"/>
+      </p:ext>
+    </p:extLst>
+  </p:cSld>
+  <p:clrMapOvr>
+    <a:masterClrMapping/>
+  </p:clrMapOvr>
+</p:sld>
+</file>
+
+<file path=ppt/slides/slide31.xml><?xml version="1.0" encoding="utf-8"?>
+<p:sld xmlns:a="http://schemas.openxmlformats.org/drawingml/2006/main" xmlns:r="http://schemas.openxmlformats.org/officeDocument/2006/relationships" xmlns:p="http://schemas.openxmlformats.org/presentationml/2006/main">
+  <p:cSld>
+    <p:spTree>
+      <p:nvGrpSpPr>
+        <p:cNvPr id="1" name=""/>
+        <p:cNvGrpSpPr/>
+        <p:nvPr/>
+      </p:nvGrpSpPr>
+      <p:grpSpPr>
+        <a:xfrm>
+          <a:off x="0" y="0"/>
+          <a:ext cx="0" cy="0"/>
+          <a:chOff x="0" y="0"/>
+          <a:chExt cx="0" cy="0"/>
+        </a:xfrm>
+      </p:grpSpPr>
+      <p:sp>
+        <p:nvSpPr>
+          <p:cNvPr id="2" name="Tijdelijke aanduiding voor inhoud 1">
+            <a:extLst>
+              <a:ext uri="{FF2B5EF4-FFF2-40B4-BE49-F238E27FC236}">
+                <a16:creationId xmlns:a16="http://schemas.microsoft.com/office/drawing/2014/main" id="{F7AE94B2-F97A-D2DF-7BB4-EE2853692400}"/>
+              </a:ext>
+            </a:extLst>
+          </p:cNvPr>
+          <p:cNvSpPr>
+            <a:spLocks noGrp="1"/>
+          </p:cNvSpPr>
+          <p:nvPr>
+            <p:ph idx="1"/>
+          </p:nvPr>
+        </p:nvSpPr>
+        <p:spPr/>
+        <p:txBody>
+          <a:bodyPr/>
+          <a:lstStyle/>
+          <a:p>
+            <a:endParaRPr lang="nl-BE"/>
+          </a:p>
+        </p:txBody>
+      </p:sp>
+      <p:sp>
+        <p:nvSpPr>
+          <p:cNvPr id="3" name="Tijdelijke aanduiding voor voettekst 2">
+            <a:extLst>
+              <a:ext uri="{FF2B5EF4-FFF2-40B4-BE49-F238E27FC236}">
+                <a16:creationId xmlns:a16="http://schemas.microsoft.com/office/drawing/2014/main" id="{7DB2C0A7-61E4-87DA-0273-BE041670CF42}"/>
+              </a:ext>
+            </a:extLst>
+          </p:cNvPr>
+          <p:cNvSpPr>
+            <a:spLocks noGrp="1"/>
+          </p:cNvSpPr>
+          <p:nvPr>
+            <p:ph type="ftr" sz="quarter" idx="11"/>
+          </p:nvPr>
+        </p:nvSpPr>
+        <p:spPr/>
+        <p:txBody>
+          <a:bodyPr/>
+          <a:lstStyle/>
+          <a:p>
+            <a:r>
+              <a:rPr lang="nl-NL"/>
+              <a:t>Groep Wetenschappen &amp; Techonologie - Ingenieurswetenschappen</a:t>
+            </a:r>
+          </a:p>
+        </p:txBody>
+      </p:sp>
+      <p:sp>
+        <p:nvSpPr>
+          <p:cNvPr id="4" name="Tijdelijke aanduiding voor dianummer 3">
+            <a:extLst>
+              <a:ext uri="{FF2B5EF4-FFF2-40B4-BE49-F238E27FC236}">
+                <a16:creationId xmlns:a16="http://schemas.microsoft.com/office/drawing/2014/main" id="{F206EC54-B387-43E9-7894-4BC2FC8AFE47}"/>
+              </a:ext>
+            </a:extLst>
+          </p:cNvPr>
+          <p:cNvSpPr>
+            <a:spLocks noGrp="1"/>
+          </p:cNvSpPr>
+          <p:nvPr>
+            <p:ph type="sldNum" sz="quarter" idx="12"/>
+          </p:nvPr>
+        </p:nvSpPr>
+        <p:spPr/>
+        <p:txBody>
+          <a:bodyPr/>
+          <a:lstStyle/>
+          <a:p>
+            <a:fld id="{0A297500-7527-634B-90F4-69D0994C32B4}" type="slidenum">
+              <a:rPr lang="nl-NL" smtClean="0"/>
+              <a:t>31</a:t>
+            </a:fld>
+            <a:endParaRPr lang="nl-NL"/>
+          </a:p>
+        </p:txBody>
+      </p:sp>
+      <p:sp>
+        <p:nvSpPr>
+          <p:cNvPr id="5" name="Titel 4">
+            <a:extLst>
+              <a:ext uri="{FF2B5EF4-FFF2-40B4-BE49-F238E27FC236}">
+                <a16:creationId xmlns:a16="http://schemas.microsoft.com/office/drawing/2014/main" id="{5AFF6F3D-6B31-CCA6-3526-56EB9F8567E5}"/>
+              </a:ext>
+            </a:extLst>
+          </p:cNvPr>
+          <p:cNvSpPr>
+            <a:spLocks noGrp="1"/>
+          </p:cNvSpPr>
+          <p:nvPr>
+            <p:ph type="title"/>
+          </p:nvPr>
+        </p:nvSpPr>
+        <p:spPr/>
+        <p:txBody>
+          <a:bodyPr/>
+          <a:lstStyle/>
+          <a:p>
+            <a:r>
+              <a:rPr lang="nl-BE" dirty="0"/>
+              <a:t>Resultaten</a:t>
+            </a:r>
+          </a:p>
+        </p:txBody>
+      </p:sp>
+    </p:spTree>
+    <p:extLst>
+      <p:ext uri="{BB962C8B-B14F-4D97-AF65-F5344CB8AC3E}">
+        <p14:creationId xmlns:p14="http://schemas.microsoft.com/office/powerpoint/2010/main" val="1651865195"/>
+      </p:ext>
+    </p:extLst>
+  </p:cSld>
+  <p:clrMapOvr>
+    <a:masterClrMapping/>
+  </p:clrMapOvr>
+</p:sld>
+</file>
+
+<file path=ppt/slides/slide32.xml><?xml version="1.0" encoding="utf-8"?>
+<p:sld xmlns:a="http://schemas.openxmlformats.org/drawingml/2006/main" xmlns:r="http://schemas.openxmlformats.org/officeDocument/2006/relationships" xmlns:p="http://schemas.openxmlformats.org/presentationml/2006/main">
+  <p:cSld>
+    <p:spTree>
+      <p:nvGrpSpPr>
+        <p:cNvPr id="1" name=""/>
+        <p:cNvGrpSpPr/>
+        <p:nvPr/>
+      </p:nvGrpSpPr>
+      <p:grpSpPr>
+        <a:xfrm>
+          <a:off x="0" y="0"/>
+          <a:ext cx="0" cy="0"/>
+          <a:chOff x="0" y="0"/>
+          <a:chExt cx="0" cy="0"/>
+        </a:xfrm>
+      </p:grpSpPr>
+      <p:sp>
+        <p:nvSpPr>
+          <p:cNvPr id="2" name="Content Placeholder 1">
+            <a:extLst>
+              <a:ext uri="{FF2B5EF4-FFF2-40B4-BE49-F238E27FC236}">
+                <a16:creationId xmlns:a16="http://schemas.microsoft.com/office/drawing/2014/main" id="{9572C954-C83C-EE79-685B-900385B3EC4B}"/>
+              </a:ext>
+            </a:extLst>
+          </p:cNvPr>
+          <p:cNvSpPr>
+            <a:spLocks noGrp="1"/>
+          </p:cNvSpPr>
+          <p:nvPr>
+            <p:ph idx="1"/>
+          </p:nvPr>
+        </p:nvSpPr>
+        <p:spPr>
+          <a:xfrm>
+            <a:off x="576000" y="1656000"/>
+            <a:ext cx="11041200" cy="4554000"/>
+          </a:xfrm>
+        </p:spPr>
+        <p:txBody>
+          <a:bodyPr>
+            <a:normAutofit fontScale="85000" lnSpcReduction="20000"/>
+          </a:bodyPr>
+          <a:lstStyle/>
+          <a:p>
+            <a:pPr marL="457200" indent="-457200">
+              <a:buFont typeface="+mj-lt"/>
+              <a:buAutoNum type="arabicPeriod"/>
+            </a:pPr>
+            <a:r>
+              <a:rPr lang="nl-BE" dirty="0">
+                <a:solidFill>
+                  <a:schemeClr val="bg2">
+                    <a:lumMod val="75000"/>
+                  </a:schemeClr>
+                </a:solidFill>
+              </a:rPr>
+              <a:t>Inleiding</a:t>
+            </a:r>
+          </a:p>
+          <a:p>
+            <a:pPr marL="457200" indent="-457200">
+              <a:buFont typeface="+mj-lt"/>
+              <a:buAutoNum type="arabicPeriod"/>
+            </a:pPr>
+            <a:r>
+              <a:rPr lang="nl-BE" dirty="0">
+                <a:solidFill>
+                  <a:schemeClr val="bg2">
+                    <a:lumMod val="75000"/>
+                  </a:schemeClr>
+                </a:solidFill>
+              </a:rPr>
+              <a:t>Ontwerp</a:t>
+            </a:r>
+          </a:p>
+          <a:p>
+            <a:pPr marL="457200" indent="-457200">
+              <a:buFont typeface="+mj-lt"/>
+              <a:buAutoNum type="arabicPeriod"/>
+            </a:pPr>
+            <a:r>
+              <a:rPr lang="nl-BE" dirty="0">
+                <a:solidFill>
+                  <a:schemeClr val="bg2">
+                    <a:lumMod val="75000"/>
+                  </a:schemeClr>
+                </a:solidFill>
+              </a:rPr>
+              <a:t>Stappen</a:t>
+            </a:r>
+          </a:p>
+          <a:p>
+            <a:pPr marL="914400" lvl="1" indent="-457200">
+              <a:buFont typeface="+mj-lt"/>
+              <a:buAutoNum type="arabicPeriod"/>
+            </a:pPr>
+            <a:r>
+              <a:rPr lang="nl-BE" dirty="0">
+                <a:solidFill>
+                  <a:schemeClr val="bg2">
+                    <a:lumMod val="75000"/>
+                  </a:schemeClr>
+                </a:solidFill>
+              </a:rPr>
+              <a:t>Detectie en lokalisatie</a:t>
+            </a:r>
+          </a:p>
+          <a:p>
+            <a:pPr marL="914400" lvl="1" indent="-457200">
+              <a:buFont typeface="+mj-lt"/>
+              <a:buAutoNum type="arabicPeriod"/>
+            </a:pPr>
+            <a:r>
+              <a:rPr lang="nl-BE" dirty="0">
+                <a:solidFill>
+                  <a:schemeClr val="bg2">
+                    <a:lumMod val="75000"/>
+                  </a:schemeClr>
+                </a:solidFill>
+              </a:rPr>
+              <a:t>Richten</a:t>
+            </a:r>
+          </a:p>
+          <a:p>
+            <a:pPr marL="914400" lvl="1" indent="-457200">
+              <a:buFont typeface="+mj-lt"/>
+              <a:buAutoNum type="arabicPeriod"/>
+            </a:pPr>
+            <a:r>
+              <a:rPr lang="nl-BE" dirty="0">
+                <a:solidFill>
+                  <a:schemeClr val="bg2">
+                    <a:lumMod val="75000"/>
+                  </a:schemeClr>
+                </a:solidFill>
+              </a:rPr>
+              <a:t>Blussen</a:t>
+            </a:r>
+          </a:p>
+          <a:p>
+            <a:pPr marL="457200" indent="-457200">
+              <a:lnSpc>
+                <a:spcPct val="110000"/>
+              </a:lnSpc>
+              <a:buFont typeface="+mj-lt"/>
+              <a:buAutoNum type="arabicPeriod"/>
+            </a:pPr>
+            <a:r>
+              <a:rPr lang="nl-BE" dirty="0">
+                <a:solidFill>
+                  <a:schemeClr val="bg2">
+                    <a:lumMod val="75000"/>
+                  </a:schemeClr>
+                </a:solidFill>
+              </a:rPr>
+              <a:t>Prototype</a:t>
+            </a:r>
+          </a:p>
+          <a:p>
+            <a:pPr marL="914400" lvl="1" indent="-457200">
+              <a:buFont typeface="+mj-lt"/>
+              <a:buAutoNum type="arabicPeriod"/>
+            </a:pPr>
+            <a:r>
+              <a:rPr lang="nl-BE" dirty="0">
+                <a:solidFill>
+                  <a:schemeClr val="bg2">
+                    <a:lumMod val="75000"/>
+                  </a:schemeClr>
+                </a:solidFill>
+              </a:rPr>
+              <a:t>Constructie</a:t>
+            </a:r>
+          </a:p>
+          <a:p>
+            <a:pPr marL="914400" lvl="1" indent="-457200">
+              <a:buFont typeface="+mj-lt"/>
+              <a:buAutoNum type="arabicPeriod"/>
+            </a:pPr>
+            <a:r>
+              <a:rPr lang="nl-BE" dirty="0">
+                <a:solidFill>
+                  <a:schemeClr val="bg2">
+                    <a:lumMod val="75000"/>
+                  </a:schemeClr>
+                </a:solidFill>
+              </a:rPr>
+              <a:t>Elektrisch circuit</a:t>
+            </a:r>
+          </a:p>
+          <a:p>
+            <a:pPr marL="914400" lvl="1" indent="-457200">
+              <a:buFont typeface="+mj-lt"/>
+              <a:buAutoNum type="arabicPeriod"/>
+            </a:pPr>
+            <a:r>
+              <a:rPr lang="nl-BE" dirty="0">
+                <a:solidFill>
+                  <a:schemeClr val="bg2">
+                    <a:lumMod val="75000"/>
+                  </a:schemeClr>
+                </a:solidFill>
+              </a:rPr>
+              <a:t>Roterend platform, arm en spuit</a:t>
+            </a:r>
+          </a:p>
+          <a:p>
+            <a:pPr marL="457200" indent="-457200">
+              <a:buFont typeface="+mj-lt"/>
+              <a:buAutoNum type="arabicPeriod"/>
+            </a:pPr>
+            <a:r>
+              <a:rPr lang="nl-BE" dirty="0">
+                <a:solidFill>
+                  <a:schemeClr val="bg2">
+                    <a:lumMod val="75000"/>
+                  </a:schemeClr>
+                </a:solidFill>
+              </a:rPr>
+              <a:t>Resultaten</a:t>
+            </a:r>
+          </a:p>
+          <a:p>
+            <a:pPr marL="457200" indent="-457200">
+              <a:buFont typeface="+mj-lt"/>
+              <a:buAutoNum type="arabicPeriod"/>
+            </a:pPr>
+            <a:r>
+              <a:rPr lang="nl-BE" dirty="0">
+                <a:solidFill>
+                  <a:srgbClr val="2F4D5D"/>
+                </a:solidFill>
+              </a:rPr>
+              <a:t>Besluit</a:t>
+            </a:r>
+          </a:p>
+          <a:p>
+            <a:pPr marL="457200" indent="-457200">
+              <a:buFont typeface="+mj-lt"/>
+              <a:buAutoNum type="arabicPeriod"/>
+            </a:pPr>
+            <a:r>
+              <a:rPr lang="nl-BE" dirty="0">
+                <a:solidFill>
+                  <a:schemeClr val="bg2">
+                    <a:lumMod val="75000"/>
+                  </a:schemeClr>
+                </a:solidFill>
+              </a:rPr>
+              <a:t>Bibliografie</a:t>
+            </a:r>
+          </a:p>
+          <a:p>
+            <a:pPr marL="457200" indent="-457200">
+              <a:buFont typeface="+mj-lt"/>
+              <a:buAutoNum type="arabicPeriod"/>
+            </a:pPr>
+            <a:endParaRPr lang="nl-BE" dirty="0"/>
+          </a:p>
+        </p:txBody>
+      </p:sp>
+      <p:sp>
+        <p:nvSpPr>
+          <p:cNvPr id="3" name="Footer Placeholder 2">
+            <a:extLst>
+              <a:ext uri="{FF2B5EF4-FFF2-40B4-BE49-F238E27FC236}">
+                <a16:creationId xmlns:a16="http://schemas.microsoft.com/office/drawing/2014/main" id="{87B9D861-BADE-1735-BC5D-FB0CE4C31EFE}"/>
+              </a:ext>
+            </a:extLst>
+          </p:cNvPr>
+          <p:cNvSpPr>
+            <a:spLocks noGrp="1"/>
+          </p:cNvSpPr>
+          <p:nvPr>
+            <p:ph type="ftr" sz="quarter" idx="11"/>
+          </p:nvPr>
+        </p:nvSpPr>
+        <p:spPr/>
+        <p:txBody>
+          <a:bodyPr/>
+          <a:lstStyle/>
+          <a:p>
+            <a:r>
+              <a:rPr lang="nl-NL"/>
+              <a:t>Groep Wetenschappen &amp; Techonologie - Ingenieurswetenschappen</a:t>
+            </a:r>
+          </a:p>
+        </p:txBody>
+      </p:sp>
+      <p:sp>
+        <p:nvSpPr>
+          <p:cNvPr id="4" name="Slide Number Placeholder 3">
+            <a:extLst>
+              <a:ext uri="{FF2B5EF4-FFF2-40B4-BE49-F238E27FC236}">
+                <a16:creationId xmlns:a16="http://schemas.microsoft.com/office/drawing/2014/main" id="{FC23E00C-3A77-A444-8280-8A8A5D17B5DF}"/>
+              </a:ext>
+            </a:extLst>
+          </p:cNvPr>
+          <p:cNvSpPr>
+            <a:spLocks noGrp="1"/>
+          </p:cNvSpPr>
+          <p:nvPr>
+            <p:ph type="sldNum" sz="quarter" idx="12"/>
+          </p:nvPr>
+        </p:nvSpPr>
+        <p:spPr/>
+        <p:txBody>
+          <a:bodyPr/>
+          <a:lstStyle/>
+          <a:p>
+            <a:fld id="{0A297500-7527-634B-90F4-69D0994C32B4}" type="slidenum">
+              <a:rPr lang="nl-NL" smtClean="0"/>
+              <a:t>32</a:t>
+            </a:fld>
+            <a:endParaRPr lang="nl-NL"/>
+          </a:p>
+        </p:txBody>
+      </p:sp>
+      <p:sp>
+        <p:nvSpPr>
+          <p:cNvPr id="5" name="Title 4">
+            <a:extLst>
+              <a:ext uri="{FF2B5EF4-FFF2-40B4-BE49-F238E27FC236}">
+                <a16:creationId xmlns:a16="http://schemas.microsoft.com/office/drawing/2014/main" id="{344F2F4D-955A-2213-B685-181EC6CE1CBA}"/>
+              </a:ext>
+            </a:extLst>
+          </p:cNvPr>
+          <p:cNvSpPr>
+            <a:spLocks noGrp="1"/>
+          </p:cNvSpPr>
+          <p:nvPr>
+            <p:ph type="title"/>
+          </p:nvPr>
+        </p:nvSpPr>
+        <p:spPr/>
+        <p:txBody>
+          <a:bodyPr/>
+          <a:lstStyle/>
+          <a:p>
+            <a:r>
+              <a:rPr lang="nl-BE" dirty="0"/>
+              <a:t>Overzicht</a:t>
+            </a:r>
+          </a:p>
+        </p:txBody>
+      </p:sp>
+    </p:spTree>
+    <p:extLst>
+      <p:ext uri="{BB962C8B-B14F-4D97-AF65-F5344CB8AC3E}">
+        <p14:creationId xmlns:p14="http://schemas.microsoft.com/office/powerpoint/2010/main" val="3353557775"/>
+      </p:ext>
+    </p:extLst>
+  </p:cSld>
+  <p:clrMapOvr>
+    <a:masterClrMapping/>
+  </p:clrMapOvr>
+</p:sld>
+</file>
+
+<file path=ppt/slides/slide33.xml><?xml version="1.0" encoding="utf-8"?>
+<p:sld xmlns:a="http://schemas.openxmlformats.org/drawingml/2006/main" xmlns:r="http://schemas.openxmlformats.org/officeDocument/2006/relationships" xmlns:p="http://schemas.openxmlformats.org/presentationml/2006/main">
+  <p:cSld>
+    <p:spTree>
+      <p:nvGrpSpPr>
+        <p:cNvPr id="1" name=""/>
+        <p:cNvGrpSpPr/>
+        <p:nvPr/>
+      </p:nvGrpSpPr>
+      <p:grpSpPr>
+        <a:xfrm>
+          <a:off x="0" y="0"/>
+          <a:ext cx="0" cy="0"/>
+          <a:chOff x="0" y="0"/>
+          <a:chExt cx="0" cy="0"/>
+        </a:xfrm>
+      </p:grpSpPr>
+      <p:sp>
+        <p:nvSpPr>
+          <p:cNvPr id="2" name="Tijdelijke aanduiding voor inhoud 1">
+            <a:extLst>
+              <a:ext uri="{FF2B5EF4-FFF2-40B4-BE49-F238E27FC236}">
+                <a16:creationId xmlns:a16="http://schemas.microsoft.com/office/drawing/2014/main" id="{E775BDEC-9084-7B7B-7636-1336FE6D1442}"/>
+              </a:ext>
+            </a:extLst>
+          </p:cNvPr>
+          <p:cNvSpPr>
+            <a:spLocks noGrp="1"/>
+          </p:cNvSpPr>
+          <p:nvPr>
+            <p:ph idx="1"/>
+          </p:nvPr>
+        </p:nvSpPr>
+        <p:spPr/>
+        <p:txBody>
+          <a:bodyPr/>
+          <a:lstStyle/>
+          <a:p>
+            <a:endParaRPr lang="nl-BE" dirty="0"/>
+          </a:p>
+        </p:txBody>
+      </p:sp>
+      <p:sp>
+        <p:nvSpPr>
+          <p:cNvPr id="3" name="Tijdelijke aanduiding voor voettekst 2">
+            <a:extLst>
+              <a:ext uri="{FF2B5EF4-FFF2-40B4-BE49-F238E27FC236}">
+                <a16:creationId xmlns:a16="http://schemas.microsoft.com/office/drawing/2014/main" id="{6C68FFF2-583B-ADAE-3A87-AA2DE08D02E8}"/>
+              </a:ext>
+            </a:extLst>
+          </p:cNvPr>
+          <p:cNvSpPr>
+            <a:spLocks noGrp="1"/>
+          </p:cNvSpPr>
+          <p:nvPr>
+            <p:ph type="ftr" sz="quarter" idx="11"/>
+          </p:nvPr>
+        </p:nvSpPr>
+        <p:spPr/>
+        <p:txBody>
+          <a:bodyPr/>
+          <a:lstStyle/>
+          <a:p>
+            <a:r>
+              <a:rPr lang="nl-NL"/>
+              <a:t>Groep Wetenschappen &amp; Techonologie - Ingenieurswetenschappen</a:t>
+            </a:r>
+          </a:p>
+        </p:txBody>
+      </p:sp>
+      <p:sp>
+        <p:nvSpPr>
+          <p:cNvPr id="4" name="Tijdelijke aanduiding voor dianummer 3">
+            <a:extLst>
+              <a:ext uri="{FF2B5EF4-FFF2-40B4-BE49-F238E27FC236}">
+                <a16:creationId xmlns:a16="http://schemas.microsoft.com/office/drawing/2014/main" id="{E49094E4-1991-A9EB-7B02-F275C3C4375D}"/>
+              </a:ext>
+            </a:extLst>
+          </p:cNvPr>
+          <p:cNvSpPr>
+            <a:spLocks noGrp="1"/>
+          </p:cNvSpPr>
+          <p:nvPr>
+            <p:ph type="sldNum" sz="quarter" idx="12"/>
+          </p:nvPr>
+        </p:nvSpPr>
+        <p:spPr/>
+        <p:txBody>
+          <a:bodyPr/>
+          <a:lstStyle/>
+          <a:p>
+            <a:fld id="{0A297500-7527-634B-90F4-69D0994C32B4}" type="slidenum">
+              <a:rPr lang="nl-NL" smtClean="0"/>
+              <a:t>33</a:t>
+            </a:fld>
+            <a:endParaRPr lang="nl-NL"/>
+          </a:p>
+        </p:txBody>
+      </p:sp>
+      <p:sp>
+        <p:nvSpPr>
+          <p:cNvPr id="5" name="Titel 4">
+            <a:extLst>
+              <a:ext uri="{FF2B5EF4-FFF2-40B4-BE49-F238E27FC236}">
+                <a16:creationId xmlns:a16="http://schemas.microsoft.com/office/drawing/2014/main" id="{F17222F8-0A62-DE13-7430-B9B48E3D40E9}"/>
+              </a:ext>
+            </a:extLst>
+          </p:cNvPr>
+          <p:cNvSpPr>
+            <a:spLocks noGrp="1"/>
+          </p:cNvSpPr>
+          <p:nvPr>
+            <p:ph type="title"/>
+          </p:nvPr>
+        </p:nvSpPr>
+        <p:spPr/>
+        <p:txBody>
+          <a:bodyPr/>
+          <a:lstStyle/>
+          <a:p>
+            <a:r>
+              <a:rPr lang="nl-BE" dirty="0"/>
+              <a:t>Besluit</a:t>
+            </a:r>
+          </a:p>
+        </p:txBody>
+      </p:sp>
+    </p:spTree>
+    <p:extLst>
+      <p:ext uri="{BB962C8B-B14F-4D97-AF65-F5344CB8AC3E}">
+        <p14:creationId xmlns:p14="http://schemas.microsoft.com/office/powerpoint/2010/main" val="2539709788"/>
+      </p:ext>
+    </p:extLst>
+  </p:cSld>
+  <p:clrMapOvr>
+    <a:masterClrMapping/>
+  </p:clrMapOvr>
+</p:sld>
+</file>
+
+<file path=ppt/slides/slide34.xml><?xml version="1.0" encoding="utf-8"?>
+<p:sld xmlns:a="http://schemas.openxmlformats.org/drawingml/2006/main" xmlns:r="http://schemas.openxmlformats.org/officeDocument/2006/relationships" xmlns:p="http://schemas.openxmlformats.org/presentationml/2006/main">
+  <p:cSld>
+    <p:spTree>
+      <p:nvGrpSpPr>
+        <p:cNvPr id="1" name=""/>
+        <p:cNvGrpSpPr/>
+        <p:nvPr/>
+      </p:nvGrpSpPr>
+      <p:grpSpPr>
+        <a:xfrm>
+          <a:off x="0" y="0"/>
+          <a:ext cx="0" cy="0"/>
+          <a:chOff x="0" y="0"/>
+          <a:chExt cx="0" cy="0"/>
+        </a:xfrm>
+      </p:grpSpPr>
+      <p:sp>
+        <p:nvSpPr>
+          <p:cNvPr id="2" name="Content Placeholder 1">
+            <a:extLst>
+              <a:ext uri="{FF2B5EF4-FFF2-40B4-BE49-F238E27FC236}">
+                <a16:creationId xmlns:a16="http://schemas.microsoft.com/office/drawing/2014/main" id="{9572C954-C83C-EE79-685B-900385B3EC4B}"/>
+              </a:ext>
+            </a:extLst>
+          </p:cNvPr>
+          <p:cNvSpPr>
+            <a:spLocks noGrp="1"/>
+          </p:cNvSpPr>
+          <p:nvPr>
+            <p:ph idx="1"/>
+          </p:nvPr>
+        </p:nvSpPr>
+        <p:spPr>
+          <a:xfrm>
+            <a:off x="576000" y="1656000"/>
+            <a:ext cx="11041200" cy="4554000"/>
+          </a:xfrm>
+        </p:spPr>
+        <p:txBody>
+          <a:bodyPr>
+            <a:normAutofit fontScale="85000" lnSpcReduction="20000"/>
+          </a:bodyPr>
+          <a:lstStyle/>
+          <a:p>
+            <a:pPr marL="457200" indent="-457200">
+              <a:buFont typeface="+mj-lt"/>
+              <a:buAutoNum type="arabicPeriod"/>
+            </a:pPr>
+            <a:r>
+              <a:rPr lang="nl-BE" dirty="0">
+                <a:solidFill>
+                  <a:schemeClr val="bg2">
+                    <a:lumMod val="75000"/>
+                  </a:schemeClr>
+                </a:solidFill>
+              </a:rPr>
+              <a:t>Inleiding</a:t>
+            </a:r>
+          </a:p>
+          <a:p>
+            <a:pPr marL="457200" indent="-457200">
+              <a:buFont typeface="+mj-lt"/>
+              <a:buAutoNum type="arabicPeriod"/>
+            </a:pPr>
+            <a:r>
+              <a:rPr lang="nl-BE" dirty="0">
+                <a:solidFill>
+                  <a:schemeClr val="bg2">
+                    <a:lumMod val="75000"/>
+                  </a:schemeClr>
+                </a:solidFill>
+              </a:rPr>
+              <a:t>Ontwerp</a:t>
+            </a:r>
+          </a:p>
+          <a:p>
+            <a:pPr marL="457200" indent="-457200">
+              <a:buFont typeface="+mj-lt"/>
+              <a:buAutoNum type="arabicPeriod"/>
+            </a:pPr>
+            <a:r>
+              <a:rPr lang="nl-BE" dirty="0">
+                <a:solidFill>
+                  <a:schemeClr val="bg2">
+                    <a:lumMod val="75000"/>
+                  </a:schemeClr>
+                </a:solidFill>
+              </a:rPr>
+              <a:t>Stappen</a:t>
+            </a:r>
+          </a:p>
+          <a:p>
+            <a:pPr marL="914400" lvl="1" indent="-457200">
+              <a:buFont typeface="+mj-lt"/>
+              <a:buAutoNum type="arabicPeriod"/>
+            </a:pPr>
+            <a:r>
+              <a:rPr lang="nl-BE" dirty="0">
+                <a:solidFill>
+                  <a:schemeClr val="bg2">
+                    <a:lumMod val="75000"/>
+                  </a:schemeClr>
+                </a:solidFill>
+              </a:rPr>
+              <a:t>Detectie en lokalisatie</a:t>
+            </a:r>
+          </a:p>
+          <a:p>
+            <a:pPr marL="914400" lvl="1" indent="-457200">
+              <a:buFont typeface="+mj-lt"/>
+              <a:buAutoNum type="arabicPeriod"/>
+            </a:pPr>
+            <a:r>
+              <a:rPr lang="nl-BE" dirty="0">
+                <a:solidFill>
+                  <a:schemeClr val="bg2">
+                    <a:lumMod val="75000"/>
+                  </a:schemeClr>
+                </a:solidFill>
+              </a:rPr>
+              <a:t>Richten</a:t>
+            </a:r>
+          </a:p>
+          <a:p>
+            <a:pPr marL="914400" lvl="1" indent="-457200">
+              <a:buFont typeface="+mj-lt"/>
+              <a:buAutoNum type="arabicPeriod"/>
+            </a:pPr>
+            <a:r>
+              <a:rPr lang="nl-BE" dirty="0">
+                <a:solidFill>
+                  <a:schemeClr val="bg2">
+                    <a:lumMod val="75000"/>
+                  </a:schemeClr>
+                </a:solidFill>
+              </a:rPr>
+              <a:t>Blussen</a:t>
+            </a:r>
+          </a:p>
+          <a:p>
+            <a:pPr marL="457200" indent="-457200">
+              <a:lnSpc>
+                <a:spcPct val="110000"/>
+              </a:lnSpc>
+              <a:buFont typeface="+mj-lt"/>
+              <a:buAutoNum type="arabicPeriod"/>
+            </a:pPr>
+            <a:r>
+              <a:rPr lang="nl-BE" dirty="0">
+                <a:solidFill>
+                  <a:schemeClr val="bg2">
+                    <a:lumMod val="75000"/>
+                  </a:schemeClr>
+                </a:solidFill>
+              </a:rPr>
+              <a:t>Prototype</a:t>
+            </a:r>
+          </a:p>
+          <a:p>
+            <a:pPr marL="914400" lvl="1" indent="-457200">
+              <a:buFont typeface="+mj-lt"/>
+              <a:buAutoNum type="arabicPeriod"/>
+            </a:pPr>
+            <a:r>
+              <a:rPr lang="nl-BE" dirty="0">
+                <a:solidFill>
+                  <a:schemeClr val="bg2">
+                    <a:lumMod val="75000"/>
+                  </a:schemeClr>
+                </a:solidFill>
+              </a:rPr>
+              <a:t>Constructie</a:t>
+            </a:r>
+          </a:p>
+          <a:p>
+            <a:pPr marL="914400" lvl="1" indent="-457200">
+              <a:buFont typeface="+mj-lt"/>
+              <a:buAutoNum type="arabicPeriod"/>
+            </a:pPr>
+            <a:r>
+              <a:rPr lang="nl-BE" dirty="0">
+                <a:solidFill>
+                  <a:schemeClr val="bg2">
+                    <a:lumMod val="75000"/>
+                  </a:schemeClr>
+                </a:solidFill>
+              </a:rPr>
+              <a:t>Elektrisch circuit</a:t>
+            </a:r>
+          </a:p>
+          <a:p>
+            <a:pPr marL="914400" lvl="1" indent="-457200">
+              <a:buFont typeface="+mj-lt"/>
+              <a:buAutoNum type="arabicPeriod"/>
+            </a:pPr>
+            <a:r>
+              <a:rPr lang="nl-BE" dirty="0">
+                <a:solidFill>
+                  <a:schemeClr val="bg2">
+                    <a:lumMod val="75000"/>
+                  </a:schemeClr>
+                </a:solidFill>
+              </a:rPr>
+              <a:t>Roterend platform, arm en spuit</a:t>
+            </a:r>
+          </a:p>
+          <a:p>
+            <a:pPr marL="457200" indent="-457200">
+              <a:buFont typeface="+mj-lt"/>
+              <a:buAutoNum type="arabicPeriod"/>
+            </a:pPr>
+            <a:r>
+              <a:rPr lang="nl-BE" dirty="0">
+                <a:solidFill>
+                  <a:schemeClr val="bg2">
+                    <a:lumMod val="75000"/>
+                  </a:schemeClr>
+                </a:solidFill>
+              </a:rPr>
+              <a:t>Resultaten</a:t>
+            </a:r>
+          </a:p>
+          <a:p>
+            <a:pPr marL="457200" indent="-457200">
+              <a:buFont typeface="+mj-lt"/>
+              <a:buAutoNum type="arabicPeriod"/>
+            </a:pPr>
+            <a:r>
+              <a:rPr lang="nl-BE" dirty="0">
+                <a:solidFill>
+                  <a:schemeClr val="bg2">
+                    <a:lumMod val="75000"/>
+                  </a:schemeClr>
+                </a:solidFill>
+              </a:rPr>
+              <a:t>Besluit</a:t>
+            </a:r>
+          </a:p>
+          <a:p>
+            <a:pPr marL="457200" indent="-457200">
+              <a:buFont typeface="+mj-lt"/>
+              <a:buAutoNum type="arabicPeriod"/>
+            </a:pPr>
+            <a:r>
+              <a:rPr lang="nl-BE" dirty="0">
+                <a:solidFill>
+                  <a:srgbClr val="2F4D5D"/>
+                </a:solidFill>
+              </a:rPr>
+              <a:t>Bibliografie</a:t>
+            </a:r>
+          </a:p>
+          <a:p>
+            <a:pPr marL="457200" indent="-457200">
+              <a:buFont typeface="+mj-lt"/>
+              <a:buAutoNum type="arabicPeriod"/>
+            </a:pPr>
+            <a:endParaRPr lang="nl-BE" dirty="0"/>
+          </a:p>
+        </p:txBody>
+      </p:sp>
+      <p:sp>
+        <p:nvSpPr>
+          <p:cNvPr id="3" name="Footer Placeholder 2">
+            <a:extLst>
+              <a:ext uri="{FF2B5EF4-FFF2-40B4-BE49-F238E27FC236}">
+                <a16:creationId xmlns:a16="http://schemas.microsoft.com/office/drawing/2014/main" id="{87B9D861-BADE-1735-BC5D-FB0CE4C31EFE}"/>
+              </a:ext>
+            </a:extLst>
+          </p:cNvPr>
+          <p:cNvSpPr>
+            <a:spLocks noGrp="1"/>
+          </p:cNvSpPr>
+          <p:nvPr>
+            <p:ph type="ftr" sz="quarter" idx="11"/>
+          </p:nvPr>
+        </p:nvSpPr>
+        <p:spPr/>
+        <p:txBody>
+          <a:bodyPr/>
+          <a:lstStyle/>
+          <a:p>
+            <a:r>
+              <a:rPr lang="nl-NL"/>
+              <a:t>Groep Wetenschappen &amp; Techonologie - Ingenieurswetenschappen</a:t>
+            </a:r>
+          </a:p>
+        </p:txBody>
+      </p:sp>
+      <p:sp>
+        <p:nvSpPr>
+          <p:cNvPr id="4" name="Slide Number Placeholder 3">
+            <a:extLst>
+              <a:ext uri="{FF2B5EF4-FFF2-40B4-BE49-F238E27FC236}">
+                <a16:creationId xmlns:a16="http://schemas.microsoft.com/office/drawing/2014/main" id="{FC23E00C-3A77-A444-8280-8A8A5D17B5DF}"/>
+              </a:ext>
+            </a:extLst>
+          </p:cNvPr>
+          <p:cNvSpPr>
+            <a:spLocks noGrp="1"/>
+          </p:cNvSpPr>
+          <p:nvPr>
+            <p:ph type="sldNum" sz="quarter" idx="12"/>
+          </p:nvPr>
+        </p:nvSpPr>
+        <p:spPr/>
+        <p:txBody>
+          <a:bodyPr/>
+          <a:lstStyle/>
+          <a:p>
+            <a:fld id="{0A297500-7527-634B-90F4-69D0994C32B4}" type="slidenum">
+              <a:rPr lang="nl-NL" smtClean="0"/>
+              <a:t>34</a:t>
+            </a:fld>
+            <a:endParaRPr lang="nl-NL"/>
+          </a:p>
+        </p:txBody>
+      </p:sp>
+      <p:sp>
+        <p:nvSpPr>
+          <p:cNvPr id="5" name="Title 4">
+            <a:extLst>
+              <a:ext uri="{FF2B5EF4-FFF2-40B4-BE49-F238E27FC236}">
+                <a16:creationId xmlns:a16="http://schemas.microsoft.com/office/drawing/2014/main" id="{344F2F4D-955A-2213-B685-181EC6CE1CBA}"/>
+              </a:ext>
+            </a:extLst>
+          </p:cNvPr>
+          <p:cNvSpPr>
+            <a:spLocks noGrp="1"/>
+          </p:cNvSpPr>
+          <p:nvPr>
+            <p:ph type="title"/>
+          </p:nvPr>
+        </p:nvSpPr>
+        <p:spPr/>
+        <p:txBody>
+          <a:bodyPr/>
+          <a:lstStyle/>
+          <a:p>
+            <a:r>
+              <a:rPr lang="nl-BE" dirty="0"/>
+              <a:t>Overzicht</a:t>
+            </a:r>
+          </a:p>
+        </p:txBody>
+      </p:sp>
+    </p:spTree>
+    <p:extLst>
+      <p:ext uri="{BB962C8B-B14F-4D97-AF65-F5344CB8AC3E}">
+        <p14:creationId xmlns:p14="http://schemas.microsoft.com/office/powerpoint/2010/main" val="3868961438"/>
+      </p:ext>
+    </p:extLst>
+  </p:cSld>
+  <p:clrMapOvr>
+    <a:masterClrMapping/>
+  </p:clrMapOvr>
+</p:sld>
+</file>
+
+<file path=ppt/slides/slide35.xml><?xml version="1.0" encoding="utf-8"?>
+<p:sld xmlns:a="http://schemas.openxmlformats.org/drawingml/2006/main" xmlns:r="http://schemas.openxmlformats.org/officeDocument/2006/relationships" xmlns:p="http://schemas.openxmlformats.org/presentationml/2006/main">
+  <p:cSld>
+    <p:spTree>
+      <p:nvGrpSpPr>
+        <p:cNvPr id="1" name=""/>
+        <p:cNvGrpSpPr/>
+        <p:nvPr/>
+      </p:nvGrpSpPr>
+      <p:grpSpPr>
+        <a:xfrm>
+          <a:off x="0" y="0"/>
+          <a:ext cx="0" cy="0"/>
+          <a:chOff x="0" y="0"/>
+          <a:chExt cx="0" cy="0"/>
+        </a:xfrm>
+      </p:grpSpPr>
+      <p:sp>
+        <p:nvSpPr>
+          <p:cNvPr id="2" name="Content Placeholder 1">
+            <a:extLst>
+              <a:ext uri="{FF2B5EF4-FFF2-40B4-BE49-F238E27FC236}">
+                <a16:creationId xmlns:a16="http://schemas.microsoft.com/office/drawing/2014/main" id="{85A032CF-9302-46B3-9566-34644DB13228}"/>
+              </a:ext>
+            </a:extLst>
+          </p:cNvPr>
+          <p:cNvSpPr>
+            <a:spLocks noGrp="1"/>
+          </p:cNvSpPr>
+          <p:nvPr>
+            <p:ph idx="1"/>
+          </p:nvPr>
+        </p:nvSpPr>
+        <p:spPr/>
+        <p:txBody>
+          <a:bodyPr/>
+          <a:lstStyle/>
+          <a:p>
+            <a:pPr marL="457200" indent="-457200">
+              <a:lnSpc>
+                <a:spcPct val="150000"/>
+              </a:lnSpc>
+            </a:pPr>
+            <a:r>
+              <a:rPr lang="nl-BE" sz="1800" dirty="0">
+                <a:effectLst/>
+                <a:latin typeface="+mn-lt"/>
+              </a:rPr>
+              <a:t>Brandon. (2018, 25 oktober). </a:t>
+            </a:r>
+            <a:r>
+              <a:rPr lang="nl-BE" sz="1800" i="1" dirty="0">
+                <a:effectLst/>
+                <a:latin typeface="+mn-lt"/>
+              </a:rPr>
+              <a:t>Atlanta Fire Sprinkler System Maintenance, </a:t>
+            </a:r>
+            <a:r>
+              <a:rPr lang="nl-BE" sz="1800" i="1" dirty="0" err="1">
+                <a:effectLst/>
+                <a:latin typeface="+mn-lt"/>
+              </a:rPr>
+              <a:t>Inspection</a:t>
+            </a:r>
+            <a:r>
+              <a:rPr lang="nl-BE" sz="1800" i="1" dirty="0">
+                <a:effectLst/>
+                <a:latin typeface="+mn-lt"/>
+              </a:rPr>
+              <a:t> | Fire Systems, Inc</a:t>
+            </a:r>
+            <a:r>
+              <a:rPr lang="nl-BE" sz="1800" dirty="0">
+                <a:effectLst/>
+                <a:latin typeface="+mn-lt"/>
+              </a:rPr>
+              <a:t>. Fire Systems, Inc. https://firesystems.net/inspections/sprinkler-systems/</a:t>
+            </a:r>
+          </a:p>
+          <a:p>
+            <a:pPr marL="457200" indent="-457200">
+              <a:lnSpc>
+                <a:spcPct val="150000"/>
+              </a:lnSpc>
+            </a:pPr>
+            <a:r>
+              <a:rPr lang="en-US" sz="1800" i="1" dirty="0">
+                <a:effectLst/>
+                <a:latin typeface="+mn-lt"/>
+              </a:rPr>
+              <a:t>Fire Fighting – Home</a:t>
+            </a:r>
+            <a:r>
+              <a:rPr lang="en-US" sz="1800" dirty="0">
+                <a:effectLst/>
+                <a:latin typeface="+mn-lt"/>
+              </a:rPr>
+              <a:t>. (</a:t>
+            </a:r>
+            <a:r>
+              <a:rPr lang="en-US" sz="1800" dirty="0" err="1">
+                <a:effectLst/>
+                <a:latin typeface="+mn-lt"/>
+              </a:rPr>
+              <a:t>z.d</a:t>
+            </a:r>
+            <a:r>
+              <a:rPr lang="en-US" sz="1800" dirty="0">
+                <a:effectLst/>
+                <a:latin typeface="+mn-lt"/>
+              </a:rPr>
+              <a:t>.). https://fsip.co.uk/fire-fighting/</a:t>
+            </a:r>
+          </a:p>
+          <a:p>
+            <a:pPr marL="457200" indent="-457200">
+              <a:lnSpc>
+                <a:spcPct val="150000"/>
+              </a:lnSpc>
+            </a:pPr>
+            <a:r>
+              <a:rPr lang="nl-BE" sz="1800" dirty="0" err="1">
+                <a:effectLst/>
+                <a:latin typeface="+mn-lt"/>
+              </a:rPr>
+              <a:t>Murtaza’s</a:t>
+            </a:r>
+            <a:r>
+              <a:rPr lang="nl-BE" sz="1800" dirty="0">
+                <a:effectLst/>
+                <a:latin typeface="+mn-lt"/>
+              </a:rPr>
+              <a:t> Workshop - </a:t>
+            </a:r>
+            <a:r>
+              <a:rPr lang="nl-BE" sz="1800" dirty="0" err="1">
+                <a:effectLst/>
+                <a:latin typeface="+mn-lt"/>
+              </a:rPr>
+              <a:t>Robotics</a:t>
+            </a:r>
+            <a:r>
+              <a:rPr lang="nl-BE" sz="1800" dirty="0">
+                <a:effectLst/>
+                <a:latin typeface="+mn-lt"/>
+              </a:rPr>
+              <a:t> </a:t>
+            </a:r>
+            <a:r>
+              <a:rPr lang="nl-BE" sz="1800" dirty="0" err="1">
+                <a:effectLst/>
+                <a:latin typeface="+mn-lt"/>
+              </a:rPr>
+              <a:t>and</a:t>
+            </a:r>
+            <a:r>
+              <a:rPr lang="nl-BE" sz="1800" dirty="0">
+                <a:effectLst/>
+                <a:latin typeface="+mn-lt"/>
+              </a:rPr>
+              <a:t> AI. (2020, 30 augustus). </a:t>
+            </a:r>
+            <a:r>
+              <a:rPr lang="nl-BE" sz="1800" i="1" dirty="0">
+                <a:effectLst/>
+                <a:latin typeface="+mn-lt"/>
+              </a:rPr>
+              <a:t>Object </a:t>
+            </a:r>
+            <a:r>
+              <a:rPr lang="nl-BE" sz="1800" i="1" dirty="0" err="1">
+                <a:effectLst/>
+                <a:latin typeface="+mn-lt"/>
+              </a:rPr>
+              <a:t>Detection</a:t>
+            </a:r>
+            <a:r>
+              <a:rPr lang="nl-BE" sz="1800" i="1" dirty="0">
+                <a:effectLst/>
+                <a:latin typeface="+mn-lt"/>
+              </a:rPr>
+              <a:t> </a:t>
+            </a:r>
+            <a:r>
+              <a:rPr lang="nl-BE" sz="1800" i="1" dirty="0" err="1">
+                <a:effectLst/>
+                <a:latin typeface="+mn-lt"/>
+              </a:rPr>
+              <a:t>OpenCV</a:t>
+            </a:r>
+            <a:r>
+              <a:rPr lang="nl-BE" sz="1800" i="1" dirty="0">
+                <a:effectLst/>
+                <a:latin typeface="+mn-lt"/>
+              </a:rPr>
+              <a:t> Python | Easy </a:t>
+            </a:r>
+            <a:r>
+              <a:rPr lang="nl-BE" sz="1800" i="1" dirty="0" err="1">
+                <a:effectLst/>
+                <a:latin typeface="+mn-lt"/>
+              </a:rPr>
+              <a:t>and</a:t>
+            </a:r>
+            <a:r>
+              <a:rPr lang="nl-BE" sz="1800" i="1" dirty="0">
+                <a:effectLst/>
+                <a:latin typeface="+mn-lt"/>
+              </a:rPr>
+              <a:t> </a:t>
+            </a:r>
+            <a:r>
+              <a:rPr lang="nl-BE" sz="1800" i="1" dirty="0" err="1">
+                <a:effectLst/>
+                <a:latin typeface="+mn-lt"/>
+              </a:rPr>
+              <a:t>Fast</a:t>
+            </a:r>
+            <a:r>
+              <a:rPr lang="nl-BE" sz="1800" i="1" dirty="0">
+                <a:effectLst/>
+                <a:latin typeface="+mn-lt"/>
+              </a:rPr>
+              <a:t> (2020)</a:t>
+            </a:r>
+            <a:r>
+              <a:rPr lang="nl-BE" sz="1800" dirty="0">
+                <a:effectLst/>
+                <a:latin typeface="+mn-lt"/>
+              </a:rPr>
+              <a:t> [Video]. YouTube. https://www.youtube.com/watch?v=HXDD7-EnGBY</a:t>
+            </a:r>
+          </a:p>
+          <a:p>
+            <a:pPr marL="457200" indent="-457200">
+              <a:lnSpc>
+                <a:spcPct val="150000"/>
+              </a:lnSpc>
+            </a:pPr>
+            <a:r>
+              <a:rPr lang="nl-BE" sz="1800" dirty="0">
+                <a:latin typeface="+mn-lt"/>
+              </a:rPr>
+              <a:t>Computer </a:t>
+            </a:r>
+            <a:r>
+              <a:rPr lang="nl-BE" sz="1800" dirty="0" err="1">
+                <a:latin typeface="+mn-lt"/>
+              </a:rPr>
+              <a:t>vision</a:t>
+            </a:r>
+            <a:r>
+              <a:rPr lang="nl-BE" sz="1800" dirty="0">
+                <a:latin typeface="+mn-lt"/>
+              </a:rPr>
+              <a:t> engineer. (2022, 27 oktober). </a:t>
+            </a:r>
+            <a:r>
+              <a:rPr lang="nl-BE" sz="1800" dirty="0" err="1">
+                <a:latin typeface="+mn-lt"/>
+              </a:rPr>
+              <a:t>Detecting</a:t>
+            </a:r>
+            <a:r>
+              <a:rPr lang="nl-BE" sz="1800" dirty="0">
+                <a:latin typeface="+mn-lt"/>
+              </a:rPr>
+              <a:t> </a:t>
+            </a:r>
+            <a:r>
+              <a:rPr lang="nl-BE" sz="1800" dirty="0" err="1">
+                <a:latin typeface="+mn-lt"/>
+              </a:rPr>
+              <a:t>color</a:t>
+            </a:r>
+            <a:r>
+              <a:rPr lang="nl-BE" sz="1800" dirty="0">
+                <a:latin typeface="+mn-lt"/>
+              </a:rPr>
+              <a:t> </a:t>
+            </a:r>
+            <a:r>
+              <a:rPr lang="nl-BE" sz="1800" dirty="0" err="1">
+                <a:latin typeface="+mn-lt"/>
+              </a:rPr>
+              <a:t>with</a:t>
+            </a:r>
+            <a:r>
+              <a:rPr lang="nl-BE" sz="1800" dirty="0">
+                <a:latin typeface="+mn-lt"/>
+              </a:rPr>
+              <a:t> Python </a:t>
+            </a:r>
+            <a:r>
+              <a:rPr lang="nl-BE" sz="1800" dirty="0" err="1">
+                <a:latin typeface="+mn-lt"/>
+              </a:rPr>
+              <a:t>and</a:t>
+            </a:r>
+            <a:r>
+              <a:rPr lang="nl-BE" sz="1800" dirty="0">
+                <a:latin typeface="+mn-lt"/>
+              </a:rPr>
+              <a:t> </a:t>
+            </a:r>
+            <a:r>
+              <a:rPr lang="nl-BE" sz="1800" dirty="0" err="1">
+                <a:latin typeface="+mn-lt"/>
+              </a:rPr>
+              <a:t>OpenCV</a:t>
+            </a:r>
+            <a:r>
+              <a:rPr lang="nl-BE" sz="1800" dirty="0">
+                <a:latin typeface="+mn-lt"/>
+              </a:rPr>
+              <a:t> </a:t>
+            </a:r>
+            <a:r>
+              <a:rPr lang="nl-BE" sz="1800" dirty="0" err="1">
+                <a:latin typeface="+mn-lt"/>
+              </a:rPr>
+              <a:t>using</a:t>
+            </a:r>
+            <a:r>
+              <a:rPr lang="nl-BE" sz="1800" dirty="0">
+                <a:latin typeface="+mn-lt"/>
+              </a:rPr>
+              <a:t> HSV </a:t>
+            </a:r>
+            <a:r>
+              <a:rPr lang="nl-BE" sz="1800" dirty="0" err="1">
+                <a:latin typeface="+mn-lt"/>
+              </a:rPr>
+              <a:t>colorspace</a:t>
+            </a:r>
+            <a:r>
+              <a:rPr lang="nl-BE" sz="1800" dirty="0">
+                <a:latin typeface="+mn-lt"/>
+              </a:rPr>
+              <a:t> | Computer </a:t>
+            </a:r>
+            <a:r>
+              <a:rPr lang="nl-BE" sz="1800" dirty="0" err="1">
+                <a:latin typeface="+mn-lt"/>
+              </a:rPr>
+              <a:t>vision</a:t>
+            </a:r>
+            <a:r>
+              <a:rPr lang="nl-BE" sz="1800" dirty="0">
+                <a:latin typeface="+mn-lt"/>
+              </a:rPr>
+              <a:t> tutorial [Video]. YouTube. https://www.youtube.com/watch?v=aFNDh5k3SjU</a:t>
+            </a:r>
+          </a:p>
+          <a:p>
+            <a:endParaRPr lang="nl-BE" dirty="0"/>
+          </a:p>
+        </p:txBody>
+      </p:sp>
+      <p:sp>
+        <p:nvSpPr>
+          <p:cNvPr id="3" name="Footer Placeholder 2">
+            <a:extLst>
+              <a:ext uri="{FF2B5EF4-FFF2-40B4-BE49-F238E27FC236}">
+                <a16:creationId xmlns:a16="http://schemas.microsoft.com/office/drawing/2014/main" id="{C68F1553-03FA-9C76-A5E3-1A99E48216D4}"/>
+              </a:ext>
+            </a:extLst>
+          </p:cNvPr>
+          <p:cNvSpPr>
+            <a:spLocks noGrp="1"/>
+          </p:cNvSpPr>
+          <p:nvPr>
+            <p:ph type="ftr" sz="quarter" idx="11"/>
+          </p:nvPr>
+        </p:nvSpPr>
+        <p:spPr/>
+        <p:txBody>
+          <a:bodyPr/>
+          <a:lstStyle/>
+          <a:p>
+            <a:r>
+              <a:rPr lang="nl-NL"/>
+              <a:t>Groep Wetenschappen &amp; Techonologie - Ingenieurswetenschappen</a:t>
+            </a:r>
+          </a:p>
+        </p:txBody>
+      </p:sp>
+      <p:sp>
+        <p:nvSpPr>
+          <p:cNvPr id="4" name="Slide Number Placeholder 3">
+            <a:extLst>
+              <a:ext uri="{FF2B5EF4-FFF2-40B4-BE49-F238E27FC236}">
+                <a16:creationId xmlns:a16="http://schemas.microsoft.com/office/drawing/2014/main" id="{75C45B18-4417-2586-DD6A-F7E999094C67}"/>
+              </a:ext>
+            </a:extLst>
+          </p:cNvPr>
+          <p:cNvSpPr>
+            <a:spLocks noGrp="1"/>
+          </p:cNvSpPr>
+          <p:nvPr>
+            <p:ph type="sldNum" sz="quarter" idx="12"/>
+          </p:nvPr>
+        </p:nvSpPr>
+        <p:spPr/>
+        <p:txBody>
+          <a:bodyPr/>
+          <a:lstStyle/>
+          <a:p>
+            <a:fld id="{0A297500-7527-634B-90F4-69D0994C32B4}" type="slidenum">
+              <a:rPr lang="nl-NL" smtClean="0"/>
+              <a:t>35</a:t>
+            </a:fld>
+            <a:endParaRPr lang="nl-NL"/>
+          </a:p>
+        </p:txBody>
+      </p:sp>
+      <p:sp>
+        <p:nvSpPr>
+          <p:cNvPr id="5" name="Title 4">
+            <a:extLst>
+              <a:ext uri="{FF2B5EF4-FFF2-40B4-BE49-F238E27FC236}">
+                <a16:creationId xmlns:a16="http://schemas.microsoft.com/office/drawing/2014/main" id="{1AE79574-779C-D2D4-7D15-657E3D15DCA5}"/>
+              </a:ext>
+            </a:extLst>
+          </p:cNvPr>
+          <p:cNvSpPr>
+            <a:spLocks noGrp="1"/>
+          </p:cNvSpPr>
+          <p:nvPr>
+            <p:ph type="title"/>
+          </p:nvPr>
+        </p:nvSpPr>
+        <p:spPr/>
+        <p:txBody>
+          <a:bodyPr/>
+          <a:lstStyle/>
+          <a:p>
+            <a:r>
+              <a:rPr lang="nl-BE" dirty="0"/>
+              <a:t>Bibliografie</a:t>
+            </a:r>
+          </a:p>
+        </p:txBody>
+      </p:sp>
+    </p:spTree>
+    <p:extLst>
+      <p:ext uri="{BB962C8B-B14F-4D97-AF65-F5344CB8AC3E}">
+        <p14:creationId xmlns:p14="http://schemas.microsoft.com/office/powerpoint/2010/main" val="709090371"/>
       </p:ext>
     </p:extLst>
   </p:cSld>
@@ -11165,7 +13404,7 @@
         </p:spPr>
         <p:txBody>
           <a:bodyPr>
-            <a:normAutofit lnSpcReduction="10000"/>
+            <a:normAutofit fontScale="85000" lnSpcReduction="20000"/>
           </a:bodyPr>
           <a:lstStyle/>
           <a:p>
@@ -11272,6 +13511,54 @@
                 </a:solidFill>
               </a:rPr>
               <a:t>Prototype</a:t>
+            </a:r>
+          </a:p>
+          <a:p>
+            <a:pPr marL="914400" lvl="1" indent="-457200">
+              <a:buFont typeface="+mj-lt"/>
+              <a:buAutoNum type="arabicPeriod"/>
+            </a:pPr>
+            <a:r>
+              <a:rPr lang="nl-BE" dirty="0">
+                <a:solidFill>
+                  <a:schemeClr val="bg2">
+                    <a:lumMod val="75000"/>
+                  </a:schemeClr>
+                </a:solidFill>
+              </a:rPr>
+              <a:t>Constructie</a:t>
+            </a:r>
+          </a:p>
+          <a:p>
+            <a:pPr marL="914400" lvl="1" indent="-457200">
+              <a:buFont typeface="+mj-lt"/>
+              <a:buAutoNum type="arabicPeriod"/>
+            </a:pPr>
+            <a:r>
+              <a:rPr lang="nl-BE" dirty="0">
+                <a:solidFill>
+                  <a:schemeClr val="bg2">
+                    <a:lumMod val="75000"/>
+                  </a:schemeClr>
+                </a:solidFill>
+              </a:rPr>
+              <a:t>Elektrisch circuit</a:t>
+            </a:r>
+          </a:p>
+          <a:p>
+            <a:pPr marL="914400" lvl="1" indent="-457200">
+              <a:buFont typeface="+mj-lt"/>
+              <a:buAutoNum type="arabicPeriod"/>
+            </a:pPr>
+            <a:r>
+              <a:rPr lang="nl-BE" dirty="0">
+                <a:solidFill>
+                  <a:schemeClr val="bg2">
+                    <a:lumMod val="75000"/>
+                  </a:schemeClr>
+                </a:solidFill>
+              </a:rPr>
+              <a:t>Roterend platform, arm en spuit</a:t>
             </a:r>
           </a:p>
           <a:p>

--- a/LATEX + ppt/Tussentijdse Presentatie .pptx
+++ b/LATEX + ppt/Tussentijdse Presentatie .pptx
@@ -6,10 +6,10 @@
     <p:sldMasterId id="2147483694" r:id="rId2"/>
   </p:sldMasterIdLst>
   <p:notesMasterIdLst>
-    <p:notesMasterId r:id="rId38"/>
+    <p:notesMasterId r:id="rId37"/>
   </p:notesMasterIdLst>
   <p:handoutMasterIdLst>
-    <p:handoutMasterId r:id="rId39"/>
+    <p:handoutMasterId r:id="rId38"/>
   </p:handoutMasterIdLst>
   <p:sldIdLst>
     <p:sldId id="261" r:id="rId3"/>
@@ -25,28 +25,27 @@
     <p:sldId id="273" r:id="rId13"/>
     <p:sldId id="277" r:id="rId14"/>
     <p:sldId id="274" r:id="rId15"/>
-    <p:sldId id="293" r:id="rId16"/>
-    <p:sldId id="294" r:id="rId17"/>
-    <p:sldId id="278" r:id="rId18"/>
-    <p:sldId id="276" r:id="rId19"/>
-    <p:sldId id="279" r:id="rId20"/>
-    <p:sldId id="280" r:id="rId21"/>
-    <p:sldId id="281" r:id="rId22"/>
-    <p:sldId id="295" r:id="rId23"/>
-    <p:sldId id="283" r:id="rId24"/>
-    <p:sldId id="298" r:id="rId25"/>
-    <p:sldId id="306" r:id="rId26"/>
-    <p:sldId id="297" r:id="rId27"/>
-    <p:sldId id="299" r:id="rId28"/>
-    <p:sldId id="296" r:id="rId29"/>
-    <p:sldId id="300" r:id="rId30"/>
-    <p:sldId id="307" r:id="rId31"/>
-    <p:sldId id="301" r:id="rId32"/>
-    <p:sldId id="305" r:id="rId33"/>
-    <p:sldId id="303" r:id="rId34"/>
-    <p:sldId id="304" r:id="rId35"/>
-    <p:sldId id="302" r:id="rId36"/>
-    <p:sldId id="266" r:id="rId37"/>
+    <p:sldId id="294" r:id="rId16"/>
+    <p:sldId id="278" r:id="rId17"/>
+    <p:sldId id="276" r:id="rId18"/>
+    <p:sldId id="279" r:id="rId19"/>
+    <p:sldId id="280" r:id="rId20"/>
+    <p:sldId id="281" r:id="rId21"/>
+    <p:sldId id="295" r:id="rId22"/>
+    <p:sldId id="283" r:id="rId23"/>
+    <p:sldId id="298" r:id="rId24"/>
+    <p:sldId id="306" r:id="rId25"/>
+    <p:sldId id="297" r:id="rId26"/>
+    <p:sldId id="299" r:id="rId27"/>
+    <p:sldId id="296" r:id="rId28"/>
+    <p:sldId id="300" r:id="rId29"/>
+    <p:sldId id="307" r:id="rId30"/>
+    <p:sldId id="301" r:id="rId31"/>
+    <p:sldId id="305" r:id="rId32"/>
+    <p:sldId id="303" r:id="rId33"/>
+    <p:sldId id="304" r:id="rId34"/>
+    <p:sldId id="302" r:id="rId35"/>
+    <p:sldId id="266" r:id="rId36"/>
   </p:sldIdLst>
   <p:sldSz cx="12192000" cy="6858000"/>
   <p:notesSz cx="6858000" cy="9144000"/>
@@ -6472,35 +6471,6 @@
           </a:p>
         </p:txBody>
       </p:sp>
-      <p:pic>
-        <p:nvPicPr>
-          <p:cNvPr id="10" name="Picture 9">
-            <a:extLst>
-              <a:ext uri="{FF2B5EF4-FFF2-40B4-BE49-F238E27FC236}">
-                <a16:creationId xmlns:a16="http://schemas.microsoft.com/office/drawing/2014/main" id="{7315F134-7F36-C790-5F47-102EA470CC20}"/>
-              </a:ext>
-            </a:extLst>
-          </p:cNvPr>
-          <p:cNvPicPr>
-            <a:picLocks noChangeAspect="1"/>
-          </p:cNvPicPr>
-          <p:nvPr/>
-        </p:nvPicPr>
-        <p:blipFill rotWithShape="1">
-          <a:blip r:embed="rId2"/>
-          <a:srcRect l="19810" t="17046" r="20702" b="5715"/>
-          <a:stretch/>
-        </p:blipFill>
-        <p:spPr>
-          <a:xfrm rot="16200000">
-            <a:off x="6111935" y="900337"/>
-            <a:ext cx="6136792" cy="4482098"/>
-          </a:xfrm>
-          <a:prstGeom prst="rect">
-            <a:avLst/>
-          </a:prstGeom>
-        </p:spPr>
-      </p:pic>
     </p:spTree>
     <p:extLst>
       <p:ext uri="{BB962C8B-B14F-4D97-AF65-F5344CB8AC3E}">
@@ -6618,10 +6588,10 @@
       </p:sp>
       <p:pic>
         <p:nvPicPr>
-          <p:cNvPr id="10" name="Picture 9">
+          <p:cNvPr id="4" name="Afbeelding 3">
             <a:extLst>
               <a:ext uri="{FF2B5EF4-FFF2-40B4-BE49-F238E27FC236}">
-                <a16:creationId xmlns:a16="http://schemas.microsoft.com/office/drawing/2014/main" id="{7315F134-7F36-C790-5F47-102EA470CC20}"/>
+                <a16:creationId xmlns:a16="http://schemas.microsoft.com/office/drawing/2014/main" id="{8EFAD87B-3A03-AECE-01A8-D4977508EF29}"/>
               </a:ext>
             </a:extLst>
           </p:cNvPr>
@@ -6632,25 +6602,23 @@
         </p:nvPicPr>
         <p:blipFill rotWithShape="1">
           <a:blip r:embed="rId2"/>
-          <a:srcRect l="47716" t="17046" r="20702" b="26951"/>
+          <a:srcRect l="30690" t="18502" r="34336" b="21089"/>
           <a:stretch/>
         </p:blipFill>
         <p:spPr>
-          <a:xfrm rot="16200000">
-            <a:off x="3792402" y="910352"/>
-            <a:ext cx="5050078" cy="5037296"/>
+          <a:xfrm>
+            <a:off x="3688702" y="1145520"/>
+            <a:ext cx="5063412" cy="4919378"/>
           </a:xfrm>
-          <a:prstGeom prst="snip1Rect">
-            <a:avLst>
-              <a:gd name="adj" fmla="val 39636"/>
-            </a:avLst>
+          <a:prstGeom prst="rect">
+            <a:avLst/>
           </a:prstGeom>
         </p:spPr>
       </p:pic>
     </p:spTree>
     <p:extLst>
       <p:ext uri="{BB962C8B-B14F-4D97-AF65-F5344CB8AC3E}">
-        <p14:creationId xmlns:p14="http://schemas.microsoft.com/office/powerpoint/2010/main" val="861611313"/>
+        <p14:creationId xmlns:p14="http://schemas.microsoft.com/office/powerpoint/2010/main" val="2580886888"/>
       </p:ext>
     </p:extLst>
   </p:cSld>
@@ -6679,10 +6647,248 @@
       </p:grpSpPr>
       <p:sp>
         <p:nvSpPr>
-          <p:cNvPr id="6" name="Footer Placeholder 5">
+          <p:cNvPr id="2" name="Content Placeholder 1">
             <a:extLst>
               <a:ext uri="{FF2B5EF4-FFF2-40B4-BE49-F238E27FC236}">
-                <a16:creationId xmlns:a16="http://schemas.microsoft.com/office/drawing/2014/main" id="{E7738884-CFEB-E873-9638-8040BF99F2B4}"/>
+                <a16:creationId xmlns:a16="http://schemas.microsoft.com/office/drawing/2014/main" id="{9572C954-C83C-EE79-685B-900385B3EC4B}"/>
+              </a:ext>
+            </a:extLst>
+          </p:cNvPr>
+          <p:cNvSpPr>
+            <a:spLocks noGrp="1"/>
+          </p:cNvSpPr>
+          <p:nvPr>
+            <p:ph idx="1"/>
+          </p:nvPr>
+        </p:nvSpPr>
+        <p:spPr>
+          <a:xfrm>
+            <a:off x="576000" y="1656000"/>
+            <a:ext cx="11041200" cy="4554000"/>
+          </a:xfrm>
+        </p:spPr>
+        <p:txBody>
+          <a:bodyPr>
+            <a:normAutofit fontScale="85000" lnSpcReduction="20000"/>
+          </a:bodyPr>
+          <a:lstStyle/>
+          <a:p>
+            <a:pPr marL="457200" indent="-457200">
+              <a:buFont typeface="+mj-lt"/>
+              <a:buAutoNum type="arabicPeriod"/>
+            </a:pPr>
+            <a:r>
+              <a:rPr lang="nl-BE" dirty="0">
+                <a:solidFill>
+                  <a:schemeClr val="bg2">
+                    <a:lumMod val="75000"/>
+                  </a:schemeClr>
+                </a:solidFill>
+              </a:rPr>
+              <a:t>Inleiding</a:t>
+            </a:r>
+          </a:p>
+          <a:p>
+            <a:pPr marL="457200" indent="-457200">
+              <a:buFont typeface="+mj-lt"/>
+              <a:buAutoNum type="arabicPeriod"/>
+            </a:pPr>
+            <a:r>
+              <a:rPr lang="nl-BE" dirty="0">
+                <a:solidFill>
+                  <a:schemeClr val="bg2">
+                    <a:lumMod val="75000"/>
+                  </a:schemeClr>
+                </a:solidFill>
+              </a:rPr>
+              <a:t>Ontwerp</a:t>
+            </a:r>
+          </a:p>
+          <a:p>
+            <a:pPr marL="457200" indent="-457200">
+              <a:buFont typeface="+mj-lt"/>
+              <a:buAutoNum type="arabicPeriod"/>
+            </a:pPr>
+            <a:r>
+              <a:rPr lang="nl-BE" dirty="0">
+                <a:solidFill>
+                  <a:schemeClr val="bg2">
+                    <a:lumMod val="75000"/>
+                  </a:schemeClr>
+                </a:solidFill>
+              </a:rPr>
+              <a:t>Stappen</a:t>
+            </a:r>
+          </a:p>
+          <a:p>
+            <a:pPr marL="914400" lvl="1" indent="-457200">
+              <a:buFont typeface="+mj-lt"/>
+              <a:buAutoNum type="arabicPeriod"/>
+            </a:pPr>
+            <a:r>
+              <a:rPr lang="nl-BE" dirty="0">
+                <a:solidFill>
+                  <a:schemeClr val="bg2">
+                    <a:lumMod val="75000"/>
+                  </a:schemeClr>
+                </a:solidFill>
+              </a:rPr>
+              <a:t>Detectie en lokalisatie</a:t>
+            </a:r>
+          </a:p>
+          <a:p>
+            <a:pPr marL="914400" lvl="1" indent="-457200">
+              <a:buFont typeface="+mj-lt"/>
+              <a:buAutoNum type="arabicPeriod"/>
+            </a:pPr>
+            <a:r>
+              <a:rPr lang="nl-BE" dirty="0"/>
+              <a:t>Richten</a:t>
+            </a:r>
+          </a:p>
+          <a:p>
+            <a:pPr marL="914400" lvl="1" indent="-457200">
+              <a:buFont typeface="+mj-lt"/>
+              <a:buAutoNum type="arabicPeriod"/>
+            </a:pPr>
+            <a:r>
+              <a:rPr lang="nl-BE" dirty="0">
+                <a:solidFill>
+                  <a:schemeClr val="bg2">
+                    <a:lumMod val="75000"/>
+                  </a:schemeClr>
+                </a:solidFill>
+              </a:rPr>
+              <a:t>Blussen</a:t>
+            </a:r>
+          </a:p>
+          <a:p>
+            <a:pPr marL="457200" indent="-457200">
+              <a:buFont typeface="+mj-lt"/>
+              <a:buAutoNum type="arabicPeriod"/>
+            </a:pPr>
+            <a:r>
+              <a:rPr lang="nl-BE" dirty="0">
+                <a:solidFill>
+                  <a:schemeClr val="bg2">
+                    <a:lumMod val="75000"/>
+                  </a:schemeClr>
+                </a:solidFill>
+              </a:rPr>
+              <a:t>Prototype</a:t>
+            </a:r>
+          </a:p>
+          <a:p>
+            <a:pPr marL="914400" lvl="1" indent="-457200">
+              <a:buFont typeface="+mj-lt"/>
+              <a:buAutoNum type="arabicPeriod"/>
+            </a:pPr>
+            <a:r>
+              <a:rPr lang="nl-BE" dirty="0">
+                <a:solidFill>
+                  <a:schemeClr val="bg2">
+                    <a:lumMod val="75000"/>
+                  </a:schemeClr>
+                </a:solidFill>
+              </a:rPr>
+              <a:t>Constructie</a:t>
+            </a:r>
+          </a:p>
+          <a:p>
+            <a:pPr marL="914400" lvl="1" indent="-457200">
+              <a:buFont typeface="+mj-lt"/>
+              <a:buAutoNum type="arabicPeriod"/>
+            </a:pPr>
+            <a:r>
+              <a:rPr lang="nl-BE" dirty="0">
+                <a:solidFill>
+                  <a:schemeClr val="bg2">
+                    <a:lumMod val="75000"/>
+                  </a:schemeClr>
+                </a:solidFill>
+              </a:rPr>
+              <a:t>Elektrisch circuit</a:t>
+            </a:r>
+          </a:p>
+          <a:p>
+            <a:pPr marL="914400" lvl="1" indent="-457200">
+              <a:buFont typeface="+mj-lt"/>
+              <a:buAutoNum type="arabicPeriod"/>
+            </a:pPr>
+            <a:r>
+              <a:rPr lang="nl-BE" dirty="0">
+                <a:solidFill>
+                  <a:schemeClr val="bg2">
+                    <a:lumMod val="75000"/>
+                  </a:schemeClr>
+                </a:solidFill>
+              </a:rPr>
+              <a:t>Roterend platform, arm en spuit</a:t>
+            </a:r>
+          </a:p>
+          <a:p>
+            <a:pPr marL="457200" indent="-457200">
+              <a:buFont typeface="+mj-lt"/>
+              <a:buAutoNum type="arabicPeriod"/>
+            </a:pPr>
+            <a:r>
+              <a:rPr lang="nl-BE" dirty="0">
+                <a:solidFill>
+                  <a:schemeClr val="bg2">
+                    <a:lumMod val="75000"/>
+                  </a:schemeClr>
+                </a:solidFill>
+              </a:rPr>
+              <a:t>Resultaten</a:t>
+            </a:r>
+          </a:p>
+          <a:p>
+            <a:pPr marL="457200" indent="-457200">
+              <a:buFont typeface="+mj-lt"/>
+              <a:buAutoNum type="arabicPeriod"/>
+            </a:pPr>
+            <a:r>
+              <a:rPr lang="nl-BE" dirty="0">
+                <a:solidFill>
+                  <a:schemeClr val="bg2">
+                    <a:lumMod val="75000"/>
+                  </a:schemeClr>
+                </a:solidFill>
+              </a:rPr>
+              <a:t>Besluit</a:t>
+            </a:r>
+          </a:p>
+          <a:p>
+            <a:pPr marL="457200" indent="-457200">
+              <a:buFont typeface="+mj-lt"/>
+              <a:buAutoNum type="arabicPeriod"/>
+            </a:pPr>
+            <a:r>
+              <a:rPr lang="nl-BE" dirty="0">
+                <a:solidFill>
+                  <a:schemeClr val="bg2">
+                    <a:lumMod val="75000"/>
+                  </a:schemeClr>
+                </a:solidFill>
+              </a:rPr>
+              <a:t>Bibliografie</a:t>
+            </a:r>
+          </a:p>
+          <a:p>
+            <a:pPr marL="457200" indent="-457200">
+              <a:buFont typeface="+mj-lt"/>
+              <a:buAutoNum type="arabicPeriod"/>
+            </a:pPr>
+            <a:endParaRPr lang="nl-BE" dirty="0"/>
+          </a:p>
+        </p:txBody>
+      </p:sp>
+      <p:sp>
+        <p:nvSpPr>
+          <p:cNvPr id="3" name="Footer Placeholder 2">
+            <a:extLst>
+              <a:ext uri="{FF2B5EF4-FFF2-40B4-BE49-F238E27FC236}">
+                <a16:creationId xmlns:a16="http://schemas.microsoft.com/office/drawing/2014/main" id="{87B9D861-BADE-1735-BC5D-FB0CE4C31EFE}"/>
               </a:ext>
             </a:extLst>
           </p:cNvPr>
@@ -6707,10 +6913,10 @@
       </p:sp>
       <p:sp>
         <p:nvSpPr>
-          <p:cNvPr id="7" name="Slide Number Placeholder 6">
+          <p:cNvPr id="4" name="Slide Number Placeholder 3">
             <a:extLst>
               <a:ext uri="{FF2B5EF4-FFF2-40B4-BE49-F238E27FC236}">
-                <a16:creationId xmlns:a16="http://schemas.microsoft.com/office/drawing/2014/main" id="{8B4A2913-2DD3-8246-35B2-FC914661C675}"/>
+                <a16:creationId xmlns:a16="http://schemas.microsoft.com/office/drawing/2014/main" id="{FC23E00C-3A77-A444-8280-8A8A5D17B5DF}"/>
               </a:ext>
             </a:extLst>
           </p:cNvPr>
@@ -6736,10 +6942,10 @@
       </p:sp>
       <p:sp>
         <p:nvSpPr>
-          <p:cNvPr id="8" name="Title 7">
+          <p:cNvPr id="5" name="Title 4">
             <a:extLst>
               <a:ext uri="{FF2B5EF4-FFF2-40B4-BE49-F238E27FC236}">
-                <a16:creationId xmlns:a16="http://schemas.microsoft.com/office/drawing/2014/main" id="{1A3C5AD3-66D1-7596-A21F-598749058B1A}"/>
+                <a16:creationId xmlns:a16="http://schemas.microsoft.com/office/drawing/2014/main" id="{344F2F4D-955A-2213-B685-181EC6CE1CBA}"/>
               </a:ext>
             </a:extLst>
           </p:cNvPr>
@@ -6757,44 +6963,15 @@
           <a:p>
             <a:r>
               <a:rPr lang="nl-BE" dirty="0"/>
-              <a:t>Detectie en lokalisatie</a:t>
-            </a:r>
-          </a:p>
-        </p:txBody>
-      </p:sp>
-      <p:pic>
-        <p:nvPicPr>
-          <p:cNvPr id="3" name="Picture 9">
-            <a:extLst>
-              <a:ext uri="{FF2B5EF4-FFF2-40B4-BE49-F238E27FC236}">
-                <a16:creationId xmlns:a16="http://schemas.microsoft.com/office/drawing/2014/main" id="{94F3CAE0-C7D2-FA4E-E6EE-A9590D8B274F}"/>
-              </a:ext>
-            </a:extLst>
-          </p:cNvPr>
-          <p:cNvPicPr>
-            <a:picLocks noChangeAspect="1"/>
-          </p:cNvPicPr>
-          <p:nvPr/>
-        </p:nvPicPr>
-        <p:blipFill rotWithShape="1">
-          <a:blip r:embed="rId2"/>
-          <a:srcRect l="19810" t="17046" r="51651" b="5715"/>
-          <a:stretch/>
-        </p:blipFill>
-        <p:spPr>
-          <a:xfrm rot="16200000">
-            <a:off x="3380802" y="-145892"/>
-            <a:ext cx="4880310" cy="7429865"/>
-          </a:xfrm>
-          <a:prstGeom prst="rect">
-            <a:avLst/>
-          </a:prstGeom>
-        </p:spPr>
-      </p:pic>
+              <a:t>Overzicht</a:t>
+            </a:r>
+          </a:p>
+        </p:txBody>
+      </p:sp>
     </p:spTree>
     <p:extLst>
       <p:ext uri="{BB962C8B-B14F-4D97-AF65-F5344CB8AC3E}">
-        <p14:creationId xmlns:p14="http://schemas.microsoft.com/office/powerpoint/2010/main" val="844844535"/>
+        <p14:creationId xmlns:p14="http://schemas.microsoft.com/office/powerpoint/2010/main" val="3496813920"/>
       </p:ext>
     </p:extLst>
   </p:cSld>
@@ -6823,10 +7000,10 @@
       </p:grpSpPr>
       <p:sp>
         <p:nvSpPr>
-          <p:cNvPr id="2" name="Content Placeholder 1">
+          <p:cNvPr id="2" name="Text Placeholder 1">
             <a:extLst>
               <a:ext uri="{FF2B5EF4-FFF2-40B4-BE49-F238E27FC236}">
-                <a16:creationId xmlns:a16="http://schemas.microsoft.com/office/drawing/2014/main" id="{9572C954-C83C-EE79-685B-900385B3EC4B}"/>
+                <a16:creationId xmlns:a16="http://schemas.microsoft.com/office/drawing/2014/main" id="{BA4874C3-0F7D-5455-122F-51AB57637ECC}"/>
               </a:ext>
             </a:extLst>
           </p:cNvPr>
@@ -6834,237 +7011,61 @@
             <a:spLocks noGrp="1"/>
           </p:cNvSpPr>
           <p:nvPr>
-            <p:ph idx="1"/>
-          </p:nvPr>
-        </p:nvSpPr>
-        <p:spPr>
-          <a:xfrm>
-            <a:off x="576000" y="1656000"/>
-            <a:ext cx="11041200" cy="4554000"/>
-          </a:xfrm>
-        </p:spPr>
-        <p:txBody>
-          <a:bodyPr>
-            <a:normAutofit fontScale="85000" lnSpcReduction="20000"/>
-          </a:bodyPr>
-          <a:lstStyle/>
-          <a:p>
-            <a:pPr marL="457200" indent="-457200">
-              <a:buFont typeface="+mj-lt"/>
-              <a:buAutoNum type="arabicPeriod"/>
-            </a:pPr>
-            <a:r>
-              <a:rPr lang="nl-BE" dirty="0">
-                <a:solidFill>
-                  <a:schemeClr val="bg2">
-                    <a:lumMod val="75000"/>
-                  </a:schemeClr>
-                </a:solidFill>
-              </a:rPr>
-              <a:t>Inleiding</a:t>
-            </a:r>
-          </a:p>
-          <a:p>
-            <a:pPr marL="457200" indent="-457200">
-              <a:buFont typeface="+mj-lt"/>
-              <a:buAutoNum type="arabicPeriod"/>
-            </a:pPr>
-            <a:r>
-              <a:rPr lang="nl-BE" dirty="0">
-                <a:solidFill>
-                  <a:schemeClr val="bg2">
-                    <a:lumMod val="75000"/>
-                  </a:schemeClr>
-                </a:solidFill>
-              </a:rPr>
-              <a:t>Ontwerp</a:t>
-            </a:r>
-          </a:p>
-          <a:p>
-            <a:pPr marL="457200" indent="-457200">
-              <a:buFont typeface="+mj-lt"/>
-              <a:buAutoNum type="arabicPeriod"/>
-            </a:pPr>
-            <a:r>
-              <a:rPr lang="nl-BE" dirty="0">
-                <a:solidFill>
-                  <a:schemeClr val="bg2">
-                    <a:lumMod val="75000"/>
-                  </a:schemeClr>
-                </a:solidFill>
-              </a:rPr>
-              <a:t>Stappen</a:t>
-            </a:r>
-          </a:p>
-          <a:p>
-            <a:pPr marL="914400" lvl="1" indent="-457200">
-              <a:buFont typeface="+mj-lt"/>
-              <a:buAutoNum type="arabicPeriod"/>
-            </a:pPr>
-            <a:r>
-              <a:rPr lang="nl-BE" dirty="0">
-                <a:solidFill>
-                  <a:schemeClr val="bg2">
-                    <a:lumMod val="75000"/>
-                  </a:schemeClr>
-                </a:solidFill>
-              </a:rPr>
-              <a:t>Detectie en lokalisatie</a:t>
-            </a:r>
-          </a:p>
-          <a:p>
-            <a:pPr marL="914400" lvl="1" indent="-457200">
-              <a:buFont typeface="+mj-lt"/>
-              <a:buAutoNum type="arabicPeriod"/>
-            </a:pPr>
+            <p:ph type="body" idx="1"/>
+          </p:nvPr>
+        </p:nvSpPr>
+        <p:spPr/>
+        <p:txBody>
+          <a:bodyPr/>
+          <a:lstStyle/>
+          <a:p>
             <a:r>
               <a:rPr lang="nl-BE" dirty="0"/>
-              <a:t>Richten</a:t>
-            </a:r>
-          </a:p>
-          <a:p>
-            <a:pPr marL="914400" lvl="1" indent="-457200">
-              <a:buFont typeface="+mj-lt"/>
-              <a:buAutoNum type="arabicPeriod"/>
-            </a:pPr>
-            <a:r>
-              <a:rPr lang="nl-BE" dirty="0">
-                <a:solidFill>
-                  <a:schemeClr val="bg2">
-                    <a:lumMod val="75000"/>
-                  </a:schemeClr>
-                </a:solidFill>
-              </a:rPr>
-              <a:t>Blussen</a:t>
-            </a:r>
-          </a:p>
-          <a:p>
-            <a:pPr marL="457200" indent="-457200">
-              <a:buFont typeface="+mj-lt"/>
-              <a:buAutoNum type="arabicPeriod"/>
-            </a:pPr>
-            <a:r>
-              <a:rPr lang="nl-BE" dirty="0">
-                <a:solidFill>
-                  <a:schemeClr val="bg2">
-                    <a:lumMod val="75000"/>
-                  </a:schemeClr>
-                </a:solidFill>
-              </a:rPr>
-              <a:t>Prototype</a:t>
-            </a:r>
-          </a:p>
-          <a:p>
-            <a:pPr marL="914400" lvl="1" indent="-457200">
-              <a:buFont typeface="+mj-lt"/>
-              <a:buAutoNum type="arabicPeriod"/>
-            </a:pPr>
-            <a:r>
-              <a:rPr lang="nl-BE" dirty="0">
-                <a:solidFill>
-                  <a:schemeClr val="bg2">
-                    <a:lumMod val="75000"/>
-                  </a:schemeClr>
-                </a:solidFill>
-              </a:rPr>
-              <a:t>Constructie</a:t>
-            </a:r>
-          </a:p>
-          <a:p>
-            <a:pPr marL="914400" lvl="1" indent="-457200">
-              <a:buFont typeface="+mj-lt"/>
-              <a:buAutoNum type="arabicPeriod"/>
-            </a:pPr>
-            <a:r>
-              <a:rPr lang="nl-BE" dirty="0">
-                <a:solidFill>
-                  <a:schemeClr val="bg2">
-                    <a:lumMod val="75000"/>
-                  </a:schemeClr>
-                </a:solidFill>
-              </a:rPr>
-              <a:t>Elektrisch circuit</a:t>
-            </a:r>
-          </a:p>
-          <a:p>
-            <a:pPr marL="914400" lvl="1" indent="-457200">
-              <a:buFont typeface="+mj-lt"/>
-              <a:buAutoNum type="arabicPeriod"/>
-            </a:pPr>
-            <a:r>
-              <a:rPr lang="nl-BE" dirty="0">
-                <a:solidFill>
-                  <a:schemeClr val="bg2">
-                    <a:lumMod val="75000"/>
-                  </a:schemeClr>
-                </a:solidFill>
-              </a:rPr>
-              <a:t>Roterend platform, arm en spuit</a:t>
-            </a:r>
-          </a:p>
-          <a:p>
-            <a:pPr marL="457200" indent="-457200">
-              <a:buFont typeface="+mj-lt"/>
-              <a:buAutoNum type="arabicPeriod"/>
-            </a:pPr>
-            <a:r>
-              <a:rPr lang="nl-BE" dirty="0">
-                <a:solidFill>
-                  <a:schemeClr val="bg2">
-                    <a:lumMod val="75000"/>
-                  </a:schemeClr>
-                </a:solidFill>
-              </a:rPr>
-              <a:t>Resultaten</a:t>
-            </a:r>
-          </a:p>
-          <a:p>
-            <a:pPr marL="457200" indent="-457200">
-              <a:buFont typeface="+mj-lt"/>
-              <a:buAutoNum type="arabicPeriod"/>
-            </a:pPr>
-            <a:r>
-              <a:rPr lang="nl-BE" dirty="0">
-                <a:solidFill>
-                  <a:schemeClr val="bg2">
-                    <a:lumMod val="75000"/>
-                  </a:schemeClr>
-                </a:solidFill>
-              </a:rPr>
-              <a:t>Besluit</a:t>
-            </a:r>
-          </a:p>
-          <a:p>
-            <a:pPr marL="457200" indent="-457200">
-              <a:buFont typeface="+mj-lt"/>
-              <a:buAutoNum type="arabicPeriod"/>
-            </a:pPr>
-            <a:r>
-              <a:rPr lang="nl-BE" dirty="0">
-                <a:solidFill>
-                  <a:schemeClr val="bg2">
-                    <a:lumMod val="75000"/>
-                  </a:schemeClr>
-                </a:solidFill>
-              </a:rPr>
-              <a:t>Bibliografie</a:t>
-            </a:r>
-          </a:p>
-          <a:p>
-            <a:pPr marL="457200" indent="-457200">
-              <a:buFont typeface="+mj-lt"/>
-              <a:buAutoNum type="arabicPeriod"/>
-            </a:pPr>
-            <a:endParaRPr lang="nl-BE" dirty="0"/>
-          </a:p>
-        </p:txBody>
-      </p:sp>
-      <p:sp>
-        <p:nvSpPr>
-          <p:cNvPr id="3" name="Footer Placeholder 2">
+              <a:t>Hoeken</a:t>
+            </a:r>
+          </a:p>
+        </p:txBody>
+      </p:sp>
+      <p:sp>
+        <p:nvSpPr>
+          <p:cNvPr id="3" name="Content Placeholder 2">
             <a:extLst>
               <a:ext uri="{FF2B5EF4-FFF2-40B4-BE49-F238E27FC236}">
-                <a16:creationId xmlns:a16="http://schemas.microsoft.com/office/drawing/2014/main" id="{87B9D861-BADE-1735-BC5D-FB0CE4C31EFE}"/>
+                <a16:creationId xmlns:a16="http://schemas.microsoft.com/office/drawing/2014/main" id="{32177FB9-AF5E-42C7-FE08-E87176B2F8C4}"/>
+              </a:ext>
+            </a:extLst>
+          </p:cNvPr>
+          <p:cNvSpPr>
+            <a:spLocks noGrp="1"/>
+          </p:cNvSpPr>
+          <p:nvPr>
+            <p:ph sz="half" idx="2"/>
+          </p:nvPr>
+        </p:nvSpPr>
+        <p:spPr/>
+        <p:txBody>
+          <a:bodyPr/>
+          <a:lstStyle/>
+          <a:p>
+            <a:r>
+              <a:rPr lang="nl-BE" dirty="0"/>
+              <a:t>Camera zorgt voor correcte hoek bij horizontale rotatie</a:t>
+            </a:r>
+          </a:p>
+          <a:p>
+            <a:r>
+              <a:rPr lang="nl-BE" dirty="0"/>
+              <a:t>Berekeningen op laptop hebben als output de afstand tot het voorwerp</a:t>
+            </a:r>
+          </a:p>
+        </p:txBody>
+      </p:sp>
+      <p:sp>
+        <p:nvSpPr>
+          <p:cNvPr id="6" name="Footer Placeholder 5">
+            <a:extLst>
+              <a:ext uri="{FF2B5EF4-FFF2-40B4-BE49-F238E27FC236}">
+                <a16:creationId xmlns:a16="http://schemas.microsoft.com/office/drawing/2014/main" id="{2E7187E5-4618-71A7-86E8-85CFB224B02F}"/>
               </a:ext>
             </a:extLst>
           </p:cNvPr>
@@ -7089,10 +7090,10 @@
       </p:sp>
       <p:sp>
         <p:nvSpPr>
-          <p:cNvPr id="4" name="Slide Number Placeholder 3">
+          <p:cNvPr id="7" name="Slide Number Placeholder 6">
             <a:extLst>
               <a:ext uri="{FF2B5EF4-FFF2-40B4-BE49-F238E27FC236}">
-                <a16:creationId xmlns:a16="http://schemas.microsoft.com/office/drawing/2014/main" id="{FC23E00C-3A77-A444-8280-8A8A5D17B5DF}"/>
+                <a16:creationId xmlns:a16="http://schemas.microsoft.com/office/drawing/2014/main" id="{1128EDC2-D57E-204F-7E71-264E36A71C75}"/>
               </a:ext>
             </a:extLst>
           </p:cNvPr>
@@ -7118,10 +7119,10 @@
       </p:sp>
       <p:sp>
         <p:nvSpPr>
-          <p:cNvPr id="5" name="Title 4">
+          <p:cNvPr id="8" name="Title 7">
             <a:extLst>
               <a:ext uri="{FF2B5EF4-FFF2-40B4-BE49-F238E27FC236}">
-                <a16:creationId xmlns:a16="http://schemas.microsoft.com/office/drawing/2014/main" id="{344F2F4D-955A-2213-B685-181EC6CE1CBA}"/>
+                <a16:creationId xmlns:a16="http://schemas.microsoft.com/office/drawing/2014/main" id="{0933DAEF-FBC3-98BB-99B2-40F4D1AE2E64}"/>
               </a:ext>
             </a:extLst>
           </p:cNvPr>
@@ -7139,15 +7140,44 @@
           <a:p>
             <a:r>
               <a:rPr lang="nl-BE" dirty="0"/>
-              <a:t>Overzicht</a:t>
-            </a:r>
-          </a:p>
-        </p:txBody>
-      </p:sp>
+              <a:t>Richten</a:t>
+            </a:r>
+          </a:p>
+        </p:txBody>
+      </p:sp>
+      <p:pic>
+        <p:nvPicPr>
+          <p:cNvPr id="4" name="Afbeelding 3">
+            <a:extLst>
+              <a:ext uri="{FF2B5EF4-FFF2-40B4-BE49-F238E27FC236}">
+                <a16:creationId xmlns:a16="http://schemas.microsoft.com/office/drawing/2014/main" id="{A5B3AC5D-3E04-DCEC-71A3-123C2646D3B3}"/>
+              </a:ext>
+            </a:extLst>
+          </p:cNvPr>
+          <p:cNvPicPr>
+            <a:picLocks noChangeAspect="1"/>
+          </p:cNvPicPr>
+          <p:nvPr/>
+        </p:nvPicPr>
+        <p:blipFill rotWithShape="1">
+          <a:blip r:embed="rId2"/>
+          <a:srcRect l="41709" t="18640" r="45357" b="33469"/>
+          <a:stretch/>
+        </p:blipFill>
+        <p:spPr>
+          <a:xfrm>
+            <a:off x="7570783" y="345232"/>
+            <a:ext cx="2467726" cy="5139879"/>
+          </a:xfrm>
+          <a:prstGeom prst="rect">
+            <a:avLst/>
+          </a:prstGeom>
+        </p:spPr>
+      </p:pic>
     </p:spTree>
     <p:extLst>
       <p:ext uri="{BB962C8B-B14F-4D97-AF65-F5344CB8AC3E}">
-        <p14:creationId xmlns:p14="http://schemas.microsoft.com/office/powerpoint/2010/main" val="3496813920"/>
+        <p14:creationId xmlns:p14="http://schemas.microsoft.com/office/powerpoint/2010/main" val="521352389"/>
       </p:ext>
     </p:extLst>
   </p:cSld>
@@ -7179,7 +7209,7 @@
           <p:cNvPr id="2" name="Text Placeholder 1">
             <a:extLst>
               <a:ext uri="{FF2B5EF4-FFF2-40B4-BE49-F238E27FC236}">
-                <a16:creationId xmlns:a16="http://schemas.microsoft.com/office/drawing/2014/main" id="{BA4874C3-0F7D-5455-122F-51AB57637ECC}"/>
+                <a16:creationId xmlns:a16="http://schemas.microsoft.com/office/drawing/2014/main" id="{5E925BC7-2783-5805-B3C1-BADD15B9D513}"/>
               </a:ext>
             </a:extLst>
           </p:cNvPr>
@@ -7197,7 +7227,7 @@
           <a:p>
             <a:r>
               <a:rPr lang="nl-BE" dirty="0"/>
-              <a:t>Hoeken</a:t>
+              <a:t>Beweging</a:t>
             </a:r>
           </a:p>
         </p:txBody>
@@ -7207,7 +7237,7 @@
           <p:cNvPr id="3" name="Content Placeholder 2">
             <a:extLst>
               <a:ext uri="{FF2B5EF4-FFF2-40B4-BE49-F238E27FC236}">
-                <a16:creationId xmlns:a16="http://schemas.microsoft.com/office/drawing/2014/main" id="{32177FB9-AF5E-42C7-FE08-E87176B2F8C4}"/>
+                <a16:creationId xmlns:a16="http://schemas.microsoft.com/office/drawing/2014/main" id="{1454D4B1-BBA9-833E-209C-1050200223C8}"/>
               </a:ext>
             </a:extLst>
           </p:cNvPr>
@@ -7225,14 +7255,37 @@
           <a:p>
             <a:r>
               <a:rPr lang="nl-BE" dirty="0"/>
-              <a:t>Camera zorgt voor correcte hoek bij horizontale rotatie</a:t>
+              <a:t>2 motoren (Micro Metal Gear Motor 100:1 HP)</a:t>
             </a:r>
           </a:p>
           <a:p>
             <a:r>
               <a:rPr lang="nl-BE" dirty="0"/>
-              <a:t>Berekeningen op laptop hebben als output de afstand tot het voorwerp</a:t>
-            </a:r>
+              <a:t>Horizontale rotatie: roterend platform met arm, camera en 2</a:t>
+            </a:r>
+            <a:r>
+              <a:rPr lang="nl-BE" baseline="30000" dirty="0"/>
+              <a:t>de</a:t>
+            </a:r>
+            <a:r>
+              <a:rPr lang="nl-BE" dirty="0"/>
+              <a:t> motor</a:t>
+            </a:r>
+          </a:p>
+          <a:p>
+            <a:r>
+              <a:rPr lang="nl-BE" dirty="0"/>
+              <a:t>Arm beweegt verticaal door hefboomsysteem</a:t>
+            </a:r>
+          </a:p>
+          <a:p>
+            <a:r>
+              <a:rPr lang="nl-BE" dirty="0"/>
+              <a:t>Verticale rotatie: motor op platform verbonden met arm</a:t>
+            </a:r>
+          </a:p>
+          <a:p>
+            <a:endParaRPr lang="nl-BE" dirty="0"/>
           </a:p>
         </p:txBody>
       </p:sp>
@@ -7241,7 +7294,7 @@
           <p:cNvPr id="6" name="Footer Placeholder 5">
             <a:extLst>
               <a:ext uri="{FF2B5EF4-FFF2-40B4-BE49-F238E27FC236}">
-                <a16:creationId xmlns:a16="http://schemas.microsoft.com/office/drawing/2014/main" id="{2E7187E5-4618-71A7-86E8-85CFB224B02F}"/>
+                <a16:creationId xmlns:a16="http://schemas.microsoft.com/office/drawing/2014/main" id="{D693DDB0-6963-65AA-2FFD-A8BADBC9180D}"/>
               </a:ext>
             </a:extLst>
           </p:cNvPr>
@@ -7269,7 +7322,7 @@
           <p:cNvPr id="7" name="Slide Number Placeholder 6">
             <a:extLst>
               <a:ext uri="{FF2B5EF4-FFF2-40B4-BE49-F238E27FC236}">
-                <a16:creationId xmlns:a16="http://schemas.microsoft.com/office/drawing/2014/main" id="{1128EDC2-D57E-204F-7E71-264E36A71C75}"/>
+                <a16:creationId xmlns:a16="http://schemas.microsoft.com/office/drawing/2014/main" id="{1ACCFD81-E394-7E86-FF33-CF750CD610C3}"/>
               </a:ext>
             </a:extLst>
           </p:cNvPr>
@@ -7298,7 +7351,7 @@
           <p:cNvPr id="8" name="Title 7">
             <a:extLst>
               <a:ext uri="{FF2B5EF4-FFF2-40B4-BE49-F238E27FC236}">
-                <a16:creationId xmlns:a16="http://schemas.microsoft.com/office/drawing/2014/main" id="{0933DAEF-FBC3-98BB-99B2-40F4D1AE2E64}"/>
+                <a16:creationId xmlns:a16="http://schemas.microsoft.com/office/drawing/2014/main" id="{A535BE19-1CD8-CF0B-8D60-42B0794840EE}"/>
               </a:ext>
             </a:extLst>
           </p:cNvPr>
@@ -7321,41 +7374,10 @@
           </a:p>
         </p:txBody>
       </p:sp>
-      <p:pic>
-        <p:nvPicPr>
-          <p:cNvPr id="11" name="Content Placeholder 10">
-            <a:extLst>
-              <a:ext uri="{FF2B5EF4-FFF2-40B4-BE49-F238E27FC236}">
-                <a16:creationId xmlns:a16="http://schemas.microsoft.com/office/drawing/2014/main" id="{6C3F9588-9AD2-5D13-6B51-8988825017A2}"/>
-              </a:ext>
-            </a:extLst>
-          </p:cNvPr>
-          <p:cNvPicPr>
-            <a:picLocks noGrp="1" noChangeAspect="1"/>
-          </p:cNvPicPr>
-          <p:nvPr>
-            <p:ph sz="quarter" idx="4"/>
-          </p:nvPr>
-        </p:nvPicPr>
-        <p:blipFill rotWithShape="1">
-          <a:blip r:embed="rId2"/>
-          <a:srcRect l="19810" t="17046" r="20702" b="5715"/>
-          <a:stretch/>
-        </p:blipFill>
-        <p:spPr>
-          <a:xfrm rot="16200000">
-            <a:off x="5785987" y="837273"/>
-            <a:ext cx="6210023" cy="4535477"/>
-          </a:xfrm>
-          <a:prstGeom prst="rect">
-            <a:avLst/>
-          </a:prstGeom>
-        </p:spPr>
-      </p:pic>
     </p:spTree>
     <p:extLst>
       <p:ext uri="{BB962C8B-B14F-4D97-AF65-F5344CB8AC3E}">
-        <p14:creationId xmlns:p14="http://schemas.microsoft.com/office/powerpoint/2010/main" val="521352389"/>
+        <p14:creationId xmlns:p14="http://schemas.microsoft.com/office/powerpoint/2010/main" val="4123170472"/>
       </p:ext>
     </p:extLst>
   </p:cSld>
@@ -7384,10 +7406,10 @@
       </p:grpSpPr>
       <p:sp>
         <p:nvSpPr>
-          <p:cNvPr id="2" name="Text Placeholder 1">
+          <p:cNvPr id="2" name="Content Placeholder 1">
             <a:extLst>
               <a:ext uri="{FF2B5EF4-FFF2-40B4-BE49-F238E27FC236}">
-                <a16:creationId xmlns:a16="http://schemas.microsoft.com/office/drawing/2014/main" id="{5E925BC7-2783-5805-B3C1-BADD15B9D513}"/>
+                <a16:creationId xmlns:a16="http://schemas.microsoft.com/office/drawing/2014/main" id="{9572C954-C83C-EE79-685B-900385B3EC4B}"/>
               </a:ext>
             </a:extLst>
           </p:cNvPr>
@@ -7395,84 +7417,237 @@
             <a:spLocks noGrp="1"/>
           </p:cNvSpPr>
           <p:nvPr>
-            <p:ph type="body" idx="1"/>
-          </p:nvPr>
-        </p:nvSpPr>
-        <p:spPr/>
-        <p:txBody>
-          <a:bodyPr/>
-          <a:lstStyle/>
-          <a:p>
+            <p:ph idx="1"/>
+          </p:nvPr>
+        </p:nvSpPr>
+        <p:spPr>
+          <a:xfrm>
+            <a:off x="576000" y="1656000"/>
+            <a:ext cx="11041200" cy="4554000"/>
+          </a:xfrm>
+        </p:spPr>
+        <p:txBody>
+          <a:bodyPr>
+            <a:normAutofit fontScale="85000" lnSpcReduction="20000"/>
+          </a:bodyPr>
+          <a:lstStyle/>
+          <a:p>
+            <a:pPr marL="457200" indent="-457200">
+              <a:buFont typeface="+mj-lt"/>
+              <a:buAutoNum type="arabicPeriod"/>
+            </a:pPr>
+            <a:r>
+              <a:rPr lang="nl-BE" dirty="0">
+                <a:solidFill>
+                  <a:schemeClr val="bg2">
+                    <a:lumMod val="75000"/>
+                  </a:schemeClr>
+                </a:solidFill>
+              </a:rPr>
+              <a:t>Inleiding</a:t>
+            </a:r>
+          </a:p>
+          <a:p>
+            <a:pPr marL="457200" indent="-457200">
+              <a:buFont typeface="+mj-lt"/>
+              <a:buAutoNum type="arabicPeriod"/>
+            </a:pPr>
+            <a:r>
+              <a:rPr lang="nl-BE" dirty="0">
+                <a:solidFill>
+                  <a:schemeClr val="bg2">
+                    <a:lumMod val="75000"/>
+                  </a:schemeClr>
+                </a:solidFill>
+              </a:rPr>
+              <a:t>Ontwerp</a:t>
+            </a:r>
+          </a:p>
+          <a:p>
+            <a:pPr marL="457200" indent="-457200">
+              <a:buFont typeface="+mj-lt"/>
+              <a:buAutoNum type="arabicPeriod"/>
+            </a:pPr>
+            <a:r>
+              <a:rPr lang="nl-BE" dirty="0">
+                <a:solidFill>
+                  <a:schemeClr val="bg2">
+                    <a:lumMod val="75000"/>
+                  </a:schemeClr>
+                </a:solidFill>
+              </a:rPr>
+              <a:t>Stappen</a:t>
+            </a:r>
+          </a:p>
+          <a:p>
+            <a:pPr marL="914400" lvl="1" indent="-457200">
+              <a:buFont typeface="+mj-lt"/>
+              <a:buAutoNum type="arabicPeriod"/>
+            </a:pPr>
+            <a:r>
+              <a:rPr lang="nl-BE" dirty="0">
+                <a:solidFill>
+                  <a:schemeClr val="bg2">
+                    <a:lumMod val="75000"/>
+                  </a:schemeClr>
+                </a:solidFill>
+              </a:rPr>
+              <a:t>Detectie en lokalisatie</a:t>
+            </a:r>
+          </a:p>
+          <a:p>
+            <a:pPr marL="914400" lvl="1" indent="-457200">
+              <a:buFont typeface="+mj-lt"/>
+              <a:buAutoNum type="arabicPeriod"/>
+            </a:pPr>
+            <a:r>
+              <a:rPr lang="nl-BE" dirty="0">
+                <a:solidFill>
+                  <a:schemeClr val="bg2">
+                    <a:lumMod val="75000"/>
+                  </a:schemeClr>
+                </a:solidFill>
+              </a:rPr>
+              <a:t>Richten</a:t>
+            </a:r>
+          </a:p>
+          <a:p>
+            <a:pPr marL="914400" lvl="1" indent="-457200">
+              <a:buFont typeface="+mj-lt"/>
+              <a:buAutoNum type="arabicPeriod"/>
+            </a:pPr>
             <a:r>
               <a:rPr lang="nl-BE" dirty="0"/>
-              <a:t>Beweging</a:t>
-            </a:r>
-          </a:p>
-        </p:txBody>
-      </p:sp>
-      <p:sp>
-        <p:nvSpPr>
-          <p:cNvPr id="3" name="Content Placeholder 2">
+              <a:t>Blussen</a:t>
+            </a:r>
+          </a:p>
+          <a:p>
+            <a:pPr marL="457200" indent="-457200">
+              <a:buFont typeface="+mj-lt"/>
+              <a:buAutoNum type="arabicPeriod"/>
+            </a:pPr>
+            <a:r>
+              <a:rPr lang="nl-BE" dirty="0">
+                <a:solidFill>
+                  <a:schemeClr val="bg2">
+                    <a:lumMod val="75000"/>
+                  </a:schemeClr>
+                </a:solidFill>
+              </a:rPr>
+              <a:t>Prototype</a:t>
+            </a:r>
+          </a:p>
+          <a:p>
+            <a:pPr marL="914400" lvl="1" indent="-457200">
+              <a:buFont typeface="+mj-lt"/>
+              <a:buAutoNum type="arabicPeriod"/>
+            </a:pPr>
+            <a:r>
+              <a:rPr lang="nl-BE" dirty="0">
+                <a:solidFill>
+                  <a:schemeClr val="bg2">
+                    <a:lumMod val="75000"/>
+                  </a:schemeClr>
+                </a:solidFill>
+              </a:rPr>
+              <a:t>Constructie</a:t>
+            </a:r>
+          </a:p>
+          <a:p>
+            <a:pPr marL="914400" lvl="1" indent="-457200">
+              <a:buFont typeface="+mj-lt"/>
+              <a:buAutoNum type="arabicPeriod"/>
+            </a:pPr>
+            <a:r>
+              <a:rPr lang="nl-BE" dirty="0">
+                <a:solidFill>
+                  <a:schemeClr val="bg2">
+                    <a:lumMod val="75000"/>
+                  </a:schemeClr>
+                </a:solidFill>
+              </a:rPr>
+              <a:t>Elektrisch circuit</a:t>
+            </a:r>
+          </a:p>
+          <a:p>
+            <a:pPr marL="914400" lvl="1" indent="-457200">
+              <a:buFont typeface="+mj-lt"/>
+              <a:buAutoNum type="arabicPeriod"/>
+            </a:pPr>
+            <a:r>
+              <a:rPr lang="nl-BE" dirty="0">
+                <a:solidFill>
+                  <a:schemeClr val="bg2">
+                    <a:lumMod val="75000"/>
+                  </a:schemeClr>
+                </a:solidFill>
+              </a:rPr>
+              <a:t>Roterend platform, arm en spuit</a:t>
+            </a:r>
+          </a:p>
+          <a:p>
+            <a:pPr marL="457200" indent="-457200">
+              <a:buFont typeface="+mj-lt"/>
+              <a:buAutoNum type="arabicPeriod"/>
+            </a:pPr>
+            <a:r>
+              <a:rPr lang="nl-BE" dirty="0">
+                <a:solidFill>
+                  <a:schemeClr val="bg2">
+                    <a:lumMod val="75000"/>
+                  </a:schemeClr>
+                </a:solidFill>
+              </a:rPr>
+              <a:t>Resultaten</a:t>
+            </a:r>
+          </a:p>
+          <a:p>
+            <a:pPr marL="457200" indent="-457200">
+              <a:buFont typeface="+mj-lt"/>
+              <a:buAutoNum type="arabicPeriod"/>
+            </a:pPr>
+            <a:r>
+              <a:rPr lang="nl-BE" dirty="0">
+                <a:solidFill>
+                  <a:schemeClr val="bg2">
+                    <a:lumMod val="75000"/>
+                  </a:schemeClr>
+                </a:solidFill>
+              </a:rPr>
+              <a:t>Besluit</a:t>
+            </a:r>
+          </a:p>
+          <a:p>
+            <a:pPr marL="457200" indent="-457200">
+              <a:buFont typeface="+mj-lt"/>
+              <a:buAutoNum type="arabicPeriod"/>
+            </a:pPr>
+            <a:r>
+              <a:rPr lang="nl-BE" dirty="0">
+                <a:solidFill>
+                  <a:schemeClr val="bg2">
+                    <a:lumMod val="75000"/>
+                  </a:schemeClr>
+                </a:solidFill>
+              </a:rPr>
+              <a:t>Bibliografie</a:t>
+            </a:r>
+          </a:p>
+          <a:p>
+            <a:pPr marL="457200" indent="-457200">
+              <a:buFont typeface="+mj-lt"/>
+              <a:buAutoNum type="arabicPeriod"/>
+            </a:pPr>
+            <a:endParaRPr lang="nl-BE" dirty="0"/>
+          </a:p>
+        </p:txBody>
+      </p:sp>
+      <p:sp>
+        <p:nvSpPr>
+          <p:cNvPr id="3" name="Footer Placeholder 2">
             <a:extLst>
               <a:ext uri="{FF2B5EF4-FFF2-40B4-BE49-F238E27FC236}">
-                <a16:creationId xmlns:a16="http://schemas.microsoft.com/office/drawing/2014/main" id="{1454D4B1-BBA9-833E-209C-1050200223C8}"/>
-              </a:ext>
-            </a:extLst>
-          </p:cNvPr>
-          <p:cNvSpPr>
-            <a:spLocks noGrp="1"/>
-          </p:cNvSpPr>
-          <p:nvPr>
-            <p:ph sz="half" idx="2"/>
-          </p:nvPr>
-        </p:nvSpPr>
-        <p:spPr/>
-        <p:txBody>
-          <a:bodyPr/>
-          <a:lstStyle/>
-          <a:p>
-            <a:r>
-              <a:rPr lang="nl-BE" dirty="0"/>
-              <a:t>2 motoren (Micro Metal Gear Motor 100:1 HP)</a:t>
-            </a:r>
-          </a:p>
-          <a:p>
-            <a:r>
-              <a:rPr lang="nl-BE" dirty="0"/>
-              <a:t>Horizontale rotatie: roterend platform met arm, camera en 2</a:t>
-            </a:r>
-            <a:r>
-              <a:rPr lang="nl-BE" baseline="30000" dirty="0"/>
-              <a:t>de</a:t>
-            </a:r>
-            <a:r>
-              <a:rPr lang="nl-BE" dirty="0"/>
-              <a:t> motor</a:t>
-            </a:r>
-          </a:p>
-          <a:p>
-            <a:r>
-              <a:rPr lang="nl-BE" dirty="0"/>
-              <a:t>Arm beweegt verticaal door hefboomsysteem</a:t>
-            </a:r>
-          </a:p>
-          <a:p>
-            <a:r>
-              <a:rPr lang="nl-BE" dirty="0"/>
-              <a:t>Verticale rotatie: motor op platform verbonden met arm</a:t>
-            </a:r>
-          </a:p>
-          <a:p>
-            <a:endParaRPr lang="nl-BE" dirty="0"/>
-          </a:p>
-        </p:txBody>
-      </p:sp>
-      <p:sp>
-        <p:nvSpPr>
-          <p:cNvPr id="6" name="Footer Placeholder 5">
-            <a:extLst>
-              <a:ext uri="{FF2B5EF4-FFF2-40B4-BE49-F238E27FC236}">
-                <a16:creationId xmlns:a16="http://schemas.microsoft.com/office/drawing/2014/main" id="{D693DDB0-6963-65AA-2FFD-A8BADBC9180D}"/>
+                <a16:creationId xmlns:a16="http://schemas.microsoft.com/office/drawing/2014/main" id="{87B9D861-BADE-1735-BC5D-FB0CE4C31EFE}"/>
               </a:ext>
             </a:extLst>
           </p:cNvPr>
@@ -7497,10 +7672,10 @@
       </p:sp>
       <p:sp>
         <p:nvSpPr>
-          <p:cNvPr id="7" name="Slide Number Placeholder 6">
+          <p:cNvPr id="4" name="Slide Number Placeholder 3">
             <a:extLst>
               <a:ext uri="{FF2B5EF4-FFF2-40B4-BE49-F238E27FC236}">
-                <a16:creationId xmlns:a16="http://schemas.microsoft.com/office/drawing/2014/main" id="{1ACCFD81-E394-7E86-FF33-CF750CD610C3}"/>
+                <a16:creationId xmlns:a16="http://schemas.microsoft.com/office/drawing/2014/main" id="{FC23E00C-3A77-A444-8280-8A8A5D17B5DF}"/>
               </a:ext>
             </a:extLst>
           </p:cNvPr>
@@ -7526,10 +7701,10 @@
       </p:sp>
       <p:sp>
         <p:nvSpPr>
-          <p:cNvPr id="8" name="Title 7">
+          <p:cNvPr id="5" name="Title 4">
             <a:extLst>
               <a:ext uri="{FF2B5EF4-FFF2-40B4-BE49-F238E27FC236}">
-                <a16:creationId xmlns:a16="http://schemas.microsoft.com/office/drawing/2014/main" id="{A535BE19-1CD8-CF0B-8D60-42B0794840EE}"/>
+                <a16:creationId xmlns:a16="http://schemas.microsoft.com/office/drawing/2014/main" id="{344F2F4D-955A-2213-B685-181EC6CE1CBA}"/>
               </a:ext>
             </a:extLst>
           </p:cNvPr>
@@ -7547,44 +7722,15 @@
           <a:p>
             <a:r>
               <a:rPr lang="nl-BE" dirty="0"/>
-              <a:t>Richten</a:t>
-            </a:r>
-          </a:p>
-        </p:txBody>
-      </p:sp>
-      <p:pic>
-        <p:nvPicPr>
-          <p:cNvPr id="13" name="Picture 12" descr="Diagram&#10;&#10;Description automatically generated">
-            <a:extLst>
-              <a:ext uri="{FF2B5EF4-FFF2-40B4-BE49-F238E27FC236}">
-                <a16:creationId xmlns:a16="http://schemas.microsoft.com/office/drawing/2014/main" id="{F3CE1736-58FA-CEE1-FF53-8BC72BB6C3E9}"/>
-              </a:ext>
-            </a:extLst>
-          </p:cNvPr>
-          <p:cNvPicPr>
-            <a:picLocks noChangeAspect="1"/>
-          </p:cNvPicPr>
-          <p:nvPr/>
-        </p:nvPicPr>
-        <p:blipFill rotWithShape="1">
-          <a:blip r:embed="rId2"/>
-          <a:srcRect t="523" b="1895"/>
-          <a:stretch/>
-        </p:blipFill>
-        <p:spPr>
-          <a:xfrm>
-            <a:off x="7352064" y="198040"/>
-            <a:ext cx="2575708" cy="5915889"/>
-          </a:xfrm>
-          <a:prstGeom prst="rect">
-            <a:avLst/>
-          </a:prstGeom>
-        </p:spPr>
-      </p:pic>
+              <a:t>Overzicht</a:t>
+            </a:r>
+          </a:p>
+        </p:txBody>
+      </p:sp>
     </p:spTree>
     <p:extLst>
       <p:ext uri="{BB962C8B-B14F-4D97-AF65-F5344CB8AC3E}">
-        <p14:creationId xmlns:p14="http://schemas.microsoft.com/office/powerpoint/2010/main" val="4123170472"/>
+        <p14:creationId xmlns:p14="http://schemas.microsoft.com/office/powerpoint/2010/main" val="4078082637"/>
       </p:ext>
     </p:extLst>
   </p:cSld>
@@ -7613,10 +7759,10 @@
       </p:grpSpPr>
       <p:sp>
         <p:nvSpPr>
-          <p:cNvPr id="2" name="Content Placeholder 1">
+          <p:cNvPr id="2" name="Text Placeholder 1">
             <a:extLst>
               <a:ext uri="{FF2B5EF4-FFF2-40B4-BE49-F238E27FC236}">
-                <a16:creationId xmlns:a16="http://schemas.microsoft.com/office/drawing/2014/main" id="{9572C954-C83C-EE79-685B-900385B3EC4B}"/>
+                <a16:creationId xmlns:a16="http://schemas.microsoft.com/office/drawing/2014/main" id="{50812383-1E2C-0593-3BE3-D56DEB273572}"/>
               </a:ext>
             </a:extLst>
           </p:cNvPr>
@@ -7624,237 +7770,86 @@
             <a:spLocks noGrp="1"/>
           </p:cNvSpPr>
           <p:nvPr>
-            <p:ph idx="1"/>
-          </p:nvPr>
-        </p:nvSpPr>
-        <p:spPr>
-          <a:xfrm>
-            <a:off x="576000" y="1656000"/>
-            <a:ext cx="11041200" cy="4554000"/>
-          </a:xfrm>
-        </p:spPr>
-        <p:txBody>
-          <a:bodyPr>
-            <a:normAutofit fontScale="85000" lnSpcReduction="20000"/>
-          </a:bodyPr>
-          <a:lstStyle/>
-          <a:p>
-            <a:pPr marL="457200" indent="-457200">
-              <a:buFont typeface="+mj-lt"/>
-              <a:buAutoNum type="arabicPeriod"/>
-            </a:pPr>
-            <a:r>
-              <a:rPr lang="nl-BE" dirty="0">
-                <a:solidFill>
-                  <a:schemeClr val="bg2">
-                    <a:lumMod val="75000"/>
-                  </a:schemeClr>
-                </a:solidFill>
-              </a:rPr>
-              <a:t>Inleiding</a:t>
-            </a:r>
-          </a:p>
-          <a:p>
-            <a:pPr marL="457200" indent="-457200">
-              <a:buFont typeface="+mj-lt"/>
-              <a:buAutoNum type="arabicPeriod"/>
-            </a:pPr>
-            <a:r>
-              <a:rPr lang="nl-BE" dirty="0">
-                <a:solidFill>
-                  <a:schemeClr val="bg2">
-                    <a:lumMod val="75000"/>
-                  </a:schemeClr>
-                </a:solidFill>
-              </a:rPr>
-              <a:t>Ontwerp</a:t>
-            </a:r>
-          </a:p>
-          <a:p>
-            <a:pPr marL="457200" indent="-457200">
-              <a:buFont typeface="+mj-lt"/>
-              <a:buAutoNum type="arabicPeriod"/>
-            </a:pPr>
-            <a:r>
-              <a:rPr lang="nl-BE" dirty="0">
-                <a:solidFill>
-                  <a:schemeClr val="bg2">
-                    <a:lumMod val="75000"/>
-                  </a:schemeClr>
-                </a:solidFill>
-              </a:rPr>
-              <a:t>Stappen</a:t>
-            </a:r>
-          </a:p>
-          <a:p>
-            <a:pPr marL="914400" lvl="1" indent="-457200">
-              <a:buFont typeface="+mj-lt"/>
-              <a:buAutoNum type="arabicPeriod"/>
-            </a:pPr>
-            <a:r>
-              <a:rPr lang="nl-BE" dirty="0">
-                <a:solidFill>
-                  <a:schemeClr val="bg2">
-                    <a:lumMod val="75000"/>
-                  </a:schemeClr>
-                </a:solidFill>
-              </a:rPr>
-              <a:t>Detectie en lokalisatie</a:t>
-            </a:r>
-          </a:p>
-          <a:p>
-            <a:pPr marL="914400" lvl="1" indent="-457200">
-              <a:buFont typeface="+mj-lt"/>
-              <a:buAutoNum type="arabicPeriod"/>
-            </a:pPr>
-            <a:r>
-              <a:rPr lang="nl-BE" dirty="0">
-                <a:solidFill>
-                  <a:schemeClr val="bg2">
-                    <a:lumMod val="75000"/>
-                  </a:schemeClr>
-                </a:solidFill>
-              </a:rPr>
-              <a:t>Richten</a:t>
-            </a:r>
-          </a:p>
-          <a:p>
-            <a:pPr marL="914400" lvl="1" indent="-457200">
-              <a:buFont typeface="+mj-lt"/>
-              <a:buAutoNum type="arabicPeriod"/>
-            </a:pPr>
+            <p:ph type="body" idx="1"/>
+          </p:nvPr>
+        </p:nvSpPr>
+        <p:spPr/>
+        <p:txBody>
+          <a:bodyPr/>
+          <a:lstStyle/>
+          <a:p>
             <a:r>
               <a:rPr lang="nl-BE" dirty="0"/>
-              <a:t>Blussen</a:t>
-            </a:r>
-          </a:p>
-          <a:p>
-            <a:pPr marL="457200" indent="-457200">
-              <a:buFont typeface="+mj-lt"/>
-              <a:buAutoNum type="arabicPeriod"/>
-            </a:pPr>
-            <a:r>
-              <a:rPr lang="nl-BE" dirty="0">
-                <a:solidFill>
-                  <a:schemeClr val="bg2">
-                    <a:lumMod val="75000"/>
-                  </a:schemeClr>
-                </a:solidFill>
-              </a:rPr>
-              <a:t>Prototype</a:t>
-            </a:r>
-          </a:p>
-          <a:p>
-            <a:pPr marL="914400" lvl="1" indent="-457200">
-              <a:buFont typeface="+mj-lt"/>
-              <a:buAutoNum type="arabicPeriod"/>
-            </a:pPr>
-            <a:r>
-              <a:rPr lang="nl-BE" dirty="0">
-                <a:solidFill>
-                  <a:schemeClr val="bg2">
-                    <a:lumMod val="75000"/>
-                  </a:schemeClr>
-                </a:solidFill>
-              </a:rPr>
-              <a:t>Constructie</a:t>
-            </a:r>
-          </a:p>
-          <a:p>
-            <a:pPr marL="914400" lvl="1" indent="-457200">
-              <a:buFont typeface="+mj-lt"/>
-              <a:buAutoNum type="arabicPeriod"/>
-            </a:pPr>
-            <a:r>
-              <a:rPr lang="nl-BE" dirty="0">
-                <a:solidFill>
-                  <a:schemeClr val="bg2">
-                    <a:lumMod val="75000"/>
-                  </a:schemeClr>
-                </a:solidFill>
-              </a:rPr>
-              <a:t>Elektrisch circuit</a:t>
-            </a:r>
-          </a:p>
-          <a:p>
-            <a:pPr marL="914400" lvl="1" indent="-457200">
-              <a:buFont typeface="+mj-lt"/>
-              <a:buAutoNum type="arabicPeriod"/>
-            </a:pPr>
-            <a:r>
-              <a:rPr lang="nl-BE" dirty="0">
-                <a:solidFill>
-                  <a:schemeClr val="bg2">
-                    <a:lumMod val="75000"/>
-                  </a:schemeClr>
-                </a:solidFill>
-              </a:rPr>
-              <a:t>Roterend platform, arm en spuit</a:t>
-            </a:r>
-          </a:p>
-          <a:p>
-            <a:pPr marL="457200" indent="-457200">
-              <a:buFont typeface="+mj-lt"/>
-              <a:buAutoNum type="arabicPeriod"/>
-            </a:pPr>
-            <a:r>
-              <a:rPr lang="nl-BE" dirty="0">
-                <a:solidFill>
-                  <a:schemeClr val="bg2">
-                    <a:lumMod val="75000"/>
-                  </a:schemeClr>
-                </a:solidFill>
-              </a:rPr>
-              <a:t>Resultaten</a:t>
-            </a:r>
-          </a:p>
-          <a:p>
-            <a:pPr marL="457200" indent="-457200">
-              <a:buFont typeface="+mj-lt"/>
-              <a:buAutoNum type="arabicPeriod"/>
-            </a:pPr>
-            <a:r>
-              <a:rPr lang="nl-BE" dirty="0">
-                <a:solidFill>
-                  <a:schemeClr val="bg2">
-                    <a:lumMod val="75000"/>
-                  </a:schemeClr>
-                </a:solidFill>
-              </a:rPr>
-              <a:t>Besluit</a:t>
-            </a:r>
-          </a:p>
-          <a:p>
-            <a:pPr marL="457200" indent="-457200">
-              <a:buFont typeface="+mj-lt"/>
-              <a:buAutoNum type="arabicPeriod"/>
-            </a:pPr>
-            <a:r>
-              <a:rPr lang="nl-BE" dirty="0">
-                <a:solidFill>
-                  <a:schemeClr val="bg2">
-                    <a:lumMod val="75000"/>
-                  </a:schemeClr>
-                </a:solidFill>
-              </a:rPr>
-              <a:t>Bibliografie</a:t>
-            </a:r>
-          </a:p>
-          <a:p>
-            <a:pPr marL="457200" indent="-457200">
-              <a:buFont typeface="+mj-lt"/>
-              <a:buAutoNum type="arabicPeriod"/>
-            </a:pPr>
+              <a:t>Pomp</a:t>
+            </a:r>
+          </a:p>
+        </p:txBody>
+      </p:sp>
+      <p:sp>
+        <p:nvSpPr>
+          <p:cNvPr id="3" name="Content Placeholder 2">
+            <a:extLst>
+              <a:ext uri="{FF2B5EF4-FFF2-40B4-BE49-F238E27FC236}">
+                <a16:creationId xmlns:a16="http://schemas.microsoft.com/office/drawing/2014/main" id="{4BCCE717-1B93-CB5A-606B-91B7DF303444}"/>
+              </a:ext>
+            </a:extLst>
+          </p:cNvPr>
+          <p:cNvSpPr>
+            <a:spLocks noGrp="1"/>
+          </p:cNvSpPr>
+          <p:nvPr>
+            <p:ph sz="half" idx="2"/>
+          </p:nvPr>
+        </p:nvSpPr>
+        <p:spPr/>
+        <p:txBody>
+          <a:bodyPr/>
+          <a:lstStyle/>
+          <a:p>
+            <a:r>
+              <a:rPr lang="nl-BE" dirty="0"/>
+              <a:t>Wanneer armen correct gericht </a:t>
+            </a:r>
+            <a:r>
+              <a:rPr lang="nl-BE" dirty="0">
+                <a:sym typeface="Wingdings" panose="05000000000000000000" pitchFamily="2" charset="2"/>
+              </a:rPr>
+              <a:t> signaal  werking pomp</a:t>
+            </a:r>
+          </a:p>
+          <a:p>
+            <a:r>
+              <a:rPr lang="nl-BE" dirty="0" err="1">
+                <a:sym typeface="Wingdings" panose="05000000000000000000" pitchFamily="2" charset="2"/>
+              </a:rPr>
+              <a:t>Whadda</a:t>
+            </a:r>
+            <a:r>
+              <a:rPr lang="nl-BE" dirty="0">
+                <a:sym typeface="Wingdings" panose="05000000000000000000" pitchFamily="2" charset="2"/>
+              </a:rPr>
+              <a:t> waterflowsensor treed in werking voor eventuele aanpassingen van hoek </a:t>
+            </a:r>
+          </a:p>
+          <a:p>
+            <a:r>
+              <a:rPr lang="nl-BE" dirty="0">
+                <a:sym typeface="Wingdings" panose="05000000000000000000" pitchFamily="2" charset="2"/>
+              </a:rPr>
+              <a:t>Juiste hoeveelheid water + ingerekende verspilling water wegspuiten</a:t>
+            </a:r>
+          </a:p>
+          <a:p>
             <a:endParaRPr lang="nl-BE" dirty="0"/>
           </a:p>
         </p:txBody>
       </p:sp>
       <p:sp>
         <p:nvSpPr>
-          <p:cNvPr id="3" name="Footer Placeholder 2">
+          <p:cNvPr id="6" name="Footer Placeholder 5">
             <a:extLst>
               <a:ext uri="{FF2B5EF4-FFF2-40B4-BE49-F238E27FC236}">
-                <a16:creationId xmlns:a16="http://schemas.microsoft.com/office/drawing/2014/main" id="{87B9D861-BADE-1735-BC5D-FB0CE4C31EFE}"/>
+                <a16:creationId xmlns:a16="http://schemas.microsoft.com/office/drawing/2014/main" id="{E13CA08D-D5EF-EEAC-9FE9-44301BE6DDF9}"/>
               </a:ext>
             </a:extLst>
           </p:cNvPr>
@@ -7879,10 +7874,10 @@
       </p:sp>
       <p:sp>
         <p:nvSpPr>
-          <p:cNvPr id="4" name="Slide Number Placeholder 3">
+          <p:cNvPr id="7" name="Slide Number Placeholder 6">
             <a:extLst>
               <a:ext uri="{FF2B5EF4-FFF2-40B4-BE49-F238E27FC236}">
-                <a16:creationId xmlns:a16="http://schemas.microsoft.com/office/drawing/2014/main" id="{FC23E00C-3A77-A444-8280-8A8A5D17B5DF}"/>
+                <a16:creationId xmlns:a16="http://schemas.microsoft.com/office/drawing/2014/main" id="{B6711DA2-BB57-AD9E-12B5-F7ABC208B350}"/>
               </a:ext>
             </a:extLst>
           </p:cNvPr>
@@ -7908,10 +7903,10 @@
       </p:sp>
       <p:sp>
         <p:nvSpPr>
-          <p:cNvPr id="5" name="Title 4">
+          <p:cNvPr id="8" name="Title 7">
             <a:extLst>
               <a:ext uri="{FF2B5EF4-FFF2-40B4-BE49-F238E27FC236}">
-                <a16:creationId xmlns:a16="http://schemas.microsoft.com/office/drawing/2014/main" id="{344F2F4D-955A-2213-B685-181EC6CE1CBA}"/>
+                <a16:creationId xmlns:a16="http://schemas.microsoft.com/office/drawing/2014/main" id="{7475CB8F-7F64-009D-D0F4-18C7B69D1AE7}"/>
               </a:ext>
             </a:extLst>
           </p:cNvPr>
@@ -7929,7 +7924,7 @@
           <a:p>
             <a:r>
               <a:rPr lang="nl-BE" dirty="0"/>
-              <a:t>Overzicht</a:t>
+              <a:t>Blussen</a:t>
             </a:r>
           </a:p>
         </p:txBody>
@@ -7937,7 +7932,7 @@
     </p:spTree>
     <p:extLst>
       <p:ext uri="{BB962C8B-B14F-4D97-AF65-F5344CB8AC3E}">
-        <p14:creationId xmlns:p14="http://schemas.microsoft.com/office/powerpoint/2010/main" val="4078082637"/>
+        <p14:creationId xmlns:p14="http://schemas.microsoft.com/office/powerpoint/2010/main" val="387171481"/>
       </p:ext>
     </p:extLst>
   </p:cSld>
@@ -8247,93 +8242,6 @@
       </p:grpSpPr>
       <p:sp>
         <p:nvSpPr>
-          <p:cNvPr id="2" name="Text Placeholder 1">
-            <a:extLst>
-              <a:ext uri="{FF2B5EF4-FFF2-40B4-BE49-F238E27FC236}">
-                <a16:creationId xmlns:a16="http://schemas.microsoft.com/office/drawing/2014/main" id="{50812383-1E2C-0593-3BE3-D56DEB273572}"/>
-              </a:ext>
-            </a:extLst>
-          </p:cNvPr>
-          <p:cNvSpPr>
-            <a:spLocks noGrp="1"/>
-          </p:cNvSpPr>
-          <p:nvPr>
-            <p:ph type="body" idx="1"/>
-          </p:nvPr>
-        </p:nvSpPr>
-        <p:spPr/>
-        <p:txBody>
-          <a:bodyPr/>
-          <a:lstStyle/>
-          <a:p>
-            <a:r>
-              <a:rPr lang="nl-BE" dirty="0"/>
-              <a:t>Pomp</a:t>
-            </a:r>
-          </a:p>
-        </p:txBody>
-      </p:sp>
-      <p:sp>
-        <p:nvSpPr>
-          <p:cNvPr id="3" name="Content Placeholder 2">
-            <a:extLst>
-              <a:ext uri="{FF2B5EF4-FFF2-40B4-BE49-F238E27FC236}">
-                <a16:creationId xmlns:a16="http://schemas.microsoft.com/office/drawing/2014/main" id="{4BCCE717-1B93-CB5A-606B-91B7DF303444}"/>
-              </a:ext>
-            </a:extLst>
-          </p:cNvPr>
-          <p:cNvSpPr>
-            <a:spLocks noGrp="1"/>
-          </p:cNvSpPr>
-          <p:nvPr>
-            <p:ph sz="half" idx="2"/>
-          </p:nvPr>
-        </p:nvSpPr>
-        <p:spPr/>
-        <p:txBody>
-          <a:bodyPr/>
-          <a:lstStyle/>
-          <a:p>
-            <a:r>
-              <a:rPr lang="nl-BE" dirty="0"/>
-              <a:t>Wanneer armen correct gericht </a:t>
-            </a:r>
-            <a:r>
-              <a:rPr lang="nl-BE" dirty="0">
-                <a:sym typeface="Wingdings" panose="05000000000000000000" pitchFamily="2" charset="2"/>
-              </a:rPr>
-              <a:t> signaal  werking pomp</a:t>
-            </a:r>
-          </a:p>
-          <a:p>
-            <a:r>
-              <a:rPr lang="nl-BE" dirty="0" err="1">
-                <a:sym typeface="Wingdings" panose="05000000000000000000" pitchFamily="2" charset="2"/>
-              </a:rPr>
-              <a:t>Whadda</a:t>
-            </a:r>
-            <a:r>
-              <a:rPr lang="nl-BE" dirty="0">
-                <a:sym typeface="Wingdings" panose="05000000000000000000" pitchFamily="2" charset="2"/>
-              </a:rPr>
-              <a:t> waterflowsensor treed in werking voor eventuele aanpassingen van hoek </a:t>
-            </a:r>
-          </a:p>
-          <a:p>
-            <a:r>
-              <a:rPr lang="nl-BE" dirty="0">
-                <a:sym typeface="Wingdings" panose="05000000000000000000" pitchFamily="2" charset="2"/>
-              </a:rPr>
-              <a:t>Juiste hoeveelheid water + ingerekende verspilling water wegspuiten</a:t>
-            </a:r>
-          </a:p>
-          <a:p>
-            <a:endParaRPr lang="nl-BE" dirty="0"/>
-          </a:p>
-        </p:txBody>
-      </p:sp>
-      <p:sp>
-        <p:nvSpPr>
           <p:cNvPr id="6" name="Footer Placeholder 5">
             <a:extLst>
               <a:ext uri="{FF2B5EF4-FFF2-40B4-BE49-F238E27FC236}">
@@ -8417,10 +8325,39 @@
           </a:p>
         </p:txBody>
       </p:sp>
+      <p:pic>
+        <p:nvPicPr>
+          <p:cNvPr id="3" name="Afbeelding 2">
+            <a:extLst>
+              <a:ext uri="{FF2B5EF4-FFF2-40B4-BE49-F238E27FC236}">
+                <a16:creationId xmlns:a16="http://schemas.microsoft.com/office/drawing/2014/main" id="{CA6E668C-93F3-C304-C3B2-4223803B50ED}"/>
+              </a:ext>
+            </a:extLst>
+          </p:cNvPr>
+          <p:cNvPicPr>
+            <a:picLocks noChangeAspect="1"/>
+          </p:cNvPicPr>
+          <p:nvPr/>
+        </p:nvPicPr>
+        <p:blipFill rotWithShape="1">
+          <a:blip r:embed="rId2"/>
+          <a:srcRect l="25944" t="18231" r="29592" b="15510"/>
+          <a:stretch/>
+        </p:blipFill>
+        <p:spPr>
+          <a:xfrm>
+            <a:off x="2593911" y="618456"/>
+            <a:ext cx="6475444" cy="5427782"/>
+          </a:xfrm>
+          <a:prstGeom prst="rect">
+            <a:avLst/>
+          </a:prstGeom>
+        </p:spPr>
+      </p:pic>
     </p:spTree>
     <p:extLst>
       <p:ext uri="{BB962C8B-B14F-4D97-AF65-F5344CB8AC3E}">
-        <p14:creationId xmlns:p14="http://schemas.microsoft.com/office/powerpoint/2010/main" val="387171481"/>
+        <p14:creationId xmlns:p14="http://schemas.microsoft.com/office/powerpoint/2010/main" val="4058785787"/>
       </p:ext>
     </p:extLst>
   </p:cSld>
@@ -8449,10 +8386,245 @@
       </p:grpSpPr>
       <p:sp>
         <p:nvSpPr>
-          <p:cNvPr id="6" name="Footer Placeholder 5">
+          <p:cNvPr id="2" name="Content Placeholder 1">
             <a:extLst>
               <a:ext uri="{FF2B5EF4-FFF2-40B4-BE49-F238E27FC236}">
-                <a16:creationId xmlns:a16="http://schemas.microsoft.com/office/drawing/2014/main" id="{E13CA08D-D5EF-EEAC-9FE9-44301BE6DDF9}"/>
+                <a16:creationId xmlns:a16="http://schemas.microsoft.com/office/drawing/2014/main" id="{9572C954-C83C-EE79-685B-900385B3EC4B}"/>
+              </a:ext>
+            </a:extLst>
+          </p:cNvPr>
+          <p:cNvSpPr>
+            <a:spLocks noGrp="1"/>
+          </p:cNvSpPr>
+          <p:nvPr>
+            <p:ph idx="1"/>
+          </p:nvPr>
+        </p:nvSpPr>
+        <p:spPr>
+          <a:xfrm>
+            <a:off x="576000" y="1656000"/>
+            <a:ext cx="11041200" cy="4554000"/>
+          </a:xfrm>
+        </p:spPr>
+        <p:txBody>
+          <a:bodyPr>
+            <a:normAutofit fontScale="85000" lnSpcReduction="20000"/>
+          </a:bodyPr>
+          <a:lstStyle/>
+          <a:p>
+            <a:pPr marL="457200" indent="-457200">
+              <a:buFont typeface="+mj-lt"/>
+              <a:buAutoNum type="arabicPeriod"/>
+            </a:pPr>
+            <a:r>
+              <a:rPr lang="nl-BE" dirty="0">
+                <a:solidFill>
+                  <a:schemeClr val="bg2">
+                    <a:lumMod val="75000"/>
+                  </a:schemeClr>
+                </a:solidFill>
+              </a:rPr>
+              <a:t>Inleiding</a:t>
+            </a:r>
+          </a:p>
+          <a:p>
+            <a:pPr marL="457200" indent="-457200">
+              <a:buFont typeface="+mj-lt"/>
+              <a:buAutoNum type="arabicPeriod"/>
+            </a:pPr>
+            <a:r>
+              <a:rPr lang="nl-BE" dirty="0">
+                <a:solidFill>
+                  <a:schemeClr val="bg2">
+                    <a:lumMod val="75000"/>
+                  </a:schemeClr>
+                </a:solidFill>
+              </a:rPr>
+              <a:t>Ontwerp</a:t>
+            </a:r>
+          </a:p>
+          <a:p>
+            <a:pPr marL="457200" indent="-457200">
+              <a:buFont typeface="+mj-lt"/>
+              <a:buAutoNum type="arabicPeriod"/>
+            </a:pPr>
+            <a:r>
+              <a:rPr lang="nl-BE" dirty="0">
+                <a:solidFill>
+                  <a:schemeClr val="bg2">
+                    <a:lumMod val="75000"/>
+                  </a:schemeClr>
+                </a:solidFill>
+              </a:rPr>
+              <a:t>Stappen</a:t>
+            </a:r>
+          </a:p>
+          <a:p>
+            <a:pPr marL="914400" lvl="1" indent="-457200">
+              <a:buFont typeface="+mj-lt"/>
+              <a:buAutoNum type="arabicPeriod"/>
+            </a:pPr>
+            <a:r>
+              <a:rPr lang="nl-BE" dirty="0">
+                <a:solidFill>
+                  <a:schemeClr val="bg2">
+                    <a:lumMod val="75000"/>
+                  </a:schemeClr>
+                </a:solidFill>
+              </a:rPr>
+              <a:t>Detectie en lokalisatie</a:t>
+            </a:r>
+          </a:p>
+          <a:p>
+            <a:pPr marL="914400" lvl="1" indent="-457200">
+              <a:buFont typeface="+mj-lt"/>
+              <a:buAutoNum type="arabicPeriod"/>
+            </a:pPr>
+            <a:r>
+              <a:rPr lang="nl-BE" dirty="0">
+                <a:solidFill>
+                  <a:schemeClr val="bg2">
+                    <a:lumMod val="75000"/>
+                  </a:schemeClr>
+                </a:solidFill>
+              </a:rPr>
+              <a:t>Richten</a:t>
+            </a:r>
+          </a:p>
+          <a:p>
+            <a:pPr marL="914400" lvl="1" indent="-457200">
+              <a:buFont typeface="+mj-lt"/>
+              <a:buAutoNum type="arabicPeriod"/>
+            </a:pPr>
+            <a:r>
+              <a:rPr lang="nl-BE" dirty="0">
+                <a:solidFill>
+                  <a:schemeClr val="bg2">
+                    <a:lumMod val="75000"/>
+                  </a:schemeClr>
+                </a:solidFill>
+              </a:rPr>
+              <a:t>Blussen</a:t>
+            </a:r>
+          </a:p>
+          <a:p>
+            <a:pPr marL="457200" indent="-457200">
+              <a:lnSpc>
+                <a:spcPct val="110000"/>
+              </a:lnSpc>
+              <a:buFont typeface="+mj-lt"/>
+              <a:buAutoNum type="arabicPeriod"/>
+            </a:pPr>
+            <a:r>
+              <a:rPr lang="nl-BE" dirty="0"/>
+              <a:t>Prototype</a:t>
+            </a:r>
+          </a:p>
+          <a:p>
+            <a:pPr marL="914400" lvl="1" indent="-457200">
+              <a:buFont typeface="+mj-lt"/>
+              <a:buAutoNum type="arabicPeriod"/>
+            </a:pPr>
+            <a:r>
+              <a:rPr lang="nl-BE" dirty="0">
+                <a:solidFill>
+                  <a:srgbClr val="2F4D5D"/>
+                </a:solidFill>
+              </a:rPr>
+              <a:t>Constructie</a:t>
+            </a:r>
+          </a:p>
+          <a:p>
+            <a:pPr marL="914400" lvl="1" indent="-457200">
+              <a:buFont typeface="+mj-lt"/>
+              <a:buAutoNum type="arabicPeriod"/>
+            </a:pPr>
+            <a:r>
+              <a:rPr lang="nl-BE" dirty="0">
+                <a:solidFill>
+                  <a:srgbClr val="2F4D5D"/>
+                </a:solidFill>
+              </a:rPr>
+              <a:t>Elektrisch circuit</a:t>
+            </a:r>
+          </a:p>
+          <a:p>
+            <a:pPr marL="914400" lvl="1" indent="-457200">
+              <a:buFont typeface="+mj-lt"/>
+              <a:buAutoNum type="arabicPeriod"/>
+            </a:pPr>
+            <a:r>
+              <a:rPr lang="nl-BE" dirty="0">
+                <a:solidFill>
+                  <a:srgbClr val="2F4D5D"/>
+                </a:solidFill>
+              </a:rPr>
+              <a:t>Roterend platform, arm en spuit</a:t>
+            </a:r>
+          </a:p>
+          <a:p>
+            <a:pPr marL="457200" indent="-457200">
+              <a:buFont typeface="+mj-lt"/>
+              <a:buAutoNum type="arabicPeriod"/>
+            </a:pPr>
+            <a:r>
+              <a:rPr lang="nl-BE" dirty="0">
+                <a:solidFill>
+                  <a:schemeClr val="bg2">
+                    <a:lumMod val="75000"/>
+                  </a:schemeClr>
+                </a:solidFill>
+              </a:rPr>
+              <a:t>Resultaten</a:t>
+            </a:r>
+          </a:p>
+          <a:p>
+            <a:pPr marL="457200" indent="-457200">
+              <a:buFont typeface="+mj-lt"/>
+              <a:buAutoNum type="arabicPeriod"/>
+            </a:pPr>
+            <a:r>
+              <a:rPr lang="nl-BE" dirty="0">
+                <a:solidFill>
+                  <a:schemeClr val="bg2">
+                    <a:lumMod val="75000"/>
+                  </a:schemeClr>
+                </a:solidFill>
+              </a:rPr>
+              <a:t>Besluit</a:t>
+            </a:r>
+          </a:p>
+          <a:p>
+            <a:pPr marL="457200" indent="-457200">
+              <a:buFont typeface="+mj-lt"/>
+              <a:buAutoNum type="arabicPeriod"/>
+            </a:pPr>
+            <a:r>
+              <a:rPr lang="nl-BE" dirty="0">
+                <a:solidFill>
+                  <a:schemeClr val="bg2">
+                    <a:lumMod val="75000"/>
+                  </a:schemeClr>
+                </a:solidFill>
+              </a:rPr>
+              <a:t>Bibliografie</a:t>
+            </a:r>
+          </a:p>
+          <a:p>
+            <a:pPr marL="457200" indent="-457200">
+              <a:buFont typeface="+mj-lt"/>
+              <a:buAutoNum type="arabicPeriod"/>
+            </a:pPr>
+            <a:endParaRPr lang="nl-BE" dirty="0"/>
+          </a:p>
+        </p:txBody>
+      </p:sp>
+      <p:sp>
+        <p:nvSpPr>
+          <p:cNvPr id="3" name="Footer Placeholder 2">
+            <a:extLst>
+              <a:ext uri="{FF2B5EF4-FFF2-40B4-BE49-F238E27FC236}">
+                <a16:creationId xmlns:a16="http://schemas.microsoft.com/office/drawing/2014/main" id="{87B9D861-BADE-1735-BC5D-FB0CE4C31EFE}"/>
               </a:ext>
             </a:extLst>
           </p:cNvPr>
@@ -8477,10 +8649,10 @@
       </p:sp>
       <p:sp>
         <p:nvSpPr>
-          <p:cNvPr id="7" name="Slide Number Placeholder 6">
+          <p:cNvPr id="4" name="Slide Number Placeholder 3">
             <a:extLst>
               <a:ext uri="{FF2B5EF4-FFF2-40B4-BE49-F238E27FC236}">
-                <a16:creationId xmlns:a16="http://schemas.microsoft.com/office/drawing/2014/main" id="{B6711DA2-BB57-AD9E-12B5-F7ABC208B350}"/>
+                <a16:creationId xmlns:a16="http://schemas.microsoft.com/office/drawing/2014/main" id="{FC23E00C-3A77-A444-8280-8A8A5D17B5DF}"/>
               </a:ext>
             </a:extLst>
           </p:cNvPr>
@@ -8506,10 +8678,10 @@
       </p:sp>
       <p:sp>
         <p:nvSpPr>
-          <p:cNvPr id="8" name="Title 7">
+          <p:cNvPr id="5" name="Title 4">
             <a:extLst>
               <a:ext uri="{FF2B5EF4-FFF2-40B4-BE49-F238E27FC236}">
-                <a16:creationId xmlns:a16="http://schemas.microsoft.com/office/drawing/2014/main" id="{7475CB8F-7F64-009D-D0F4-18C7B69D1AE7}"/>
+                <a16:creationId xmlns:a16="http://schemas.microsoft.com/office/drawing/2014/main" id="{344F2F4D-955A-2213-B685-181EC6CE1CBA}"/>
               </a:ext>
             </a:extLst>
           </p:cNvPr>
@@ -8527,73 +8699,15 @@
           <a:p>
             <a:r>
               <a:rPr lang="nl-BE" dirty="0"/>
-              <a:t>Blussen</a:t>
-            </a:r>
-          </a:p>
-        </p:txBody>
-      </p:sp>
-      <p:pic>
-        <p:nvPicPr>
-          <p:cNvPr id="10" name="Picture 9" descr="Diagram&#10;&#10;Description automatically generated">
-            <a:extLst>
-              <a:ext uri="{FF2B5EF4-FFF2-40B4-BE49-F238E27FC236}">
-                <a16:creationId xmlns:a16="http://schemas.microsoft.com/office/drawing/2014/main" id="{8718F5DC-CE2F-9D0A-B521-AFFC69626CC2}"/>
-              </a:ext>
-            </a:extLst>
-          </p:cNvPr>
-          <p:cNvPicPr>
-            <a:picLocks noChangeAspect="1"/>
-          </p:cNvPicPr>
-          <p:nvPr/>
-        </p:nvPicPr>
-        <p:blipFill rotWithShape="1">
-          <a:blip r:embed="rId2"/>
-          <a:srcRect t="51771"/>
-          <a:stretch/>
-        </p:blipFill>
-        <p:spPr>
-          <a:xfrm>
-            <a:off x="6370713" y="2912417"/>
-            <a:ext cx="4387483" cy="3185641"/>
-          </a:xfrm>
-          <a:prstGeom prst="rect">
-            <a:avLst/>
-          </a:prstGeom>
-        </p:spPr>
-      </p:pic>
-      <p:pic>
-        <p:nvPicPr>
-          <p:cNvPr id="9" name="Picture 9" descr="Diagram&#10;&#10;Description automatically generated">
-            <a:extLst>
-              <a:ext uri="{FF2B5EF4-FFF2-40B4-BE49-F238E27FC236}">
-                <a16:creationId xmlns:a16="http://schemas.microsoft.com/office/drawing/2014/main" id="{16C4ADDA-D7E4-C6C4-97DB-22874BF23808}"/>
-              </a:ext>
-            </a:extLst>
-          </p:cNvPr>
-          <p:cNvPicPr>
-            <a:picLocks noChangeAspect="1"/>
-          </p:cNvPicPr>
-          <p:nvPr/>
-        </p:nvPicPr>
-        <p:blipFill rotWithShape="1">
-          <a:blip r:embed="rId2"/>
-          <a:srcRect b="48228"/>
-          <a:stretch/>
-        </p:blipFill>
-        <p:spPr>
-          <a:xfrm>
-            <a:off x="1255553" y="1097779"/>
-            <a:ext cx="4565736" cy="3558623"/>
-          </a:xfrm>
-          <a:prstGeom prst="rect">
-            <a:avLst/>
-          </a:prstGeom>
-        </p:spPr>
-      </p:pic>
+              <a:t>Overzicht</a:t>
+            </a:r>
+          </a:p>
+        </p:txBody>
+      </p:sp>
     </p:spTree>
     <p:extLst>
       <p:ext uri="{BB962C8B-B14F-4D97-AF65-F5344CB8AC3E}">
-        <p14:creationId xmlns:p14="http://schemas.microsoft.com/office/powerpoint/2010/main" val="4058785787"/>
+        <p14:creationId xmlns:p14="http://schemas.microsoft.com/office/powerpoint/2010/main" val="244562561"/>
       </p:ext>
     </p:extLst>
   </p:cSld>
@@ -8745,14 +8859,17 @@
           </a:p>
           <a:p>
             <a:pPr marL="457200" indent="-457200">
-              <a:lnSpc>
-                <a:spcPct val="110000"/>
-              </a:lnSpc>
-              <a:buFont typeface="+mj-lt"/>
-              <a:buAutoNum type="arabicPeriod"/>
-            </a:pPr>
-            <a:r>
-              <a:rPr lang="nl-BE" dirty="0"/>
+              <a:buFont typeface="+mj-lt"/>
+              <a:buAutoNum type="arabicPeriod"/>
+            </a:pPr>
+            <a:r>
+              <a:rPr lang="nl-BE" dirty="0">
+                <a:solidFill>
+                  <a:schemeClr val="bg2">
+                    <a:lumMod val="75000"/>
+                  </a:schemeClr>
+                </a:solidFill>
+              </a:rPr>
               <a:t>Prototype</a:t>
             </a:r>
           </a:p>
@@ -8778,7 +8895,9 @@
             <a:r>
               <a:rPr lang="nl-BE" dirty="0">
                 <a:solidFill>
-                  <a:srgbClr val="2F4D5D"/>
+                  <a:schemeClr val="bg2">
+                    <a:lumMod val="75000"/>
+                  </a:schemeClr>
                 </a:solidFill>
               </a:rPr>
               <a:t>Elektrisch circuit</a:t>
@@ -8792,7 +8911,9 @@
             <a:r>
               <a:rPr lang="nl-BE" dirty="0">
                 <a:solidFill>
-                  <a:srgbClr val="2F4D5D"/>
+                  <a:schemeClr val="bg2">
+                    <a:lumMod val="75000"/>
+                  </a:schemeClr>
                 </a:solidFill>
               </a:rPr>
               <a:t>Roterend platform, arm en spuit</a:t>
@@ -8943,7 +9064,7 @@
     </p:spTree>
     <p:extLst>
       <p:ext uri="{BB962C8B-B14F-4D97-AF65-F5344CB8AC3E}">
-        <p14:creationId xmlns:p14="http://schemas.microsoft.com/office/powerpoint/2010/main" val="244562561"/>
+        <p14:creationId xmlns:p14="http://schemas.microsoft.com/office/powerpoint/2010/main" val="3193707533"/>
       </p:ext>
     </p:extLst>
   </p:cSld>
@@ -8972,10 +9093,10 @@
       </p:grpSpPr>
       <p:sp>
         <p:nvSpPr>
-          <p:cNvPr id="2" name="Content Placeholder 1">
+          <p:cNvPr id="2" name="Tijdelijke aanduiding voor inhoud 1">
             <a:extLst>
               <a:ext uri="{FF2B5EF4-FFF2-40B4-BE49-F238E27FC236}">
-                <a16:creationId xmlns:a16="http://schemas.microsoft.com/office/drawing/2014/main" id="{9572C954-C83C-EE79-685B-900385B3EC4B}"/>
+                <a16:creationId xmlns:a16="http://schemas.microsoft.com/office/drawing/2014/main" id="{B6A60DE6-3A34-E74A-CDA5-9F19F9AF0987}"/>
               </a:ext>
             </a:extLst>
           </p:cNvPr>
@@ -8986,238 +9107,21 @@
             <p:ph idx="1"/>
           </p:nvPr>
         </p:nvSpPr>
-        <p:spPr>
-          <a:xfrm>
-            <a:off x="576000" y="1656000"/>
-            <a:ext cx="11041200" cy="4554000"/>
-          </a:xfrm>
-        </p:spPr>
-        <p:txBody>
-          <a:bodyPr>
-            <a:normAutofit fontScale="85000" lnSpcReduction="20000"/>
-          </a:bodyPr>
-          <a:lstStyle/>
-          <a:p>
-            <a:pPr marL="457200" indent="-457200">
-              <a:buFont typeface="+mj-lt"/>
-              <a:buAutoNum type="arabicPeriod"/>
-            </a:pPr>
-            <a:r>
-              <a:rPr lang="nl-BE" dirty="0">
-                <a:solidFill>
-                  <a:schemeClr val="bg2">
-                    <a:lumMod val="75000"/>
-                  </a:schemeClr>
-                </a:solidFill>
-              </a:rPr>
-              <a:t>Inleiding</a:t>
-            </a:r>
-          </a:p>
-          <a:p>
-            <a:pPr marL="457200" indent="-457200">
-              <a:buFont typeface="+mj-lt"/>
-              <a:buAutoNum type="arabicPeriod"/>
-            </a:pPr>
-            <a:r>
-              <a:rPr lang="nl-BE" dirty="0">
-                <a:solidFill>
-                  <a:schemeClr val="bg2">
-                    <a:lumMod val="75000"/>
-                  </a:schemeClr>
-                </a:solidFill>
-              </a:rPr>
-              <a:t>Ontwerp</a:t>
-            </a:r>
-          </a:p>
-          <a:p>
-            <a:pPr marL="457200" indent="-457200">
-              <a:buFont typeface="+mj-lt"/>
-              <a:buAutoNum type="arabicPeriod"/>
-            </a:pPr>
-            <a:r>
-              <a:rPr lang="nl-BE" dirty="0">
-                <a:solidFill>
-                  <a:schemeClr val="bg2">
-                    <a:lumMod val="75000"/>
-                  </a:schemeClr>
-                </a:solidFill>
-              </a:rPr>
-              <a:t>Stappen</a:t>
-            </a:r>
-          </a:p>
-          <a:p>
-            <a:pPr marL="914400" lvl="1" indent="-457200">
-              <a:buFont typeface="+mj-lt"/>
-              <a:buAutoNum type="arabicPeriod"/>
-            </a:pPr>
-            <a:r>
-              <a:rPr lang="nl-BE" dirty="0">
-                <a:solidFill>
-                  <a:schemeClr val="bg2">
-                    <a:lumMod val="75000"/>
-                  </a:schemeClr>
-                </a:solidFill>
-              </a:rPr>
-              <a:t>Detectie en lokalisatie</a:t>
-            </a:r>
-          </a:p>
-          <a:p>
-            <a:pPr marL="914400" lvl="1" indent="-457200">
-              <a:buFont typeface="+mj-lt"/>
-              <a:buAutoNum type="arabicPeriod"/>
-            </a:pPr>
-            <a:r>
-              <a:rPr lang="nl-BE" dirty="0">
-                <a:solidFill>
-                  <a:schemeClr val="bg2">
-                    <a:lumMod val="75000"/>
-                  </a:schemeClr>
-                </a:solidFill>
-              </a:rPr>
-              <a:t>Richten</a:t>
-            </a:r>
-          </a:p>
-          <a:p>
-            <a:pPr marL="914400" lvl="1" indent="-457200">
-              <a:buFont typeface="+mj-lt"/>
-              <a:buAutoNum type="arabicPeriod"/>
-            </a:pPr>
-            <a:r>
-              <a:rPr lang="nl-BE" dirty="0">
-                <a:solidFill>
-                  <a:schemeClr val="bg2">
-                    <a:lumMod val="75000"/>
-                  </a:schemeClr>
-                </a:solidFill>
-              </a:rPr>
-              <a:t>Blussen</a:t>
-            </a:r>
-          </a:p>
-          <a:p>
-            <a:pPr marL="457200" indent="-457200">
-              <a:buFont typeface="+mj-lt"/>
-              <a:buAutoNum type="arabicPeriod"/>
-            </a:pPr>
-            <a:r>
-              <a:rPr lang="nl-BE" dirty="0">
-                <a:solidFill>
-                  <a:schemeClr val="bg2">
-                    <a:lumMod val="75000"/>
-                  </a:schemeClr>
-                </a:solidFill>
-              </a:rPr>
-              <a:t>Prototype</a:t>
-            </a:r>
-          </a:p>
-          <a:p>
-            <a:pPr marL="914400" lvl="1" indent="-457200">
-              <a:buFont typeface="+mj-lt"/>
-              <a:buAutoNum type="arabicPeriod"/>
-            </a:pPr>
-            <a:r>
-              <a:rPr lang="nl-BE" dirty="0">
-                <a:solidFill>
-                  <a:srgbClr val="2F4D5D"/>
-                </a:solidFill>
-              </a:rPr>
-              <a:t>Constructie</a:t>
-            </a:r>
-          </a:p>
-          <a:p>
-            <a:pPr marL="914400" lvl="1" indent="-457200">
-              <a:buFont typeface="+mj-lt"/>
-              <a:buAutoNum type="arabicPeriod"/>
-            </a:pPr>
-            <a:r>
-              <a:rPr lang="nl-BE" dirty="0">
-                <a:solidFill>
-                  <a:schemeClr val="bg2">
-                    <a:lumMod val="75000"/>
-                  </a:schemeClr>
-                </a:solidFill>
-              </a:rPr>
-              <a:t>Elektrisch circuit</a:t>
-            </a:r>
-          </a:p>
-          <a:p>
-            <a:pPr marL="914400" lvl="1" indent="-457200">
-              <a:buFont typeface="+mj-lt"/>
-              <a:buAutoNum type="arabicPeriod"/>
-            </a:pPr>
-            <a:r>
-              <a:rPr lang="nl-BE" dirty="0">
-                <a:solidFill>
-                  <a:schemeClr val="bg2">
-                    <a:lumMod val="75000"/>
-                  </a:schemeClr>
-                </a:solidFill>
-              </a:rPr>
-              <a:t>Roterend platform, arm en spuit</a:t>
-            </a:r>
-          </a:p>
-          <a:p>
-            <a:pPr marL="457200" indent="-457200">
-              <a:buFont typeface="+mj-lt"/>
-              <a:buAutoNum type="arabicPeriod"/>
-            </a:pPr>
-            <a:r>
-              <a:rPr lang="nl-BE" dirty="0">
-                <a:solidFill>
-                  <a:schemeClr val="bg2">
-                    <a:lumMod val="75000"/>
-                  </a:schemeClr>
-                </a:solidFill>
-              </a:rPr>
-              <a:t>Resultaten</a:t>
-            </a:r>
-          </a:p>
-          <a:p>
-            <a:pPr marL="457200" indent="-457200">
-              <a:buFont typeface="+mj-lt"/>
-              <a:buAutoNum type="arabicPeriod"/>
-            </a:pPr>
-            <a:r>
-              <a:rPr lang="nl-BE" dirty="0">
-                <a:solidFill>
-                  <a:schemeClr val="bg2">
-                    <a:lumMod val="75000"/>
-                  </a:schemeClr>
-                </a:solidFill>
-              </a:rPr>
-              <a:t>Besluit</a:t>
-            </a:r>
-          </a:p>
-          <a:p>
-            <a:pPr marL="457200" indent="-457200">
-              <a:buFont typeface="+mj-lt"/>
-              <a:buAutoNum type="arabicPeriod"/>
-            </a:pPr>
-            <a:r>
-              <a:rPr lang="nl-BE" dirty="0">
-                <a:solidFill>
-                  <a:schemeClr val="bg2">
-                    <a:lumMod val="75000"/>
-                  </a:schemeClr>
-                </a:solidFill>
-              </a:rPr>
-              <a:t>Bibliografie</a:t>
-            </a:r>
-          </a:p>
-          <a:p>
-            <a:pPr marL="457200" indent="-457200">
-              <a:buFont typeface="+mj-lt"/>
-              <a:buAutoNum type="arabicPeriod"/>
-            </a:pPr>
-            <a:endParaRPr lang="nl-BE" dirty="0"/>
-          </a:p>
-        </p:txBody>
-      </p:sp>
-      <p:sp>
-        <p:nvSpPr>
-          <p:cNvPr id="3" name="Footer Placeholder 2">
+        <p:spPr/>
+        <p:txBody>
+          <a:bodyPr/>
+          <a:lstStyle/>
+          <a:p>
+            <a:endParaRPr lang="nl-BE"/>
+          </a:p>
+        </p:txBody>
+      </p:sp>
+      <p:sp>
+        <p:nvSpPr>
+          <p:cNvPr id="3" name="Tijdelijke aanduiding voor voettekst 2">
             <a:extLst>
               <a:ext uri="{FF2B5EF4-FFF2-40B4-BE49-F238E27FC236}">
-                <a16:creationId xmlns:a16="http://schemas.microsoft.com/office/drawing/2014/main" id="{87B9D861-BADE-1735-BC5D-FB0CE4C31EFE}"/>
+                <a16:creationId xmlns:a16="http://schemas.microsoft.com/office/drawing/2014/main" id="{A3C45B16-4957-91EE-AB59-FA7A16363943}"/>
               </a:ext>
             </a:extLst>
           </p:cNvPr>
@@ -9242,10 +9146,10 @@
       </p:sp>
       <p:sp>
         <p:nvSpPr>
-          <p:cNvPr id="4" name="Slide Number Placeholder 3">
+          <p:cNvPr id="4" name="Tijdelijke aanduiding voor dianummer 3">
             <a:extLst>
               <a:ext uri="{FF2B5EF4-FFF2-40B4-BE49-F238E27FC236}">
-                <a16:creationId xmlns:a16="http://schemas.microsoft.com/office/drawing/2014/main" id="{FC23E00C-3A77-A444-8280-8A8A5D17B5DF}"/>
+                <a16:creationId xmlns:a16="http://schemas.microsoft.com/office/drawing/2014/main" id="{4EE68931-ACD6-F55B-AC2B-249F4D411F44}"/>
               </a:ext>
             </a:extLst>
           </p:cNvPr>
@@ -9271,10 +9175,10 @@
       </p:sp>
       <p:sp>
         <p:nvSpPr>
-          <p:cNvPr id="5" name="Title 4">
+          <p:cNvPr id="5" name="Titel 4">
             <a:extLst>
               <a:ext uri="{FF2B5EF4-FFF2-40B4-BE49-F238E27FC236}">
-                <a16:creationId xmlns:a16="http://schemas.microsoft.com/office/drawing/2014/main" id="{344F2F4D-955A-2213-B685-181EC6CE1CBA}"/>
+                <a16:creationId xmlns:a16="http://schemas.microsoft.com/office/drawing/2014/main" id="{5BD581BA-B1E3-532F-501B-AA34F183EF81}"/>
               </a:ext>
             </a:extLst>
           </p:cNvPr>
@@ -9292,7 +9196,7 @@
           <a:p>
             <a:r>
               <a:rPr lang="nl-BE" dirty="0"/>
-              <a:t>Overzicht</a:t>
+              <a:t>Constructie</a:t>
             </a:r>
           </a:p>
         </p:txBody>
@@ -9300,7 +9204,7 @@
     </p:spTree>
     <p:extLst>
       <p:ext uri="{BB962C8B-B14F-4D97-AF65-F5344CB8AC3E}">
-        <p14:creationId xmlns:p14="http://schemas.microsoft.com/office/powerpoint/2010/main" val="3193707533"/>
+        <p14:creationId xmlns:p14="http://schemas.microsoft.com/office/powerpoint/2010/main" val="3912640935"/>
       </p:ext>
     </p:extLst>
   </p:cSld>
@@ -9329,10 +9233,10 @@
       </p:grpSpPr>
       <p:sp>
         <p:nvSpPr>
-          <p:cNvPr id="2" name="Tijdelijke aanduiding voor inhoud 1">
+          <p:cNvPr id="2" name="Content Placeholder 1">
             <a:extLst>
               <a:ext uri="{FF2B5EF4-FFF2-40B4-BE49-F238E27FC236}">
-                <a16:creationId xmlns:a16="http://schemas.microsoft.com/office/drawing/2014/main" id="{B6A60DE6-3A34-E74A-CDA5-9F19F9AF0987}"/>
+                <a16:creationId xmlns:a16="http://schemas.microsoft.com/office/drawing/2014/main" id="{9572C954-C83C-EE79-685B-900385B3EC4B}"/>
               </a:ext>
             </a:extLst>
           </p:cNvPr>
@@ -9343,21 +9247,241 @@
             <p:ph idx="1"/>
           </p:nvPr>
         </p:nvSpPr>
-        <p:spPr/>
-        <p:txBody>
-          <a:bodyPr/>
-          <a:lstStyle/>
-          <a:p>
-            <a:endParaRPr lang="nl-BE"/>
-          </a:p>
-        </p:txBody>
-      </p:sp>
-      <p:sp>
-        <p:nvSpPr>
-          <p:cNvPr id="3" name="Tijdelijke aanduiding voor voettekst 2">
+        <p:spPr>
+          <a:xfrm>
+            <a:off x="576000" y="1656000"/>
+            <a:ext cx="11041200" cy="4554000"/>
+          </a:xfrm>
+        </p:spPr>
+        <p:txBody>
+          <a:bodyPr>
+            <a:normAutofit fontScale="85000" lnSpcReduction="20000"/>
+          </a:bodyPr>
+          <a:lstStyle/>
+          <a:p>
+            <a:pPr marL="457200" indent="-457200">
+              <a:buFont typeface="+mj-lt"/>
+              <a:buAutoNum type="arabicPeriod"/>
+            </a:pPr>
+            <a:r>
+              <a:rPr lang="nl-BE" dirty="0">
+                <a:solidFill>
+                  <a:schemeClr val="bg2">
+                    <a:lumMod val="75000"/>
+                  </a:schemeClr>
+                </a:solidFill>
+              </a:rPr>
+              <a:t>Inleiding</a:t>
+            </a:r>
+          </a:p>
+          <a:p>
+            <a:pPr marL="457200" indent="-457200">
+              <a:buFont typeface="+mj-lt"/>
+              <a:buAutoNum type="arabicPeriod"/>
+            </a:pPr>
+            <a:r>
+              <a:rPr lang="nl-BE" dirty="0">
+                <a:solidFill>
+                  <a:schemeClr val="bg2">
+                    <a:lumMod val="75000"/>
+                  </a:schemeClr>
+                </a:solidFill>
+              </a:rPr>
+              <a:t>Ontwerp</a:t>
+            </a:r>
+          </a:p>
+          <a:p>
+            <a:pPr marL="457200" indent="-457200">
+              <a:buFont typeface="+mj-lt"/>
+              <a:buAutoNum type="arabicPeriod"/>
+            </a:pPr>
+            <a:r>
+              <a:rPr lang="nl-BE" dirty="0">
+                <a:solidFill>
+                  <a:schemeClr val="bg2">
+                    <a:lumMod val="75000"/>
+                  </a:schemeClr>
+                </a:solidFill>
+              </a:rPr>
+              <a:t>Stappen</a:t>
+            </a:r>
+          </a:p>
+          <a:p>
+            <a:pPr marL="914400" lvl="1" indent="-457200">
+              <a:buFont typeface="+mj-lt"/>
+              <a:buAutoNum type="arabicPeriod"/>
+            </a:pPr>
+            <a:r>
+              <a:rPr lang="nl-BE" dirty="0">
+                <a:solidFill>
+                  <a:schemeClr val="bg2">
+                    <a:lumMod val="75000"/>
+                  </a:schemeClr>
+                </a:solidFill>
+              </a:rPr>
+              <a:t>Detectie en lokalisatie</a:t>
+            </a:r>
+          </a:p>
+          <a:p>
+            <a:pPr marL="914400" lvl="1" indent="-457200">
+              <a:buFont typeface="+mj-lt"/>
+              <a:buAutoNum type="arabicPeriod"/>
+            </a:pPr>
+            <a:r>
+              <a:rPr lang="nl-BE" dirty="0">
+                <a:solidFill>
+                  <a:schemeClr val="bg2">
+                    <a:lumMod val="75000"/>
+                  </a:schemeClr>
+                </a:solidFill>
+              </a:rPr>
+              <a:t>Richten</a:t>
+            </a:r>
+          </a:p>
+          <a:p>
+            <a:pPr marL="914400" lvl="1" indent="-457200">
+              <a:buFont typeface="+mj-lt"/>
+              <a:buAutoNum type="arabicPeriod"/>
+            </a:pPr>
+            <a:r>
+              <a:rPr lang="nl-BE" dirty="0">
+                <a:solidFill>
+                  <a:schemeClr val="bg2">
+                    <a:lumMod val="75000"/>
+                  </a:schemeClr>
+                </a:solidFill>
+              </a:rPr>
+              <a:t>Blussen</a:t>
+            </a:r>
+          </a:p>
+          <a:p>
+            <a:pPr marL="457200" indent="-457200">
+              <a:lnSpc>
+                <a:spcPct val="110000"/>
+              </a:lnSpc>
+              <a:buFont typeface="+mj-lt"/>
+              <a:buAutoNum type="arabicPeriod"/>
+            </a:pPr>
+            <a:r>
+              <a:rPr lang="nl-BE" dirty="0">
+                <a:solidFill>
+                  <a:schemeClr val="bg2">
+                    <a:lumMod val="75000"/>
+                  </a:schemeClr>
+                </a:solidFill>
+              </a:rPr>
+              <a:t>Prototype</a:t>
+            </a:r>
+          </a:p>
+          <a:p>
+            <a:pPr marL="914400" lvl="1" indent="-457200">
+              <a:buFont typeface="+mj-lt"/>
+              <a:buAutoNum type="arabicPeriod"/>
+            </a:pPr>
+            <a:r>
+              <a:rPr lang="nl-BE" dirty="0">
+                <a:solidFill>
+                  <a:schemeClr val="bg2">
+                    <a:lumMod val="75000"/>
+                  </a:schemeClr>
+                </a:solidFill>
+              </a:rPr>
+              <a:t>Constructie</a:t>
+            </a:r>
+          </a:p>
+          <a:p>
+            <a:pPr marL="914400" lvl="1" indent="-457200">
+              <a:buFont typeface="+mj-lt"/>
+              <a:buAutoNum type="arabicPeriod"/>
+            </a:pPr>
+            <a:r>
+              <a:rPr lang="nl-BE" dirty="0">
+                <a:solidFill>
+                  <a:srgbClr val="2F4D5D"/>
+                </a:solidFill>
+              </a:rPr>
+              <a:t>Elektrisch circuit</a:t>
+            </a:r>
+          </a:p>
+          <a:p>
+            <a:pPr marL="914400" lvl="1" indent="-457200">
+              <a:buFont typeface="+mj-lt"/>
+              <a:buAutoNum type="arabicPeriod"/>
+            </a:pPr>
+            <a:r>
+              <a:rPr lang="nl-BE" dirty="0">
+                <a:solidFill>
+                  <a:schemeClr val="bg2">
+                    <a:lumMod val="75000"/>
+                  </a:schemeClr>
+                </a:solidFill>
+              </a:rPr>
+              <a:t>Roterend platform, arm en spuit</a:t>
+            </a:r>
+          </a:p>
+          <a:p>
+            <a:pPr marL="457200" indent="-457200">
+              <a:buFont typeface="+mj-lt"/>
+              <a:buAutoNum type="arabicPeriod"/>
+            </a:pPr>
+            <a:r>
+              <a:rPr lang="nl-BE" dirty="0">
+                <a:solidFill>
+                  <a:schemeClr val="bg2">
+                    <a:lumMod val="75000"/>
+                  </a:schemeClr>
+                </a:solidFill>
+              </a:rPr>
+              <a:t>Resultaten</a:t>
+            </a:r>
+          </a:p>
+          <a:p>
+            <a:pPr marL="457200" indent="-457200">
+              <a:buFont typeface="+mj-lt"/>
+              <a:buAutoNum type="arabicPeriod"/>
+            </a:pPr>
+            <a:r>
+              <a:rPr lang="nl-BE" dirty="0">
+                <a:solidFill>
+                  <a:schemeClr val="bg2">
+                    <a:lumMod val="75000"/>
+                  </a:schemeClr>
+                </a:solidFill>
+              </a:rPr>
+              <a:t>Besluit</a:t>
+            </a:r>
+          </a:p>
+          <a:p>
+            <a:pPr marL="457200" indent="-457200">
+              <a:buFont typeface="+mj-lt"/>
+              <a:buAutoNum type="arabicPeriod"/>
+            </a:pPr>
+            <a:r>
+              <a:rPr lang="nl-BE" dirty="0">
+                <a:solidFill>
+                  <a:schemeClr val="bg2">
+                    <a:lumMod val="75000"/>
+                  </a:schemeClr>
+                </a:solidFill>
+              </a:rPr>
+              <a:t>Bibliografie</a:t>
+            </a:r>
+          </a:p>
+          <a:p>
+            <a:pPr marL="457200" indent="-457200">
+              <a:buFont typeface="+mj-lt"/>
+              <a:buAutoNum type="arabicPeriod"/>
+            </a:pPr>
+            <a:endParaRPr lang="nl-BE" dirty="0"/>
+          </a:p>
+        </p:txBody>
+      </p:sp>
+      <p:sp>
+        <p:nvSpPr>
+          <p:cNvPr id="3" name="Footer Placeholder 2">
             <a:extLst>
               <a:ext uri="{FF2B5EF4-FFF2-40B4-BE49-F238E27FC236}">
-                <a16:creationId xmlns:a16="http://schemas.microsoft.com/office/drawing/2014/main" id="{A3C45B16-4957-91EE-AB59-FA7A16363943}"/>
+                <a16:creationId xmlns:a16="http://schemas.microsoft.com/office/drawing/2014/main" id="{87B9D861-BADE-1735-BC5D-FB0CE4C31EFE}"/>
               </a:ext>
             </a:extLst>
           </p:cNvPr>
@@ -9382,10 +9506,10 @@
       </p:sp>
       <p:sp>
         <p:nvSpPr>
-          <p:cNvPr id="4" name="Tijdelijke aanduiding voor dianummer 3">
+          <p:cNvPr id="4" name="Slide Number Placeholder 3">
             <a:extLst>
               <a:ext uri="{FF2B5EF4-FFF2-40B4-BE49-F238E27FC236}">
-                <a16:creationId xmlns:a16="http://schemas.microsoft.com/office/drawing/2014/main" id="{4EE68931-ACD6-F55B-AC2B-249F4D411F44}"/>
+                <a16:creationId xmlns:a16="http://schemas.microsoft.com/office/drawing/2014/main" id="{FC23E00C-3A77-A444-8280-8A8A5D17B5DF}"/>
               </a:ext>
             </a:extLst>
           </p:cNvPr>
@@ -9411,10 +9535,10 @@
       </p:sp>
       <p:sp>
         <p:nvSpPr>
-          <p:cNvPr id="5" name="Titel 4">
+          <p:cNvPr id="5" name="Title 4">
             <a:extLst>
               <a:ext uri="{FF2B5EF4-FFF2-40B4-BE49-F238E27FC236}">
-                <a16:creationId xmlns:a16="http://schemas.microsoft.com/office/drawing/2014/main" id="{5BD581BA-B1E3-532F-501B-AA34F183EF81}"/>
+                <a16:creationId xmlns:a16="http://schemas.microsoft.com/office/drawing/2014/main" id="{344F2F4D-955A-2213-B685-181EC6CE1CBA}"/>
               </a:ext>
             </a:extLst>
           </p:cNvPr>
@@ -9432,7 +9556,7 @@
           <a:p>
             <a:r>
               <a:rPr lang="nl-BE" dirty="0"/>
-              <a:t>Constructie</a:t>
+              <a:t>Overzicht</a:t>
             </a:r>
           </a:p>
         </p:txBody>
@@ -9440,7 +9564,7 @@
     </p:spTree>
     <p:extLst>
       <p:ext uri="{BB962C8B-B14F-4D97-AF65-F5344CB8AC3E}">
-        <p14:creationId xmlns:p14="http://schemas.microsoft.com/office/powerpoint/2010/main" val="3912640935"/>
+        <p14:creationId xmlns:p14="http://schemas.microsoft.com/office/powerpoint/2010/main" val="2412665421"/>
       </p:ext>
     </p:extLst>
   </p:cSld>
@@ -9469,255 +9593,10 @@
       </p:grpSpPr>
       <p:sp>
         <p:nvSpPr>
-          <p:cNvPr id="2" name="Content Placeholder 1">
+          <p:cNvPr id="3" name="Tijdelijke aanduiding voor voettekst 2">
             <a:extLst>
               <a:ext uri="{FF2B5EF4-FFF2-40B4-BE49-F238E27FC236}">
-                <a16:creationId xmlns:a16="http://schemas.microsoft.com/office/drawing/2014/main" id="{9572C954-C83C-EE79-685B-900385B3EC4B}"/>
-              </a:ext>
-            </a:extLst>
-          </p:cNvPr>
-          <p:cNvSpPr>
-            <a:spLocks noGrp="1"/>
-          </p:cNvSpPr>
-          <p:nvPr>
-            <p:ph idx="1"/>
-          </p:nvPr>
-        </p:nvSpPr>
-        <p:spPr>
-          <a:xfrm>
-            <a:off x="576000" y="1656000"/>
-            <a:ext cx="11041200" cy="4554000"/>
-          </a:xfrm>
-        </p:spPr>
-        <p:txBody>
-          <a:bodyPr>
-            <a:normAutofit fontScale="85000" lnSpcReduction="20000"/>
-          </a:bodyPr>
-          <a:lstStyle/>
-          <a:p>
-            <a:pPr marL="457200" indent="-457200">
-              <a:buFont typeface="+mj-lt"/>
-              <a:buAutoNum type="arabicPeriod"/>
-            </a:pPr>
-            <a:r>
-              <a:rPr lang="nl-BE" dirty="0">
-                <a:solidFill>
-                  <a:schemeClr val="bg2">
-                    <a:lumMod val="75000"/>
-                  </a:schemeClr>
-                </a:solidFill>
-              </a:rPr>
-              <a:t>Inleiding</a:t>
-            </a:r>
-          </a:p>
-          <a:p>
-            <a:pPr marL="457200" indent="-457200">
-              <a:buFont typeface="+mj-lt"/>
-              <a:buAutoNum type="arabicPeriod"/>
-            </a:pPr>
-            <a:r>
-              <a:rPr lang="nl-BE" dirty="0">
-                <a:solidFill>
-                  <a:schemeClr val="bg2">
-                    <a:lumMod val="75000"/>
-                  </a:schemeClr>
-                </a:solidFill>
-              </a:rPr>
-              <a:t>Ontwerp</a:t>
-            </a:r>
-          </a:p>
-          <a:p>
-            <a:pPr marL="457200" indent="-457200">
-              <a:buFont typeface="+mj-lt"/>
-              <a:buAutoNum type="arabicPeriod"/>
-            </a:pPr>
-            <a:r>
-              <a:rPr lang="nl-BE" dirty="0">
-                <a:solidFill>
-                  <a:schemeClr val="bg2">
-                    <a:lumMod val="75000"/>
-                  </a:schemeClr>
-                </a:solidFill>
-              </a:rPr>
-              <a:t>Stappen</a:t>
-            </a:r>
-          </a:p>
-          <a:p>
-            <a:pPr marL="914400" lvl="1" indent="-457200">
-              <a:buFont typeface="+mj-lt"/>
-              <a:buAutoNum type="arabicPeriod"/>
-            </a:pPr>
-            <a:r>
-              <a:rPr lang="nl-BE" dirty="0">
-                <a:solidFill>
-                  <a:schemeClr val="bg2">
-                    <a:lumMod val="75000"/>
-                  </a:schemeClr>
-                </a:solidFill>
-              </a:rPr>
-              <a:t>Detectie en lokalisatie</a:t>
-            </a:r>
-          </a:p>
-          <a:p>
-            <a:pPr marL="914400" lvl="1" indent="-457200">
-              <a:buFont typeface="+mj-lt"/>
-              <a:buAutoNum type="arabicPeriod"/>
-            </a:pPr>
-            <a:r>
-              <a:rPr lang="nl-BE" dirty="0">
-                <a:solidFill>
-                  <a:schemeClr val="bg2">
-                    <a:lumMod val="75000"/>
-                  </a:schemeClr>
-                </a:solidFill>
-              </a:rPr>
-              <a:t>Richten</a:t>
-            </a:r>
-          </a:p>
-          <a:p>
-            <a:pPr marL="914400" lvl="1" indent="-457200">
-              <a:buFont typeface="+mj-lt"/>
-              <a:buAutoNum type="arabicPeriod"/>
-            </a:pPr>
-            <a:r>
-              <a:rPr lang="nl-BE" dirty="0">
-                <a:solidFill>
-                  <a:schemeClr val="bg2">
-                    <a:lumMod val="75000"/>
-                  </a:schemeClr>
-                </a:solidFill>
-              </a:rPr>
-              <a:t>Blussen</a:t>
-            </a:r>
-          </a:p>
-          <a:p>
-            <a:pPr marL="457200" indent="-457200">
-              <a:lnSpc>
-                <a:spcPct val="110000"/>
-              </a:lnSpc>
-              <a:buFont typeface="+mj-lt"/>
-              <a:buAutoNum type="arabicPeriod"/>
-            </a:pPr>
-            <a:r>
-              <a:rPr lang="nl-BE" dirty="0">
-                <a:solidFill>
-                  <a:schemeClr val="bg2">
-                    <a:lumMod val="75000"/>
-                  </a:schemeClr>
-                </a:solidFill>
-              </a:rPr>
-              <a:t>Prototype</a:t>
-            </a:r>
-          </a:p>
-          <a:p>
-            <a:pPr marL="914400" lvl="1" indent="-457200">
-              <a:buFont typeface="+mj-lt"/>
-              <a:buAutoNum type="arabicPeriod"/>
-            </a:pPr>
-            <a:r>
-              <a:rPr lang="nl-BE" dirty="0">
-                <a:solidFill>
-                  <a:schemeClr val="bg2">
-                    <a:lumMod val="75000"/>
-                  </a:schemeClr>
-                </a:solidFill>
-              </a:rPr>
-              <a:t>Constructie</a:t>
-            </a:r>
-          </a:p>
-          <a:p>
-            <a:pPr marL="914400" lvl="1" indent="-457200">
-              <a:buFont typeface="+mj-lt"/>
-              <a:buAutoNum type="arabicPeriod"/>
-            </a:pPr>
-            <a:r>
-              <a:rPr lang="nl-BE" dirty="0">
-                <a:solidFill>
-                  <a:srgbClr val="2F4D5D"/>
-                </a:solidFill>
-              </a:rPr>
-              <a:t>Elektrisch circuit</a:t>
-            </a:r>
-          </a:p>
-          <a:p>
-            <a:pPr marL="914400" lvl="1" indent="-457200">
-              <a:buFont typeface="+mj-lt"/>
-              <a:buAutoNum type="arabicPeriod"/>
-            </a:pPr>
-            <a:r>
-              <a:rPr lang="nl-BE" dirty="0">
-                <a:solidFill>
-                  <a:schemeClr val="bg2">
-                    <a:lumMod val="75000"/>
-                  </a:schemeClr>
-                </a:solidFill>
-              </a:rPr>
-              <a:t>Roterend platform, arm en spuit</a:t>
-            </a:r>
-          </a:p>
-          <a:p>
-            <a:pPr marL="457200" indent="-457200">
-              <a:buFont typeface="+mj-lt"/>
-              <a:buAutoNum type="arabicPeriod"/>
-            </a:pPr>
-            <a:r>
-              <a:rPr lang="nl-BE" dirty="0">
-                <a:solidFill>
-                  <a:schemeClr val="bg2">
-                    <a:lumMod val="75000"/>
-                  </a:schemeClr>
-                </a:solidFill>
-              </a:rPr>
-              <a:t>Resultaten</a:t>
-            </a:r>
-          </a:p>
-          <a:p>
-            <a:pPr marL="457200" indent="-457200">
-              <a:buFont typeface="+mj-lt"/>
-              <a:buAutoNum type="arabicPeriod"/>
-            </a:pPr>
-            <a:r>
-              <a:rPr lang="nl-BE" dirty="0">
-                <a:solidFill>
-                  <a:schemeClr val="bg2">
-                    <a:lumMod val="75000"/>
-                  </a:schemeClr>
-                </a:solidFill>
-              </a:rPr>
-              <a:t>Besluit</a:t>
-            </a:r>
-          </a:p>
-          <a:p>
-            <a:pPr marL="457200" indent="-457200">
-              <a:buFont typeface="+mj-lt"/>
-              <a:buAutoNum type="arabicPeriod"/>
-            </a:pPr>
-            <a:r>
-              <a:rPr lang="nl-BE" dirty="0">
-                <a:solidFill>
-                  <a:schemeClr val="bg2">
-                    <a:lumMod val="75000"/>
-                  </a:schemeClr>
-                </a:solidFill>
-              </a:rPr>
-              <a:t>Bibliografie</a:t>
-            </a:r>
-          </a:p>
-          <a:p>
-            <a:pPr marL="457200" indent="-457200">
-              <a:buFont typeface="+mj-lt"/>
-              <a:buAutoNum type="arabicPeriod"/>
-            </a:pPr>
-            <a:endParaRPr lang="nl-BE" dirty="0"/>
-          </a:p>
-        </p:txBody>
-      </p:sp>
-      <p:sp>
-        <p:nvSpPr>
-          <p:cNvPr id="3" name="Footer Placeholder 2">
-            <a:extLst>
-              <a:ext uri="{FF2B5EF4-FFF2-40B4-BE49-F238E27FC236}">
-                <a16:creationId xmlns:a16="http://schemas.microsoft.com/office/drawing/2014/main" id="{87B9D861-BADE-1735-BC5D-FB0CE4C31EFE}"/>
+                <a16:creationId xmlns:a16="http://schemas.microsoft.com/office/drawing/2014/main" id="{7A770359-8797-E265-1378-2D5B42C9615A}"/>
               </a:ext>
             </a:extLst>
           </p:cNvPr>
@@ -9742,10 +9621,10 @@
       </p:sp>
       <p:sp>
         <p:nvSpPr>
-          <p:cNvPr id="4" name="Slide Number Placeholder 3">
+          <p:cNvPr id="4" name="Tijdelijke aanduiding voor dianummer 3">
             <a:extLst>
               <a:ext uri="{FF2B5EF4-FFF2-40B4-BE49-F238E27FC236}">
-                <a16:creationId xmlns:a16="http://schemas.microsoft.com/office/drawing/2014/main" id="{FC23E00C-3A77-A444-8280-8A8A5D17B5DF}"/>
+                <a16:creationId xmlns:a16="http://schemas.microsoft.com/office/drawing/2014/main" id="{117E0DCE-45CC-5552-629C-E06CFA2D124C}"/>
               </a:ext>
             </a:extLst>
           </p:cNvPr>
@@ -9771,10 +9650,10 @@
       </p:sp>
       <p:sp>
         <p:nvSpPr>
-          <p:cNvPr id="5" name="Title 4">
+          <p:cNvPr id="5" name="Titel 4">
             <a:extLst>
               <a:ext uri="{FF2B5EF4-FFF2-40B4-BE49-F238E27FC236}">
-                <a16:creationId xmlns:a16="http://schemas.microsoft.com/office/drawing/2014/main" id="{344F2F4D-955A-2213-B685-181EC6CE1CBA}"/>
+                <a16:creationId xmlns:a16="http://schemas.microsoft.com/office/drawing/2014/main" id="{87E10DF5-024D-EAE4-4971-DDC79E51DB1B}"/>
               </a:ext>
             </a:extLst>
           </p:cNvPr>
@@ -9792,15 +9671,43 @@
           <a:p>
             <a:r>
               <a:rPr lang="nl-BE" dirty="0"/>
-              <a:t>Overzicht</a:t>
-            </a:r>
-          </a:p>
-        </p:txBody>
-      </p:sp>
+              <a:t>Elektrisch circuit</a:t>
+            </a:r>
+          </a:p>
+        </p:txBody>
+      </p:sp>
+      <p:pic>
+        <p:nvPicPr>
+          <p:cNvPr id="13" name="Tijdelijke aanduiding voor inhoud 12">
+            <a:extLst>
+              <a:ext uri="{FF2B5EF4-FFF2-40B4-BE49-F238E27FC236}">
+                <a16:creationId xmlns:a16="http://schemas.microsoft.com/office/drawing/2014/main" id="{B46517BD-7979-6DA3-FE0D-9D7FDBA73C20}"/>
+              </a:ext>
+            </a:extLst>
+          </p:cNvPr>
+          <p:cNvPicPr>
+            <a:picLocks noGrp="1" noChangeAspect="1"/>
+          </p:cNvPicPr>
+          <p:nvPr>
+            <p:ph idx="1"/>
+          </p:nvPr>
+        </p:nvPicPr>
+        <p:blipFill rotWithShape="1">
+          <a:blip r:embed="rId2"/>
+          <a:srcRect l="17736" t="17963" r="21009" b="21087"/>
+          <a:stretch/>
+        </p:blipFill>
+        <p:spPr>
+          <a:xfrm>
+            <a:off x="2276669" y="1359036"/>
+            <a:ext cx="8294913" cy="4642599"/>
+          </a:xfrm>
+        </p:spPr>
+      </p:pic>
     </p:spTree>
     <p:extLst>
       <p:ext uri="{BB962C8B-B14F-4D97-AF65-F5344CB8AC3E}">
-        <p14:creationId xmlns:p14="http://schemas.microsoft.com/office/powerpoint/2010/main" val="2412665421"/>
+        <p14:creationId xmlns:p14="http://schemas.microsoft.com/office/powerpoint/2010/main" val="657891824"/>
       </p:ext>
     </p:extLst>
   </p:cSld>
@@ -9829,10 +9736,255 @@
       </p:grpSpPr>
       <p:sp>
         <p:nvSpPr>
-          <p:cNvPr id="3" name="Tijdelijke aanduiding voor voettekst 2">
+          <p:cNvPr id="2" name="Content Placeholder 1">
             <a:extLst>
               <a:ext uri="{FF2B5EF4-FFF2-40B4-BE49-F238E27FC236}">
-                <a16:creationId xmlns:a16="http://schemas.microsoft.com/office/drawing/2014/main" id="{7A770359-8797-E265-1378-2D5B42C9615A}"/>
+                <a16:creationId xmlns:a16="http://schemas.microsoft.com/office/drawing/2014/main" id="{9572C954-C83C-EE79-685B-900385B3EC4B}"/>
+              </a:ext>
+            </a:extLst>
+          </p:cNvPr>
+          <p:cNvSpPr>
+            <a:spLocks noGrp="1"/>
+          </p:cNvSpPr>
+          <p:nvPr>
+            <p:ph idx="1"/>
+          </p:nvPr>
+        </p:nvSpPr>
+        <p:spPr>
+          <a:xfrm>
+            <a:off x="576000" y="1656000"/>
+            <a:ext cx="11041200" cy="4554000"/>
+          </a:xfrm>
+        </p:spPr>
+        <p:txBody>
+          <a:bodyPr>
+            <a:normAutofit fontScale="85000" lnSpcReduction="20000"/>
+          </a:bodyPr>
+          <a:lstStyle/>
+          <a:p>
+            <a:pPr marL="457200" indent="-457200">
+              <a:buFont typeface="+mj-lt"/>
+              <a:buAutoNum type="arabicPeriod"/>
+            </a:pPr>
+            <a:r>
+              <a:rPr lang="nl-BE" dirty="0">
+                <a:solidFill>
+                  <a:schemeClr val="bg2">
+                    <a:lumMod val="75000"/>
+                  </a:schemeClr>
+                </a:solidFill>
+              </a:rPr>
+              <a:t>Inleiding</a:t>
+            </a:r>
+          </a:p>
+          <a:p>
+            <a:pPr marL="457200" indent="-457200">
+              <a:buFont typeface="+mj-lt"/>
+              <a:buAutoNum type="arabicPeriod"/>
+            </a:pPr>
+            <a:r>
+              <a:rPr lang="nl-BE" dirty="0">
+                <a:solidFill>
+                  <a:schemeClr val="bg2">
+                    <a:lumMod val="75000"/>
+                  </a:schemeClr>
+                </a:solidFill>
+              </a:rPr>
+              <a:t>Ontwerp</a:t>
+            </a:r>
+          </a:p>
+          <a:p>
+            <a:pPr marL="457200" indent="-457200">
+              <a:buFont typeface="+mj-lt"/>
+              <a:buAutoNum type="arabicPeriod"/>
+            </a:pPr>
+            <a:r>
+              <a:rPr lang="nl-BE" dirty="0">
+                <a:solidFill>
+                  <a:schemeClr val="bg2">
+                    <a:lumMod val="75000"/>
+                  </a:schemeClr>
+                </a:solidFill>
+              </a:rPr>
+              <a:t>Stappen</a:t>
+            </a:r>
+          </a:p>
+          <a:p>
+            <a:pPr marL="914400" lvl="1" indent="-457200">
+              <a:buFont typeface="+mj-lt"/>
+              <a:buAutoNum type="arabicPeriod"/>
+            </a:pPr>
+            <a:r>
+              <a:rPr lang="nl-BE" dirty="0">
+                <a:solidFill>
+                  <a:schemeClr val="bg2">
+                    <a:lumMod val="75000"/>
+                  </a:schemeClr>
+                </a:solidFill>
+              </a:rPr>
+              <a:t>Detectie en lokalisatie</a:t>
+            </a:r>
+          </a:p>
+          <a:p>
+            <a:pPr marL="914400" lvl="1" indent="-457200">
+              <a:buFont typeface="+mj-lt"/>
+              <a:buAutoNum type="arabicPeriod"/>
+            </a:pPr>
+            <a:r>
+              <a:rPr lang="nl-BE" dirty="0">
+                <a:solidFill>
+                  <a:schemeClr val="bg2">
+                    <a:lumMod val="75000"/>
+                  </a:schemeClr>
+                </a:solidFill>
+              </a:rPr>
+              <a:t>Richten</a:t>
+            </a:r>
+          </a:p>
+          <a:p>
+            <a:pPr marL="914400" lvl="1" indent="-457200">
+              <a:buFont typeface="+mj-lt"/>
+              <a:buAutoNum type="arabicPeriod"/>
+            </a:pPr>
+            <a:r>
+              <a:rPr lang="nl-BE" dirty="0">
+                <a:solidFill>
+                  <a:schemeClr val="bg2">
+                    <a:lumMod val="75000"/>
+                  </a:schemeClr>
+                </a:solidFill>
+              </a:rPr>
+              <a:t>Blussen</a:t>
+            </a:r>
+          </a:p>
+          <a:p>
+            <a:pPr marL="457200" indent="-457200">
+              <a:lnSpc>
+                <a:spcPct val="110000"/>
+              </a:lnSpc>
+              <a:buFont typeface="+mj-lt"/>
+              <a:buAutoNum type="arabicPeriod"/>
+            </a:pPr>
+            <a:r>
+              <a:rPr lang="nl-BE" dirty="0">
+                <a:solidFill>
+                  <a:schemeClr val="bg2">
+                    <a:lumMod val="75000"/>
+                  </a:schemeClr>
+                </a:solidFill>
+              </a:rPr>
+              <a:t>Prototype</a:t>
+            </a:r>
+          </a:p>
+          <a:p>
+            <a:pPr marL="914400" lvl="1" indent="-457200">
+              <a:buFont typeface="+mj-lt"/>
+              <a:buAutoNum type="arabicPeriod"/>
+            </a:pPr>
+            <a:r>
+              <a:rPr lang="nl-BE" dirty="0">
+                <a:solidFill>
+                  <a:schemeClr val="bg2">
+                    <a:lumMod val="75000"/>
+                  </a:schemeClr>
+                </a:solidFill>
+              </a:rPr>
+              <a:t>Constructie</a:t>
+            </a:r>
+          </a:p>
+          <a:p>
+            <a:pPr marL="914400" lvl="1" indent="-457200">
+              <a:buFont typeface="+mj-lt"/>
+              <a:buAutoNum type="arabicPeriod"/>
+            </a:pPr>
+            <a:r>
+              <a:rPr lang="nl-BE" dirty="0">
+                <a:solidFill>
+                  <a:schemeClr val="bg2">
+                    <a:lumMod val="75000"/>
+                  </a:schemeClr>
+                </a:solidFill>
+              </a:rPr>
+              <a:t>Elektrisch circuit</a:t>
+            </a:r>
+          </a:p>
+          <a:p>
+            <a:pPr marL="914400" lvl="1" indent="-457200">
+              <a:buFont typeface="+mj-lt"/>
+              <a:buAutoNum type="arabicPeriod"/>
+            </a:pPr>
+            <a:r>
+              <a:rPr lang="nl-BE" dirty="0">
+                <a:solidFill>
+                  <a:srgbClr val="2F4D5D"/>
+                </a:solidFill>
+              </a:rPr>
+              <a:t>Roterend platform, arm en spuit</a:t>
+            </a:r>
+          </a:p>
+          <a:p>
+            <a:pPr marL="457200" indent="-457200">
+              <a:buFont typeface="+mj-lt"/>
+              <a:buAutoNum type="arabicPeriod"/>
+            </a:pPr>
+            <a:r>
+              <a:rPr lang="nl-BE" dirty="0">
+                <a:solidFill>
+                  <a:schemeClr val="bg2">
+                    <a:lumMod val="75000"/>
+                  </a:schemeClr>
+                </a:solidFill>
+              </a:rPr>
+              <a:t>Resultaten</a:t>
+            </a:r>
+          </a:p>
+          <a:p>
+            <a:pPr marL="457200" indent="-457200">
+              <a:buFont typeface="+mj-lt"/>
+              <a:buAutoNum type="arabicPeriod"/>
+            </a:pPr>
+            <a:r>
+              <a:rPr lang="nl-BE" dirty="0">
+                <a:solidFill>
+                  <a:schemeClr val="bg2">
+                    <a:lumMod val="75000"/>
+                  </a:schemeClr>
+                </a:solidFill>
+              </a:rPr>
+              <a:t>Besluit</a:t>
+            </a:r>
+          </a:p>
+          <a:p>
+            <a:pPr marL="457200" indent="-457200">
+              <a:buFont typeface="+mj-lt"/>
+              <a:buAutoNum type="arabicPeriod"/>
+            </a:pPr>
+            <a:r>
+              <a:rPr lang="nl-BE" dirty="0">
+                <a:solidFill>
+                  <a:schemeClr val="bg2">
+                    <a:lumMod val="75000"/>
+                  </a:schemeClr>
+                </a:solidFill>
+              </a:rPr>
+              <a:t>Bibliografie</a:t>
+            </a:r>
+          </a:p>
+          <a:p>
+            <a:pPr marL="457200" indent="-457200">
+              <a:buFont typeface="+mj-lt"/>
+              <a:buAutoNum type="arabicPeriod"/>
+            </a:pPr>
+            <a:endParaRPr lang="nl-BE" dirty="0"/>
+          </a:p>
+        </p:txBody>
+      </p:sp>
+      <p:sp>
+        <p:nvSpPr>
+          <p:cNvPr id="3" name="Footer Placeholder 2">
+            <a:extLst>
+              <a:ext uri="{FF2B5EF4-FFF2-40B4-BE49-F238E27FC236}">
+                <a16:creationId xmlns:a16="http://schemas.microsoft.com/office/drawing/2014/main" id="{87B9D861-BADE-1735-BC5D-FB0CE4C31EFE}"/>
               </a:ext>
             </a:extLst>
           </p:cNvPr>
@@ -9857,10 +10009,10 @@
       </p:sp>
       <p:sp>
         <p:nvSpPr>
-          <p:cNvPr id="4" name="Tijdelijke aanduiding voor dianummer 3">
+          <p:cNvPr id="4" name="Slide Number Placeholder 3">
             <a:extLst>
               <a:ext uri="{FF2B5EF4-FFF2-40B4-BE49-F238E27FC236}">
-                <a16:creationId xmlns:a16="http://schemas.microsoft.com/office/drawing/2014/main" id="{117E0DCE-45CC-5552-629C-E06CFA2D124C}"/>
+                <a16:creationId xmlns:a16="http://schemas.microsoft.com/office/drawing/2014/main" id="{FC23E00C-3A77-A444-8280-8A8A5D17B5DF}"/>
               </a:ext>
             </a:extLst>
           </p:cNvPr>
@@ -9886,10 +10038,10 @@
       </p:sp>
       <p:sp>
         <p:nvSpPr>
-          <p:cNvPr id="5" name="Titel 4">
+          <p:cNvPr id="5" name="Title 4">
             <a:extLst>
               <a:ext uri="{FF2B5EF4-FFF2-40B4-BE49-F238E27FC236}">
-                <a16:creationId xmlns:a16="http://schemas.microsoft.com/office/drawing/2014/main" id="{87E10DF5-024D-EAE4-4971-DDC79E51DB1B}"/>
+                <a16:creationId xmlns:a16="http://schemas.microsoft.com/office/drawing/2014/main" id="{344F2F4D-955A-2213-B685-181EC6CE1CBA}"/>
               </a:ext>
             </a:extLst>
           </p:cNvPr>
@@ -9907,43 +10059,15 @@
           <a:p>
             <a:r>
               <a:rPr lang="nl-BE" dirty="0"/>
-              <a:t>Elektrisch circuit</a:t>
-            </a:r>
-          </a:p>
-        </p:txBody>
-      </p:sp>
-      <p:pic>
-        <p:nvPicPr>
-          <p:cNvPr id="13" name="Tijdelijke aanduiding voor inhoud 12">
-            <a:extLst>
-              <a:ext uri="{FF2B5EF4-FFF2-40B4-BE49-F238E27FC236}">
-                <a16:creationId xmlns:a16="http://schemas.microsoft.com/office/drawing/2014/main" id="{B46517BD-7979-6DA3-FE0D-9D7FDBA73C20}"/>
-              </a:ext>
-            </a:extLst>
-          </p:cNvPr>
-          <p:cNvPicPr>
-            <a:picLocks noGrp="1" noChangeAspect="1"/>
-          </p:cNvPicPr>
-          <p:nvPr>
-            <p:ph idx="1"/>
-          </p:nvPr>
-        </p:nvPicPr>
-        <p:blipFill rotWithShape="1">
-          <a:blip r:embed="rId2"/>
-          <a:srcRect l="17736" t="17963" r="21009" b="21087"/>
-          <a:stretch/>
-        </p:blipFill>
-        <p:spPr>
-          <a:xfrm>
-            <a:off x="2276669" y="1359036"/>
-            <a:ext cx="8294913" cy="4642599"/>
-          </a:xfrm>
-        </p:spPr>
-      </p:pic>
+              <a:t>Overzicht</a:t>
+            </a:r>
+          </a:p>
+        </p:txBody>
+      </p:sp>
     </p:spTree>
     <p:extLst>
       <p:ext uri="{BB962C8B-B14F-4D97-AF65-F5344CB8AC3E}">
-        <p14:creationId xmlns:p14="http://schemas.microsoft.com/office/powerpoint/2010/main" val="657891824"/>
+        <p14:creationId xmlns:p14="http://schemas.microsoft.com/office/powerpoint/2010/main" val="2121751276"/>
       </p:ext>
     </p:extLst>
   </p:cSld>
@@ -9972,10 +10096,10 @@
       </p:grpSpPr>
       <p:sp>
         <p:nvSpPr>
-          <p:cNvPr id="2" name="Content Placeholder 1">
+          <p:cNvPr id="2" name="Tijdelijke aanduiding voor inhoud 1">
             <a:extLst>
               <a:ext uri="{FF2B5EF4-FFF2-40B4-BE49-F238E27FC236}">
-                <a16:creationId xmlns:a16="http://schemas.microsoft.com/office/drawing/2014/main" id="{9572C954-C83C-EE79-685B-900385B3EC4B}"/>
+                <a16:creationId xmlns:a16="http://schemas.microsoft.com/office/drawing/2014/main" id="{D7EA0FB0-C761-9893-4496-9C0756E40E27}"/>
               </a:ext>
             </a:extLst>
           </p:cNvPr>
@@ -9986,241 +10110,81 @@
             <p:ph idx="1"/>
           </p:nvPr>
         </p:nvSpPr>
-        <p:spPr>
-          <a:xfrm>
-            <a:off x="576000" y="1656000"/>
-            <a:ext cx="11041200" cy="4554000"/>
-          </a:xfrm>
-        </p:spPr>
-        <p:txBody>
-          <a:bodyPr>
-            <a:normAutofit fontScale="85000" lnSpcReduction="20000"/>
-          </a:bodyPr>
-          <a:lstStyle/>
-          <a:p>
-            <a:pPr marL="457200" indent="-457200">
-              <a:buFont typeface="+mj-lt"/>
-              <a:buAutoNum type="arabicPeriod"/>
-            </a:pPr>
-            <a:r>
-              <a:rPr lang="nl-BE" dirty="0">
-                <a:solidFill>
-                  <a:schemeClr val="bg2">
-                    <a:lumMod val="75000"/>
-                  </a:schemeClr>
-                </a:solidFill>
-              </a:rPr>
-              <a:t>Inleiding</a:t>
-            </a:r>
-          </a:p>
-          <a:p>
-            <a:pPr marL="457200" indent="-457200">
-              <a:buFont typeface="+mj-lt"/>
-              <a:buAutoNum type="arabicPeriod"/>
-            </a:pPr>
-            <a:r>
-              <a:rPr lang="nl-BE" dirty="0">
-                <a:solidFill>
-                  <a:schemeClr val="bg2">
-                    <a:lumMod val="75000"/>
-                  </a:schemeClr>
-                </a:solidFill>
-              </a:rPr>
-              <a:t>Ontwerp</a:t>
-            </a:r>
-          </a:p>
-          <a:p>
-            <a:pPr marL="457200" indent="-457200">
-              <a:buFont typeface="+mj-lt"/>
-              <a:buAutoNum type="arabicPeriod"/>
-            </a:pPr>
-            <a:r>
-              <a:rPr lang="nl-BE" dirty="0">
-                <a:solidFill>
-                  <a:schemeClr val="bg2">
-                    <a:lumMod val="75000"/>
-                  </a:schemeClr>
-                </a:solidFill>
-              </a:rPr>
-              <a:t>Stappen</a:t>
-            </a:r>
-          </a:p>
-          <a:p>
-            <a:pPr marL="914400" lvl="1" indent="-457200">
-              <a:buFont typeface="+mj-lt"/>
-              <a:buAutoNum type="arabicPeriod"/>
-            </a:pPr>
-            <a:r>
-              <a:rPr lang="nl-BE" dirty="0">
-                <a:solidFill>
-                  <a:schemeClr val="bg2">
-                    <a:lumMod val="75000"/>
-                  </a:schemeClr>
-                </a:solidFill>
-              </a:rPr>
-              <a:t>Detectie en lokalisatie</a:t>
-            </a:r>
-          </a:p>
-          <a:p>
-            <a:pPr marL="914400" lvl="1" indent="-457200">
-              <a:buFont typeface="+mj-lt"/>
-              <a:buAutoNum type="arabicPeriod"/>
-            </a:pPr>
-            <a:r>
-              <a:rPr lang="nl-BE" dirty="0">
-                <a:solidFill>
-                  <a:schemeClr val="bg2">
-                    <a:lumMod val="75000"/>
-                  </a:schemeClr>
-                </a:solidFill>
-              </a:rPr>
-              <a:t>Richten</a:t>
-            </a:r>
-          </a:p>
-          <a:p>
-            <a:pPr marL="914400" lvl="1" indent="-457200">
-              <a:buFont typeface="+mj-lt"/>
-              <a:buAutoNum type="arabicPeriod"/>
-            </a:pPr>
-            <a:r>
-              <a:rPr lang="nl-BE" dirty="0">
-                <a:solidFill>
-                  <a:schemeClr val="bg2">
-                    <a:lumMod val="75000"/>
-                  </a:schemeClr>
-                </a:solidFill>
-              </a:rPr>
-              <a:t>Blussen</a:t>
-            </a:r>
-          </a:p>
-          <a:p>
-            <a:pPr marL="457200" indent="-457200">
-              <a:lnSpc>
-                <a:spcPct val="110000"/>
-              </a:lnSpc>
-              <a:buFont typeface="+mj-lt"/>
-              <a:buAutoNum type="arabicPeriod"/>
-            </a:pPr>
-            <a:r>
-              <a:rPr lang="nl-BE" dirty="0">
-                <a:solidFill>
-                  <a:schemeClr val="bg2">
-                    <a:lumMod val="75000"/>
-                  </a:schemeClr>
-                </a:solidFill>
-              </a:rPr>
-              <a:t>Prototype</a:t>
-            </a:r>
-          </a:p>
-          <a:p>
-            <a:pPr marL="914400" lvl="1" indent="-457200">
-              <a:buFont typeface="+mj-lt"/>
-              <a:buAutoNum type="arabicPeriod"/>
-            </a:pPr>
-            <a:r>
-              <a:rPr lang="nl-BE" dirty="0">
-                <a:solidFill>
-                  <a:schemeClr val="bg2">
-                    <a:lumMod val="75000"/>
-                  </a:schemeClr>
-                </a:solidFill>
-              </a:rPr>
-              <a:t>Constructie</a:t>
-            </a:r>
-          </a:p>
-          <a:p>
-            <a:pPr marL="914400" lvl="1" indent="-457200">
-              <a:buFont typeface="+mj-lt"/>
-              <a:buAutoNum type="arabicPeriod"/>
-            </a:pPr>
-            <a:r>
-              <a:rPr lang="nl-BE" dirty="0">
-                <a:solidFill>
-                  <a:schemeClr val="bg2">
-                    <a:lumMod val="75000"/>
-                  </a:schemeClr>
-                </a:solidFill>
-              </a:rPr>
-              <a:t>Elektrisch circuit</a:t>
-            </a:r>
-          </a:p>
-          <a:p>
-            <a:pPr marL="914400" lvl="1" indent="-457200">
-              <a:buFont typeface="+mj-lt"/>
-              <a:buAutoNum type="arabicPeriod"/>
-            </a:pPr>
-            <a:r>
-              <a:rPr lang="nl-BE" dirty="0">
-                <a:solidFill>
-                  <a:srgbClr val="2F4D5D"/>
-                </a:solidFill>
-              </a:rPr>
-              <a:t>Roterend platform, arm en spuit</a:t>
-            </a:r>
-          </a:p>
-          <a:p>
-            <a:pPr marL="457200" indent="-457200">
-              <a:buFont typeface="+mj-lt"/>
-              <a:buAutoNum type="arabicPeriod"/>
-            </a:pPr>
-            <a:r>
-              <a:rPr lang="nl-BE" dirty="0">
-                <a:solidFill>
-                  <a:schemeClr val="bg2">
-                    <a:lumMod val="75000"/>
-                  </a:schemeClr>
-                </a:solidFill>
-              </a:rPr>
-              <a:t>Resultaten</a:t>
-            </a:r>
-          </a:p>
-          <a:p>
-            <a:pPr marL="457200" indent="-457200">
-              <a:buFont typeface="+mj-lt"/>
-              <a:buAutoNum type="arabicPeriod"/>
-            </a:pPr>
-            <a:r>
-              <a:rPr lang="nl-BE" dirty="0">
-                <a:solidFill>
-                  <a:schemeClr val="bg2">
-                    <a:lumMod val="75000"/>
-                  </a:schemeClr>
-                </a:solidFill>
-              </a:rPr>
-              <a:t>Besluit</a:t>
-            </a:r>
-          </a:p>
-          <a:p>
-            <a:pPr marL="457200" indent="-457200">
-              <a:buFont typeface="+mj-lt"/>
-              <a:buAutoNum type="arabicPeriod"/>
-            </a:pPr>
-            <a:r>
-              <a:rPr lang="nl-BE" dirty="0">
-                <a:solidFill>
-                  <a:schemeClr val="bg2">
-                    <a:lumMod val="75000"/>
-                  </a:schemeClr>
-                </a:solidFill>
-              </a:rPr>
-              <a:t>Bibliografie</a:t>
-            </a:r>
-          </a:p>
-          <a:p>
-            <a:pPr marL="457200" indent="-457200">
-              <a:buFont typeface="+mj-lt"/>
-              <a:buAutoNum type="arabicPeriod"/>
-            </a:pPr>
+        <p:spPr/>
+        <p:txBody>
+          <a:bodyPr/>
+          <a:lstStyle/>
+          <a:p>
+            <a:r>
+              <a:rPr lang="nl-BE" dirty="0"/>
+              <a:t>Motor bevestigt in bovenste platform</a:t>
+            </a:r>
+          </a:p>
+          <a:p>
+            <a:r>
+              <a:rPr lang="nl-BE" dirty="0"/>
+              <a:t>Zorgt voor horizontale beweging roterend platform</a:t>
+            </a:r>
+          </a:p>
+          <a:p>
             <a:endParaRPr lang="nl-BE" dirty="0"/>
           </a:p>
-        </p:txBody>
-      </p:sp>
-      <p:sp>
-        <p:nvSpPr>
-          <p:cNvPr id="3" name="Footer Placeholder 2">
+          <a:p>
+            <a:r>
+              <a:rPr lang="nl-BE" dirty="0"/>
+              <a:t>Arm </a:t>
+            </a:r>
+            <a:r>
+              <a:rPr lang="nl-BE" dirty="0">
+                <a:sym typeface="Wingdings" panose="05000000000000000000" pitchFamily="2" charset="2"/>
+              </a:rPr>
+              <a:t> 2 plastieken armpjes verbonden door moeren en bouten</a:t>
+            </a:r>
+          </a:p>
+          <a:p>
+            <a:r>
+              <a:rPr lang="nl-BE" dirty="0">
+                <a:sym typeface="Wingdings" panose="05000000000000000000" pitchFamily="2" charset="2"/>
+              </a:rPr>
+              <a:t>Waterflowsensor bevestigt op de arm</a:t>
+            </a:r>
+          </a:p>
+          <a:p>
+            <a:r>
+              <a:rPr lang="nl-BE" dirty="0">
+                <a:sym typeface="Wingdings" panose="05000000000000000000" pitchFamily="2" charset="2"/>
+              </a:rPr>
+              <a:t>Spuit bevestigt op de waterflowsensor</a:t>
+            </a:r>
+          </a:p>
+          <a:p>
+            <a:r>
+              <a:rPr lang="nl-BE" dirty="0">
+                <a:sym typeface="Wingdings" panose="05000000000000000000" pitchFamily="2" charset="2"/>
+              </a:rPr>
+              <a:t>Motor is verbonden met soort van katrol</a:t>
+            </a:r>
+          </a:p>
+          <a:p>
+            <a:pPr marL="0" indent="0">
+              <a:buNone/>
+            </a:pPr>
+            <a:r>
+              <a:rPr lang="nl-BE" dirty="0">
+                <a:sym typeface="Wingdings" panose="05000000000000000000" pitchFamily="2" charset="2"/>
+              </a:rPr>
+              <a:t> Arm verticaal laten bewegen</a:t>
+            </a:r>
+            <a:endParaRPr lang="nl-BE" dirty="0"/>
+          </a:p>
+        </p:txBody>
+      </p:sp>
+      <p:sp>
+        <p:nvSpPr>
+          <p:cNvPr id="3" name="Tijdelijke aanduiding voor voettekst 2">
             <a:extLst>
               <a:ext uri="{FF2B5EF4-FFF2-40B4-BE49-F238E27FC236}">
-                <a16:creationId xmlns:a16="http://schemas.microsoft.com/office/drawing/2014/main" id="{87B9D861-BADE-1735-BC5D-FB0CE4C31EFE}"/>
+                <a16:creationId xmlns:a16="http://schemas.microsoft.com/office/drawing/2014/main" id="{D2C775B9-B25D-0966-82C5-B65E4C072514}"/>
               </a:ext>
             </a:extLst>
           </p:cNvPr>
@@ -10245,10 +10209,10 @@
       </p:sp>
       <p:sp>
         <p:nvSpPr>
-          <p:cNvPr id="4" name="Slide Number Placeholder 3">
+          <p:cNvPr id="4" name="Tijdelijke aanduiding voor dianummer 3">
             <a:extLst>
               <a:ext uri="{FF2B5EF4-FFF2-40B4-BE49-F238E27FC236}">
-                <a16:creationId xmlns:a16="http://schemas.microsoft.com/office/drawing/2014/main" id="{FC23E00C-3A77-A444-8280-8A8A5D17B5DF}"/>
+                <a16:creationId xmlns:a16="http://schemas.microsoft.com/office/drawing/2014/main" id="{C77301C9-D089-18ED-7E94-1F65259AC890}"/>
               </a:ext>
             </a:extLst>
           </p:cNvPr>
@@ -10274,10 +10238,10 @@
       </p:sp>
       <p:sp>
         <p:nvSpPr>
-          <p:cNvPr id="5" name="Title 4">
+          <p:cNvPr id="5" name="Titel 4">
             <a:extLst>
               <a:ext uri="{FF2B5EF4-FFF2-40B4-BE49-F238E27FC236}">
-                <a16:creationId xmlns:a16="http://schemas.microsoft.com/office/drawing/2014/main" id="{344F2F4D-955A-2213-B685-181EC6CE1CBA}"/>
+                <a16:creationId xmlns:a16="http://schemas.microsoft.com/office/drawing/2014/main" id="{FFE4AE8B-85A5-8D10-D7A2-08FB43B5D9A5}"/>
               </a:ext>
             </a:extLst>
           </p:cNvPr>
@@ -10295,7 +10259,7 @@
           <a:p>
             <a:r>
               <a:rPr lang="nl-BE" dirty="0"/>
-              <a:t>Overzicht</a:t>
+              <a:t>Roterend platform, arm en spuit</a:t>
             </a:r>
           </a:p>
         </p:txBody>
@@ -10303,7 +10267,7 @@
     </p:spTree>
     <p:extLst>
       <p:ext uri="{BB962C8B-B14F-4D97-AF65-F5344CB8AC3E}">
-        <p14:creationId xmlns:p14="http://schemas.microsoft.com/office/powerpoint/2010/main" val="2121751276"/>
+        <p14:creationId xmlns:p14="http://schemas.microsoft.com/office/powerpoint/2010/main" val="601338310"/>
       </p:ext>
     </p:extLst>
   </p:cSld>
@@ -10335,7 +10299,7 @@
           <p:cNvPr id="2" name="Tijdelijke aanduiding voor inhoud 1">
             <a:extLst>
               <a:ext uri="{FF2B5EF4-FFF2-40B4-BE49-F238E27FC236}">
-                <a16:creationId xmlns:a16="http://schemas.microsoft.com/office/drawing/2014/main" id="{D7EA0FB0-C761-9893-4496-9C0756E40E27}"/>
+                <a16:creationId xmlns:a16="http://schemas.microsoft.com/office/drawing/2014/main" id="{A5F629C2-B33C-AC72-6E8E-625EA95FA82B}"/>
               </a:ext>
             </a:extLst>
           </p:cNvPr>
@@ -10352,66 +10316,13 @@
           <a:lstStyle/>
           <a:p>
             <a:r>
-              <a:rPr lang="nl-BE" dirty="0"/>
-              <a:t>Motor bevestigt in bovenste platform</a:t>
-            </a:r>
-          </a:p>
-          <a:p>
-            <a:r>
-              <a:rPr lang="nl-BE" dirty="0"/>
-              <a:t>Zorgt voor horizontale beweging roterend platform</a:t>
-            </a:r>
-          </a:p>
-          <a:p>
-            <a:endParaRPr lang="nl-BE" dirty="0"/>
-          </a:p>
-          <a:p>
-            <a:r>
-              <a:rPr lang="nl-BE" dirty="0"/>
-              <a:t>Arm </a:t>
-            </a:r>
-            <a:r>
-              <a:rPr lang="nl-BE" dirty="0">
-                <a:sym typeface="Wingdings" panose="05000000000000000000" pitchFamily="2" charset="2"/>
-              </a:rPr>
-              <a:t> 2 plastieken armpjes verbonden door moeren en bouten</a:t>
-            </a:r>
-          </a:p>
-          <a:p>
-            <a:r>
-              <a:rPr lang="nl-BE" dirty="0">
-                <a:sym typeface="Wingdings" panose="05000000000000000000" pitchFamily="2" charset="2"/>
-              </a:rPr>
-              <a:t>Waterflowsensor bevestigt op de arm</a:t>
-            </a:r>
-          </a:p>
-          <a:p>
-            <a:r>
-              <a:rPr lang="nl-BE" dirty="0">
-                <a:sym typeface="Wingdings" panose="05000000000000000000" pitchFamily="2" charset="2"/>
-              </a:rPr>
-              <a:t>Spuit bevestigt op de waterflowsensor</a:t>
-            </a:r>
-          </a:p>
-          <a:p>
-            <a:r>
-              <a:rPr lang="nl-BE" dirty="0">
-                <a:sym typeface="Wingdings" panose="05000000000000000000" pitchFamily="2" charset="2"/>
-              </a:rPr>
-              <a:t>Motor is verbonden met soort van katrol</a:t>
-            </a:r>
-          </a:p>
-          <a:p>
-            <a:pPr marL="0" indent="0">
-              <a:buNone/>
-            </a:pPr>
-            <a:r>
-              <a:rPr lang="nl-BE" dirty="0">
-                <a:sym typeface="Wingdings" panose="05000000000000000000" pitchFamily="2" charset="2"/>
-              </a:rPr>
-              <a:t> Arm verticaal laten bewegen</a:t>
-            </a:r>
-            <a:endParaRPr lang="nl-BE" dirty="0"/>
+              <a:rPr lang="nl-BE" dirty="0">
+                <a:highlight>
+                  <a:srgbClr val="FFFF00"/>
+                </a:highlight>
+              </a:rPr>
+              <a:t>FOTO</a:t>
+            </a:r>
           </a:p>
         </p:txBody>
       </p:sp>
@@ -10420,7 +10331,7 @@
           <p:cNvPr id="3" name="Tijdelijke aanduiding voor voettekst 2">
             <a:extLst>
               <a:ext uri="{FF2B5EF4-FFF2-40B4-BE49-F238E27FC236}">
-                <a16:creationId xmlns:a16="http://schemas.microsoft.com/office/drawing/2014/main" id="{D2C775B9-B25D-0966-82C5-B65E4C072514}"/>
+                <a16:creationId xmlns:a16="http://schemas.microsoft.com/office/drawing/2014/main" id="{7E6183AA-755B-D00A-4B4A-0A6C048D0110}"/>
               </a:ext>
             </a:extLst>
           </p:cNvPr>
@@ -10448,7 +10359,7 @@
           <p:cNvPr id="4" name="Tijdelijke aanduiding voor dianummer 3">
             <a:extLst>
               <a:ext uri="{FF2B5EF4-FFF2-40B4-BE49-F238E27FC236}">
-                <a16:creationId xmlns:a16="http://schemas.microsoft.com/office/drawing/2014/main" id="{C77301C9-D089-18ED-7E94-1F65259AC890}"/>
+                <a16:creationId xmlns:a16="http://schemas.microsoft.com/office/drawing/2014/main" id="{B59F1B29-6A86-E677-61E1-AC80EED570D8}"/>
               </a:ext>
             </a:extLst>
           </p:cNvPr>
@@ -10477,7 +10388,7 @@
           <p:cNvPr id="5" name="Titel 4">
             <a:extLst>
               <a:ext uri="{FF2B5EF4-FFF2-40B4-BE49-F238E27FC236}">
-                <a16:creationId xmlns:a16="http://schemas.microsoft.com/office/drawing/2014/main" id="{FFE4AE8B-85A5-8D10-D7A2-08FB43B5D9A5}"/>
+                <a16:creationId xmlns:a16="http://schemas.microsoft.com/office/drawing/2014/main" id="{7D29AEA4-3104-90CD-F76F-0B59FFA218C8}"/>
               </a:ext>
             </a:extLst>
           </p:cNvPr>
@@ -10495,7 +10406,7 @@
           <a:p>
             <a:r>
               <a:rPr lang="nl-BE" dirty="0"/>
-              <a:t>Roterend platform, arm en spuit</a:t>
+              <a:t>Roteren platform, arm en spuit</a:t>
             </a:r>
           </a:p>
         </p:txBody>
@@ -10503,7 +10414,7 @@
     </p:spTree>
     <p:extLst>
       <p:ext uri="{BB962C8B-B14F-4D97-AF65-F5344CB8AC3E}">
-        <p14:creationId xmlns:p14="http://schemas.microsoft.com/office/powerpoint/2010/main" val="601338310"/>
+        <p14:creationId xmlns:p14="http://schemas.microsoft.com/office/powerpoint/2010/main" val="3621051948"/>
       </p:ext>
     </p:extLst>
   </p:cSld>
@@ -10532,10 +10443,10 @@
       </p:grpSpPr>
       <p:sp>
         <p:nvSpPr>
-          <p:cNvPr id="2" name="Tijdelijke aanduiding voor inhoud 1">
+          <p:cNvPr id="2" name="Content Placeholder 1">
             <a:extLst>
               <a:ext uri="{FF2B5EF4-FFF2-40B4-BE49-F238E27FC236}">
-                <a16:creationId xmlns:a16="http://schemas.microsoft.com/office/drawing/2014/main" id="{A5F629C2-B33C-AC72-6E8E-625EA95FA82B}"/>
+                <a16:creationId xmlns:a16="http://schemas.microsoft.com/office/drawing/2014/main" id="{9572C954-C83C-EE79-685B-900385B3EC4B}"/>
               </a:ext>
             </a:extLst>
           </p:cNvPr>
@@ -10546,28 +10457,241 @@
             <p:ph idx="1"/>
           </p:nvPr>
         </p:nvSpPr>
-        <p:spPr/>
-        <p:txBody>
-          <a:bodyPr/>
-          <a:lstStyle/>
-          <a:p>
-            <a:r>
-              <a:rPr lang="nl-BE" dirty="0">
-                <a:highlight>
-                  <a:srgbClr val="FFFF00"/>
-                </a:highlight>
-              </a:rPr>
-              <a:t>FOTO</a:t>
-            </a:r>
-          </a:p>
-        </p:txBody>
-      </p:sp>
-      <p:sp>
-        <p:nvSpPr>
-          <p:cNvPr id="3" name="Tijdelijke aanduiding voor voettekst 2">
+        <p:spPr>
+          <a:xfrm>
+            <a:off x="576000" y="1656000"/>
+            <a:ext cx="11041200" cy="4554000"/>
+          </a:xfrm>
+        </p:spPr>
+        <p:txBody>
+          <a:bodyPr>
+            <a:normAutofit fontScale="85000" lnSpcReduction="20000"/>
+          </a:bodyPr>
+          <a:lstStyle/>
+          <a:p>
+            <a:pPr marL="457200" indent="-457200">
+              <a:buFont typeface="+mj-lt"/>
+              <a:buAutoNum type="arabicPeriod"/>
+            </a:pPr>
+            <a:r>
+              <a:rPr lang="nl-BE" dirty="0">
+                <a:solidFill>
+                  <a:schemeClr val="bg2">
+                    <a:lumMod val="75000"/>
+                  </a:schemeClr>
+                </a:solidFill>
+              </a:rPr>
+              <a:t>Inleiding</a:t>
+            </a:r>
+          </a:p>
+          <a:p>
+            <a:pPr marL="457200" indent="-457200">
+              <a:buFont typeface="+mj-lt"/>
+              <a:buAutoNum type="arabicPeriod"/>
+            </a:pPr>
+            <a:r>
+              <a:rPr lang="nl-BE" dirty="0">
+                <a:solidFill>
+                  <a:schemeClr val="bg2">
+                    <a:lumMod val="75000"/>
+                  </a:schemeClr>
+                </a:solidFill>
+              </a:rPr>
+              <a:t>Ontwerp</a:t>
+            </a:r>
+          </a:p>
+          <a:p>
+            <a:pPr marL="457200" indent="-457200">
+              <a:buFont typeface="+mj-lt"/>
+              <a:buAutoNum type="arabicPeriod"/>
+            </a:pPr>
+            <a:r>
+              <a:rPr lang="nl-BE" dirty="0">
+                <a:solidFill>
+                  <a:schemeClr val="bg2">
+                    <a:lumMod val="75000"/>
+                  </a:schemeClr>
+                </a:solidFill>
+              </a:rPr>
+              <a:t>Stappen</a:t>
+            </a:r>
+          </a:p>
+          <a:p>
+            <a:pPr marL="914400" lvl="1" indent="-457200">
+              <a:buFont typeface="+mj-lt"/>
+              <a:buAutoNum type="arabicPeriod"/>
+            </a:pPr>
+            <a:r>
+              <a:rPr lang="nl-BE" dirty="0">
+                <a:solidFill>
+                  <a:schemeClr val="bg2">
+                    <a:lumMod val="75000"/>
+                  </a:schemeClr>
+                </a:solidFill>
+              </a:rPr>
+              <a:t>Detectie en lokalisatie</a:t>
+            </a:r>
+          </a:p>
+          <a:p>
+            <a:pPr marL="914400" lvl="1" indent="-457200">
+              <a:buFont typeface="+mj-lt"/>
+              <a:buAutoNum type="arabicPeriod"/>
+            </a:pPr>
+            <a:r>
+              <a:rPr lang="nl-BE" dirty="0">
+                <a:solidFill>
+                  <a:schemeClr val="bg2">
+                    <a:lumMod val="75000"/>
+                  </a:schemeClr>
+                </a:solidFill>
+              </a:rPr>
+              <a:t>Richten</a:t>
+            </a:r>
+          </a:p>
+          <a:p>
+            <a:pPr marL="914400" lvl="1" indent="-457200">
+              <a:buFont typeface="+mj-lt"/>
+              <a:buAutoNum type="arabicPeriod"/>
+            </a:pPr>
+            <a:r>
+              <a:rPr lang="nl-BE" dirty="0">
+                <a:solidFill>
+                  <a:schemeClr val="bg2">
+                    <a:lumMod val="75000"/>
+                  </a:schemeClr>
+                </a:solidFill>
+              </a:rPr>
+              <a:t>Blussen</a:t>
+            </a:r>
+          </a:p>
+          <a:p>
+            <a:pPr marL="457200" indent="-457200">
+              <a:lnSpc>
+                <a:spcPct val="110000"/>
+              </a:lnSpc>
+              <a:buFont typeface="+mj-lt"/>
+              <a:buAutoNum type="arabicPeriod"/>
+            </a:pPr>
+            <a:r>
+              <a:rPr lang="nl-BE" dirty="0">
+                <a:solidFill>
+                  <a:schemeClr val="bg2">
+                    <a:lumMod val="75000"/>
+                  </a:schemeClr>
+                </a:solidFill>
+              </a:rPr>
+              <a:t>Prototype</a:t>
+            </a:r>
+          </a:p>
+          <a:p>
+            <a:pPr marL="914400" lvl="1" indent="-457200">
+              <a:buFont typeface="+mj-lt"/>
+              <a:buAutoNum type="arabicPeriod"/>
+            </a:pPr>
+            <a:r>
+              <a:rPr lang="nl-BE" dirty="0">
+                <a:solidFill>
+                  <a:schemeClr val="bg2">
+                    <a:lumMod val="75000"/>
+                  </a:schemeClr>
+                </a:solidFill>
+              </a:rPr>
+              <a:t>Constructie</a:t>
+            </a:r>
+          </a:p>
+          <a:p>
+            <a:pPr marL="914400" lvl="1" indent="-457200">
+              <a:buFont typeface="+mj-lt"/>
+              <a:buAutoNum type="arabicPeriod"/>
+            </a:pPr>
+            <a:r>
+              <a:rPr lang="nl-BE" dirty="0">
+                <a:solidFill>
+                  <a:schemeClr val="bg2">
+                    <a:lumMod val="75000"/>
+                  </a:schemeClr>
+                </a:solidFill>
+              </a:rPr>
+              <a:t>Elektrisch circuit</a:t>
+            </a:r>
+          </a:p>
+          <a:p>
+            <a:pPr marL="914400" lvl="1" indent="-457200">
+              <a:buFont typeface="+mj-lt"/>
+              <a:buAutoNum type="arabicPeriod"/>
+            </a:pPr>
+            <a:r>
+              <a:rPr lang="nl-BE" dirty="0">
+                <a:solidFill>
+                  <a:schemeClr val="bg2">
+                    <a:lumMod val="75000"/>
+                  </a:schemeClr>
+                </a:solidFill>
+              </a:rPr>
+              <a:t>Roterend platform, arm en spuit</a:t>
+            </a:r>
+          </a:p>
+          <a:p>
+            <a:pPr marL="457200" indent="-457200">
+              <a:buFont typeface="+mj-lt"/>
+              <a:buAutoNum type="arabicPeriod"/>
+            </a:pPr>
+            <a:r>
+              <a:rPr lang="nl-BE" dirty="0">
+                <a:solidFill>
+                  <a:srgbClr val="2F4D5D"/>
+                </a:solidFill>
+              </a:rPr>
+              <a:t>Resultaten</a:t>
+            </a:r>
+          </a:p>
+          <a:p>
+            <a:pPr marL="457200" indent="-457200">
+              <a:buFont typeface="+mj-lt"/>
+              <a:buAutoNum type="arabicPeriod"/>
+            </a:pPr>
+            <a:r>
+              <a:rPr lang="nl-BE" dirty="0">
+                <a:solidFill>
+                  <a:schemeClr val="bg2">
+                    <a:lumMod val="75000"/>
+                  </a:schemeClr>
+                </a:solidFill>
+              </a:rPr>
+              <a:t>Besluit</a:t>
+            </a:r>
+          </a:p>
+          <a:p>
+            <a:pPr marL="457200" indent="-457200">
+              <a:buFont typeface="+mj-lt"/>
+              <a:buAutoNum type="arabicPeriod"/>
+            </a:pPr>
+            <a:r>
+              <a:rPr lang="nl-BE" dirty="0">
+                <a:solidFill>
+                  <a:schemeClr val="bg2">
+                    <a:lumMod val="75000"/>
+                  </a:schemeClr>
+                </a:solidFill>
+              </a:rPr>
+              <a:t>Bibliografie</a:t>
+            </a:r>
+          </a:p>
+          <a:p>
+            <a:pPr marL="457200" indent="-457200">
+              <a:buFont typeface="+mj-lt"/>
+              <a:buAutoNum type="arabicPeriod"/>
+            </a:pPr>
+            <a:endParaRPr lang="nl-BE" dirty="0"/>
+          </a:p>
+        </p:txBody>
+      </p:sp>
+      <p:sp>
+        <p:nvSpPr>
+          <p:cNvPr id="3" name="Footer Placeholder 2">
             <a:extLst>
               <a:ext uri="{FF2B5EF4-FFF2-40B4-BE49-F238E27FC236}">
-                <a16:creationId xmlns:a16="http://schemas.microsoft.com/office/drawing/2014/main" id="{7E6183AA-755B-D00A-4B4A-0A6C048D0110}"/>
+                <a16:creationId xmlns:a16="http://schemas.microsoft.com/office/drawing/2014/main" id="{87B9D861-BADE-1735-BC5D-FB0CE4C31EFE}"/>
               </a:ext>
             </a:extLst>
           </p:cNvPr>
@@ -10592,10 +10716,10 @@
       </p:sp>
       <p:sp>
         <p:nvSpPr>
-          <p:cNvPr id="4" name="Tijdelijke aanduiding voor dianummer 3">
+          <p:cNvPr id="4" name="Slide Number Placeholder 3">
             <a:extLst>
               <a:ext uri="{FF2B5EF4-FFF2-40B4-BE49-F238E27FC236}">
-                <a16:creationId xmlns:a16="http://schemas.microsoft.com/office/drawing/2014/main" id="{B59F1B29-6A86-E677-61E1-AC80EED570D8}"/>
+                <a16:creationId xmlns:a16="http://schemas.microsoft.com/office/drawing/2014/main" id="{FC23E00C-3A77-A444-8280-8A8A5D17B5DF}"/>
               </a:ext>
             </a:extLst>
           </p:cNvPr>
@@ -10621,10 +10745,10 @@
       </p:sp>
       <p:sp>
         <p:nvSpPr>
-          <p:cNvPr id="5" name="Titel 4">
+          <p:cNvPr id="5" name="Title 4">
             <a:extLst>
               <a:ext uri="{FF2B5EF4-FFF2-40B4-BE49-F238E27FC236}">
-                <a16:creationId xmlns:a16="http://schemas.microsoft.com/office/drawing/2014/main" id="{7D29AEA4-3104-90CD-F76F-0B59FFA218C8}"/>
+                <a16:creationId xmlns:a16="http://schemas.microsoft.com/office/drawing/2014/main" id="{344F2F4D-955A-2213-B685-181EC6CE1CBA}"/>
               </a:ext>
             </a:extLst>
           </p:cNvPr>
@@ -10642,7 +10766,7 @@
           <a:p>
             <a:r>
               <a:rPr lang="nl-BE" dirty="0"/>
-              <a:t>Roteren platform, arm en spuit</a:t>
+              <a:t>Overzicht</a:t>
             </a:r>
           </a:p>
         </p:txBody>
@@ -10650,7 +10774,7 @@
     </p:spTree>
     <p:extLst>
       <p:ext uri="{BB962C8B-B14F-4D97-AF65-F5344CB8AC3E}">
-        <p14:creationId xmlns:p14="http://schemas.microsoft.com/office/powerpoint/2010/main" val="3621051948"/>
+        <p14:creationId xmlns:p14="http://schemas.microsoft.com/office/powerpoint/2010/main" val="3228113776"/>
       </p:ext>
     </p:extLst>
   </p:cSld>
@@ -11032,10 +11156,10 @@
       </p:grpSpPr>
       <p:sp>
         <p:nvSpPr>
-          <p:cNvPr id="2" name="Content Placeholder 1">
+          <p:cNvPr id="2" name="Tijdelijke aanduiding voor inhoud 1">
             <a:extLst>
               <a:ext uri="{FF2B5EF4-FFF2-40B4-BE49-F238E27FC236}">
-                <a16:creationId xmlns:a16="http://schemas.microsoft.com/office/drawing/2014/main" id="{9572C954-C83C-EE79-685B-900385B3EC4B}"/>
+                <a16:creationId xmlns:a16="http://schemas.microsoft.com/office/drawing/2014/main" id="{F7AE94B2-F97A-D2DF-7BB4-EE2853692400}"/>
               </a:ext>
             </a:extLst>
           </p:cNvPr>
@@ -11046,241 +11170,21 @@
             <p:ph idx="1"/>
           </p:nvPr>
         </p:nvSpPr>
-        <p:spPr>
-          <a:xfrm>
-            <a:off x="576000" y="1656000"/>
-            <a:ext cx="11041200" cy="4554000"/>
-          </a:xfrm>
-        </p:spPr>
-        <p:txBody>
-          <a:bodyPr>
-            <a:normAutofit fontScale="85000" lnSpcReduction="20000"/>
-          </a:bodyPr>
-          <a:lstStyle/>
-          <a:p>
-            <a:pPr marL="457200" indent="-457200">
-              <a:buFont typeface="+mj-lt"/>
-              <a:buAutoNum type="arabicPeriod"/>
-            </a:pPr>
-            <a:r>
-              <a:rPr lang="nl-BE" dirty="0">
-                <a:solidFill>
-                  <a:schemeClr val="bg2">
-                    <a:lumMod val="75000"/>
-                  </a:schemeClr>
-                </a:solidFill>
-              </a:rPr>
-              <a:t>Inleiding</a:t>
-            </a:r>
-          </a:p>
-          <a:p>
-            <a:pPr marL="457200" indent="-457200">
-              <a:buFont typeface="+mj-lt"/>
-              <a:buAutoNum type="arabicPeriod"/>
-            </a:pPr>
-            <a:r>
-              <a:rPr lang="nl-BE" dirty="0">
-                <a:solidFill>
-                  <a:schemeClr val="bg2">
-                    <a:lumMod val="75000"/>
-                  </a:schemeClr>
-                </a:solidFill>
-              </a:rPr>
-              <a:t>Ontwerp</a:t>
-            </a:r>
-          </a:p>
-          <a:p>
-            <a:pPr marL="457200" indent="-457200">
-              <a:buFont typeface="+mj-lt"/>
-              <a:buAutoNum type="arabicPeriod"/>
-            </a:pPr>
-            <a:r>
-              <a:rPr lang="nl-BE" dirty="0">
-                <a:solidFill>
-                  <a:schemeClr val="bg2">
-                    <a:lumMod val="75000"/>
-                  </a:schemeClr>
-                </a:solidFill>
-              </a:rPr>
-              <a:t>Stappen</a:t>
-            </a:r>
-          </a:p>
-          <a:p>
-            <a:pPr marL="914400" lvl="1" indent="-457200">
-              <a:buFont typeface="+mj-lt"/>
-              <a:buAutoNum type="arabicPeriod"/>
-            </a:pPr>
-            <a:r>
-              <a:rPr lang="nl-BE" dirty="0">
-                <a:solidFill>
-                  <a:schemeClr val="bg2">
-                    <a:lumMod val="75000"/>
-                  </a:schemeClr>
-                </a:solidFill>
-              </a:rPr>
-              <a:t>Detectie en lokalisatie</a:t>
-            </a:r>
-          </a:p>
-          <a:p>
-            <a:pPr marL="914400" lvl="1" indent="-457200">
-              <a:buFont typeface="+mj-lt"/>
-              <a:buAutoNum type="arabicPeriod"/>
-            </a:pPr>
-            <a:r>
-              <a:rPr lang="nl-BE" dirty="0">
-                <a:solidFill>
-                  <a:schemeClr val="bg2">
-                    <a:lumMod val="75000"/>
-                  </a:schemeClr>
-                </a:solidFill>
-              </a:rPr>
-              <a:t>Richten</a:t>
-            </a:r>
-          </a:p>
-          <a:p>
-            <a:pPr marL="914400" lvl="1" indent="-457200">
-              <a:buFont typeface="+mj-lt"/>
-              <a:buAutoNum type="arabicPeriod"/>
-            </a:pPr>
-            <a:r>
-              <a:rPr lang="nl-BE" dirty="0">
-                <a:solidFill>
-                  <a:schemeClr val="bg2">
-                    <a:lumMod val="75000"/>
-                  </a:schemeClr>
-                </a:solidFill>
-              </a:rPr>
-              <a:t>Blussen</a:t>
-            </a:r>
-          </a:p>
-          <a:p>
-            <a:pPr marL="457200" indent="-457200">
-              <a:lnSpc>
-                <a:spcPct val="110000"/>
-              </a:lnSpc>
-              <a:buFont typeface="+mj-lt"/>
-              <a:buAutoNum type="arabicPeriod"/>
-            </a:pPr>
-            <a:r>
-              <a:rPr lang="nl-BE" dirty="0">
-                <a:solidFill>
-                  <a:schemeClr val="bg2">
-                    <a:lumMod val="75000"/>
-                  </a:schemeClr>
-                </a:solidFill>
-              </a:rPr>
-              <a:t>Prototype</a:t>
-            </a:r>
-          </a:p>
-          <a:p>
-            <a:pPr marL="914400" lvl="1" indent="-457200">
-              <a:buFont typeface="+mj-lt"/>
-              <a:buAutoNum type="arabicPeriod"/>
-            </a:pPr>
-            <a:r>
-              <a:rPr lang="nl-BE" dirty="0">
-                <a:solidFill>
-                  <a:schemeClr val="bg2">
-                    <a:lumMod val="75000"/>
-                  </a:schemeClr>
-                </a:solidFill>
-              </a:rPr>
-              <a:t>Constructie</a:t>
-            </a:r>
-          </a:p>
-          <a:p>
-            <a:pPr marL="914400" lvl="1" indent="-457200">
-              <a:buFont typeface="+mj-lt"/>
-              <a:buAutoNum type="arabicPeriod"/>
-            </a:pPr>
-            <a:r>
-              <a:rPr lang="nl-BE" dirty="0">
-                <a:solidFill>
-                  <a:schemeClr val="bg2">
-                    <a:lumMod val="75000"/>
-                  </a:schemeClr>
-                </a:solidFill>
-              </a:rPr>
-              <a:t>Elektrisch circuit</a:t>
-            </a:r>
-          </a:p>
-          <a:p>
-            <a:pPr marL="914400" lvl="1" indent="-457200">
-              <a:buFont typeface="+mj-lt"/>
-              <a:buAutoNum type="arabicPeriod"/>
-            </a:pPr>
-            <a:r>
-              <a:rPr lang="nl-BE" dirty="0">
-                <a:solidFill>
-                  <a:schemeClr val="bg2">
-                    <a:lumMod val="75000"/>
-                  </a:schemeClr>
-                </a:solidFill>
-              </a:rPr>
-              <a:t>Roterend platform, arm en spuit</a:t>
-            </a:r>
-          </a:p>
-          <a:p>
-            <a:pPr marL="457200" indent="-457200">
-              <a:buFont typeface="+mj-lt"/>
-              <a:buAutoNum type="arabicPeriod"/>
-            </a:pPr>
-            <a:r>
-              <a:rPr lang="nl-BE" dirty="0">
-                <a:solidFill>
-                  <a:srgbClr val="2F4D5D"/>
-                </a:solidFill>
-              </a:rPr>
-              <a:t>Resultaten</a:t>
-            </a:r>
-          </a:p>
-          <a:p>
-            <a:pPr marL="457200" indent="-457200">
-              <a:buFont typeface="+mj-lt"/>
-              <a:buAutoNum type="arabicPeriod"/>
-            </a:pPr>
-            <a:r>
-              <a:rPr lang="nl-BE" dirty="0">
-                <a:solidFill>
-                  <a:schemeClr val="bg2">
-                    <a:lumMod val="75000"/>
-                  </a:schemeClr>
-                </a:solidFill>
-              </a:rPr>
-              <a:t>Besluit</a:t>
-            </a:r>
-          </a:p>
-          <a:p>
-            <a:pPr marL="457200" indent="-457200">
-              <a:buFont typeface="+mj-lt"/>
-              <a:buAutoNum type="arabicPeriod"/>
-            </a:pPr>
-            <a:r>
-              <a:rPr lang="nl-BE" dirty="0">
-                <a:solidFill>
-                  <a:schemeClr val="bg2">
-                    <a:lumMod val="75000"/>
-                  </a:schemeClr>
-                </a:solidFill>
-              </a:rPr>
-              <a:t>Bibliografie</a:t>
-            </a:r>
-          </a:p>
-          <a:p>
-            <a:pPr marL="457200" indent="-457200">
-              <a:buFont typeface="+mj-lt"/>
-              <a:buAutoNum type="arabicPeriod"/>
-            </a:pPr>
-            <a:endParaRPr lang="nl-BE" dirty="0"/>
-          </a:p>
-        </p:txBody>
-      </p:sp>
-      <p:sp>
-        <p:nvSpPr>
-          <p:cNvPr id="3" name="Footer Placeholder 2">
+        <p:spPr/>
+        <p:txBody>
+          <a:bodyPr/>
+          <a:lstStyle/>
+          <a:p>
+            <a:endParaRPr lang="nl-BE"/>
+          </a:p>
+        </p:txBody>
+      </p:sp>
+      <p:sp>
+        <p:nvSpPr>
+          <p:cNvPr id="3" name="Tijdelijke aanduiding voor voettekst 2">
             <a:extLst>
               <a:ext uri="{FF2B5EF4-FFF2-40B4-BE49-F238E27FC236}">
-                <a16:creationId xmlns:a16="http://schemas.microsoft.com/office/drawing/2014/main" id="{87B9D861-BADE-1735-BC5D-FB0CE4C31EFE}"/>
+                <a16:creationId xmlns:a16="http://schemas.microsoft.com/office/drawing/2014/main" id="{7DB2C0A7-61E4-87DA-0273-BE041670CF42}"/>
               </a:ext>
             </a:extLst>
           </p:cNvPr>
@@ -11305,10 +11209,10 @@
       </p:sp>
       <p:sp>
         <p:nvSpPr>
-          <p:cNvPr id="4" name="Slide Number Placeholder 3">
+          <p:cNvPr id="4" name="Tijdelijke aanduiding voor dianummer 3">
             <a:extLst>
               <a:ext uri="{FF2B5EF4-FFF2-40B4-BE49-F238E27FC236}">
-                <a16:creationId xmlns:a16="http://schemas.microsoft.com/office/drawing/2014/main" id="{FC23E00C-3A77-A444-8280-8A8A5D17B5DF}"/>
+                <a16:creationId xmlns:a16="http://schemas.microsoft.com/office/drawing/2014/main" id="{F206EC54-B387-43E9-7894-4BC2FC8AFE47}"/>
               </a:ext>
             </a:extLst>
           </p:cNvPr>
@@ -11334,10 +11238,10 @@
       </p:sp>
       <p:sp>
         <p:nvSpPr>
-          <p:cNvPr id="5" name="Title 4">
+          <p:cNvPr id="5" name="Titel 4">
             <a:extLst>
               <a:ext uri="{FF2B5EF4-FFF2-40B4-BE49-F238E27FC236}">
-                <a16:creationId xmlns:a16="http://schemas.microsoft.com/office/drawing/2014/main" id="{344F2F4D-955A-2213-B685-181EC6CE1CBA}"/>
+                <a16:creationId xmlns:a16="http://schemas.microsoft.com/office/drawing/2014/main" id="{5AFF6F3D-6B31-CCA6-3526-56EB9F8567E5}"/>
               </a:ext>
             </a:extLst>
           </p:cNvPr>
@@ -11355,7 +11259,7 @@
           <a:p>
             <a:r>
               <a:rPr lang="nl-BE" dirty="0"/>
-              <a:t>Overzicht</a:t>
+              <a:t>Resultaten</a:t>
             </a:r>
           </a:p>
         </p:txBody>
@@ -11363,7 +11267,7 @@
     </p:spTree>
     <p:extLst>
       <p:ext uri="{BB962C8B-B14F-4D97-AF65-F5344CB8AC3E}">
-        <p14:creationId xmlns:p14="http://schemas.microsoft.com/office/powerpoint/2010/main" val="3228113776"/>
+        <p14:creationId xmlns:p14="http://schemas.microsoft.com/office/powerpoint/2010/main" val="1651865195"/>
       </p:ext>
     </p:extLst>
   </p:cSld>
@@ -11392,10 +11296,10 @@
       </p:grpSpPr>
       <p:sp>
         <p:nvSpPr>
-          <p:cNvPr id="2" name="Tijdelijke aanduiding voor inhoud 1">
+          <p:cNvPr id="2" name="Content Placeholder 1">
             <a:extLst>
               <a:ext uri="{FF2B5EF4-FFF2-40B4-BE49-F238E27FC236}">
-                <a16:creationId xmlns:a16="http://schemas.microsoft.com/office/drawing/2014/main" id="{F7AE94B2-F97A-D2DF-7BB4-EE2853692400}"/>
+                <a16:creationId xmlns:a16="http://schemas.microsoft.com/office/drawing/2014/main" id="{9572C954-C83C-EE79-685B-900385B3EC4B}"/>
               </a:ext>
             </a:extLst>
           </p:cNvPr>
@@ -11406,21 +11310,241 @@
             <p:ph idx="1"/>
           </p:nvPr>
         </p:nvSpPr>
-        <p:spPr/>
-        <p:txBody>
-          <a:bodyPr/>
-          <a:lstStyle/>
-          <a:p>
-            <a:endParaRPr lang="nl-BE"/>
-          </a:p>
-        </p:txBody>
-      </p:sp>
-      <p:sp>
-        <p:nvSpPr>
-          <p:cNvPr id="3" name="Tijdelijke aanduiding voor voettekst 2">
+        <p:spPr>
+          <a:xfrm>
+            <a:off x="576000" y="1656000"/>
+            <a:ext cx="11041200" cy="4554000"/>
+          </a:xfrm>
+        </p:spPr>
+        <p:txBody>
+          <a:bodyPr>
+            <a:normAutofit fontScale="85000" lnSpcReduction="20000"/>
+          </a:bodyPr>
+          <a:lstStyle/>
+          <a:p>
+            <a:pPr marL="457200" indent="-457200">
+              <a:buFont typeface="+mj-lt"/>
+              <a:buAutoNum type="arabicPeriod"/>
+            </a:pPr>
+            <a:r>
+              <a:rPr lang="nl-BE" dirty="0">
+                <a:solidFill>
+                  <a:schemeClr val="bg2">
+                    <a:lumMod val="75000"/>
+                  </a:schemeClr>
+                </a:solidFill>
+              </a:rPr>
+              <a:t>Inleiding</a:t>
+            </a:r>
+          </a:p>
+          <a:p>
+            <a:pPr marL="457200" indent="-457200">
+              <a:buFont typeface="+mj-lt"/>
+              <a:buAutoNum type="arabicPeriod"/>
+            </a:pPr>
+            <a:r>
+              <a:rPr lang="nl-BE" dirty="0">
+                <a:solidFill>
+                  <a:schemeClr val="bg2">
+                    <a:lumMod val="75000"/>
+                  </a:schemeClr>
+                </a:solidFill>
+              </a:rPr>
+              <a:t>Ontwerp</a:t>
+            </a:r>
+          </a:p>
+          <a:p>
+            <a:pPr marL="457200" indent="-457200">
+              <a:buFont typeface="+mj-lt"/>
+              <a:buAutoNum type="arabicPeriod"/>
+            </a:pPr>
+            <a:r>
+              <a:rPr lang="nl-BE" dirty="0">
+                <a:solidFill>
+                  <a:schemeClr val="bg2">
+                    <a:lumMod val="75000"/>
+                  </a:schemeClr>
+                </a:solidFill>
+              </a:rPr>
+              <a:t>Stappen</a:t>
+            </a:r>
+          </a:p>
+          <a:p>
+            <a:pPr marL="914400" lvl="1" indent="-457200">
+              <a:buFont typeface="+mj-lt"/>
+              <a:buAutoNum type="arabicPeriod"/>
+            </a:pPr>
+            <a:r>
+              <a:rPr lang="nl-BE" dirty="0">
+                <a:solidFill>
+                  <a:schemeClr val="bg2">
+                    <a:lumMod val="75000"/>
+                  </a:schemeClr>
+                </a:solidFill>
+              </a:rPr>
+              <a:t>Detectie en lokalisatie</a:t>
+            </a:r>
+          </a:p>
+          <a:p>
+            <a:pPr marL="914400" lvl="1" indent="-457200">
+              <a:buFont typeface="+mj-lt"/>
+              <a:buAutoNum type="arabicPeriod"/>
+            </a:pPr>
+            <a:r>
+              <a:rPr lang="nl-BE" dirty="0">
+                <a:solidFill>
+                  <a:schemeClr val="bg2">
+                    <a:lumMod val="75000"/>
+                  </a:schemeClr>
+                </a:solidFill>
+              </a:rPr>
+              <a:t>Richten</a:t>
+            </a:r>
+          </a:p>
+          <a:p>
+            <a:pPr marL="914400" lvl="1" indent="-457200">
+              <a:buFont typeface="+mj-lt"/>
+              <a:buAutoNum type="arabicPeriod"/>
+            </a:pPr>
+            <a:r>
+              <a:rPr lang="nl-BE" dirty="0">
+                <a:solidFill>
+                  <a:schemeClr val="bg2">
+                    <a:lumMod val="75000"/>
+                  </a:schemeClr>
+                </a:solidFill>
+              </a:rPr>
+              <a:t>Blussen</a:t>
+            </a:r>
+          </a:p>
+          <a:p>
+            <a:pPr marL="457200" indent="-457200">
+              <a:lnSpc>
+                <a:spcPct val="110000"/>
+              </a:lnSpc>
+              <a:buFont typeface="+mj-lt"/>
+              <a:buAutoNum type="arabicPeriod"/>
+            </a:pPr>
+            <a:r>
+              <a:rPr lang="nl-BE" dirty="0">
+                <a:solidFill>
+                  <a:schemeClr val="bg2">
+                    <a:lumMod val="75000"/>
+                  </a:schemeClr>
+                </a:solidFill>
+              </a:rPr>
+              <a:t>Prototype</a:t>
+            </a:r>
+          </a:p>
+          <a:p>
+            <a:pPr marL="914400" lvl="1" indent="-457200">
+              <a:buFont typeface="+mj-lt"/>
+              <a:buAutoNum type="arabicPeriod"/>
+            </a:pPr>
+            <a:r>
+              <a:rPr lang="nl-BE" dirty="0">
+                <a:solidFill>
+                  <a:schemeClr val="bg2">
+                    <a:lumMod val="75000"/>
+                  </a:schemeClr>
+                </a:solidFill>
+              </a:rPr>
+              <a:t>Constructie</a:t>
+            </a:r>
+          </a:p>
+          <a:p>
+            <a:pPr marL="914400" lvl="1" indent="-457200">
+              <a:buFont typeface="+mj-lt"/>
+              <a:buAutoNum type="arabicPeriod"/>
+            </a:pPr>
+            <a:r>
+              <a:rPr lang="nl-BE" dirty="0">
+                <a:solidFill>
+                  <a:schemeClr val="bg2">
+                    <a:lumMod val="75000"/>
+                  </a:schemeClr>
+                </a:solidFill>
+              </a:rPr>
+              <a:t>Elektrisch circuit</a:t>
+            </a:r>
+          </a:p>
+          <a:p>
+            <a:pPr marL="914400" lvl="1" indent="-457200">
+              <a:buFont typeface="+mj-lt"/>
+              <a:buAutoNum type="arabicPeriod"/>
+            </a:pPr>
+            <a:r>
+              <a:rPr lang="nl-BE" dirty="0">
+                <a:solidFill>
+                  <a:schemeClr val="bg2">
+                    <a:lumMod val="75000"/>
+                  </a:schemeClr>
+                </a:solidFill>
+              </a:rPr>
+              <a:t>Roterend platform, arm en spuit</a:t>
+            </a:r>
+          </a:p>
+          <a:p>
+            <a:pPr marL="457200" indent="-457200">
+              <a:buFont typeface="+mj-lt"/>
+              <a:buAutoNum type="arabicPeriod"/>
+            </a:pPr>
+            <a:r>
+              <a:rPr lang="nl-BE" dirty="0">
+                <a:solidFill>
+                  <a:schemeClr val="bg2">
+                    <a:lumMod val="75000"/>
+                  </a:schemeClr>
+                </a:solidFill>
+              </a:rPr>
+              <a:t>Resultaten</a:t>
+            </a:r>
+          </a:p>
+          <a:p>
+            <a:pPr marL="457200" indent="-457200">
+              <a:buFont typeface="+mj-lt"/>
+              <a:buAutoNum type="arabicPeriod"/>
+            </a:pPr>
+            <a:r>
+              <a:rPr lang="nl-BE" dirty="0">
+                <a:solidFill>
+                  <a:srgbClr val="2F4D5D"/>
+                </a:solidFill>
+              </a:rPr>
+              <a:t>Besluit</a:t>
+            </a:r>
+          </a:p>
+          <a:p>
+            <a:pPr marL="457200" indent="-457200">
+              <a:buFont typeface="+mj-lt"/>
+              <a:buAutoNum type="arabicPeriod"/>
+            </a:pPr>
+            <a:r>
+              <a:rPr lang="nl-BE" dirty="0">
+                <a:solidFill>
+                  <a:schemeClr val="bg2">
+                    <a:lumMod val="75000"/>
+                  </a:schemeClr>
+                </a:solidFill>
+              </a:rPr>
+              <a:t>Bibliografie</a:t>
+            </a:r>
+          </a:p>
+          <a:p>
+            <a:pPr marL="457200" indent="-457200">
+              <a:buFont typeface="+mj-lt"/>
+              <a:buAutoNum type="arabicPeriod"/>
+            </a:pPr>
+            <a:endParaRPr lang="nl-BE" dirty="0"/>
+          </a:p>
+        </p:txBody>
+      </p:sp>
+      <p:sp>
+        <p:nvSpPr>
+          <p:cNvPr id="3" name="Footer Placeholder 2">
             <a:extLst>
               <a:ext uri="{FF2B5EF4-FFF2-40B4-BE49-F238E27FC236}">
-                <a16:creationId xmlns:a16="http://schemas.microsoft.com/office/drawing/2014/main" id="{7DB2C0A7-61E4-87DA-0273-BE041670CF42}"/>
+                <a16:creationId xmlns:a16="http://schemas.microsoft.com/office/drawing/2014/main" id="{87B9D861-BADE-1735-BC5D-FB0CE4C31EFE}"/>
               </a:ext>
             </a:extLst>
           </p:cNvPr>
@@ -11445,10 +11569,10 @@
       </p:sp>
       <p:sp>
         <p:nvSpPr>
-          <p:cNvPr id="4" name="Tijdelijke aanduiding voor dianummer 3">
+          <p:cNvPr id="4" name="Slide Number Placeholder 3">
             <a:extLst>
               <a:ext uri="{FF2B5EF4-FFF2-40B4-BE49-F238E27FC236}">
-                <a16:creationId xmlns:a16="http://schemas.microsoft.com/office/drawing/2014/main" id="{F206EC54-B387-43E9-7894-4BC2FC8AFE47}"/>
+                <a16:creationId xmlns:a16="http://schemas.microsoft.com/office/drawing/2014/main" id="{FC23E00C-3A77-A444-8280-8A8A5D17B5DF}"/>
               </a:ext>
             </a:extLst>
           </p:cNvPr>
@@ -11474,10 +11598,10 @@
       </p:sp>
       <p:sp>
         <p:nvSpPr>
-          <p:cNvPr id="5" name="Titel 4">
+          <p:cNvPr id="5" name="Title 4">
             <a:extLst>
               <a:ext uri="{FF2B5EF4-FFF2-40B4-BE49-F238E27FC236}">
-                <a16:creationId xmlns:a16="http://schemas.microsoft.com/office/drawing/2014/main" id="{5AFF6F3D-6B31-CCA6-3526-56EB9F8567E5}"/>
+                <a16:creationId xmlns:a16="http://schemas.microsoft.com/office/drawing/2014/main" id="{344F2F4D-955A-2213-B685-181EC6CE1CBA}"/>
               </a:ext>
             </a:extLst>
           </p:cNvPr>
@@ -11495,7 +11619,7 @@
           <a:p>
             <a:r>
               <a:rPr lang="nl-BE" dirty="0"/>
-              <a:t>Resultaten</a:t>
+              <a:t>Overzicht</a:t>
             </a:r>
           </a:p>
         </p:txBody>
@@ -11503,7 +11627,7 @@
     </p:spTree>
     <p:extLst>
       <p:ext uri="{BB962C8B-B14F-4D97-AF65-F5344CB8AC3E}">
-        <p14:creationId xmlns:p14="http://schemas.microsoft.com/office/powerpoint/2010/main" val="1651865195"/>
+        <p14:creationId xmlns:p14="http://schemas.microsoft.com/office/powerpoint/2010/main" val="3353557775"/>
       </p:ext>
     </p:extLst>
   </p:cSld>
@@ -11532,10 +11656,10 @@
       </p:grpSpPr>
       <p:sp>
         <p:nvSpPr>
-          <p:cNvPr id="2" name="Content Placeholder 1">
+          <p:cNvPr id="2" name="Tijdelijke aanduiding voor inhoud 1">
             <a:extLst>
               <a:ext uri="{FF2B5EF4-FFF2-40B4-BE49-F238E27FC236}">
-                <a16:creationId xmlns:a16="http://schemas.microsoft.com/office/drawing/2014/main" id="{9572C954-C83C-EE79-685B-900385B3EC4B}"/>
+                <a16:creationId xmlns:a16="http://schemas.microsoft.com/office/drawing/2014/main" id="{E775BDEC-9084-7B7B-7636-1336FE6D1442}"/>
               </a:ext>
             </a:extLst>
           </p:cNvPr>
@@ -11546,241 +11670,21 @@
             <p:ph idx="1"/>
           </p:nvPr>
         </p:nvSpPr>
-        <p:spPr>
-          <a:xfrm>
-            <a:off x="576000" y="1656000"/>
-            <a:ext cx="11041200" cy="4554000"/>
-          </a:xfrm>
-        </p:spPr>
-        <p:txBody>
-          <a:bodyPr>
-            <a:normAutofit fontScale="85000" lnSpcReduction="20000"/>
-          </a:bodyPr>
-          <a:lstStyle/>
-          <a:p>
-            <a:pPr marL="457200" indent="-457200">
-              <a:buFont typeface="+mj-lt"/>
-              <a:buAutoNum type="arabicPeriod"/>
-            </a:pPr>
-            <a:r>
-              <a:rPr lang="nl-BE" dirty="0">
-                <a:solidFill>
-                  <a:schemeClr val="bg2">
-                    <a:lumMod val="75000"/>
-                  </a:schemeClr>
-                </a:solidFill>
-              </a:rPr>
-              <a:t>Inleiding</a:t>
-            </a:r>
-          </a:p>
-          <a:p>
-            <a:pPr marL="457200" indent="-457200">
-              <a:buFont typeface="+mj-lt"/>
-              <a:buAutoNum type="arabicPeriod"/>
-            </a:pPr>
-            <a:r>
-              <a:rPr lang="nl-BE" dirty="0">
-                <a:solidFill>
-                  <a:schemeClr val="bg2">
-                    <a:lumMod val="75000"/>
-                  </a:schemeClr>
-                </a:solidFill>
-              </a:rPr>
-              <a:t>Ontwerp</a:t>
-            </a:r>
-          </a:p>
-          <a:p>
-            <a:pPr marL="457200" indent="-457200">
-              <a:buFont typeface="+mj-lt"/>
-              <a:buAutoNum type="arabicPeriod"/>
-            </a:pPr>
-            <a:r>
-              <a:rPr lang="nl-BE" dirty="0">
-                <a:solidFill>
-                  <a:schemeClr val="bg2">
-                    <a:lumMod val="75000"/>
-                  </a:schemeClr>
-                </a:solidFill>
-              </a:rPr>
-              <a:t>Stappen</a:t>
-            </a:r>
-          </a:p>
-          <a:p>
-            <a:pPr marL="914400" lvl="1" indent="-457200">
-              <a:buFont typeface="+mj-lt"/>
-              <a:buAutoNum type="arabicPeriod"/>
-            </a:pPr>
-            <a:r>
-              <a:rPr lang="nl-BE" dirty="0">
-                <a:solidFill>
-                  <a:schemeClr val="bg2">
-                    <a:lumMod val="75000"/>
-                  </a:schemeClr>
-                </a:solidFill>
-              </a:rPr>
-              <a:t>Detectie en lokalisatie</a:t>
-            </a:r>
-          </a:p>
-          <a:p>
-            <a:pPr marL="914400" lvl="1" indent="-457200">
-              <a:buFont typeface="+mj-lt"/>
-              <a:buAutoNum type="arabicPeriod"/>
-            </a:pPr>
-            <a:r>
-              <a:rPr lang="nl-BE" dirty="0">
-                <a:solidFill>
-                  <a:schemeClr val="bg2">
-                    <a:lumMod val="75000"/>
-                  </a:schemeClr>
-                </a:solidFill>
-              </a:rPr>
-              <a:t>Richten</a:t>
-            </a:r>
-          </a:p>
-          <a:p>
-            <a:pPr marL="914400" lvl="1" indent="-457200">
-              <a:buFont typeface="+mj-lt"/>
-              <a:buAutoNum type="arabicPeriod"/>
-            </a:pPr>
-            <a:r>
-              <a:rPr lang="nl-BE" dirty="0">
-                <a:solidFill>
-                  <a:schemeClr val="bg2">
-                    <a:lumMod val="75000"/>
-                  </a:schemeClr>
-                </a:solidFill>
-              </a:rPr>
-              <a:t>Blussen</a:t>
-            </a:r>
-          </a:p>
-          <a:p>
-            <a:pPr marL="457200" indent="-457200">
-              <a:lnSpc>
-                <a:spcPct val="110000"/>
-              </a:lnSpc>
-              <a:buFont typeface="+mj-lt"/>
-              <a:buAutoNum type="arabicPeriod"/>
-            </a:pPr>
-            <a:r>
-              <a:rPr lang="nl-BE" dirty="0">
-                <a:solidFill>
-                  <a:schemeClr val="bg2">
-                    <a:lumMod val="75000"/>
-                  </a:schemeClr>
-                </a:solidFill>
-              </a:rPr>
-              <a:t>Prototype</a:t>
-            </a:r>
-          </a:p>
-          <a:p>
-            <a:pPr marL="914400" lvl="1" indent="-457200">
-              <a:buFont typeface="+mj-lt"/>
-              <a:buAutoNum type="arabicPeriod"/>
-            </a:pPr>
-            <a:r>
-              <a:rPr lang="nl-BE" dirty="0">
-                <a:solidFill>
-                  <a:schemeClr val="bg2">
-                    <a:lumMod val="75000"/>
-                  </a:schemeClr>
-                </a:solidFill>
-              </a:rPr>
-              <a:t>Constructie</a:t>
-            </a:r>
-          </a:p>
-          <a:p>
-            <a:pPr marL="914400" lvl="1" indent="-457200">
-              <a:buFont typeface="+mj-lt"/>
-              <a:buAutoNum type="arabicPeriod"/>
-            </a:pPr>
-            <a:r>
-              <a:rPr lang="nl-BE" dirty="0">
-                <a:solidFill>
-                  <a:schemeClr val="bg2">
-                    <a:lumMod val="75000"/>
-                  </a:schemeClr>
-                </a:solidFill>
-              </a:rPr>
-              <a:t>Elektrisch circuit</a:t>
-            </a:r>
-          </a:p>
-          <a:p>
-            <a:pPr marL="914400" lvl="1" indent="-457200">
-              <a:buFont typeface="+mj-lt"/>
-              <a:buAutoNum type="arabicPeriod"/>
-            </a:pPr>
-            <a:r>
-              <a:rPr lang="nl-BE" dirty="0">
-                <a:solidFill>
-                  <a:schemeClr val="bg2">
-                    <a:lumMod val="75000"/>
-                  </a:schemeClr>
-                </a:solidFill>
-              </a:rPr>
-              <a:t>Roterend platform, arm en spuit</a:t>
-            </a:r>
-          </a:p>
-          <a:p>
-            <a:pPr marL="457200" indent="-457200">
-              <a:buFont typeface="+mj-lt"/>
-              <a:buAutoNum type="arabicPeriod"/>
-            </a:pPr>
-            <a:r>
-              <a:rPr lang="nl-BE" dirty="0">
-                <a:solidFill>
-                  <a:schemeClr val="bg2">
-                    <a:lumMod val="75000"/>
-                  </a:schemeClr>
-                </a:solidFill>
-              </a:rPr>
-              <a:t>Resultaten</a:t>
-            </a:r>
-          </a:p>
-          <a:p>
-            <a:pPr marL="457200" indent="-457200">
-              <a:buFont typeface="+mj-lt"/>
-              <a:buAutoNum type="arabicPeriod"/>
-            </a:pPr>
-            <a:r>
-              <a:rPr lang="nl-BE" dirty="0">
-                <a:solidFill>
-                  <a:srgbClr val="2F4D5D"/>
-                </a:solidFill>
-              </a:rPr>
-              <a:t>Besluit</a:t>
-            </a:r>
-          </a:p>
-          <a:p>
-            <a:pPr marL="457200" indent="-457200">
-              <a:buFont typeface="+mj-lt"/>
-              <a:buAutoNum type="arabicPeriod"/>
-            </a:pPr>
-            <a:r>
-              <a:rPr lang="nl-BE" dirty="0">
-                <a:solidFill>
-                  <a:schemeClr val="bg2">
-                    <a:lumMod val="75000"/>
-                  </a:schemeClr>
-                </a:solidFill>
-              </a:rPr>
-              <a:t>Bibliografie</a:t>
-            </a:r>
-          </a:p>
-          <a:p>
-            <a:pPr marL="457200" indent="-457200">
-              <a:buFont typeface="+mj-lt"/>
-              <a:buAutoNum type="arabicPeriod"/>
-            </a:pPr>
+        <p:spPr/>
+        <p:txBody>
+          <a:bodyPr/>
+          <a:lstStyle/>
+          <a:p>
             <a:endParaRPr lang="nl-BE" dirty="0"/>
           </a:p>
         </p:txBody>
       </p:sp>
       <p:sp>
         <p:nvSpPr>
-          <p:cNvPr id="3" name="Footer Placeholder 2">
+          <p:cNvPr id="3" name="Tijdelijke aanduiding voor voettekst 2">
             <a:extLst>
               <a:ext uri="{FF2B5EF4-FFF2-40B4-BE49-F238E27FC236}">
-                <a16:creationId xmlns:a16="http://schemas.microsoft.com/office/drawing/2014/main" id="{87B9D861-BADE-1735-BC5D-FB0CE4C31EFE}"/>
+                <a16:creationId xmlns:a16="http://schemas.microsoft.com/office/drawing/2014/main" id="{6C68FFF2-583B-ADAE-3A87-AA2DE08D02E8}"/>
               </a:ext>
             </a:extLst>
           </p:cNvPr>
@@ -11805,10 +11709,10 @@
       </p:sp>
       <p:sp>
         <p:nvSpPr>
-          <p:cNvPr id="4" name="Slide Number Placeholder 3">
+          <p:cNvPr id="4" name="Tijdelijke aanduiding voor dianummer 3">
             <a:extLst>
               <a:ext uri="{FF2B5EF4-FFF2-40B4-BE49-F238E27FC236}">
-                <a16:creationId xmlns:a16="http://schemas.microsoft.com/office/drawing/2014/main" id="{FC23E00C-3A77-A444-8280-8A8A5D17B5DF}"/>
+                <a16:creationId xmlns:a16="http://schemas.microsoft.com/office/drawing/2014/main" id="{E49094E4-1991-A9EB-7B02-F275C3C4375D}"/>
               </a:ext>
             </a:extLst>
           </p:cNvPr>
@@ -11834,10 +11738,10 @@
       </p:sp>
       <p:sp>
         <p:nvSpPr>
-          <p:cNvPr id="5" name="Title 4">
+          <p:cNvPr id="5" name="Titel 4">
             <a:extLst>
               <a:ext uri="{FF2B5EF4-FFF2-40B4-BE49-F238E27FC236}">
-                <a16:creationId xmlns:a16="http://schemas.microsoft.com/office/drawing/2014/main" id="{344F2F4D-955A-2213-B685-181EC6CE1CBA}"/>
+                <a16:creationId xmlns:a16="http://schemas.microsoft.com/office/drawing/2014/main" id="{F17222F8-0A62-DE13-7430-B9B48E3D40E9}"/>
               </a:ext>
             </a:extLst>
           </p:cNvPr>
@@ -11855,7 +11759,7 @@
           <a:p>
             <a:r>
               <a:rPr lang="nl-BE" dirty="0"/>
-              <a:t>Overzicht</a:t>
+              <a:t>Besluit</a:t>
             </a:r>
           </a:p>
         </p:txBody>
@@ -11863,7 +11767,7 @@
     </p:spTree>
     <p:extLst>
       <p:ext uri="{BB962C8B-B14F-4D97-AF65-F5344CB8AC3E}">
-        <p14:creationId xmlns:p14="http://schemas.microsoft.com/office/powerpoint/2010/main" val="3353557775"/>
+        <p14:creationId xmlns:p14="http://schemas.microsoft.com/office/powerpoint/2010/main" val="2539709788"/>
       </p:ext>
     </p:extLst>
   </p:cSld>
@@ -11892,10 +11796,10 @@
       </p:grpSpPr>
       <p:sp>
         <p:nvSpPr>
-          <p:cNvPr id="2" name="Tijdelijke aanduiding voor inhoud 1">
+          <p:cNvPr id="2" name="Content Placeholder 1">
             <a:extLst>
               <a:ext uri="{FF2B5EF4-FFF2-40B4-BE49-F238E27FC236}">
-                <a16:creationId xmlns:a16="http://schemas.microsoft.com/office/drawing/2014/main" id="{E775BDEC-9084-7B7B-7636-1336FE6D1442}"/>
+                <a16:creationId xmlns:a16="http://schemas.microsoft.com/office/drawing/2014/main" id="{9572C954-C83C-EE79-685B-900385B3EC4B}"/>
               </a:ext>
             </a:extLst>
           </p:cNvPr>
@@ -11906,21 +11810,241 @@
             <p:ph idx="1"/>
           </p:nvPr>
         </p:nvSpPr>
-        <p:spPr/>
-        <p:txBody>
-          <a:bodyPr/>
-          <a:lstStyle/>
-          <a:p>
+        <p:spPr>
+          <a:xfrm>
+            <a:off x="576000" y="1656000"/>
+            <a:ext cx="11041200" cy="4554000"/>
+          </a:xfrm>
+        </p:spPr>
+        <p:txBody>
+          <a:bodyPr>
+            <a:normAutofit fontScale="85000" lnSpcReduction="20000"/>
+          </a:bodyPr>
+          <a:lstStyle/>
+          <a:p>
+            <a:pPr marL="457200" indent="-457200">
+              <a:buFont typeface="+mj-lt"/>
+              <a:buAutoNum type="arabicPeriod"/>
+            </a:pPr>
+            <a:r>
+              <a:rPr lang="nl-BE" dirty="0">
+                <a:solidFill>
+                  <a:schemeClr val="bg2">
+                    <a:lumMod val="75000"/>
+                  </a:schemeClr>
+                </a:solidFill>
+              </a:rPr>
+              <a:t>Inleiding</a:t>
+            </a:r>
+          </a:p>
+          <a:p>
+            <a:pPr marL="457200" indent="-457200">
+              <a:buFont typeface="+mj-lt"/>
+              <a:buAutoNum type="arabicPeriod"/>
+            </a:pPr>
+            <a:r>
+              <a:rPr lang="nl-BE" dirty="0">
+                <a:solidFill>
+                  <a:schemeClr val="bg2">
+                    <a:lumMod val="75000"/>
+                  </a:schemeClr>
+                </a:solidFill>
+              </a:rPr>
+              <a:t>Ontwerp</a:t>
+            </a:r>
+          </a:p>
+          <a:p>
+            <a:pPr marL="457200" indent="-457200">
+              <a:buFont typeface="+mj-lt"/>
+              <a:buAutoNum type="arabicPeriod"/>
+            </a:pPr>
+            <a:r>
+              <a:rPr lang="nl-BE" dirty="0">
+                <a:solidFill>
+                  <a:schemeClr val="bg2">
+                    <a:lumMod val="75000"/>
+                  </a:schemeClr>
+                </a:solidFill>
+              </a:rPr>
+              <a:t>Stappen</a:t>
+            </a:r>
+          </a:p>
+          <a:p>
+            <a:pPr marL="914400" lvl="1" indent="-457200">
+              <a:buFont typeface="+mj-lt"/>
+              <a:buAutoNum type="arabicPeriod"/>
+            </a:pPr>
+            <a:r>
+              <a:rPr lang="nl-BE" dirty="0">
+                <a:solidFill>
+                  <a:schemeClr val="bg2">
+                    <a:lumMod val="75000"/>
+                  </a:schemeClr>
+                </a:solidFill>
+              </a:rPr>
+              <a:t>Detectie en lokalisatie</a:t>
+            </a:r>
+          </a:p>
+          <a:p>
+            <a:pPr marL="914400" lvl="1" indent="-457200">
+              <a:buFont typeface="+mj-lt"/>
+              <a:buAutoNum type="arabicPeriod"/>
+            </a:pPr>
+            <a:r>
+              <a:rPr lang="nl-BE" dirty="0">
+                <a:solidFill>
+                  <a:schemeClr val="bg2">
+                    <a:lumMod val="75000"/>
+                  </a:schemeClr>
+                </a:solidFill>
+              </a:rPr>
+              <a:t>Richten</a:t>
+            </a:r>
+          </a:p>
+          <a:p>
+            <a:pPr marL="914400" lvl="1" indent="-457200">
+              <a:buFont typeface="+mj-lt"/>
+              <a:buAutoNum type="arabicPeriod"/>
+            </a:pPr>
+            <a:r>
+              <a:rPr lang="nl-BE" dirty="0">
+                <a:solidFill>
+                  <a:schemeClr val="bg2">
+                    <a:lumMod val="75000"/>
+                  </a:schemeClr>
+                </a:solidFill>
+              </a:rPr>
+              <a:t>Blussen</a:t>
+            </a:r>
+          </a:p>
+          <a:p>
+            <a:pPr marL="457200" indent="-457200">
+              <a:lnSpc>
+                <a:spcPct val="110000"/>
+              </a:lnSpc>
+              <a:buFont typeface="+mj-lt"/>
+              <a:buAutoNum type="arabicPeriod"/>
+            </a:pPr>
+            <a:r>
+              <a:rPr lang="nl-BE" dirty="0">
+                <a:solidFill>
+                  <a:schemeClr val="bg2">
+                    <a:lumMod val="75000"/>
+                  </a:schemeClr>
+                </a:solidFill>
+              </a:rPr>
+              <a:t>Prototype</a:t>
+            </a:r>
+          </a:p>
+          <a:p>
+            <a:pPr marL="914400" lvl="1" indent="-457200">
+              <a:buFont typeface="+mj-lt"/>
+              <a:buAutoNum type="arabicPeriod"/>
+            </a:pPr>
+            <a:r>
+              <a:rPr lang="nl-BE" dirty="0">
+                <a:solidFill>
+                  <a:schemeClr val="bg2">
+                    <a:lumMod val="75000"/>
+                  </a:schemeClr>
+                </a:solidFill>
+              </a:rPr>
+              <a:t>Constructie</a:t>
+            </a:r>
+          </a:p>
+          <a:p>
+            <a:pPr marL="914400" lvl="1" indent="-457200">
+              <a:buFont typeface="+mj-lt"/>
+              <a:buAutoNum type="arabicPeriod"/>
+            </a:pPr>
+            <a:r>
+              <a:rPr lang="nl-BE" dirty="0">
+                <a:solidFill>
+                  <a:schemeClr val="bg2">
+                    <a:lumMod val="75000"/>
+                  </a:schemeClr>
+                </a:solidFill>
+              </a:rPr>
+              <a:t>Elektrisch circuit</a:t>
+            </a:r>
+          </a:p>
+          <a:p>
+            <a:pPr marL="914400" lvl="1" indent="-457200">
+              <a:buFont typeface="+mj-lt"/>
+              <a:buAutoNum type="arabicPeriod"/>
+            </a:pPr>
+            <a:r>
+              <a:rPr lang="nl-BE" dirty="0">
+                <a:solidFill>
+                  <a:schemeClr val="bg2">
+                    <a:lumMod val="75000"/>
+                  </a:schemeClr>
+                </a:solidFill>
+              </a:rPr>
+              <a:t>Roterend platform, arm en spuit</a:t>
+            </a:r>
+          </a:p>
+          <a:p>
+            <a:pPr marL="457200" indent="-457200">
+              <a:buFont typeface="+mj-lt"/>
+              <a:buAutoNum type="arabicPeriod"/>
+            </a:pPr>
+            <a:r>
+              <a:rPr lang="nl-BE" dirty="0">
+                <a:solidFill>
+                  <a:schemeClr val="bg2">
+                    <a:lumMod val="75000"/>
+                  </a:schemeClr>
+                </a:solidFill>
+              </a:rPr>
+              <a:t>Resultaten</a:t>
+            </a:r>
+          </a:p>
+          <a:p>
+            <a:pPr marL="457200" indent="-457200">
+              <a:buFont typeface="+mj-lt"/>
+              <a:buAutoNum type="arabicPeriod"/>
+            </a:pPr>
+            <a:r>
+              <a:rPr lang="nl-BE" dirty="0">
+                <a:solidFill>
+                  <a:schemeClr val="bg2">
+                    <a:lumMod val="75000"/>
+                  </a:schemeClr>
+                </a:solidFill>
+              </a:rPr>
+              <a:t>Besluit</a:t>
+            </a:r>
+          </a:p>
+          <a:p>
+            <a:pPr marL="457200" indent="-457200">
+              <a:buFont typeface="+mj-lt"/>
+              <a:buAutoNum type="arabicPeriod"/>
+            </a:pPr>
+            <a:r>
+              <a:rPr lang="nl-BE" dirty="0">
+                <a:solidFill>
+                  <a:srgbClr val="2F4D5D"/>
+                </a:solidFill>
+              </a:rPr>
+              <a:t>Bibliografie</a:t>
+            </a:r>
+          </a:p>
+          <a:p>
+            <a:pPr marL="457200" indent="-457200">
+              <a:buFont typeface="+mj-lt"/>
+              <a:buAutoNum type="arabicPeriod"/>
+            </a:pPr>
             <a:endParaRPr lang="nl-BE" dirty="0"/>
           </a:p>
         </p:txBody>
       </p:sp>
       <p:sp>
         <p:nvSpPr>
-          <p:cNvPr id="3" name="Tijdelijke aanduiding voor voettekst 2">
+          <p:cNvPr id="3" name="Footer Placeholder 2">
             <a:extLst>
               <a:ext uri="{FF2B5EF4-FFF2-40B4-BE49-F238E27FC236}">
-                <a16:creationId xmlns:a16="http://schemas.microsoft.com/office/drawing/2014/main" id="{6C68FFF2-583B-ADAE-3A87-AA2DE08D02E8}"/>
+                <a16:creationId xmlns:a16="http://schemas.microsoft.com/office/drawing/2014/main" id="{87B9D861-BADE-1735-BC5D-FB0CE4C31EFE}"/>
               </a:ext>
             </a:extLst>
           </p:cNvPr>
@@ -11945,10 +12069,10 @@
       </p:sp>
       <p:sp>
         <p:nvSpPr>
-          <p:cNvPr id="4" name="Tijdelijke aanduiding voor dianummer 3">
+          <p:cNvPr id="4" name="Slide Number Placeholder 3">
             <a:extLst>
               <a:ext uri="{FF2B5EF4-FFF2-40B4-BE49-F238E27FC236}">
-                <a16:creationId xmlns:a16="http://schemas.microsoft.com/office/drawing/2014/main" id="{E49094E4-1991-A9EB-7B02-F275C3C4375D}"/>
+                <a16:creationId xmlns:a16="http://schemas.microsoft.com/office/drawing/2014/main" id="{FC23E00C-3A77-A444-8280-8A8A5D17B5DF}"/>
               </a:ext>
             </a:extLst>
           </p:cNvPr>
@@ -11974,10 +12098,10 @@
       </p:sp>
       <p:sp>
         <p:nvSpPr>
-          <p:cNvPr id="5" name="Titel 4">
+          <p:cNvPr id="5" name="Title 4">
             <a:extLst>
               <a:ext uri="{FF2B5EF4-FFF2-40B4-BE49-F238E27FC236}">
-                <a16:creationId xmlns:a16="http://schemas.microsoft.com/office/drawing/2014/main" id="{F17222F8-0A62-DE13-7430-B9B48E3D40E9}"/>
+                <a16:creationId xmlns:a16="http://schemas.microsoft.com/office/drawing/2014/main" id="{344F2F4D-955A-2213-B685-181EC6CE1CBA}"/>
               </a:ext>
             </a:extLst>
           </p:cNvPr>
@@ -11995,7 +12119,7 @@
           <a:p>
             <a:r>
               <a:rPr lang="nl-BE" dirty="0"/>
-              <a:t>Besluit</a:t>
+              <a:t>Overzicht</a:t>
             </a:r>
           </a:p>
         </p:txBody>
@@ -12003,7 +12127,7 @@
     </p:spTree>
     <p:extLst>
       <p:ext uri="{BB962C8B-B14F-4D97-AF65-F5344CB8AC3E}">
-        <p14:creationId xmlns:p14="http://schemas.microsoft.com/office/powerpoint/2010/main" val="2539709788"/>
+        <p14:creationId xmlns:p14="http://schemas.microsoft.com/office/powerpoint/2010/main" val="3868961438"/>
       </p:ext>
     </p:extLst>
   </p:cSld>
@@ -12035,366 +12159,6 @@
           <p:cNvPr id="2" name="Content Placeholder 1">
             <a:extLst>
               <a:ext uri="{FF2B5EF4-FFF2-40B4-BE49-F238E27FC236}">
-                <a16:creationId xmlns:a16="http://schemas.microsoft.com/office/drawing/2014/main" id="{9572C954-C83C-EE79-685B-900385B3EC4B}"/>
-              </a:ext>
-            </a:extLst>
-          </p:cNvPr>
-          <p:cNvSpPr>
-            <a:spLocks noGrp="1"/>
-          </p:cNvSpPr>
-          <p:nvPr>
-            <p:ph idx="1"/>
-          </p:nvPr>
-        </p:nvSpPr>
-        <p:spPr>
-          <a:xfrm>
-            <a:off x="576000" y="1656000"/>
-            <a:ext cx="11041200" cy="4554000"/>
-          </a:xfrm>
-        </p:spPr>
-        <p:txBody>
-          <a:bodyPr>
-            <a:normAutofit fontScale="85000" lnSpcReduction="20000"/>
-          </a:bodyPr>
-          <a:lstStyle/>
-          <a:p>
-            <a:pPr marL="457200" indent="-457200">
-              <a:buFont typeface="+mj-lt"/>
-              <a:buAutoNum type="arabicPeriod"/>
-            </a:pPr>
-            <a:r>
-              <a:rPr lang="nl-BE" dirty="0">
-                <a:solidFill>
-                  <a:schemeClr val="bg2">
-                    <a:lumMod val="75000"/>
-                  </a:schemeClr>
-                </a:solidFill>
-              </a:rPr>
-              <a:t>Inleiding</a:t>
-            </a:r>
-          </a:p>
-          <a:p>
-            <a:pPr marL="457200" indent="-457200">
-              <a:buFont typeface="+mj-lt"/>
-              <a:buAutoNum type="arabicPeriod"/>
-            </a:pPr>
-            <a:r>
-              <a:rPr lang="nl-BE" dirty="0">
-                <a:solidFill>
-                  <a:schemeClr val="bg2">
-                    <a:lumMod val="75000"/>
-                  </a:schemeClr>
-                </a:solidFill>
-              </a:rPr>
-              <a:t>Ontwerp</a:t>
-            </a:r>
-          </a:p>
-          <a:p>
-            <a:pPr marL="457200" indent="-457200">
-              <a:buFont typeface="+mj-lt"/>
-              <a:buAutoNum type="arabicPeriod"/>
-            </a:pPr>
-            <a:r>
-              <a:rPr lang="nl-BE" dirty="0">
-                <a:solidFill>
-                  <a:schemeClr val="bg2">
-                    <a:lumMod val="75000"/>
-                  </a:schemeClr>
-                </a:solidFill>
-              </a:rPr>
-              <a:t>Stappen</a:t>
-            </a:r>
-          </a:p>
-          <a:p>
-            <a:pPr marL="914400" lvl="1" indent="-457200">
-              <a:buFont typeface="+mj-lt"/>
-              <a:buAutoNum type="arabicPeriod"/>
-            </a:pPr>
-            <a:r>
-              <a:rPr lang="nl-BE" dirty="0">
-                <a:solidFill>
-                  <a:schemeClr val="bg2">
-                    <a:lumMod val="75000"/>
-                  </a:schemeClr>
-                </a:solidFill>
-              </a:rPr>
-              <a:t>Detectie en lokalisatie</a:t>
-            </a:r>
-          </a:p>
-          <a:p>
-            <a:pPr marL="914400" lvl="1" indent="-457200">
-              <a:buFont typeface="+mj-lt"/>
-              <a:buAutoNum type="arabicPeriod"/>
-            </a:pPr>
-            <a:r>
-              <a:rPr lang="nl-BE" dirty="0">
-                <a:solidFill>
-                  <a:schemeClr val="bg2">
-                    <a:lumMod val="75000"/>
-                  </a:schemeClr>
-                </a:solidFill>
-              </a:rPr>
-              <a:t>Richten</a:t>
-            </a:r>
-          </a:p>
-          <a:p>
-            <a:pPr marL="914400" lvl="1" indent="-457200">
-              <a:buFont typeface="+mj-lt"/>
-              <a:buAutoNum type="arabicPeriod"/>
-            </a:pPr>
-            <a:r>
-              <a:rPr lang="nl-BE" dirty="0">
-                <a:solidFill>
-                  <a:schemeClr val="bg2">
-                    <a:lumMod val="75000"/>
-                  </a:schemeClr>
-                </a:solidFill>
-              </a:rPr>
-              <a:t>Blussen</a:t>
-            </a:r>
-          </a:p>
-          <a:p>
-            <a:pPr marL="457200" indent="-457200">
-              <a:lnSpc>
-                <a:spcPct val="110000"/>
-              </a:lnSpc>
-              <a:buFont typeface="+mj-lt"/>
-              <a:buAutoNum type="arabicPeriod"/>
-            </a:pPr>
-            <a:r>
-              <a:rPr lang="nl-BE" dirty="0">
-                <a:solidFill>
-                  <a:schemeClr val="bg2">
-                    <a:lumMod val="75000"/>
-                  </a:schemeClr>
-                </a:solidFill>
-              </a:rPr>
-              <a:t>Prototype</a:t>
-            </a:r>
-          </a:p>
-          <a:p>
-            <a:pPr marL="914400" lvl="1" indent="-457200">
-              <a:buFont typeface="+mj-lt"/>
-              <a:buAutoNum type="arabicPeriod"/>
-            </a:pPr>
-            <a:r>
-              <a:rPr lang="nl-BE" dirty="0">
-                <a:solidFill>
-                  <a:schemeClr val="bg2">
-                    <a:lumMod val="75000"/>
-                  </a:schemeClr>
-                </a:solidFill>
-              </a:rPr>
-              <a:t>Constructie</a:t>
-            </a:r>
-          </a:p>
-          <a:p>
-            <a:pPr marL="914400" lvl="1" indent="-457200">
-              <a:buFont typeface="+mj-lt"/>
-              <a:buAutoNum type="arabicPeriod"/>
-            </a:pPr>
-            <a:r>
-              <a:rPr lang="nl-BE" dirty="0">
-                <a:solidFill>
-                  <a:schemeClr val="bg2">
-                    <a:lumMod val="75000"/>
-                  </a:schemeClr>
-                </a:solidFill>
-              </a:rPr>
-              <a:t>Elektrisch circuit</a:t>
-            </a:r>
-          </a:p>
-          <a:p>
-            <a:pPr marL="914400" lvl="1" indent="-457200">
-              <a:buFont typeface="+mj-lt"/>
-              <a:buAutoNum type="arabicPeriod"/>
-            </a:pPr>
-            <a:r>
-              <a:rPr lang="nl-BE" dirty="0">
-                <a:solidFill>
-                  <a:schemeClr val="bg2">
-                    <a:lumMod val="75000"/>
-                  </a:schemeClr>
-                </a:solidFill>
-              </a:rPr>
-              <a:t>Roterend platform, arm en spuit</a:t>
-            </a:r>
-          </a:p>
-          <a:p>
-            <a:pPr marL="457200" indent="-457200">
-              <a:buFont typeface="+mj-lt"/>
-              <a:buAutoNum type="arabicPeriod"/>
-            </a:pPr>
-            <a:r>
-              <a:rPr lang="nl-BE" dirty="0">
-                <a:solidFill>
-                  <a:schemeClr val="bg2">
-                    <a:lumMod val="75000"/>
-                  </a:schemeClr>
-                </a:solidFill>
-              </a:rPr>
-              <a:t>Resultaten</a:t>
-            </a:r>
-          </a:p>
-          <a:p>
-            <a:pPr marL="457200" indent="-457200">
-              <a:buFont typeface="+mj-lt"/>
-              <a:buAutoNum type="arabicPeriod"/>
-            </a:pPr>
-            <a:r>
-              <a:rPr lang="nl-BE" dirty="0">
-                <a:solidFill>
-                  <a:schemeClr val="bg2">
-                    <a:lumMod val="75000"/>
-                  </a:schemeClr>
-                </a:solidFill>
-              </a:rPr>
-              <a:t>Besluit</a:t>
-            </a:r>
-          </a:p>
-          <a:p>
-            <a:pPr marL="457200" indent="-457200">
-              <a:buFont typeface="+mj-lt"/>
-              <a:buAutoNum type="arabicPeriod"/>
-            </a:pPr>
-            <a:r>
-              <a:rPr lang="nl-BE" dirty="0">
-                <a:solidFill>
-                  <a:srgbClr val="2F4D5D"/>
-                </a:solidFill>
-              </a:rPr>
-              <a:t>Bibliografie</a:t>
-            </a:r>
-          </a:p>
-          <a:p>
-            <a:pPr marL="457200" indent="-457200">
-              <a:buFont typeface="+mj-lt"/>
-              <a:buAutoNum type="arabicPeriod"/>
-            </a:pPr>
-            <a:endParaRPr lang="nl-BE" dirty="0"/>
-          </a:p>
-        </p:txBody>
-      </p:sp>
-      <p:sp>
-        <p:nvSpPr>
-          <p:cNvPr id="3" name="Footer Placeholder 2">
-            <a:extLst>
-              <a:ext uri="{FF2B5EF4-FFF2-40B4-BE49-F238E27FC236}">
-                <a16:creationId xmlns:a16="http://schemas.microsoft.com/office/drawing/2014/main" id="{87B9D861-BADE-1735-BC5D-FB0CE4C31EFE}"/>
-              </a:ext>
-            </a:extLst>
-          </p:cNvPr>
-          <p:cNvSpPr>
-            <a:spLocks noGrp="1"/>
-          </p:cNvSpPr>
-          <p:nvPr>
-            <p:ph type="ftr" sz="quarter" idx="11"/>
-          </p:nvPr>
-        </p:nvSpPr>
-        <p:spPr/>
-        <p:txBody>
-          <a:bodyPr/>
-          <a:lstStyle/>
-          <a:p>
-            <a:r>
-              <a:rPr lang="nl-NL"/>
-              <a:t>Groep Wetenschappen &amp; Techonologie - Ingenieurswetenschappen</a:t>
-            </a:r>
-          </a:p>
-        </p:txBody>
-      </p:sp>
-      <p:sp>
-        <p:nvSpPr>
-          <p:cNvPr id="4" name="Slide Number Placeholder 3">
-            <a:extLst>
-              <a:ext uri="{FF2B5EF4-FFF2-40B4-BE49-F238E27FC236}">
-                <a16:creationId xmlns:a16="http://schemas.microsoft.com/office/drawing/2014/main" id="{FC23E00C-3A77-A444-8280-8A8A5D17B5DF}"/>
-              </a:ext>
-            </a:extLst>
-          </p:cNvPr>
-          <p:cNvSpPr>
-            <a:spLocks noGrp="1"/>
-          </p:cNvSpPr>
-          <p:nvPr>
-            <p:ph type="sldNum" sz="quarter" idx="12"/>
-          </p:nvPr>
-        </p:nvSpPr>
-        <p:spPr/>
-        <p:txBody>
-          <a:bodyPr/>
-          <a:lstStyle/>
-          <a:p>
-            <a:fld id="{0A297500-7527-634B-90F4-69D0994C32B4}" type="slidenum">
-              <a:rPr lang="nl-NL" smtClean="0"/>
-              <a:t>34</a:t>
-            </a:fld>
-            <a:endParaRPr lang="nl-NL"/>
-          </a:p>
-        </p:txBody>
-      </p:sp>
-      <p:sp>
-        <p:nvSpPr>
-          <p:cNvPr id="5" name="Title 4">
-            <a:extLst>
-              <a:ext uri="{FF2B5EF4-FFF2-40B4-BE49-F238E27FC236}">
-                <a16:creationId xmlns:a16="http://schemas.microsoft.com/office/drawing/2014/main" id="{344F2F4D-955A-2213-B685-181EC6CE1CBA}"/>
-              </a:ext>
-            </a:extLst>
-          </p:cNvPr>
-          <p:cNvSpPr>
-            <a:spLocks noGrp="1"/>
-          </p:cNvSpPr>
-          <p:nvPr>
-            <p:ph type="title"/>
-          </p:nvPr>
-        </p:nvSpPr>
-        <p:spPr/>
-        <p:txBody>
-          <a:bodyPr/>
-          <a:lstStyle/>
-          <a:p>
-            <a:r>
-              <a:rPr lang="nl-BE" dirty="0"/>
-              <a:t>Overzicht</a:t>
-            </a:r>
-          </a:p>
-        </p:txBody>
-      </p:sp>
-    </p:spTree>
-    <p:extLst>
-      <p:ext uri="{BB962C8B-B14F-4D97-AF65-F5344CB8AC3E}">
-        <p14:creationId xmlns:p14="http://schemas.microsoft.com/office/powerpoint/2010/main" val="3868961438"/>
-      </p:ext>
-    </p:extLst>
-  </p:cSld>
-  <p:clrMapOvr>
-    <a:masterClrMapping/>
-  </p:clrMapOvr>
-</p:sld>
-</file>
-
-<file path=ppt/slides/slide35.xml><?xml version="1.0" encoding="utf-8"?>
-<p:sld xmlns:a="http://schemas.openxmlformats.org/drawingml/2006/main" xmlns:r="http://schemas.openxmlformats.org/officeDocument/2006/relationships" xmlns:p="http://schemas.openxmlformats.org/presentationml/2006/main">
-  <p:cSld>
-    <p:spTree>
-      <p:nvGrpSpPr>
-        <p:cNvPr id="1" name=""/>
-        <p:cNvGrpSpPr/>
-        <p:nvPr/>
-      </p:nvGrpSpPr>
-      <p:grpSpPr>
-        <a:xfrm>
-          <a:off x="0" y="0"/>
-          <a:ext cx="0" cy="0"/>
-          <a:chOff x="0" y="0"/>
-          <a:chExt cx="0" cy="0"/>
-        </a:xfrm>
-      </p:grpSpPr>
-      <p:sp>
-        <p:nvSpPr>
-          <p:cNvPr id="2" name="Content Placeholder 1">
-            <a:extLst>
-              <a:ext uri="{FF2B5EF4-FFF2-40B4-BE49-F238E27FC236}">
                 <a16:creationId xmlns:a16="http://schemas.microsoft.com/office/drawing/2014/main" id="{85A032CF-9302-46B3-9566-34644DB13228}"/>
               </a:ext>
             </a:extLst>
@@ -12783,7 +12547,7 @@
           <a:p>
             <a:fld id="{0A297500-7527-634B-90F4-69D0994C32B4}" type="slidenum">
               <a:rPr lang="nl-NL" smtClean="0"/>
-              <a:t>35</a:t>
+              <a:t>34</a:t>
             </a:fld>
             <a:endParaRPr lang="nl-NL"/>
           </a:p>

--- a/LATEX + ppt/Tussentijdse Presentatie .pptx
+++ b/LATEX + ppt/Tussentijdse Presentatie .pptx
@@ -6,10 +6,10 @@
     <p:sldMasterId id="2147483694" r:id="rId2"/>
   </p:sldMasterIdLst>
   <p:notesMasterIdLst>
-    <p:notesMasterId r:id="rId37"/>
+    <p:notesMasterId r:id="rId41"/>
   </p:notesMasterIdLst>
   <p:handoutMasterIdLst>
-    <p:handoutMasterId r:id="rId38"/>
+    <p:handoutMasterId r:id="rId42"/>
   </p:handoutMasterIdLst>
   <p:sldIdLst>
     <p:sldId id="261" r:id="rId3"/>
@@ -34,18 +34,22 @@
     <p:sldId id="295" r:id="rId22"/>
     <p:sldId id="283" r:id="rId23"/>
     <p:sldId id="298" r:id="rId24"/>
-    <p:sldId id="306" r:id="rId25"/>
+    <p:sldId id="315" r:id="rId25"/>
     <p:sldId id="297" r:id="rId26"/>
     <p:sldId id="299" r:id="rId27"/>
     <p:sldId id="296" r:id="rId28"/>
     <p:sldId id="300" r:id="rId29"/>
-    <p:sldId id="307" r:id="rId30"/>
-    <p:sldId id="301" r:id="rId31"/>
-    <p:sldId id="305" r:id="rId32"/>
-    <p:sldId id="303" r:id="rId33"/>
-    <p:sldId id="304" r:id="rId34"/>
-    <p:sldId id="302" r:id="rId35"/>
-    <p:sldId id="266" r:id="rId36"/>
+    <p:sldId id="312" r:id="rId30"/>
+    <p:sldId id="307" r:id="rId31"/>
+    <p:sldId id="301" r:id="rId32"/>
+    <p:sldId id="305" r:id="rId33"/>
+    <p:sldId id="314" r:id="rId34"/>
+    <p:sldId id="304" r:id="rId35"/>
+    <p:sldId id="313" r:id="rId36"/>
+    <p:sldId id="310" r:id="rId37"/>
+    <p:sldId id="311" r:id="rId38"/>
+    <p:sldId id="302" r:id="rId39"/>
+    <p:sldId id="266" r:id="rId40"/>
   </p:sldIdLst>
   <p:sldSz cx="12192000" cy="6858000"/>
   <p:notesSz cx="6858000" cy="9144000"/>
@@ -245,7 +249,7 @@
           <a:p>
             <a:fld id="{8F591CCF-F6FD-734B-854A-5BC033593B1E}" type="datetimeFigureOut">
               <a:rPr lang="nl-NL" smtClean="0"/>
-              <a:t>19-5-2023</a:t>
+              <a:t>24-5-2023</a:t>
             </a:fld>
             <a:endParaRPr lang="nl-NL"/>
           </a:p>
@@ -410,7 +414,7 @@
           <a:p>
             <a:fld id="{23C66214-DB21-4647-B5DA-0D17CA592867}" type="datetimeFigureOut">
               <a:rPr lang="nl-NL" smtClean="0"/>
-              <a:t>19-5-2023</a:t>
+              <a:t>24-5-2023</a:t>
             </a:fld>
             <a:endParaRPr lang="nl-NL"/>
           </a:p>
@@ -1399,7 +1403,7 @@
           <a:p>
             <a:fld id="{CD8EC345-7FB1-4DDD-8C99-610F4A0CCD77}" type="datetime1">
               <a:rPr lang="nl-BE" smtClean="0"/>
-              <a:t>19/05/2023</a:t>
+              <a:t>24/05/2023</a:t>
             </a:fld>
             <a:endParaRPr lang="nl-NL"/>
           </a:p>
@@ -1682,7 +1686,7 @@
           <a:p>
             <a:fld id="{5487CBB6-2126-41A6-B9B2-1B3E58B7F358}" type="datetime1">
               <a:rPr lang="nl-BE" smtClean="0"/>
-              <a:t>19/05/2023</a:t>
+              <a:t>24/05/2023</a:t>
             </a:fld>
             <a:endParaRPr lang="nl-NL"/>
           </a:p>
@@ -2012,7 +2016,7 @@
           <a:p>
             <a:fld id="{D7A24CD4-5DC9-4118-ABE7-2BE5EAE697B9}" type="datetime1">
               <a:rPr lang="nl-BE" smtClean="0"/>
-              <a:t>19/05/2023</a:t>
+              <a:t>24/05/2023</a:t>
             </a:fld>
             <a:endParaRPr lang="nl-NL"/>
           </a:p>
@@ -2332,7 +2336,7 @@
           <a:p>
             <a:fld id="{5971B238-6ABF-4361-91B6-4E2C76136EFE}" type="datetime1">
               <a:rPr lang="nl-BE" smtClean="0"/>
-              <a:t>19/05/2023</a:t>
+              <a:t>24/05/2023</a:t>
             </a:fld>
             <a:endParaRPr lang="nl-NL" dirty="0"/>
           </a:p>
@@ -2653,7 +2657,7 @@
           <a:p>
             <a:fld id="{7AC2E154-E327-4EA4-B2CC-E57A22EFC917}" type="datetime1">
               <a:rPr lang="nl-BE" smtClean="0"/>
-              <a:t>19/05/2023</a:t>
+              <a:t>24/05/2023</a:t>
             </a:fld>
             <a:endParaRPr lang="nl-NL" dirty="0"/>
           </a:p>
@@ -2795,7 +2799,7 @@
           <a:p>
             <a:fld id="{36FA22F4-6030-4BDD-AF0F-025C87B37A4C}" type="datetime1">
               <a:rPr lang="nl-BE" smtClean="0"/>
-              <a:t>19/05/2023</a:t>
+              <a:t>24/05/2023</a:t>
             </a:fld>
             <a:endParaRPr lang="nl-NL"/>
           </a:p>
@@ -3279,7 +3283,7 @@
           <a:p>
             <a:fld id="{72DCE82B-64D4-4473-A3B4-807D67EBE02B}" type="datetime1">
               <a:rPr lang="nl-BE" smtClean="0"/>
-              <a:t>19/05/2023</a:t>
+              <a:t>24/05/2023</a:t>
             </a:fld>
             <a:endParaRPr lang="nl-NL" dirty="0"/>
           </a:p>
@@ -3400,7 +3404,7 @@
           <a:p>
             <a:fld id="{AB4EBAB5-4286-46F6-A2F8-DF93B69E81D2}" type="datetime1">
               <a:rPr lang="nl-BE" smtClean="0"/>
-              <a:t>19/05/2023</a:t>
+              <a:t>24/05/2023</a:t>
             </a:fld>
             <a:endParaRPr lang="nl-NL"/>
           </a:p>
@@ -3521,7 +3525,7 @@
           <a:p>
             <a:fld id="{DE5B5EFD-5FA7-4ADA-A4C7-6863DCA9031A}" type="datetime1">
               <a:rPr lang="nl-BE" smtClean="0"/>
-              <a:t>19/05/2023</a:t>
+              <a:t>24/05/2023</a:t>
             </a:fld>
             <a:endParaRPr lang="nl-NL"/>
           </a:p>
@@ -3703,7 +3707,7 @@
           <a:p>
             <a:fld id="{61079889-0470-4CFB-95EE-15317261670A}" type="datetime1">
               <a:rPr lang="nl-BE" smtClean="0"/>
-              <a:t>19/05/2023</a:t>
+              <a:t>24/05/2023</a:t>
             </a:fld>
             <a:endParaRPr lang="nl-NL" dirty="0"/>
           </a:p>
@@ -3957,7 +3961,7 @@
           <a:p>
             <a:fld id="{ADC442C5-A06B-4C52-BB6E-6946CDC12E38}" type="datetime1">
               <a:rPr lang="nl-BE" smtClean="0"/>
-              <a:t>19/05/2023</a:t>
+              <a:t>24/05/2023</a:t>
             </a:fld>
             <a:endParaRPr lang="nl-NL" dirty="0"/>
           </a:p>
@@ -4598,7 +4602,7 @@
           <a:p>
             <a:fld id="{39D20C4C-7810-465D-8480-DA5686803D3E}" type="datetime1">
               <a:rPr lang="nl-BE" smtClean="0"/>
-              <a:t>19/05/2023</a:t>
+              <a:t>24/05/2023</a:t>
             </a:fld>
             <a:endParaRPr lang="nl-NL" dirty="0"/>
           </a:p>
@@ -5648,7 +5652,11 @@
               <a:buAutoNum type="arabicPeriod"/>
             </a:pPr>
             <a:r>
-              <a:rPr lang="nl-BE" dirty="0"/>
+              <a:rPr lang="nl-BE" dirty="0">
+                <a:solidFill>
+                  <a:srgbClr val="2F4D5D"/>
+                </a:solidFill>
+              </a:rPr>
               <a:t>Stappen</a:t>
             </a:r>
           </a:p>
@@ -5658,7 +5666,11 @@
               <a:buAutoNum type="arabicPeriod"/>
             </a:pPr>
             <a:r>
-              <a:rPr lang="nl-BE" dirty="0"/>
+              <a:rPr lang="nl-BE" dirty="0">
+                <a:solidFill>
+                  <a:srgbClr val="2F4D5D"/>
+                </a:solidFill>
+              </a:rPr>
               <a:t>Detectie en lokalisatie</a:t>
             </a:r>
           </a:p>
@@ -5668,7 +5680,11 @@
               <a:buAutoNum type="arabicPeriod"/>
             </a:pPr>
             <a:r>
-              <a:rPr lang="nl-BE" dirty="0"/>
+              <a:rPr lang="nl-BE" dirty="0">
+                <a:solidFill>
+                  <a:srgbClr val="2F4D5D"/>
+                </a:solidFill>
+              </a:rPr>
               <a:t>Richten</a:t>
             </a:r>
           </a:p>
@@ -5678,12 +5694,19 @@
               <a:buAutoNum type="arabicPeriod"/>
             </a:pPr>
             <a:r>
-              <a:rPr lang="nl-BE" dirty="0"/>
+              <a:rPr lang="nl-BE" dirty="0">
+                <a:solidFill>
+                  <a:srgbClr val="2F4D5D"/>
+                </a:solidFill>
+              </a:rPr>
               <a:t>Blussen</a:t>
             </a:r>
           </a:p>
           <a:p>
             <a:pPr marL="457200" indent="-457200">
+              <a:lnSpc>
+                <a:spcPct val="110000"/>
+              </a:lnSpc>
               <a:buFont typeface="+mj-lt"/>
               <a:buAutoNum type="arabicPeriod"/>
             </a:pPr>
@@ -5999,7 +6022,11 @@
               <a:buAutoNum type="arabicPeriod"/>
             </a:pPr>
             <a:r>
-              <a:rPr lang="nl-BE" dirty="0"/>
+              <a:rPr lang="nl-BE" dirty="0">
+                <a:solidFill>
+                  <a:srgbClr val="2F4D5D"/>
+                </a:solidFill>
+              </a:rPr>
               <a:t>Detectie en lokalisatie</a:t>
             </a:r>
           </a:p>
@@ -6037,6 +6064,9 @@
           </a:p>
           <a:p>
             <a:pPr marL="457200" indent="-457200">
+              <a:lnSpc>
+                <a:spcPct val="110000"/>
+              </a:lnSpc>
               <a:buFont typeface="+mj-lt"/>
               <a:buAutoNum type="arabicPeriod"/>
             </a:pPr>
@@ -6742,7 +6772,11 @@
               <a:buAutoNum type="arabicPeriod"/>
             </a:pPr>
             <a:r>
-              <a:rPr lang="nl-BE" dirty="0"/>
+              <a:rPr lang="nl-BE" dirty="0">
+                <a:solidFill>
+                  <a:srgbClr val="2F4D5D"/>
+                </a:solidFill>
+              </a:rPr>
               <a:t>Richten</a:t>
             </a:r>
           </a:p>
@@ -6764,6 +6798,9 @@
           </a:p>
           <a:p>
             <a:pPr marL="457200" indent="-457200">
+              <a:lnSpc>
+                <a:spcPct val="110000"/>
+              </a:lnSpc>
               <a:buFont typeface="+mj-lt"/>
               <a:buAutoNum type="arabicPeriod"/>
             </a:pPr>
@@ -7517,12 +7554,19 @@
               <a:buAutoNum type="arabicPeriod"/>
             </a:pPr>
             <a:r>
-              <a:rPr lang="nl-BE" dirty="0"/>
+              <a:rPr lang="nl-BE" dirty="0">
+                <a:solidFill>
+                  <a:srgbClr val="2F4D5D"/>
+                </a:solidFill>
+              </a:rPr>
               <a:t>Blussen</a:t>
             </a:r>
           </a:p>
           <a:p>
             <a:pPr marL="457200" indent="-457200">
+              <a:lnSpc>
+                <a:spcPct val="110000"/>
+              </a:lnSpc>
               <a:buFont typeface="+mj-lt"/>
               <a:buAutoNum type="arabicPeriod"/>
             </a:pPr>
@@ -8516,7 +8560,11 @@
               <a:buAutoNum type="arabicPeriod"/>
             </a:pPr>
             <a:r>
-              <a:rPr lang="nl-BE" dirty="0"/>
+              <a:rPr lang="nl-BE" dirty="0">
+                <a:solidFill>
+                  <a:srgbClr val="2F4D5D"/>
+                </a:solidFill>
+              </a:rPr>
               <a:t>Prototype</a:t>
             </a:r>
           </a:p>
@@ -8859,6 +8907,9 @@
           </a:p>
           <a:p>
             <a:pPr marL="457200" indent="-457200">
+              <a:lnSpc>
+                <a:spcPct val="110000"/>
+              </a:lnSpc>
               <a:buFont typeface="+mj-lt"/>
               <a:buAutoNum type="arabicPeriod"/>
             </a:pPr>
@@ -9093,35 +9144,10 @@
       </p:grpSpPr>
       <p:sp>
         <p:nvSpPr>
-          <p:cNvPr id="2" name="Tijdelijke aanduiding voor inhoud 1">
-            <a:extLst>
-              <a:ext uri="{FF2B5EF4-FFF2-40B4-BE49-F238E27FC236}">
-                <a16:creationId xmlns:a16="http://schemas.microsoft.com/office/drawing/2014/main" id="{B6A60DE6-3A34-E74A-CDA5-9F19F9AF0987}"/>
-              </a:ext>
-            </a:extLst>
-          </p:cNvPr>
-          <p:cNvSpPr>
-            <a:spLocks noGrp="1"/>
-          </p:cNvSpPr>
-          <p:nvPr>
-            <p:ph idx="1"/>
-          </p:nvPr>
-        </p:nvSpPr>
-        <p:spPr/>
-        <p:txBody>
-          <a:bodyPr/>
-          <a:lstStyle/>
-          <a:p>
-            <a:endParaRPr lang="nl-BE"/>
-          </a:p>
-        </p:txBody>
-      </p:sp>
-      <p:sp>
-        <p:nvSpPr>
           <p:cNvPr id="3" name="Tijdelijke aanduiding voor voettekst 2">
             <a:extLst>
               <a:ext uri="{FF2B5EF4-FFF2-40B4-BE49-F238E27FC236}">
-                <a16:creationId xmlns:a16="http://schemas.microsoft.com/office/drawing/2014/main" id="{A3C45B16-4957-91EE-AB59-FA7A16363943}"/>
+                <a16:creationId xmlns:a16="http://schemas.microsoft.com/office/drawing/2014/main" id="{9172F152-BA1E-32E4-B1B4-79622535CA62}"/>
               </a:ext>
             </a:extLst>
           </p:cNvPr>
@@ -9149,7 +9175,7 @@
           <p:cNvPr id="4" name="Tijdelijke aanduiding voor dianummer 3">
             <a:extLst>
               <a:ext uri="{FF2B5EF4-FFF2-40B4-BE49-F238E27FC236}">
-                <a16:creationId xmlns:a16="http://schemas.microsoft.com/office/drawing/2014/main" id="{4EE68931-ACD6-F55B-AC2B-249F4D411F44}"/>
+                <a16:creationId xmlns:a16="http://schemas.microsoft.com/office/drawing/2014/main" id="{C91600C0-AF95-5805-29EF-423D044EBFD8}"/>
               </a:ext>
             </a:extLst>
           </p:cNvPr>
@@ -9178,7 +9204,7 @@
           <p:cNvPr id="5" name="Titel 4">
             <a:extLst>
               <a:ext uri="{FF2B5EF4-FFF2-40B4-BE49-F238E27FC236}">
-                <a16:creationId xmlns:a16="http://schemas.microsoft.com/office/drawing/2014/main" id="{5BD581BA-B1E3-532F-501B-AA34F183EF81}"/>
+                <a16:creationId xmlns:a16="http://schemas.microsoft.com/office/drawing/2014/main" id="{F766570C-B24B-A7A9-74C2-41113732D47E}"/>
               </a:ext>
             </a:extLst>
           </p:cNvPr>
@@ -9201,10 +9227,100 @@
           </a:p>
         </p:txBody>
       </p:sp>
+      <p:pic>
+        <p:nvPicPr>
+          <p:cNvPr id="6" name="Tijdelijke aanduiding voor inhoud 5" descr="Afbeelding met grond, schoeisel, kleding, wiel&#10;&#10;Automatisch gegenereerde beschrijving">
+            <a:extLst>
+              <a:ext uri="{FF2B5EF4-FFF2-40B4-BE49-F238E27FC236}">
+                <a16:creationId xmlns:a16="http://schemas.microsoft.com/office/drawing/2014/main" id="{076A84A5-51D4-5BDB-3353-B6745360072B}"/>
+              </a:ext>
+            </a:extLst>
+          </p:cNvPr>
+          <p:cNvPicPr>
+            <a:picLocks noGrp="1" noChangeAspect="1"/>
+          </p:cNvPicPr>
+          <p:nvPr>
+            <p:ph idx="1"/>
+          </p:nvPr>
+        </p:nvPicPr>
+        <p:blipFill rotWithShape="1">
+          <a:blip r:embed="rId2"/>
+          <a:srcRect r="4" b="865"/>
+          <a:stretch/>
+        </p:blipFill>
+        <p:spPr>
+          <a:xfrm>
+            <a:off x="4150294" y="1599253"/>
+            <a:ext cx="3419866" cy="4520560"/>
+          </a:xfrm>
+          <a:prstGeom prst="rect">
+            <a:avLst/>
+          </a:prstGeom>
+        </p:spPr>
+      </p:pic>
+      <p:pic>
+        <p:nvPicPr>
+          <p:cNvPr id="7" name="Tijdelijke aanduiding voor inhoud 6" descr="Afbeelding met grond, buitenshuis, wiel, schoeisel&#10;&#10;Automatisch gegenereerde beschrijving">
+            <a:extLst>
+              <a:ext uri="{FF2B5EF4-FFF2-40B4-BE49-F238E27FC236}">
+                <a16:creationId xmlns:a16="http://schemas.microsoft.com/office/drawing/2014/main" id="{6EE3EF18-3065-20AD-B008-A3300057FBE3}"/>
+              </a:ext>
+            </a:extLst>
+          </p:cNvPr>
+          <p:cNvPicPr>
+            <a:picLocks noChangeAspect="1"/>
+          </p:cNvPicPr>
+          <p:nvPr/>
+        </p:nvPicPr>
+        <p:blipFill rotWithShape="1">
+          <a:blip r:embed="rId3"/>
+          <a:srcRect b="882"/>
+          <a:stretch/>
+        </p:blipFill>
+        <p:spPr>
+          <a:xfrm>
+            <a:off x="246728" y="1599253"/>
+            <a:ext cx="3420596" cy="4520560"/>
+          </a:xfrm>
+          <a:prstGeom prst="rect">
+            <a:avLst/>
+          </a:prstGeom>
+        </p:spPr>
+      </p:pic>
+      <p:pic>
+        <p:nvPicPr>
+          <p:cNvPr id="8" name="Tijdelijke aanduiding voor inhoud 10">
+            <a:extLst>
+              <a:ext uri="{FF2B5EF4-FFF2-40B4-BE49-F238E27FC236}">
+                <a16:creationId xmlns:a16="http://schemas.microsoft.com/office/drawing/2014/main" id="{870C6869-C426-1D4D-6E75-81695259CF60}"/>
+              </a:ext>
+            </a:extLst>
+          </p:cNvPr>
+          <p:cNvPicPr>
+            <a:picLocks noChangeAspect="1"/>
+          </p:cNvPicPr>
+          <p:nvPr/>
+        </p:nvPicPr>
+        <p:blipFill>
+          <a:blip r:embed="rId4"/>
+          <a:stretch>
+            <a:fillRect/>
+          </a:stretch>
+        </p:blipFill>
+        <p:spPr>
+          <a:xfrm>
+            <a:off x="8053130" y="1599253"/>
+            <a:ext cx="3892142" cy="4520560"/>
+          </a:xfrm>
+          <a:prstGeom prst="rect">
+            <a:avLst/>
+          </a:prstGeom>
+        </p:spPr>
+      </p:pic>
     </p:spTree>
     <p:extLst>
       <p:ext uri="{BB962C8B-B14F-4D97-AF65-F5344CB8AC3E}">
-        <p14:creationId xmlns:p14="http://schemas.microsoft.com/office/powerpoint/2010/main" val="3912640935"/>
+        <p14:creationId xmlns:p14="http://schemas.microsoft.com/office/powerpoint/2010/main" val="3891890913"/>
       </p:ext>
     </p:extLst>
   </p:cSld>
@@ -9466,6 +9582,13 @@
               </a:rPr>
               <a:t>Bibliografie</a:t>
             </a:r>
+          </a:p>
+          <a:p>
+            <a:pPr marL="457200" indent="-457200">
+              <a:buFont typeface="+mj-lt"/>
+              <a:buAutoNum type="arabicPeriod"/>
+            </a:pPr>
+            <a:endParaRPr lang="nl-BE" dirty="0"/>
           </a:p>
           <a:p>
             <a:pPr marL="457200" indent="-457200">
@@ -10112,8 +10235,22 @@
         </p:nvSpPr>
         <p:spPr/>
         <p:txBody>
-          <a:bodyPr/>
-          <a:lstStyle/>
+          <a:bodyPr>
+            <a:normAutofit fontScale="92500" lnSpcReduction="10000"/>
+          </a:bodyPr>
+          <a:lstStyle/>
+          <a:p>
+            <a:pPr marL="0" indent="0">
+              <a:buNone/>
+            </a:pPr>
+            <a:r>
+              <a:rPr lang="nl-BE" sz="2600" b="1" dirty="0"/>
+              <a:t>Horizontale beweging</a:t>
+            </a:r>
+          </a:p>
+          <a:p>
+            <a:endParaRPr lang="nl-BE" dirty="0"/>
+          </a:p>
           <a:p>
             <a:r>
               <a:rPr lang="nl-BE" dirty="0"/>
@@ -10299,7 +10436,7 @@
           <p:cNvPr id="2" name="Tijdelijke aanduiding voor inhoud 1">
             <a:extLst>
               <a:ext uri="{FF2B5EF4-FFF2-40B4-BE49-F238E27FC236}">
-                <a16:creationId xmlns:a16="http://schemas.microsoft.com/office/drawing/2014/main" id="{A5F629C2-B33C-AC72-6E8E-625EA95FA82B}"/>
+                <a16:creationId xmlns:a16="http://schemas.microsoft.com/office/drawing/2014/main" id="{D7EA0FB0-C761-9893-4496-9C0756E40E27}"/>
               </a:ext>
             </a:extLst>
           </p:cNvPr>
@@ -10312,17 +10449,66 @@
         </p:nvSpPr>
         <p:spPr/>
         <p:txBody>
-          <a:bodyPr/>
-          <a:lstStyle/>
-          <a:p>
-            <a:r>
-              <a:rPr lang="nl-BE" dirty="0">
-                <a:highlight>
-                  <a:srgbClr val="FFFF00"/>
-                </a:highlight>
-              </a:rPr>
-              <a:t>FOTO</a:t>
-            </a:r>
+          <a:bodyPr>
+            <a:normAutofit/>
+          </a:bodyPr>
+          <a:lstStyle/>
+          <a:p>
+            <a:pPr marL="0" indent="0">
+              <a:buNone/>
+            </a:pPr>
+            <a:r>
+              <a:rPr lang="nl-BE" b="1" dirty="0"/>
+              <a:t>Verticale beweging</a:t>
+            </a:r>
+          </a:p>
+          <a:p>
+            <a:pPr marL="0" indent="0">
+              <a:buNone/>
+            </a:pPr>
+            <a:endParaRPr lang="nl-BE" dirty="0"/>
+          </a:p>
+          <a:p>
+            <a:r>
+              <a:rPr lang="nl-BE" dirty="0"/>
+              <a:t>Arm </a:t>
+            </a:r>
+            <a:r>
+              <a:rPr lang="nl-BE" dirty="0">
+                <a:sym typeface="Wingdings" panose="05000000000000000000" pitchFamily="2" charset="2"/>
+              </a:rPr>
+              <a:t> 2 plastieken armpjes</a:t>
+            </a:r>
+          </a:p>
+          <a:p>
+            <a:r>
+              <a:rPr lang="nl-BE" dirty="0">
+                <a:sym typeface="Wingdings" panose="05000000000000000000" pitchFamily="2" charset="2"/>
+              </a:rPr>
+              <a:t>Waterflowsensor bevestigt op arm</a:t>
+            </a:r>
+          </a:p>
+          <a:p>
+            <a:r>
+              <a:rPr lang="nl-BE" dirty="0">
+                <a:sym typeface="Wingdings" panose="05000000000000000000" pitchFamily="2" charset="2"/>
+              </a:rPr>
+              <a:t>Spuit bevestigt op waterflowsensor</a:t>
+            </a:r>
+          </a:p>
+          <a:p>
+            <a:r>
+              <a:rPr lang="nl-BE" dirty="0">
+                <a:sym typeface="Wingdings" panose="05000000000000000000" pitchFamily="2" charset="2"/>
+              </a:rPr>
+              <a:t>Motor is verbonden met soort van katrol</a:t>
+            </a:r>
+          </a:p>
+          <a:p>
+            <a:pPr marL="0" indent="0">
+              <a:buNone/>
+            </a:pPr>
+            <a:endParaRPr lang="nl-BE" dirty="0"/>
           </a:p>
         </p:txBody>
       </p:sp>
@@ -10331,7 +10517,7 @@
           <p:cNvPr id="3" name="Tijdelijke aanduiding voor voettekst 2">
             <a:extLst>
               <a:ext uri="{FF2B5EF4-FFF2-40B4-BE49-F238E27FC236}">
-                <a16:creationId xmlns:a16="http://schemas.microsoft.com/office/drawing/2014/main" id="{7E6183AA-755B-D00A-4B4A-0A6C048D0110}"/>
+                <a16:creationId xmlns:a16="http://schemas.microsoft.com/office/drawing/2014/main" id="{D2C775B9-B25D-0966-82C5-B65E4C072514}"/>
               </a:ext>
             </a:extLst>
           </p:cNvPr>
@@ -10359,7 +10545,7 @@
           <p:cNvPr id="4" name="Tijdelijke aanduiding voor dianummer 3">
             <a:extLst>
               <a:ext uri="{FF2B5EF4-FFF2-40B4-BE49-F238E27FC236}">
-                <a16:creationId xmlns:a16="http://schemas.microsoft.com/office/drawing/2014/main" id="{B59F1B29-6A86-E677-61E1-AC80EED570D8}"/>
+                <a16:creationId xmlns:a16="http://schemas.microsoft.com/office/drawing/2014/main" id="{C77301C9-D089-18ED-7E94-1F65259AC890}"/>
               </a:ext>
             </a:extLst>
           </p:cNvPr>
@@ -10388,7 +10574,7 @@
           <p:cNvPr id="5" name="Titel 4">
             <a:extLst>
               <a:ext uri="{FF2B5EF4-FFF2-40B4-BE49-F238E27FC236}">
-                <a16:creationId xmlns:a16="http://schemas.microsoft.com/office/drawing/2014/main" id="{7D29AEA4-3104-90CD-F76F-0B59FFA218C8}"/>
+                <a16:creationId xmlns:a16="http://schemas.microsoft.com/office/drawing/2014/main" id="{FFE4AE8B-85A5-8D10-D7A2-08FB43B5D9A5}"/>
               </a:ext>
             </a:extLst>
           </p:cNvPr>
@@ -10406,7 +10592,7 @@
           <a:p>
             <a:r>
               <a:rPr lang="nl-BE" dirty="0"/>
-              <a:t>Roteren platform, arm en spuit</a:t>
+              <a:t>Roterend platform, arm en spuit</a:t>
             </a:r>
           </a:p>
         </p:txBody>
@@ -10414,7 +10600,7 @@
     </p:spTree>
     <p:extLst>
       <p:ext uri="{BB962C8B-B14F-4D97-AF65-F5344CB8AC3E}">
-        <p14:creationId xmlns:p14="http://schemas.microsoft.com/office/powerpoint/2010/main" val="3621051948"/>
+        <p14:creationId xmlns:p14="http://schemas.microsoft.com/office/powerpoint/2010/main" val="2347687264"/>
       </p:ext>
     </p:extLst>
   </p:cSld>
@@ -10441,257 +10627,40 @@
           <a:chExt cx="0" cy="0"/>
         </a:xfrm>
       </p:grpSpPr>
-      <p:sp>
-        <p:nvSpPr>
-          <p:cNvPr id="2" name="Content Placeholder 1">
-            <a:extLst>
-              <a:ext uri="{FF2B5EF4-FFF2-40B4-BE49-F238E27FC236}">
-                <a16:creationId xmlns:a16="http://schemas.microsoft.com/office/drawing/2014/main" id="{9572C954-C83C-EE79-685B-900385B3EC4B}"/>
-              </a:ext>
-            </a:extLst>
-          </p:cNvPr>
-          <p:cNvSpPr>
-            <a:spLocks noGrp="1"/>
-          </p:cNvSpPr>
+      <p:pic>
+        <p:nvPicPr>
+          <p:cNvPr id="7" name="Tijdelijke aanduiding voor inhoud 6" descr="Afbeelding met grond, schoeisel, kleding, wiel&#10;&#10;Automatisch gegenereerde beschrijving">
+            <a:extLst>
+              <a:ext uri="{FF2B5EF4-FFF2-40B4-BE49-F238E27FC236}">
+                <a16:creationId xmlns:a16="http://schemas.microsoft.com/office/drawing/2014/main" id="{C653AC7C-3AB3-39CC-3B71-4847A28B4A7D}"/>
+              </a:ext>
+            </a:extLst>
+          </p:cNvPr>
+          <p:cNvPicPr>
+            <a:picLocks noGrp="1" noChangeAspect="1"/>
+          </p:cNvPicPr>
           <p:nvPr>
             <p:ph idx="1"/>
           </p:nvPr>
-        </p:nvSpPr>
+        </p:nvPicPr>
+        <p:blipFill rotWithShape="1">
+          <a:blip r:embed="rId2"/>
+          <a:srcRect l="21398" t="3684" r="30947" b="65173"/>
+          <a:stretch/>
+        </p:blipFill>
         <p:spPr>
           <a:xfrm>
-            <a:off x="576000" y="1656000"/>
-            <a:ext cx="11041200" cy="4554000"/>
+            <a:off x="1724348" y="2021687"/>
+            <a:ext cx="3230207" cy="2814626"/>
           </a:xfrm>
         </p:spPr>
-        <p:txBody>
-          <a:bodyPr>
-            <a:normAutofit fontScale="85000" lnSpcReduction="20000"/>
-          </a:bodyPr>
-          <a:lstStyle/>
-          <a:p>
-            <a:pPr marL="457200" indent="-457200">
-              <a:buFont typeface="+mj-lt"/>
-              <a:buAutoNum type="arabicPeriod"/>
-            </a:pPr>
-            <a:r>
-              <a:rPr lang="nl-BE" dirty="0">
-                <a:solidFill>
-                  <a:schemeClr val="bg2">
-                    <a:lumMod val="75000"/>
-                  </a:schemeClr>
-                </a:solidFill>
-              </a:rPr>
-              <a:t>Inleiding</a:t>
-            </a:r>
-          </a:p>
-          <a:p>
-            <a:pPr marL="457200" indent="-457200">
-              <a:buFont typeface="+mj-lt"/>
-              <a:buAutoNum type="arabicPeriod"/>
-            </a:pPr>
-            <a:r>
-              <a:rPr lang="nl-BE" dirty="0">
-                <a:solidFill>
-                  <a:schemeClr val="bg2">
-                    <a:lumMod val="75000"/>
-                  </a:schemeClr>
-                </a:solidFill>
-              </a:rPr>
-              <a:t>Ontwerp</a:t>
-            </a:r>
-          </a:p>
-          <a:p>
-            <a:pPr marL="457200" indent="-457200">
-              <a:buFont typeface="+mj-lt"/>
-              <a:buAutoNum type="arabicPeriod"/>
-            </a:pPr>
-            <a:r>
-              <a:rPr lang="nl-BE" dirty="0">
-                <a:solidFill>
-                  <a:schemeClr val="bg2">
-                    <a:lumMod val="75000"/>
-                  </a:schemeClr>
-                </a:solidFill>
-              </a:rPr>
-              <a:t>Stappen</a:t>
-            </a:r>
-          </a:p>
-          <a:p>
-            <a:pPr marL="914400" lvl="1" indent="-457200">
-              <a:buFont typeface="+mj-lt"/>
-              <a:buAutoNum type="arabicPeriod"/>
-            </a:pPr>
-            <a:r>
-              <a:rPr lang="nl-BE" dirty="0">
-                <a:solidFill>
-                  <a:schemeClr val="bg2">
-                    <a:lumMod val="75000"/>
-                  </a:schemeClr>
-                </a:solidFill>
-              </a:rPr>
-              <a:t>Detectie en lokalisatie</a:t>
-            </a:r>
-          </a:p>
-          <a:p>
-            <a:pPr marL="914400" lvl="1" indent="-457200">
-              <a:buFont typeface="+mj-lt"/>
-              <a:buAutoNum type="arabicPeriod"/>
-            </a:pPr>
-            <a:r>
-              <a:rPr lang="nl-BE" dirty="0">
-                <a:solidFill>
-                  <a:schemeClr val="bg2">
-                    <a:lumMod val="75000"/>
-                  </a:schemeClr>
-                </a:solidFill>
-              </a:rPr>
-              <a:t>Richten</a:t>
-            </a:r>
-          </a:p>
-          <a:p>
-            <a:pPr marL="914400" lvl="1" indent="-457200">
-              <a:buFont typeface="+mj-lt"/>
-              <a:buAutoNum type="arabicPeriod"/>
-            </a:pPr>
-            <a:r>
-              <a:rPr lang="nl-BE" dirty="0">
-                <a:solidFill>
-                  <a:schemeClr val="bg2">
-                    <a:lumMod val="75000"/>
-                  </a:schemeClr>
-                </a:solidFill>
-              </a:rPr>
-              <a:t>Blussen</a:t>
-            </a:r>
-          </a:p>
-          <a:p>
-            <a:pPr marL="457200" indent="-457200">
-              <a:lnSpc>
-                <a:spcPct val="110000"/>
-              </a:lnSpc>
-              <a:buFont typeface="+mj-lt"/>
-              <a:buAutoNum type="arabicPeriod"/>
-            </a:pPr>
-            <a:r>
-              <a:rPr lang="nl-BE" dirty="0">
-                <a:solidFill>
-                  <a:schemeClr val="bg2">
-                    <a:lumMod val="75000"/>
-                  </a:schemeClr>
-                </a:solidFill>
-              </a:rPr>
-              <a:t>Prototype</a:t>
-            </a:r>
-          </a:p>
-          <a:p>
-            <a:pPr marL="914400" lvl="1" indent="-457200">
-              <a:buFont typeface="+mj-lt"/>
-              <a:buAutoNum type="arabicPeriod"/>
-            </a:pPr>
-            <a:r>
-              <a:rPr lang="nl-BE" dirty="0">
-                <a:solidFill>
-                  <a:schemeClr val="bg2">
-                    <a:lumMod val="75000"/>
-                  </a:schemeClr>
-                </a:solidFill>
-              </a:rPr>
-              <a:t>Constructie</a:t>
-            </a:r>
-          </a:p>
-          <a:p>
-            <a:pPr marL="914400" lvl="1" indent="-457200">
-              <a:buFont typeface="+mj-lt"/>
-              <a:buAutoNum type="arabicPeriod"/>
-            </a:pPr>
-            <a:r>
-              <a:rPr lang="nl-BE" dirty="0">
-                <a:solidFill>
-                  <a:schemeClr val="bg2">
-                    <a:lumMod val="75000"/>
-                  </a:schemeClr>
-                </a:solidFill>
-              </a:rPr>
-              <a:t>Elektrisch circuit</a:t>
-            </a:r>
-          </a:p>
-          <a:p>
-            <a:pPr marL="914400" lvl="1" indent="-457200">
-              <a:buFont typeface="+mj-lt"/>
-              <a:buAutoNum type="arabicPeriod"/>
-            </a:pPr>
-            <a:r>
-              <a:rPr lang="nl-BE" dirty="0">
-                <a:solidFill>
-                  <a:schemeClr val="bg2">
-                    <a:lumMod val="75000"/>
-                  </a:schemeClr>
-                </a:solidFill>
-              </a:rPr>
-              <a:t>Roterend platform, arm en spuit</a:t>
-            </a:r>
-          </a:p>
-          <a:p>
-            <a:pPr marL="457200" indent="-457200">
-              <a:buFont typeface="+mj-lt"/>
-              <a:buAutoNum type="arabicPeriod"/>
-            </a:pPr>
-            <a:r>
-              <a:rPr lang="nl-BE" dirty="0">
-                <a:solidFill>
-                  <a:srgbClr val="2F4D5D"/>
-                </a:solidFill>
-              </a:rPr>
-              <a:t>Resultaten</a:t>
-            </a:r>
-          </a:p>
-          <a:p>
-            <a:pPr marL="457200" indent="-457200">
-              <a:buFont typeface="+mj-lt"/>
-              <a:buAutoNum type="arabicPeriod"/>
-            </a:pPr>
-            <a:r>
-              <a:rPr lang="nl-BE" dirty="0">
-                <a:solidFill>
-                  <a:schemeClr val="bg2">
-                    <a:lumMod val="75000"/>
-                  </a:schemeClr>
-                </a:solidFill>
-              </a:rPr>
-              <a:t>Besluit</a:t>
-            </a:r>
-          </a:p>
-          <a:p>
-            <a:pPr marL="457200" indent="-457200">
-              <a:buFont typeface="+mj-lt"/>
-              <a:buAutoNum type="arabicPeriod"/>
-            </a:pPr>
-            <a:r>
-              <a:rPr lang="nl-BE" dirty="0">
-                <a:solidFill>
-                  <a:schemeClr val="bg2">
-                    <a:lumMod val="75000"/>
-                  </a:schemeClr>
-                </a:solidFill>
-              </a:rPr>
-              <a:t>Bibliografie</a:t>
-            </a:r>
-          </a:p>
-          <a:p>
-            <a:pPr marL="457200" indent="-457200">
-              <a:buFont typeface="+mj-lt"/>
-              <a:buAutoNum type="arabicPeriod"/>
-            </a:pPr>
-            <a:endParaRPr lang="nl-BE" dirty="0"/>
-          </a:p>
-        </p:txBody>
-      </p:sp>
-      <p:sp>
-        <p:nvSpPr>
-          <p:cNvPr id="3" name="Footer Placeholder 2">
-            <a:extLst>
-              <a:ext uri="{FF2B5EF4-FFF2-40B4-BE49-F238E27FC236}">
-                <a16:creationId xmlns:a16="http://schemas.microsoft.com/office/drawing/2014/main" id="{87B9D861-BADE-1735-BC5D-FB0CE4C31EFE}"/>
+      </p:pic>
+      <p:sp>
+        <p:nvSpPr>
+          <p:cNvPr id="3" name="Tijdelijke aanduiding voor voettekst 2">
+            <a:extLst>
+              <a:ext uri="{FF2B5EF4-FFF2-40B4-BE49-F238E27FC236}">
+                <a16:creationId xmlns:a16="http://schemas.microsoft.com/office/drawing/2014/main" id="{7E6183AA-755B-D00A-4B4A-0A6C048D0110}"/>
               </a:ext>
             </a:extLst>
           </p:cNvPr>
@@ -10716,10 +10685,10 @@
       </p:sp>
       <p:sp>
         <p:nvSpPr>
-          <p:cNvPr id="4" name="Slide Number Placeholder 3">
-            <a:extLst>
-              <a:ext uri="{FF2B5EF4-FFF2-40B4-BE49-F238E27FC236}">
-                <a16:creationId xmlns:a16="http://schemas.microsoft.com/office/drawing/2014/main" id="{FC23E00C-3A77-A444-8280-8A8A5D17B5DF}"/>
+          <p:cNvPr id="4" name="Tijdelijke aanduiding voor dianummer 3">
+            <a:extLst>
+              <a:ext uri="{FF2B5EF4-FFF2-40B4-BE49-F238E27FC236}">
+                <a16:creationId xmlns:a16="http://schemas.microsoft.com/office/drawing/2014/main" id="{B59F1B29-6A86-E677-61E1-AC80EED570D8}"/>
               </a:ext>
             </a:extLst>
           </p:cNvPr>
@@ -10745,10 +10714,10 @@
       </p:sp>
       <p:sp>
         <p:nvSpPr>
-          <p:cNvPr id="5" name="Title 4">
-            <a:extLst>
-              <a:ext uri="{FF2B5EF4-FFF2-40B4-BE49-F238E27FC236}">
-                <a16:creationId xmlns:a16="http://schemas.microsoft.com/office/drawing/2014/main" id="{344F2F4D-955A-2213-B685-181EC6CE1CBA}"/>
+          <p:cNvPr id="5" name="Titel 4">
+            <a:extLst>
+              <a:ext uri="{FF2B5EF4-FFF2-40B4-BE49-F238E27FC236}">
+                <a16:creationId xmlns:a16="http://schemas.microsoft.com/office/drawing/2014/main" id="{7D29AEA4-3104-90CD-F76F-0B59FFA218C8}"/>
               </a:ext>
             </a:extLst>
           </p:cNvPr>
@@ -10766,15 +10735,44 @@
           <a:p>
             <a:r>
               <a:rPr lang="nl-BE" dirty="0"/>
-              <a:t>Overzicht</a:t>
-            </a:r>
-          </a:p>
-        </p:txBody>
-      </p:sp>
+              <a:t>Roteren platform, arm en spuit</a:t>
+            </a:r>
+          </a:p>
+        </p:txBody>
+      </p:sp>
+      <p:pic>
+        <p:nvPicPr>
+          <p:cNvPr id="9" name="Afbeelding 8" descr="Afbeelding met grond, buitenshuis, wiel, schoeisel&#10;&#10;Automatisch gegenereerde beschrijving">
+            <a:extLst>
+              <a:ext uri="{FF2B5EF4-FFF2-40B4-BE49-F238E27FC236}">
+                <a16:creationId xmlns:a16="http://schemas.microsoft.com/office/drawing/2014/main" id="{E8D15276-9656-C93C-D5A1-381876CE3327}"/>
+              </a:ext>
+            </a:extLst>
+          </p:cNvPr>
+          <p:cNvPicPr>
+            <a:picLocks noChangeAspect="1"/>
+          </p:cNvPicPr>
+          <p:nvPr/>
+        </p:nvPicPr>
+        <p:blipFill rotWithShape="1">
+          <a:blip r:embed="rId3"/>
+          <a:srcRect l="47675" t="8665" r="-1" b="57044"/>
+          <a:stretch/>
+        </p:blipFill>
+        <p:spPr>
+          <a:xfrm>
+            <a:off x="6255716" y="1957877"/>
+            <a:ext cx="3573624" cy="3122641"/>
+          </a:xfrm>
+          <a:prstGeom prst="rect">
+            <a:avLst/>
+          </a:prstGeom>
+        </p:spPr>
+      </p:pic>
     </p:spTree>
     <p:extLst>
       <p:ext uri="{BB962C8B-B14F-4D97-AF65-F5344CB8AC3E}">
-        <p14:creationId xmlns:p14="http://schemas.microsoft.com/office/powerpoint/2010/main" val="3228113776"/>
+        <p14:creationId xmlns:p14="http://schemas.microsoft.com/office/powerpoint/2010/main" val="3621051948"/>
       </p:ext>
     </p:extLst>
   </p:cSld>
@@ -10834,7 +10832,11 @@
               <a:buAutoNum type="arabicPeriod"/>
             </a:pPr>
             <a:r>
-              <a:rPr lang="nl-BE" dirty="0"/>
+              <a:rPr lang="nl-BE" dirty="0">
+                <a:solidFill>
+                  <a:srgbClr val="2F4D5D"/>
+                </a:solidFill>
+              </a:rPr>
               <a:t>Inleiding</a:t>
             </a:r>
           </a:p>
@@ -10920,6 +10922,9 @@
           </a:p>
           <a:p>
             <a:pPr marL="457200" indent="-457200">
+              <a:lnSpc>
+                <a:spcPct val="110000"/>
+              </a:lnSpc>
               <a:buFont typeface="+mj-lt"/>
               <a:buAutoNum type="arabicPeriod"/>
             </a:pPr>
@@ -11156,10 +11161,10 @@
       </p:grpSpPr>
       <p:sp>
         <p:nvSpPr>
-          <p:cNvPr id="2" name="Tijdelijke aanduiding voor inhoud 1">
-            <a:extLst>
-              <a:ext uri="{FF2B5EF4-FFF2-40B4-BE49-F238E27FC236}">
-                <a16:creationId xmlns:a16="http://schemas.microsoft.com/office/drawing/2014/main" id="{F7AE94B2-F97A-D2DF-7BB4-EE2853692400}"/>
+          <p:cNvPr id="2" name="Content Placeholder 1">
+            <a:extLst>
+              <a:ext uri="{FF2B5EF4-FFF2-40B4-BE49-F238E27FC236}">
+                <a16:creationId xmlns:a16="http://schemas.microsoft.com/office/drawing/2014/main" id="{9572C954-C83C-EE79-685B-900385B3EC4B}"/>
               </a:ext>
             </a:extLst>
           </p:cNvPr>
@@ -11170,21 +11175,241 @@
             <p:ph idx="1"/>
           </p:nvPr>
         </p:nvSpPr>
-        <p:spPr/>
-        <p:txBody>
-          <a:bodyPr/>
-          <a:lstStyle/>
-          <a:p>
-            <a:endParaRPr lang="nl-BE"/>
-          </a:p>
-        </p:txBody>
-      </p:sp>
-      <p:sp>
-        <p:nvSpPr>
-          <p:cNvPr id="3" name="Tijdelijke aanduiding voor voettekst 2">
-            <a:extLst>
-              <a:ext uri="{FF2B5EF4-FFF2-40B4-BE49-F238E27FC236}">
-                <a16:creationId xmlns:a16="http://schemas.microsoft.com/office/drawing/2014/main" id="{7DB2C0A7-61E4-87DA-0273-BE041670CF42}"/>
+        <p:spPr>
+          <a:xfrm>
+            <a:off x="576000" y="1656000"/>
+            <a:ext cx="11041200" cy="4554000"/>
+          </a:xfrm>
+        </p:spPr>
+        <p:txBody>
+          <a:bodyPr>
+            <a:normAutofit fontScale="85000" lnSpcReduction="20000"/>
+          </a:bodyPr>
+          <a:lstStyle/>
+          <a:p>
+            <a:pPr marL="457200" indent="-457200">
+              <a:buFont typeface="+mj-lt"/>
+              <a:buAutoNum type="arabicPeriod"/>
+            </a:pPr>
+            <a:r>
+              <a:rPr lang="nl-BE" dirty="0">
+                <a:solidFill>
+                  <a:schemeClr val="bg2">
+                    <a:lumMod val="75000"/>
+                  </a:schemeClr>
+                </a:solidFill>
+              </a:rPr>
+              <a:t>Inleiding</a:t>
+            </a:r>
+          </a:p>
+          <a:p>
+            <a:pPr marL="457200" indent="-457200">
+              <a:buFont typeface="+mj-lt"/>
+              <a:buAutoNum type="arabicPeriod"/>
+            </a:pPr>
+            <a:r>
+              <a:rPr lang="nl-BE" dirty="0">
+                <a:solidFill>
+                  <a:schemeClr val="bg2">
+                    <a:lumMod val="75000"/>
+                  </a:schemeClr>
+                </a:solidFill>
+              </a:rPr>
+              <a:t>Ontwerp</a:t>
+            </a:r>
+          </a:p>
+          <a:p>
+            <a:pPr marL="457200" indent="-457200">
+              <a:buFont typeface="+mj-lt"/>
+              <a:buAutoNum type="arabicPeriod"/>
+            </a:pPr>
+            <a:r>
+              <a:rPr lang="nl-BE" dirty="0">
+                <a:solidFill>
+                  <a:schemeClr val="bg2">
+                    <a:lumMod val="75000"/>
+                  </a:schemeClr>
+                </a:solidFill>
+              </a:rPr>
+              <a:t>Stappen</a:t>
+            </a:r>
+          </a:p>
+          <a:p>
+            <a:pPr marL="914400" lvl="1" indent="-457200">
+              <a:buFont typeface="+mj-lt"/>
+              <a:buAutoNum type="arabicPeriod"/>
+            </a:pPr>
+            <a:r>
+              <a:rPr lang="nl-BE" dirty="0">
+                <a:solidFill>
+                  <a:schemeClr val="bg2">
+                    <a:lumMod val="75000"/>
+                  </a:schemeClr>
+                </a:solidFill>
+              </a:rPr>
+              <a:t>Detectie en lokalisatie</a:t>
+            </a:r>
+          </a:p>
+          <a:p>
+            <a:pPr marL="914400" lvl="1" indent="-457200">
+              <a:buFont typeface="+mj-lt"/>
+              <a:buAutoNum type="arabicPeriod"/>
+            </a:pPr>
+            <a:r>
+              <a:rPr lang="nl-BE" dirty="0">
+                <a:solidFill>
+                  <a:schemeClr val="bg2">
+                    <a:lumMod val="75000"/>
+                  </a:schemeClr>
+                </a:solidFill>
+              </a:rPr>
+              <a:t>Richten</a:t>
+            </a:r>
+          </a:p>
+          <a:p>
+            <a:pPr marL="914400" lvl="1" indent="-457200">
+              <a:buFont typeface="+mj-lt"/>
+              <a:buAutoNum type="arabicPeriod"/>
+            </a:pPr>
+            <a:r>
+              <a:rPr lang="nl-BE" dirty="0">
+                <a:solidFill>
+                  <a:schemeClr val="bg2">
+                    <a:lumMod val="75000"/>
+                  </a:schemeClr>
+                </a:solidFill>
+              </a:rPr>
+              <a:t>Blussen</a:t>
+            </a:r>
+          </a:p>
+          <a:p>
+            <a:pPr marL="457200" indent="-457200">
+              <a:lnSpc>
+                <a:spcPct val="110000"/>
+              </a:lnSpc>
+              <a:buFont typeface="+mj-lt"/>
+              <a:buAutoNum type="arabicPeriod"/>
+            </a:pPr>
+            <a:r>
+              <a:rPr lang="nl-BE" dirty="0">
+                <a:solidFill>
+                  <a:schemeClr val="bg2">
+                    <a:lumMod val="75000"/>
+                  </a:schemeClr>
+                </a:solidFill>
+              </a:rPr>
+              <a:t>Prototype</a:t>
+            </a:r>
+          </a:p>
+          <a:p>
+            <a:pPr marL="914400" lvl="1" indent="-457200">
+              <a:buFont typeface="+mj-lt"/>
+              <a:buAutoNum type="arabicPeriod"/>
+            </a:pPr>
+            <a:r>
+              <a:rPr lang="nl-BE" dirty="0">
+                <a:solidFill>
+                  <a:schemeClr val="bg2">
+                    <a:lumMod val="75000"/>
+                  </a:schemeClr>
+                </a:solidFill>
+              </a:rPr>
+              <a:t>Constructie</a:t>
+            </a:r>
+          </a:p>
+          <a:p>
+            <a:pPr marL="914400" lvl="1" indent="-457200">
+              <a:buFont typeface="+mj-lt"/>
+              <a:buAutoNum type="arabicPeriod"/>
+            </a:pPr>
+            <a:r>
+              <a:rPr lang="nl-BE" dirty="0">
+                <a:solidFill>
+                  <a:schemeClr val="bg2">
+                    <a:lumMod val="75000"/>
+                  </a:schemeClr>
+                </a:solidFill>
+              </a:rPr>
+              <a:t>Elektrisch circuit</a:t>
+            </a:r>
+          </a:p>
+          <a:p>
+            <a:pPr marL="914400" lvl="1" indent="-457200">
+              <a:buFont typeface="+mj-lt"/>
+              <a:buAutoNum type="arabicPeriod"/>
+            </a:pPr>
+            <a:r>
+              <a:rPr lang="nl-BE" dirty="0">
+                <a:solidFill>
+                  <a:schemeClr val="bg2">
+                    <a:lumMod val="75000"/>
+                  </a:schemeClr>
+                </a:solidFill>
+              </a:rPr>
+              <a:t>Roterend platform, arm en spuit</a:t>
+            </a:r>
+          </a:p>
+          <a:p>
+            <a:pPr marL="457200" indent="-457200">
+              <a:buFont typeface="+mj-lt"/>
+              <a:buAutoNum type="arabicPeriod"/>
+            </a:pPr>
+            <a:r>
+              <a:rPr lang="nl-BE" dirty="0">
+                <a:solidFill>
+                  <a:srgbClr val="2F4D5D"/>
+                </a:solidFill>
+              </a:rPr>
+              <a:t>Resultaten</a:t>
+            </a:r>
+          </a:p>
+          <a:p>
+            <a:pPr marL="457200" indent="-457200">
+              <a:buFont typeface="+mj-lt"/>
+              <a:buAutoNum type="arabicPeriod"/>
+            </a:pPr>
+            <a:r>
+              <a:rPr lang="nl-BE" dirty="0">
+                <a:solidFill>
+                  <a:schemeClr val="bg2">
+                    <a:lumMod val="75000"/>
+                  </a:schemeClr>
+                </a:solidFill>
+              </a:rPr>
+              <a:t>Besluit</a:t>
+            </a:r>
+          </a:p>
+          <a:p>
+            <a:pPr marL="457200" indent="-457200">
+              <a:buFont typeface="+mj-lt"/>
+              <a:buAutoNum type="arabicPeriod"/>
+            </a:pPr>
+            <a:r>
+              <a:rPr lang="nl-BE" dirty="0">
+                <a:solidFill>
+                  <a:schemeClr val="bg2">
+                    <a:lumMod val="75000"/>
+                  </a:schemeClr>
+                </a:solidFill>
+              </a:rPr>
+              <a:t>Bibliografie</a:t>
+            </a:r>
+          </a:p>
+          <a:p>
+            <a:pPr marL="457200" indent="-457200">
+              <a:buFont typeface="+mj-lt"/>
+              <a:buAutoNum type="arabicPeriod"/>
+            </a:pPr>
+            <a:endParaRPr lang="nl-BE" dirty="0"/>
+          </a:p>
+        </p:txBody>
+      </p:sp>
+      <p:sp>
+        <p:nvSpPr>
+          <p:cNvPr id="3" name="Footer Placeholder 2">
+            <a:extLst>
+              <a:ext uri="{FF2B5EF4-FFF2-40B4-BE49-F238E27FC236}">
+                <a16:creationId xmlns:a16="http://schemas.microsoft.com/office/drawing/2014/main" id="{87B9D861-BADE-1735-BC5D-FB0CE4C31EFE}"/>
               </a:ext>
             </a:extLst>
           </p:cNvPr>
@@ -11209,10 +11434,10 @@
       </p:sp>
       <p:sp>
         <p:nvSpPr>
-          <p:cNvPr id="4" name="Tijdelijke aanduiding voor dianummer 3">
-            <a:extLst>
-              <a:ext uri="{FF2B5EF4-FFF2-40B4-BE49-F238E27FC236}">
-                <a16:creationId xmlns:a16="http://schemas.microsoft.com/office/drawing/2014/main" id="{F206EC54-B387-43E9-7894-4BC2FC8AFE47}"/>
+          <p:cNvPr id="4" name="Slide Number Placeholder 3">
+            <a:extLst>
+              <a:ext uri="{FF2B5EF4-FFF2-40B4-BE49-F238E27FC236}">
+                <a16:creationId xmlns:a16="http://schemas.microsoft.com/office/drawing/2014/main" id="{FC23E00C-3A77-A444-8280-8A8A5D17B5DF}"/>
               </a:ext>
             </a:extLst>
           </p:cNvPr>
@@ -11238,10 +11463,10 @@
       </p:sp>
       <p:sp>
         <p:nvSpPr>
-          <p:cNvPr id="5" name="Titel 4">
-            <a:extLst>
-              <a:ext uri="{FF2B5EF4-FFF2-40B4-BE49-F238E27FC236}">
-                <a16:creationId xmlns:a16="http://schemas.microsoft.com/office/drawing/2014/main" id="{5AFF6F3D-6B31-CCA6-3526-56EB9F8567E5}"/>
+          <p:cNvPr id="5" name="Title 4">
+            <a:extLst>
+              <a:ext uri="{FF2B5EF4-FFF2-40B4-BE49-F238E27FC236}">
+                <a16:creationId xmlns:a16="http://schemas.microsoft.com/office/drawing/2014/main" id="{344F2F4D-955A-2213-B685-181EC6CE1CBA}"/>
               </a:ext>
             </a:extLst>
           </p:cNvPr>
@@ -11259,7 +11484,7 @@
           <a:p>
             <a:r>
               <a:rPr lang="nl-BE" dirty="0"/>
-              <a:t>Resultaten</a:t>
+              <a:t>Overzicht</a:t>
             </a:r>
           </a:p>
         </p:txBody>
@@ -11267,7 +11492,7 @@
     </p:spTree>
     <p:extLst>
       <p:ext uri="{BB962C8B-B14F-4D97-AF65-F5344CB8AC3E}">
-        <p14:creationId xmlns:p14="http://schemas.microsoft.com/office/powerpoint/2010/main" val="1651865195"/>
+        <p14:creationId xmlns:p14="http://schemas.microsoft.com/office/powerpoint/2010/main" val="3228113776"/>
       </p:ext>
     </p:extLst>
   </p:cSld>
@@ -11296,10 +11521,10 @@
       </p:grpSpPr>
       <p:sp>
         <p:nvSpPr>
-          <p:cNvPr id="2" name="Content Placeholder 1">
-            <a:extLst>
-              <a:ext uri="{FF2B5EF4-FFF2-40B4-BE49-F238E27FC236}">
-                <a16:creationId xmlns:a16="http://schemas.microsoft.com/office/drawing/2014/main" id="{9572C954-C83C-EE79-685B-900385B3EC4B}"/>
+          <p:cNvPr id="2" name="Tijdelijke aanduiding voor inhoud 1">
+            <a:extLst>
+              <a:ext uri="{FF2B5EF4-FFF2-40B4-BE49-F238E27FC236}">
+                <a16:creationId xmlns:a16="http://schemas.microsoft.com/office/drawing/2014/main" id="{F7AE94B2-F97A-D2DF-7BB4-EE2853692400}"/>
               </a:ext>
             </a:extLst>
           </p:cNvPr>
@@ -11310,241 +11535,91 @@
             <p:ph idx="1"/>
           </p:nvPr>
         </p:nvSpPr>
-        <p:spPr>
-          <a:xfrm>
-            <a:off x="576000" y="1656000"/>
-            <a:ext cx="11041200" cy="4554000"/>
-          </a:xfrm>
-        </p:spPr>
+        <p:spPr/>
         <p:txBody>
           <a:bodyPr>
-            <a:normAutofit fontScale="85000" lnSpcReduction="20000"/>
+            <a:normAutofit fontScale="92500" lnSpcReduction="10000"/>
           </a:bodyPr>
           <a:lstStyle/>
           <a:p>
-            <a:pPr marL="457200" indent="-457200">
-              <a:buFont typeface="+mj-lt"/>
-              <a:buAutoNum type="arabicPeriod"/>
-            </a:pPr>
-            <a:r>
-              <a:rPr lang="nl-BE" dirty="0">
-                <a:solidFill>
-                  <a:schemeClr val="bg2">
-                    <a:lumMod val="75000"/>
-                  </a:schemeClr>
-                </a:solidFill>
-              </a:rPr>
-              <a:t>Inleiding</a:t>
-            </a:r>
-          </a:p>
-          <a:p>
-            <a:pPr marL="457200" indent="-457200">
-              <a:buFont typeface="+mj-lt"/>
-              <a:buAutoNum type="arabicPeriod"/>
-            </a:pPr>
-            <a:r>
-              <a:rPr lang="nl-BE" dirty="0">
-                <a:solidFill>
-                  <a:schemeClr val="bg2">
-                    <a:lumMod val="75000"/>
-                  </a:schemeClr>
-                </a:solidFill>
-              </a:rPr>
-              <a:t>Ontwerp</a:t>
-            </a:r>
-          </a:p>
-          <a:p>
-            <a:pPr marL="457200" indent="-457200">
-              <a:buFont typeface="+mj-lt"/>
-              <a:buAutoNum type="arabicPeriod"/>
-            </a:pPr>
-            <a:r>
-              <a:rPr lang="nl-BE" dirty="0">
-                <a:solidFill>
-                  <a:schemeClr val="bg2">
-                    <a:lumMod val="75000"/>
-                  </a:schemeClr>
-                </a:solidFill>
-              </a:rPr>
-              <a:t>Stappen</a:t>
-            </a:r>
-          </a:p>
-          <a:p>
-            <a:pPr marL="914400" lvl="1" indent="-457200">
-              <a:buFont typeface="+mj-lt"/>
-              <a:buAutoNum type="arabicPeriod"/>
-            </a:pPr>
-            <a:r>
-              <a:rPr lang="nl-BE" dirty="0">
-                <a:solidFill>
-                  <a:schemeClr val="bg2">
-                    <a:lumMod val="75000"/>
-                  </a:schemeClr>
-                </a:solidFill>
-              </a:rPr>
-              <a:t>Detectie en lokalisatie</a:t>
-            </a:r>
-          </a:p>
-          <a:p>
-            <a:pPr marL="914400" lvl="1" indent="-457200">
-              <a:buFont typeface="+mj-lt"/>
-              <a:buAutoNum type="arabicPeriod"/>
-            </a:pPr>
-            <a:r>
-              <a:rPr lang="nl-BE" dirty="0">
-                <a:solidFill>
-                  <a:schemeClr val="bg2">
-                    <a:lumMod val="75000"/>
-                  </a:schemeClr>
-                </a:solidFill>
-              </a:rPr>
-              <a:t>Richten</a:t>
-            </a:r>
-          </a:p>
-          <a:p>
-            <a:pPr marL="914400" lvl="1" indent="-457200">
-              <a:buFont typeface="+mj-lt"/>
-              <a:buAutoNum type="arabicPeriod"/>
-            </a:pPr>
-            <a:r>
-              <a:rPr lang="nl-BE" dirty="0">
-                <a:solidFill>
-                  <a:schemeClr val="bg2">
-                    <a:lumMod val="75000"/>
-                  </a:schemeClr>
-                </a:solidFill>
-              </a:rPr>
-              <a:t>Blussen</a:t>
-            </a:r>
-          </a:p>
-          <a:p>
-            <a:pPr marL="457200" indent="-457200">
-              <a:lnSpc>
-                <a:spcPct val="110000"/>
-              </a:lnSpc>
-              <a:buFont typeface="+mj-lt"/>
-              <a:buAutoNum type="arabicPeriod"/>
-            </a:pPr>
-            <a:r>
-              <a:rPr lang="nl-BE" dirty="0">
-                <a:solidFill>
-                  <a:schemeClr val="bg2">
-                    <a:lumMod val="75000"/>
-                  </a:schemeClr>
-                </a:solidFill>
-              </a:rPr>
-              <a:t>Prototype</a:t>
-            </a:r>
-          </a:p>
-          <a:p>
-            <a:pPr marL="914400" lvl="1" indent="-457200">
-              <a:buFont typeface="+mj-lt"/>
-              <a:buAutoNum type="arabicPeriod"/>
-            </a:pPr>
-            <a:r>
-              <a:rPr lang="nl-BE" dirty="0">
-                <a:solidFill>
-                  <a:schemeClr val="bg2">
-                    <a:lumMod val="75000"/>
-                  </a:schemeClr>
-                </a:solidFill>
-              </a:rPr>
-              <a:t>Constructie</a:t>
-            </a:r>
-          </a:p>
-          <a:p>
-            <a:pPr marL="914400" lvl="1" indent="-457200">
-              <a:buFont typeface="+mj-lt"/>
-              <a:buAutoNum type="arabicPeriod"/>
-            </a:pPr>
-            <a:r>
-              <a:rPr lang="nl-BE" dirty="0">
-                <a:solidFill>
-                  <a:schemeClr val="bg2">
-                    <a:lumMod val="75000"/>
-                  </a:schemeClr>
-                </a:solidFill>
-              </a:rPr>
-              <a:t>Elektrisch circuit</a:t>
-            </a:r>
-          </a:p>
-          <a:p>
-            <a:pPr marL="914400" lvl="1" indent="-457200">
-              <a:buFont typeface="+mj-lt"/>
-              <a:buAutoNum type="arabicPeriod"/>
-            </a:pPr>
-            <a:r>
-              <a:rPr lang="nl-BE" dirty="0">
-                <a:solidFill>
-                  <a:schemeClr val="bg2">
-                    <a:lumMod val="75000"/>
-                  </a:schemeClr>
-                </a:solidFill>
-              </a:rPr>
-              <a:t>Roterend platform, arm en spuit</a:t>
-            </a:r>
-          </a:p>
-          <a:p>
-            <a:pPr marL="457200" indent="-457200">
-              <a:buFont typeface="+mj-lt"/>
-              <a:buAutoNum type="arabicPeriod"/>
-            </a:pPr>
-            <a:r>
-              <a:rPr lang="nl-BE" dirty="0">
-                <a:solidFill>
-                  <a:schemeClr val="bg2">
-                    <a:lumMod val="75000"/>
-                  </a:schemeClr>
-                </a:solidFill>
-              </a:rPr>
-              <a:t>Resultaten</a:t>
-            </a:r>
-          </a:p>
-          <a:p>
-            <a:pPr marL="457200" indent="-457200">
-              <a:buFont typeface="+mj-lt"/>
-              <a:buAutoNum type="arabicPeriod"/>
-            </a:pPr>
-            <a:r>
-              <a:rPr lang="nl-BE" dirty="0">
-                <a:solidFill>
-                  <a:srgbClr val="2F4D5D"/>
-                </a:solidFill>
-              </a:rPr>
-              <a:t>Besluit</a:t>
-            </a:r>
-          </a:p>
-          <a:p>
-            <a:pPr marL="457200" indent="-457200">
-              <a:buFont typeface="+mj-lt"/>
-              <a:buAutoNum type="arabicPeriod"/>
-            </a:pPr>
-            <a:r>
-              <a:rPr lang="nl-BE" dirty="0">
-                <a:solidFill>
-                  <a:schemeClr val="bg2">
-                    <a:lumMod val="75000"/>
-                  </a:schemeClr>
-                </a:solidFill>
-              </a:rPr>
-              <a:t>Bibliografie</a:t>
-            </a:r>
-          </a:p>
-          <a:p>
-            <a:pPr marL="457200" indent="-457200">
-              <a:buFont typeface="+mj-lt"/>
-              <a:buAutoNum type="arabicPeriod"/>
-            </a:pPr>
+            <a:r>
+              <a:rPr lang="nl-BE" dirty="0"/>
+              <a:t>Beide testen gelijkaardig</a:t>
+            </a:r>
+          </a:p>
+          <a:p>
             <a:endParaRPr lang="nl-BE" dirty="0"/>
           </a:p>
-        </p:txBody>
-      </p:sp>
-      <p:sp>
-        <p:nvSpPr>
-          <p:cNvPr id="3" name="Footer Placeholder 2">
-            <a:extLst>
-              <a:ext uri="{FF2B5EF4-FFF2-40B4-BE49-F238E27FC236}">
-                <a16:creationId xmlns:a16="http://schemas.microsoft.com/office/drawing/2014/main" id="{87B9D861-BADE-1735-BC5D-FB0CE4C31EFE}"/>
+          <a:p>
+            <a:r>
+              <a:rPr lang="nl-BE" dirty="0"/>
+              <a:t>Twee objecten gedetecteerd</a:t>
+            </a:r>
+          </a:p>
+          <a:p>
+            <a:r>
+              <a:rPr lang="nl-BE" dirty="0"/>
+              <a:t>Twee keer geschoten</a:t>
+            </a:r>
+          </a:p>
+          <a:p>
+            <a:r>
+              <a:rPr lang="nl-BE" dirty="0"/>
+              <a:t>In de buurt van cilinders</a:t>
+            </a:r>
+          </a:p>
+          <a:p>
+            <a:r>
+              <a:rPr lang="nl-BE" dirty="0"/>
+              <a:t>Kleine afwijking afstand en richting</a:t>
+            </a:r>
+          </a:p>
+          <a:p>
+            <a:r>
+              <a:rPr lang="nl-BE" dirty="0"/>
+              <a:t>Mits handmatige hulp:</a:t>
+            </a:r>
+          </a:p>
+          <a:p>
+            <a:pPr marL="0" indent="0">
+              <a:buNone/>
+            </a:pPr>
+            <a:r>
+              <a:rPr lang="nl-BE" dirty="0"/>
+              <a:t>	- 3</a:t>
+            </a:r>
+            <a:r>
+              <a:rPr lang="nl-BE" baseline="30000" dirty="0"/>
+              <a:t>e</a:t>
+            </a:r>
+            <a:r>
+              <a:rPr lang="nl-BE" dirty="0"/>
+              <a:t> object gedetecteerd </a:t>
+            </a:r>
+          </a:p>
+          <a:p>
+            <a:pPr marL="0" indent="0">
+              <a:buNone/>
+            </a:pPr>
+            <a:r>
+              <a:rPr lang="nl-BE" dirty="0"/>
+              <a:t>	- Nog eens geschoten</a:t>
+            </a:r>
+          </a:p>
+          <a:p>
+            <a:r>
+              <a:rPr lang="nl-BE" dirty="0"/>
+              <a:t>Telkens 30s geschoten</a:t>
+            </a:r>
+          </a:p>
+        </p:txBody>
+      </p:sp>
+      <p:sp>
+        <p:nvSpPr>
+          <p:cNvPr id="3" name="Tijdelijke aanduiding voor voettekst 2">
+            <a:extLst>
+              <a:ext uri="{FF2B5EF4-FFF2-40B4-BE49-F238E27FC236}">
+                <a16:creationId xmlns:a16="http://schemas.microsoft.com/office/drawing/2014/main" id="{7DB2C0A7-61E4-87DA-0273-BE041670CF42}"/>
               </a:ext>
             </a:extLst>
           </p:cNvPr>
@@ -11569,10 +11644,10 @@
       </p:sp>
       <p:sp>
         <p:nvSpPr>
-          <p:cNvPr id="4" name="Slide Number Placeholder 3">
-            <a:extLst>
-              <a:ext uri="{FF2B5EF4-FFF2-40B4-BE49-F238E27FC236}">
-                <a16:creationId xmlns:a16="http://schemas.microsoft.com/office/drawing/2014/main" id="{FC23E00C-3A77-A444-8280-8A8A5D17B5DF}"/>
+          <p:cNvPr id="4" name="Tijdelijke aanduiding voor dianummer 3">
+            <a:extLst>
+              <a:ext uri="{FF2B5EF4-FFF2-40B4-BE49-F238E27FC236}">
+                <a16:creationId xmlns:a16="http://schemas.microsoft.com/office/drawing/2014/main" id="{F206EC54-B387-43E9-7894-4BC2FC8AFE47}"/>
               </a:ext>
             </a:extLst>
           </p:cNvPr>
@@ -11598,10 +11673,10 @@
       </p:sp>
       <p:sp>
         <p:nvSpPr>
-          <p:cNvPr id="5" name="Title 4">
-            <a:extLst>
-              <a:ext uri="{FF2B5EF4-FFF2-40B4-BE49-F238E27FC236}">
-                <a16:creationId xmlns:a16="http://schemas.microsoft.com/office/drawing/2014/main" id="{344F2F4D-955A-2213-B685-181EC6CE1CBA}"/>
+          <p:cNvPr id="5" name="Titel 4">
+            <a:extLst>
+              <a:ext uri="{FF2B5EF4-FFF2-40B4-BE49-F238E27FC236}">
+                <a16:creationId xmlns:a16="http://schemas.microsoft.com/office/drawing/2014/main" id="{5AFF6F3D-6B31-CCA6-3526-56EB9F8567E5}"/>
               </a:ext>
             </a:extLst>
           </p:cNvPr>
@@ -11619,7 +11694,7 @@
           <a:p>
             <a:r>
               <a:rPr lang="nl-BE" dirty="0"/>
-              <a:t>Overzicht</a:t>
+              <a:t>Resultaat demo</a:t>
             </a:r>
           </a:p>
         </p:txBody>
@@ -11627,7 +11702,7 @@
     </p:spTree>
     <p:extLst>
       <p:ext uri="{BB962C8B-B14F-4D97-AF65-F5344CB8AC3E}">
-        <p14:creationId xmlns:p14="http://schemas.microsoft.com/office/powerpoint/2010/main" val="3353557775"/>
+        <p14:creationId xmlns:p14="http://schemas.microsoft.com/office/powerpoint/2010/main" val="1651865195"/>
       </p:ext>
     </p:extLst>
   </p:cSld>
@@ -11659,7 +11734,7 @@
           <p:cNvPr id="2" name="Tijdelijke aanduiding voor inhoud 1">
             <a:extLst>
               <a:ext uri="{FF2B5EF4-FFF2-40B4-BE49-F238E27FC236}">
-                <a16:creationId xmlns:a16="http://schemas.microsoft.com/office/drawing/2014/main" id="{E775BDEC-9084-7B7B-7636-1336FE6D1442}"/>
+                <a16:creationId xmlns:a16="http://schemas.microsoft.com/office/drawing/2014/main" id="{AFB8E0E9-62A9-E778-C487-EBE6B0DE58AF}"/>
               </a:ext>
             </a:extLst>
           </p:cNvPr>
@@ -11675,8 +11750,61 @@
           <a:bodyPr/>
           <a:lstStyle/>
           <a:p>
+            <a:r>
+              <a:rPr lang="nl-BE" dirty="0"/>
+              <a:t>Volledige elektrisch circuit</a:t>
+            </a:r>
+          </a:p>
+          <a:p>
+            <a:r>
+              <a:rPr lang="nl-BE" dirty="0"/>
+              <a:t>Code </a:t>
+            </a:r>
+            <a:r>
+              <a:rPr lang="nl-BE" dirty="0" err="1"/>
+              <a:t>Arduino</a:t>
+            </a:r>
             <a:endParaRPr lang="nl-BE" dirty="0"/>
           </a:p>
+          <a:p>
+            <a:pPr marL="0" indent="0">
+              <a:buNone/>
+            </a:pPr>
+            <a:r>
+              <a:rPr lang="nl-BE" dirty="0"/>
+              <a:t>	- Motoraandrijving</a:t>
+            </a:r>
+          </a:p>
+          <a:p>
+            <a:pPr marL="0" indent="0">
+              <a:buNone/>
+            </a:pPr>
+            <a:r>
+              <a:rPr lang="nl-BE" dirty="0"/>
+              <a:t>	- Regeling pomp</a:t>
+            </a:r>
+          </a:p>
+          <a:p>
+            <a:r>
+              <a:rPr lang="nl-BE" dirty="0"/>
+              <a:t>Objectdetectie</a:t>
+            </a:r>
+          </a:p>
+          <a:p>
+            <a:r>
+              <a:rPr lang="nl-BE" dirty="0"/>
+              <a:t>Stevigheid constructie</a:t>
+            </a:r>
+          </a:p>
+          <a:p>
+            <a:r>
+              <a:rPr lang="nl-BE" dirty="0"/>
+              <a:t>Geen waterlekken</a:t>
+            </a:r>
+          </a:p>
+          <a:p>
+            <a:endParaRPr lang="nl-BE" dirty="0"/>
+          </a:p>
         </p:txBody>
       </p:sp>
       <p:sp>
@@ -11684,7 +11812,7 @@
           <p:cNvPr id="3" name="Tijdelijke aanduiding voor voettekst 2">
             <a:extLst>
               <a:ext uri="{FF2B5EF4-FFF2-40B4-BE49-F238E27FC236}">
-                <a16:creationId xmlns:a16="http://schemas.microsoft.com/office/drawing/2014/main" id="{6C68FFF2-583B-ADAE-3A87-AA2DE08D02E8}"/>
+                <a16:creationId xmlns:a16="http://schemas.microsoft.com/office/drawing/2014/main" id="{1F2F9A9E-12D7-1360-3A09-90D5904A5B16}"/>
               </a:ext>
             </a:extLst>
           </p:cNvPr>
@@ -11712,7 +11840,7 @@
           <p:cNvPr id="4" name="Tijdelijke aanduiding voor dianummer 3">
             <a:extLst>
               <a:ext uri="{FF2B5EF4-FFF2-40B4-BE49-F238E27FC236}">
-                <a16:creationId xmlns:a16="http://schemas.microsoft.com/office/drawing/2014/main" id="{E49094E4-1991-A9EB-7B02-F275C3C4375D}"/>
+                <a16:creationId xmlns:a16="http://schemas.microsoft.com/office/drawing/2014/main" id="{179EAD90-67DD-227A-1431-A540A3A5EBA0}"/>
               </a:ext>
             </a:extLst>
           </p:cNvPr>
@@ -11741,7 +11869,7 @@
           <p:cNvPr id="5" name="Titel 4">
             <a:extLst>
               <a:ext uri="{FF2B5EF4-FFF2-40B4-BE49-F238E27FC236}">
-                <a16:creationId xmlns:a16="http://schemas.microsoft.com/office/drawing/2014/main" id="{F17222F8-0A62-DE13-7430-B9B48E3D40E9}"/>
+                <a16:creationId xmlns:a16="http://schemas.microsoft.com/office/drawing/2014/main" id="{22773754-625B-558F-C0F1-95D8E7334419}"/>
               </a:ext>
             </a:extLst>
           </p:cNvPr>
@@ -11759,7 +11887,7 @@
           <a:p>
             <a:r>
               <a:rPr lang="nl-BE" dirty="0"/>
-              <a:t>Besluit</a:t>
+              <a:t>Wat ging goed?</a:t>
             </a:r>
           </a:p>
         </p:txBody>
@@ -11767,7 +11895,7 @@
     </p:spTree>
     <p:extLst>
       <p:ext uri="{BB962C8B-B14F-4D97-AF65-F5344CB8AC3E}">
-        <p14:creationId xmlns:p14="http://schemas.microsoft.com/office/powerpoint/2010/main" val="2539709788"/>
+        <p14:creationId xmlns:p14="http://schemas.microsoft.com/office/powerpoint/2010/main" val="146404583"/>
       </p:ext>
     </p:extLst>
   </p:cSld>
@@ -11796,10 +11924,10 @@
       </p:grpSpPr>
       <p:sp>
         <p:nvSpPr>
-          <p:cNvPr id="2" name="Content Placeholder 1">
-            <a:extLst>
-              <a:ext uri="{FF2B5EF4-FFF2-40B4-BE49-F238E27FC236}">
-                <a16:creationId xmlns:a16="http://schemas.microsoft.com/office/drawing/2014/main" id="{9572C954-C83C-EE79-685B-900385B3EC4B}"/>
+          <p:cNvPr id="2" name="Tijdelijke aanduiding voor inhoud 1">
+            <a:extLst>
+              <a:ext uri="{FF2B5EF4-FFF2-40B4-BE49-F238E27FC236}">
+                <a16:creationId xmlns:a16="http://schemas.microsoft.com/office/drawing/2014/main" id="{E775BDEC-9084-7B7B-7636-1336FE6D1442}"/>
               </a:ext>
             </a:extLst>
           </p:cNvPr>
@@ -11810,241 +11938,107 @@
             <p:ph idx="1"/>
           </p:nvPr>
         </p:nvSpPr>
-        <p:spPr>
-          <a:xfrm>
-            <a:off x="576000" y="1656000"/>
-            <a:ext cx="11041200" cy="4554000"/>
-          </a:xfrm>
-        </p:spPr>
+        <p:spPr/>
         <p:txBody>
           <a:bodyPr>
-            <a:normAutofit fontScale="85000" lnSpcReduction="20000"/>
+            <a:normAutofit/>
           </a:bodyPr>
           <a:lstStyle/>
           <a:p>
-            <a:pPr marL="457200" indent="-457200">
-              <a:buFont typeface="+mj-lt"/>
-              <a:buAutoNum type="arabicPeriod"/>
-            </a:pPr>
-            <a:r>
-              <a:rPr lang="nl-BE" dirty="0">
-                <a:solidFill>
-                  <a:schemeClr val="bg2">
-                    <a:lumMod val="75000"/>
-                  </a:schemeClr>
-                </a:solidFill>
-              </a:rPr>
-              <a:t>Inleiding</a:t>
-            </a:r>
-          </a:p>
-          <a:p>
-            <a:pPr marL="457200" indent="-457200">
-              <a:buFont typeface="+mj-lt"/>
-              <a:buAutoNum type="arabicPeriod"/>
-            </a:pPr>
-            <a:r>
-              <a:rPr lang="nl-BE" dirty="0">
-                <a:solidFill>
-                  <a:schemeClr val="bg2">
-                    <a:lumMod val="75000"/>
-                  </a:schemeClr>
-                </a:solidFill>
-              </a:rPr>
-              <a:t>Ontwerp</a:t>
-            </a:r>
-          </a:p>
-          <a:p>
-            <a:pPr marL="457200" indent="-457200">
-              <a:buFont typeface="+mj-lt"/>
-              <a:buAutoNum type="arabicPeriod"/>
-            </a:pPr>
-            <a:r>
-              <a:rPr lang="nl-BE" dirty="0">
-                <a:solidFill>
-                  <a:schemeClr val="bg2">
-                    <a:lumMod val="75000"/>
-                  </a:schemeClr>
-                </a:solidFill>
-              </a:rPr>
-              <a:t>Stappen</a:t>
-            </a:r>
-          </a:p>
-          <a:p>
-            <a:pPr marL="914400" lvl="1" indent="-457200">
-              <a:buFont typeface="+mj-lt"/>
-              <a:buAutoNum type="arabicPeriod"/>
-            </a:pPr>
-            <a:r>
-              <a:rPr lang="nl-BE" dirty="0">
-                <a:solidFill>
-                  <a:schemeClr val="bg2">
-                    <a:lumMod val="75000"/>
-                  </a:schemeClr>
-                </a:solidFill>
-              </a:rPr>
-              <a:t>Detectie en lokalisatie</a:t>
-            </a:r>
-          </a:p>
-          <a:p>
-            <a:pPr marL="914400" lvl="1" indent="-457200">
-              <a:buFont typeface="+mj-lt"/>
-              <a:buAutoNum type="arabicPeriod"/>
-            </a:pPr>
-            <a:r>
-              <a:rPr lang="nl-BE" dirty="0">
-                <a:solidFill>
-                  <a:schemeClr val="bg2">
-                    <a:lumMod val="75000"/>
-                  </a:schemeClr>
-                </a:solidFill>
-              </a:rPr>
-              <a:t>Richten</a:t>
-            </a:r>
-          </a:p>
-          <a:p>
-            <a:pPr marL="914400" lvl="1" indent="-457200">
-              <a:buFont typeface="+mj-lt"/>
-              <a:buAutoNum type="arabicPeriod"/>
-            </a:pPr>
-            <a:r>
-              <a:rPr lang="nl-BE" dirty="0">
-                <a:solidFill>
-                  <a:schemeClr val="bg2">
-                    <a:lumMod val="75000"/>
-                  </a:schemeClr>
-                </a:solidFill>
-              </a:rPr>
-              <a:t>Blussen</a:t>
-            </a:r>
-          </a:p>
-          <a:p>
-            <a:pPr marL="457200" indent="-457200">
-              <a:lnSpc>
-                <a:spcPct val="110000"/>
-              </a:lnSpc>
-              <a:buFont typeface="+mj-lt"/>
-              <a:buAutoNum type="arabicPeriod"/>
-            </a:pPr>
-            <a:r>
-              <a:rPr lang="nl-BE" dirty="0">
-                <a:solidFill>
-                  <a:schemeClr val="bg2">
-                    <a:lumMod val="75000"/>
-                  </a:schemeClr>
-                </a:solidFill>
-              </a:rPr>
-              <a:t>Prototype</a:t>
-            </a:r>
-          </a:p>
-          <a:p>
-            <a:pPr marL="914400" lvl="1" indent="-457200">
-              <a:buFont typeface="+mj-lt"/>
-              <a:buAutoNum type="arabicPeriod"/>
-            </a:pPr>
-            <a:r>
-              <a:rPr lang="nl-BE" dirty="0">
-                <a:solidFill>
-                  <a:schemeClr val="bg2">
-                    <a:lumMod val="75000"/>
-                  </a:schemeClr>
-                </a:solidFill>
-              </a:rPr>
-              <a:t>Constructie</a:t>
-            </a:r>
-          </a:p>
-          <a:p>
-            <a:pPr marL="914400" lvl="1" indent="-457200">
-              <a:buFont typeface="+mj-lt"/>
-              <a:buAutoNum type="arabicPeriod"/>
-            </a:pPr>
-            <a:r>
-              <a:rPr lang="nl-BE" dirty="0">
-                <a:solidFill>
-                  <a:schemeClr val="bg2">
-                    <a:lumMod val="75000"/>
-                  </a:schemeClr>
-                </a:solidFill>
-              </a:rPr>
-              <a:t>Elektrisch circuit</a:t>
-            </a:r>
-          </a:p>
-          <a:p>
-            <a:pPr marL="914400" lvl="1" indent="-457200">
-              <a:buFont typeface="+mj-lt"/>
-              <a:buAutoNum type="arabicPeriod"/>
-            </a:pPr>
-            <a:r>
-              <a:rPr lang="nl-BE" dirty="0">
-                <a:solidFill>
-                  <a:schemeClr val="bg2">
-                    <a:lumMod val="75000"/>
-                  </a:schemeClr>
-                </a:solidFill>
-              </a:rPr>
-              <a:t>Roterend platform, arm en spuit</a:t>
-            </a:r>
-          </a:p>
-          <a:p>
-            <a:pPr marL="457200" indent="-457200">
-              <a:buFont typeface="+mj-lt"/>
-              <a:buAutoNum type="arabicPeriod"/>
-            </a:pPr>
-            <a:r>
-              <a:rPr lang="nl-BE" dirty="0">
-                <a:solidFill>
-                  <a:schemeClr val="bg2">
-                    <a:lumMod val="75000"/>
-                  </a:schemeClr>
-                </a:solidFill>
-              </a:rPr>
-              <a:t>Resultaten</a:t>
-            </a:r>
-          </a:p>
-          <a:p>
-            <a:pPr marL="457200" indent="-457200">
-              <a:buFont typeface="+mj-lt"/>
-              <a:buAutoNum type="arabicPeriod"/>
-            </a:pPr>
-            <a:r>
-              <a:rPr lang="nl-BE" dirty="0">
-                <a:solidFill>
-                  <a:schemeClr val="bg2">
-                    <a:lumMod val="75000"/>
-                  </a:schemeClr>
-                </a:solidFill>
-              </a:rPr>
-              <a:t>Besluit</a:t>
-            </a:r>
-          </a:p>
-          <a:p>
-            <a:pPr marL="457200" indent="-457200">
-              <a:buFont typeface="+mj-lt"/>
-              <a:buAutoNum type="arabicPeriod"/>
-            </a:pPr>
-            <a:r>
-              <a:rPr lang="nl-BE" dirty="0">
-                <a:solidFill>
-                  <a:srgbClr val="2F4D5D"/>
-                </a:solidFill>
-              </a:rPr>
-              <a:t>Bibliografie</a:t>
-            </a:r>
-          </a:p>
-          <a:p>
-            <a:pPr marL="457200" indent="-457200">
-              <a:buFont typeface="+mj-lt"/>
-              <a:buAutoNum type="arabicPeriod"/>
-            </a:pPr>
+            <a:pPr marL="0" indent="0">
+              <a:buNone/>
+            </a:pPr>
+            <a:r>
+              <a:rPr lang="nl-BE" b="1" dirty="0"/>
+              <a:t>Ontwerp (foute keuzes/aankopen?)</a:t>
+            </a:r>
             <a:endParaRPr lang="nl-BE" dirty="0"/>
           </a:p>
-        </p:txBody>
-      </p:sp>
-      <p:sp>
-        <p:nvSpPr>
-          <p:cNvPr id="3" name="Footer Placeholder 2">
-            <a:extLst>
-              <a:ext uri="{FF2B5EF4-FFF2-40B4-BE49-F238E27FC236}">
-                <a16:creationId xmlns:a16="http://schemas.microsoft.com/office/drawing/2014/main" id="{87B9D861-BADE-1735-BC5D-FB0CE4C31EFE}"/>
+          <a:p>
+            <a:r>
+              <a:rPr lang="nl-BE" dirty="0" err="1"/>
+              <a:t>MakerBeams</a:t>
+            </a:r>
+            <a:endParaRPr lang="nl-BE" dirty="0"/>
+          </a:p>
+          <a:p>
+            <a:r>
+              <a:rPr lang="nl-BE" dirty="0"/>
+              <a:t>Waterflowsensor</a:t>
+            </a:r>
+          </a:p>
+          <a:p>
+            <a:r>
+              <a:rPr lang="nl-BE" dirty="0"/>
+              <a:t>Powerbank</a:t>
+            </a:r>
+          </a:p>
+          <a:p>
+            <a:r>
+              <a:rPr lang="nl-BE" dirty="0"/>
+              <a:t>USB Webcam 1080P</a:t>
+            </a:r>
+          </a:p>
+          <a:p>
+            <a:r>
+              <a:rPr lang="pt-BR" dirty="0"/>
+              <a:t>Micro Metal Gear Motor 100:1 HP</a:t>
+            </a:r>
+          </a:p>
+          <a:p>
+            <a:r>
+              <a:rPr lang="pt-BR" dirty="0"/>
+              <a:t>Flexibele slang</a:t>
+            </a:r>
+          </a:p>
+          <a:p>
+            <a:r>
+              <a:rPr lang="pt-BR" dirty="0"/>
+              <a:t>Roterend platform </a:t>
+            </a:r>
+          </a:p>
+          <a:p>
+            <a:r>
+              <a:rPr lang="pt-BR" dirty="0"/>
+              <a:t>Omvang</a:t>
+            </a:r>
+            <a:endParaRPr lang="nl-BE" dirty="0"/>
+          </a:p>
+          <a:p>
+            <a:endParaRPr lang="nl-BE" dirty="0"/>
+          </a:p>
+          <a:p>
+            <a:pPr marL="0" indent="0">
+              <a:buNone/>
+            </a:pPr>
+            <a:endParaRPr lang="nl-BE" dirty="0"/>
+          </a:p>
+          <a:p>
+            <a:pPr marL="0" indent="0">
+              <a:buNone/>
+            </a:pPr>
+            <a:endParaRPr lang="nl-BE" dirty="0"/>
+          </a:p>
+          <a:p>
+            <a:pPr marL="0" indent="0">
+              <a:buNone/>
+            </a:pPr>
+            <a:endParaRPr lang="nl-BE" dirty="0"/>
+          </a:p>
+          <a:p>
+            <a:pPr marL="0" indent="0">
+              <a:buNone/>
+            </a:pPr>
+            <a:endParaRPr lang="nl-BE" dirty="0"/>
+          </a:p>
+        </p:txBody>
+      </p:sp>
+      <p:sp>
+        <p:nvSpPr>
+          <p:cNvPr id="3" name="Tijdelijke aanduiding voor voettekst 2">
+            <a:extLst>
+              <a:ext uri="{FF2B5EF4-FFF2-40B4-BE49-F238E27FC236}">
+                <a16:creationId xmlns:a16="http://schemas.microsoft.com/office/drawing/2014/main" id="{6C68FFF2-583B-ADAE-3A87-AA2DE08D02E8}"/>
               </a:ext>
             </a:extLst>
           </p:cNvPr>
@@ -12069,10 +12063,10 @@
       </p:sp>
       <p:sp>
         <p:nvSpPr>
-          <p:cNvPr id="4" name="Slide Number Placeholder 3">
-            <a:extLst>
-              <a:ext uri="{FF2B5EF4-FFF2-40B4-BE49-F238E27FC236}">
-                <a16:creationId xmlns:a16="http://schemas.microsoft.com/office/drawing/2014/main" id="{FC23E00C-3A77-A444-8280-8A8A5D17B5DF}"/>
+          <p:cNvPr id="4" name="Tijdelijke aanduiding voor dianummer 3">
+            <a:extLst>
+              <a:ext uri="{FF2B5EF4-FFF2-40B4-BE49-F238E27FC236}">
+                <a16:creationId xmlns:a16="http://schemas.microsoft.com/office/drawing/2014/main" id="{E49094E4-1991-A9EB-7B02-F275C3C4375D}"/>
               </a:ext>
             </a:extLst>
           </p:cNvPr>
@@ -12098,10 +12092,10 @@
       </p:sp>
       <p:sp>
         <p:nvSpPr>
-          <p:cNvPr id="5" name="Title 4">
-            <a:extLst>
-              <a:ext uri="{FF2B5EF4-FFF2-40B4-BE49-F238E27FC236}">
-                <a16:creationId xmlns:a16="http://schemas.microsoft.com/office/drawing/2014/main" id="{344F2F4D-955A-2213-B685-181EC6CE1CBA}"/>
+          <p:cNvPr id="5" name="Titel 4">
+            <a:extLst>
+              <a:ext uri="{FF2B5EF4-FFF2-40B4-BE49-F238E27FC236}">
+                <a16:creationId xmlns:a16="http://schemas.microsoft.com/office/drawing/2014/main" id="{F17222F8-0A62-DE13-7430-B9B48E3D40E9}"/>
               </a:ext>
             </a:extLst>
           </p:cNvPr>
@@ -12119,7 +12113,7 @@
           <a:p>
             <a:r>
               <a:rPr lang="nl-BE" dirty="0"/>
-              <a:t>Overzicht</a:t>
+              <a:t>Wat kon beter?</a:t>
             </a:r>
           </a:p>
         </p:txBody>
@@ -12127,7 +12121,7 @@
     </p:spTree>
     <p:extLst>
       <p:ext uri="{BB962C8B-B14F-4D97-AF65-F5344CB8AC3E}">
-        <p14:creationId xmlns:p14="http://schemas.microsoft.com/office/powerpoint/2010/main" val="3868961438"/>
+        <p14:creationId xmlns:p14="http://schemas.microsoft.com/office/powerpoint/2010/main" val="2539709788"/>
       </p:ext>
     </p:extLst>
   </p:cSld>
@@ -12156,6 +12150,1039 @@
       </p:grpSpPr>
       <p:sp>
         <p:nvSpPr>
+          <p:cNvPr id="2" name="Tijdelijke aanduiding voor inhoud 1">
+            <a:extLst>
+              <a:ext uri="{FF2B5EF4-FFF2-40B4-BE49-F238E27FC236}">
+                <a16:creationId xmlns:a16="http://schemas.microsoft.com/office/drawing/2014/main" id="{E775BDEC-9084-7B7B-7636-1336FE6D1442}"/>
+              </a:ext>
+            </a:extLst>
+          </p:cNvPr>
+          <p:cNvSpPr>
+            <a:spLocks noGrp="1"/>
+          </p:cNvSpPr>
+          <p:nvPr>
+            <p:ph idx="1"/>
+          </p:nvPr>
+        </p:nvSpPr>
+        <p:spPr/>
+        <p:txBody>
+          <a:bodyPr/>
+          <a:lstStyle/>
+          <a:p>
+            <a:pPr marL="0" indent="0">
+              <a:buNone/>
+            </a:pPr>
+            <a:r>
+              <a:rPr lang="nl-BE" b="1" dirty="0"/>
+              <a:t>Code en elektrisch circuit?</a:t>
+            </a:r>
+          </a:p>
+          <a:p>
+            <a:pPr marL="0" indent="0">
+              <a:buNone/>
+            </a:pPr>
+            <a:r>
+              <a:rPr lang="nl-BE" dirty="0"/>
+              <a:t>	</a:t>
+            </a:r>
+          </a:p>
+          <a:p>
+            <a:r>
+              <a:rPr lang="nl-BE" dirty="0"/>
+              <a:t>Afstandsdetectie</a:t>
+            </a:r>
+          </a:p>
+          <a:p>
+            <a:r>
+              <a:rPr lang="nl-BE" dirty="0"/>
+              <a:t>Hoekberekeningen</a:t>
+            </a:r>
+          </a:p>
+          <a:p>
+            <a:pPr marL="0" indent="0">
+              <a:buNone/>
+            </a:pPr>
+            <a:endParaRPr lang="nl-BE" dirty="0"/>
+          </a:p>
+        </p:txBody>
+      </p:sp>
+      <p:sp>
+        <p:nvSpPr>
+          <p:cNvPr id="3" name="Tijdelijke aanduiding voor voettekst 2">
+            <a:extLst>
+              <a:ext uri="{FF2B5EF4-FFF2-40B4-BE49-F238E27FC236}">
+                <a16:creationId xmlns:a16="http://schemas.microsoft.com/office/drawing/2014/main" id="{6C68FFF2-583B-ADAE-3A87-AA2DE08D02E8}"/>
+              </a:ext>
+            </a:extLst>
+          </p:cNvPr>
+          <p:cNvSpPr>
+            <a:spLocks noGrp="1"/>
+          </p:cNvSpPr>
+          <p:nvPr>
+            <p:ph type="ftr" sz="quarter" idx="11"/>
+          </p:nvPr>
+        </p:nvSpPr>
+        <p:spPr/>
+        <p:txBody>
+          <a:bodyPr/>
+          <a:lstStyle/>
+          <a:p>
+            <a:r>
+              <a:rPr lang="nl-NL"/>
+              <a:t>Groep Wetenschappen &amp; Techonologie - Ingenieurswetenschappen</a:t>
+            </a:r>
+          </a:p>
+        </p:txBody>
+      </p:sp>
+      <p:sp>
+        <p:nvSpPr>
+          <p:cNvPr id="4" name="Tijdelijke aanduiding voor dianummer 3">
+            <a:extLst>
+              <a:ext uri="{FF2B5EF4-FFF2-40B4-BE49-F238E27FC236}">
+                <a16:creationId xmlns:a16="http://schemas.microsoft.com/office/drawing/2014/main" id="{E49094E4-1991-A9EB-7B02-F275C3C4375D}"/>
+              </a:ext>
+            </a:extLst>
+          </p:cNvPr>
+          <p:cNvSpPr>
+            <a:spLocks noGrp="1"/>
+          </p:cNvSpPr>
+          <p:nvPr>
+            <p:ph type="sldNum" sz="quarter" idx="12"/>
+          </p:nvPr>
+        </p:nvSpPr>
+        <p:spPr/>
+        <p:txBody>
+          <a:bodyPr/>
+          <a:lstStyle/>
+          <a:p>
+            <a:fld id="{0A297500-7527-634B-90F4-69D0994C32B4}" type="slidenum">
+              <a:rPr lang="nl-NL" smtClean="0"/>
+              <a:t>34</a:t>
+            </a:fld>
+            <a:endParaRPr lang="nl-NL"/>
+          </a:p>
+        </p:txBody>
+      </p:sp>
+      <p:sp>
+        <p:nvSpPr>
+          <p:cNvPr id="5" name="Titel 4">
+            <a:extLst>
+              <a:ext uri="{FF2B5EF4-FFF2-40B4-BE49-F238E27FC236}">
+                <a16:creationId xmlns:a16="http://schemas.microsoft.com/office/drawing/2014/main" id="{F17222F8-0A62-DE13-7430-B9B48E3D40E9}"/>
+              </a:ext>
+            </a:extLst>
+          </p:cNvPr>
+          <p:cNvSpPr>
+            <a:spLocks noGrp="1"/>
+          </p:cNvSpPr>
+          <p:nvPr>
+            <p:ph type="title"/>
+          </p:nvPr>
+        </p:nvSpPr>
+        <p:spPr/>
+        <p:txBody>
+          <a:bodyPr/>
+          <a:lstStyle/>
+          <a:p>
+            <a:r>
+              <a:rPr lang="nl-BE" dirty="0"/>
+              <a:t>Wat kon beter?</a:t>
+            </a:r>
+          </a:p>
+        </p:txBody>
+      </p:sp>
+    </p:spTree>
+    <p:extLst>
+      <p:ext uri="{BB962C8B-B14F-4D97-AF65-F5344CB8AC3E}">
+        <p14:creationId xmlns:p14="http://schemas.microsoft.com/office/powerpoint/2010/main" val="1455262129"/>
+      </p:ext>
+    </p:extLst>
+  </p:cSld>
+  <p:clrMapOvr>
+    <a:masterClrMapping/>
+  </p:clrMapOvr>
+</p:sld>
+</file>
+
+<file path=ppt/slides/slide35.xml><?xml version="1.0" encoding="utf-8"?>
+<p:sld xmlns:a="http://schemas.openxmlformats.org/drawingml/2006/main" xmlns:r="http://schemas.openxmlformats.org/officeDocument/2006/relationships" xmlns:p="http://schemas.openxmlformats.org/presentationml/2006/main">
+  <p:cSld>
+    <p:spTree>
+      <p:nvGrpSpPr>
+        <p:cNvPr id="1" name=""/>
+        <p:cNvGrpSpPr/>
+        <p:nvPr/>
+      </p:nvGrpSpPr>
+      <p:grpSpPr>
+        <a:xfrm>
+          <a:off x="0" y="0"/>
+          <a:ext cx="0" cy="0"/>
+          <a:chOff x="0" y="0"/>
+          <a:chExt cx="0" cy="0"/>
+        </a:xfrm>
+      </p:grpSpPr>
+      <p:sp>
+        <p:nvSpPr>
+          <p:cNvPr id="2" name="Content Placeholder 1">
+            <a:extLst>
+              <a:ext uri="{FF2B5EF4-FFF2-40B4-BE49-F238E27FC236}">
+                <a16:creationId xmlns:a16="http://schemas.microsoft.com/office/drawing/2014/main" id="{9572C954-C83C-EE79-685B-900385B3EC4B}"/>
+              </a:ext>
+            </a:extLst>
+          </p:cNvPr>
+          <p:cNvSpPr>
+            <a:spLocks noGrp="1"/>
+          </p:cNvSpPr>
+          <p:nvPr>
+            <p:ph idx="1"/>
+          </p:nvPr>
+        </p:nvSpPr>
+        <p:spPr>
+          <a:xfrm>
+            <a:off x="576000" y="1656000"/>
+            <a:ext cx="11041200" cy="4554000"/>
+          </a:xfrm>
+        </p:spPr>
+        <p:txBody>
+          <a:bodyPr>
+            <a:normAutofit fontScale="85000" lnSpcReduction="20000"/>
+          </a:bodyPr>
+          <a:lstStyle/>
+          <a:p>
+            <a:pPr marL="457200" indent="-457200">
+              <a:buFont typeface="+mj-lt"/>
+              <a:buAutoNum type="arabicPeriod"/>
+            </a:pPr>
+            <a:r>
+              <a:rPr lang="nl-BE" dirty="0">
+                <a:solidFill>
+                  <a:schemeClr val="bg2">
+                    <a:lumMod val="75000"/>
+                  </a:schemeClr>
+                </a:solidFill>
+              </a:rPr>
+              <a:t>Inleiding</a:t>
+            </a:r>
+          </a:p>
+          <a:p>
+            <a:pPr marL="457200" indent="-457200">
+              <a:buFont typeface="+mj-lt"/>
+              <a:buAutoNum type="arabicPeriod"/>
+            </a:pPr>
+            <a:r>
+              <a:rPr lang="nl-BE" dirty="0">
+                <a:solidFill>
+                  <a:schemeClr val="bg2">
+                    <a:lumMod val="75000"/>
+                  </a:schemeClr>
+                </a:solidFill>
+              </a:rPr>
+              <a:t>Ontwerp</a:t>
+            </a:r>
+          </a:p>
+          <a:p>
+            <a:pPr marL="457200" indent="-457200">
+              <a:buFont typeface="+mj-lt"/>
+              <a:buAutoNum type="arabicPeriod"/>
+            </a:pPr>
+            <a:r>
+              <a:rPr lang="nl-BE" dirty="0">
+                <a:solidFill>
+                  <a:schemeClr val="bg2">
+                    <a:lumMod val="75000"/>
+                  </a:schemeClr>
+                </a:solidFill>
+              </a:rPr>
+              <a:t>Stappen</a:t>
+            </a:r>
+          </a:p>
+          <a:p>
+            <a:pPr marL="914400" lvl="1" indent="-457200">
+              <a:buFont typeface="+mj-lt"/>
+              <a:buAutoNum type="arabicPeriod"/>
+            </a:pPr>
+            <a:r>
+              <a:rPr lang="nl-BE" dirty="0">
+                <a:solidFill>
+                  <a:schemeClr val="bg2">
+                    <a:lumMod val="75000"/>
+                  </a:schemeClr>
+                </a:solidFill>
+              </a:rPr>
+              <a:t>Detectie en lokalisatie</a:t>
+            </a:r>
+          </a:p>
+          <a:p>
+            <a:pPr marL="914400" lvl="1" indent="-457200">
+              <a:buFont typeface="+mj-lt"/>
+              <a:buAutoNum type="arabicPeriod"/>
+            </a:pPr>
+            <a:r>
+              <a:rPr lang="nl-BE" dirty="0">
+                <a:solidFill>
+                  <a:schemeClr val="bg2">
+                    <a:lumMod val="75000"/>
+                  </a:schemeClr>
+                </a:solidFill>
+              </a:rPr>
+              <a:t>Richten</a:t>
+            </a:r>
+          </a:p>
+          <a:p>
+            <a:pPr marL="914400" lvl="1" indent="-457200">
+              <a:buFont typeface="+mj-lt"/>
+              <a:buAutoNum type="arabicPeriod"/>
+            </a:pPr>
+            <a:r>
+              <a:rPr lang="nl-BE" dirty="0">
+                <a:solidFill>
+                  <a:schemeClr val="bg2">
+                    <a:lumMod val="75000"/>
+                  </a:schemeClr>
+                </a:solidFill>
+              </a:rPr>
+              <a:t>Blussen</a:t>
+            </a:r>
+          </a:p>
+          <a:p>
+            <a:pPr marL="457200" indent="-457200">
+              <a:lnSpc>
+                <a:spcPct val="110000"/>
+              </a:lnSpc>
+              <a:buFont typeface="+mj-lt"/>
+              <a:buAutoNum type="arabicPeriod"/>
+            </a:pPr>
+            <a:r>
+              <a:rPr lang="nl-BE" dirty="0">
+                <a:solidFill>
+                  <a:schemeClr val="bg2">
+                    <a:lumMod val="75000"/>
+                  </a:schemeClr>
+                </a:solidFill>
+              </a:rPr>
+              <a:t>Prototype</a:t>
+            </a:r>
+          </a:p>
+          <a:p>
+            <a:pPr marL="914400" lvl="1" indent="-457200">
+              <a:buFont typeface="+mj-lt"/>
+              <a:buAutoNum type="arabicPeriod"/>
+            </a:pPr>
+            <a:r>
+              <a:rPr lang="nl-BE" dirty="0">
+                <a:solidFill>
+                  <a:schemeClr val="bg2">
+                    <a:lumMod val="75000"/>
+                  </a:schemeClr>
+                </a:solidFill>
+              </a:rPr>
+              <a:t>Constructie</a:t>
+            </a:r>
+          </a:p>
+          <a:p>
+            <a:pPr marL="914400" lvl="1" indent="-457200">
+              <a:buFont typeface="+mj-lt"/>
+              <a:buAutoNum type="arabicPeriod"/>
+            </a:pPr>
+            <a:r>
+              <a:rPr lang="nl-BE" dirty="0">
+                <a:solidFill>
+                  <a:schemeClr val="bg2">
+                    <a:lumMod val="75000"/>
+                  </a:schemeClr>
+                </a:solidFill>
+              </a:rPr>
+              <a:t>Elektrisch circuit</a:t>
+            </a:r>
+          </a:p>
+          <a:p>
+            <a:pPr marL="914400" lvl="1" indent="-457200">
+              <a:buFont typeface="+mj-lt"/>
+              <a:buAutoNum type="arabicPeriod"/>
+            </a:pPr>
+            <a:r>
+              <a:rPr lang="nl-BE" dirty="0">
+                <a:solidFill>
+                  <a:schemeClr val="bg2">
+                    <a:lumMod val="75000"/>
+                  </a:schemeClr>
+                </a:solidFill>
+              </a:rPr>
+              <a:t>Roterend platform, arm en spuit</a:t>
+            </a:r>
+          </a:p>
+          <a:p>
+            <a:pPr marL="457200" indent="-457200">
+              <a:buFont typeface="+mj-lt"/>
+              <a:buAutoNum type="arabicPeriod"/>
+            </a:pPr>
+            <a:r>
+              <a:rPr lang="nl-BE" dirty="0">
+                <a:solidFill>
+                  <a:schemeClr val="bg2">
+                    <a:lumMod val="75000"/>
+                  </a:schemeClr>
+                </a:solidFill>
+              </a:rPr>
+              <a:t>Resultaten</a:t>
+            </a:r>
+          </a:p>
+          <a:p>
+            <a:pPr marL="457200" indent="-457200">
+              <a:buFont typeface="+mj-lt"/>
+              <a:buAutoNum type="arabicPeriod"/>
+            </a:pPr>
+            <a:r>
+              <a:rPr lang="nl-BE" dirty="0">
+                <a:solidFill>
+                  <a:srgbClr val="2F4D5D"/>
+                </a:solidFill>
+              </a:rPr>
+              <a:t>Besluit</a:t>
+            </a:r>
+          </a:p>
+          <a:p>
+            <a:pPr marL="457200" indent="-457200">
+              <a:buFont typeface="+mj-lt"/>
+              <a:buAutoNum type="arabicPeriod"/>
+            </a:pPr>
+            <a:r>
+              <a:rPr lang="nl-BE" dirty="0">
+                <a:solidFill>
+                  <a:schemeClr val="bg2">
+                    <a:lumMod val="75000"/>
+                  </a:schemeClr>
+                </a:solidFill>
+              </a:rPr>
+              <a:t>Bibliografie</a:t>
+            </a:r>
+          </a:p>
+          <a:p>
+            <a:pPr marL="457200" indent="-457200">
+              <a:buFont typeface="+mj-lt"/>
+              <a:buAutoNum type="arabicPeriod"/>
+            </a:pPr>
+            <a:endParaRPr lang="nl-BE" dirty="0"/>
+          </a:p>
+        </p:txBody>
+      </p:sp>
+      <p:sp>
+        <p:nvSpPr>
+          <p:cNvPr id="3" name="Footer Placeholder 2">
+            <a:extLst>
+              <a:ext uri="{FF2B5EF4-FFF2-40B4-BE49-F238E27FC236}">
+                <a16:creationId xmlns:a16="http://schemas.microsoft.com/office/drawing/2014/main" id="{87B9D861-BADE-1735-BC5D-FB0CE4C31EFE}"/>
+              </a:ext>
+            </a:extLst>
+          </p:cNvPr>
+          <p:cNvSpPr>
+            <a:spLocks noGrp="1"/>
+          </p:cNvSpPr>
+          <p:nvPr>
+            <p:ph type="ftr" sz="quarter" idx="11"/>
+          </p:nvPr>
+        </p:nvSpPr>
+        <p:spPr/>
+        <p:txBody>
+          <a:bodyPr/>
+          <a:lstStyle/>
+          <a:p>
+            <a:r>
+              <a:rPr lang="nl-NL"/>
+              <a:t>Groep Wetenschappen &amp; Techonologie - Ingenieurswetenschappen</a:t>
+            </a:r>
+          </a:p>
+        </p:txBody>
+      </p:sp>
+      <p:sp>
+        <p:nvSpPr>
+          <p:cNvPr id="4" name="Slide Number Placeholder 3">
+            <a:extLst>
+              <a:ext uri="{FF2B5EF4-FFF2-40B4-BE49-F238E27FC236}">
+                <a16:creationId xmlns:a16="http://schemas.microsoft.com/office/drawing/2014/main" id="{FC23E00C-3A77-A444-8280-8A8A5D17B5DF}"/>
+              </a:ext>
+            </a:extLst>
+          </p:cNvPr>
+          <p:cNvSpPr>
+            <a:spLocks noGrp="1"/>
+          </p:cNvSpPr>
+          <p:nvPr>
+            <p:ph type="sldNum" sz="quarter" idx="12"/>
+          </p:nvPr>
+        </p:nvSpPr>
+        <p:spPr/>
+        <p:txBody>
+          <a:bodyPr/>
+          <a:lstStyle/>
+          <a:p>
+            <a:fld id="{0A297500-7527-634B-90F4-69D0994C32B4}" type="slidenum">
+              <a:rPr lang="nl-NL" smtClean="0"/>
+              <a:t>35</a:t>
+            </a:fld>
+            <a:endParaRPr lang="nl-NL"/>
+          </a:p>
+        </p:txBody>
+      </p:sp>
+      <p:sp>
+        <p:nvSpPr>
+          <p:cNvPr id="5" name="Title 4">
+            <a:extLst>
+              <a:ext uri="{FF2B5EF4-FFF2-40B4-BE49-F238E27FC236}">
+                <a16:creationId xmlns:a16="http://schemas.microsoft.com/office/drawing/2014/main" id="{344F2F4D-955A-2213-B685-181EC6CE1CBA}"/>
+              </a:ext>
+            </a:extLst>
+          </p:cNvPr>
+          <p:cNvSpPr>
+            <a:spLocks noGrp="1"/>
+          </p:cNvSpPr>
+          <p:nvPr>
+            <p:ph type="title"/>
+          </p:nvPr>
+        </p:nvSpPr>
+        <p:spPr/>
+        <p:txBody>
+          <a:bodyPr/>
+          <a:lstStyle/>
+          <a:p>
+            <a:r>
+              <a:rPr lang="nl-BE" dirty="0"/>
+              <a:t>Overzicht</a:t>
+            </a:r>
+          </a:p>
+        </p:txBody>
+      </p:sp>
+    </p:spTree>
+    <p:extLst>
+      <p:ext uri="{BB962C8B-B14F-4D97-AF65-F5344CB8AC3E}">
+        <p14:creationId xmlns:p14="http://schemas.microsoft.com/office/powerpoint/2010/main" val="3565933054"/>
+      </p:ext>
+    </p:extLst>
+  </p:cSld>
+  <p:clrMapOvr>
+    <a:masterClrMapping/>
+  </p:clrMapOvr>
+</p:sld>
+</file>
+
+<file path=ppt/slides/slide36.xml><?xml version="1.0" encoding="utf-8"?>
+<p:sld xmlns:a="http://schemas.openxmlformats.org/drawingml/2006/main" xmlns:r="http://schemas.openxmlformats.org/officeDocument/2006/relationships" xmlns:p="http://schemas.openxmlformats.org/presentationml/2006/main">
+  <p:cSld>
+    <p:spTree>
+      <p:nvGrpSpPr>
+        <p:cNvPr id="1" name=""/>
+        <p:cNvGrpSpPr/>
+        <p:nvPr/>
+      </p:nvGrpSpPr>
+      <p:grpSpPr>
+        <a:xfrm>
+          <a:off x="0" y="0"/>
+          <a:ext cx="0" cy="0"/>
+          <a:chOff x="0" y="0"/>
+          <a:chExt cx="0" cy="0"/>
+        </a:xfrm>
+      </p:grpSpPr>
+      <p:sp>
+        <p:nvSpPr>
+          <p:cNvPr id="2" name="Tijdelijke aanduiding voor inhoud 1">
+            <a:extLst>
+              <a:ext uri="{FF2B5EF4-FFF2-40B4-BE49-F238E27FC236}">
+                <a16:creationId xmlns:a16="http://schemas.microsoft.com/office/drawing/2014/main" id="{5A5BD45C-F53F-E3F9-EEB7-A5D828A50B6C}"/>
+              </a:ext>
+            </a:extLst>
+          </p:cNvPr>
+          <p:cNvSpPr>
+            <a:spLocks noGrp="1"/>
+          </p:cNvSpPr>
+          <p:nvPr>
+            <p:ph idx="1"/>
+          </p:nvPr>
+        </p:nvSpPr>
+        <p:spPr/>
+        <p:txBody>
+          <a:bodyPr/>
+          <a:lstStyle/>
+          <a:p>
+            <a:endParaRPr lang="nl-BE"/>
+          </a:p>
+        </p:txBody>
+      </p:sp>
+      <p:sp>
+        <p:nvSpPr>
+          <p:cNvPr id="3" name="Tijdelijke aanduiding voor voettekst 2">
+            <a:extLst>
+              <a:ext uri="{FF2B5EF4-FFF2-40B4-BE49-F238E27FC236}">
+                <a16:creationId xmlns:a16="http://schemas.microsoft.com/office/drawing/2014/main" id="{F9BCD9B0-ADAF-224C-A31B-8ADF3B34F7D5}"/>
+              </a:ext>
+            </a:extLst>
+          </p:cNvPr>
+          <p:cNvSpPr>
+            <a:spLocks noGrp="1"/>
+          </p:cNvSpPr>
+          <p:nvPr>
+            <p:ph type="ftr" sz="quarter" idx="11"/>
+          </p:nvPr>
+        </p:nvSpPr>
+        <p:spPr/>
+        <p:txBody>
+          <a:bodyPr/>
+          <a:lstStyle/>
+          <a:p>
+            <a:r>
+              <a:rPr lang="nl-NL"/>
+              <a:t>Groep Wetenschappen &amp; Techonologie - Ingenieurswetenschappen</a:t>
+            </a:r>
+          </a:p>
+        </p:txBody>
+      </p:sp>
+      <p:sp>
+        <p:nvSpPr>
+          <p:cNvPr id="4" name="Tijdelijke aanduiding voor dianummer 3">
+            <a:extLst>
+              <a:ext uri="{FF2B5EF4-FFF2-40B4-BE49-F238E27FC236}">
+                <a16:creationId xmlns:a16="http://schemas.microsoft.com/office/drawing/2014/main" id="{ECDFA185-ED8D-81C0-1B6E-5381D9D2A8D9}"/>
+              </a:ext>
+            </a:extLst>
+          </p:cNvPr>
+          <p:cNvSpPr>
+            <a:spLocks noGrp="1"/>
+          </p:cNvSpPr>
+          <p:nvPr>
+            <p:ph type="sldNum" sz="quarter" idx="12"/>
+          </p:nvPr>
+        </p:nvSpPr>
+        <p:spPr/>
+        <p:txBody>
+          <a:bodyPr/>
+          <a:lstStyle/>
+          <a:p>
+            <a:fld id="{0A297500-7527-634B-90F4-69D0994C32B4}" type="slidenum">
+              <a:rPr lang="nl-NL" smtClean="0"/>
+              <a:t>36</a:t>
+            </a:fld>
+            <a:endParaRPr lang="nl-NL"/>
+          </a:p>
+        </p:txBody>
+      </p:sp>
+      <p:sp>
+        <p:nvSpPr>
+          <p:cNvPr id="5" name="Titel 4">
+            <a:extLst>
+              <a:ext uri="{FF2B5EF4-FFF2-40B4-BE49-F238E27FC236}">
+                <a16:creationId xmlns:a16="http://schemas.microsoft.com/office/drawing/2014/main" id="{836E72D2-3A3A-53DC-47D3-9B6B6433D8C5}"/>
+              </a:ext>
+            </a:extLst>
+          </p:cNvPr>
+          <p:cNvSpPr>
+            <a:spLocks noGrp="1"/>
+          </p:cNvSpPr>
+          <p:nvPr>
+            <p:ph type="title"/>
+          </p:nvPr>
+        </p:nvSpPr>
+        <p:spPr/>
+        <p:txBody>
+          <a:bodyPr/>
+          <a:lstStyle/>
+          <a:p>
+            <a:r>
+              <a:rPr lang="nl-BE" dirty="0"/>
+              <a:t>Besluit</a:t>
+            </a:r>
+          </a:p>
+        </p:txBody>
+      </p:sp>
+    </p:spTree>
+    <p:extLst>
+      <p:ext uri="{BB962C8B-B14F-4D97-AF65-F5344CB8AC3E}">
+        <p14:creationId xmlns:p14="http://schemas.microsoft.com/office/powerpoint/2010/main" val="3312748469"/>
+      </p:ext>
+    </p:extLst>
+  </p:cSld>
+  <p:clrMapOvr>
+    <a:masterClrMapping/>
+  </p:clrMapOvr>
+</p:sld>
+</file>
+
+<file path=ppt/slides/slide37.xml><?xml version="1.0" encoding="utf-8"?>
+<p:sld xmlns:a="http://schemas.openxmlformats.org/drawingml/2006/main" xmlns:r="http://schemas.openxmlformats.org/officeDocument/2006/relationships" xmlns:p="http://schemas.openxmlformats.org/presentationml/2006/main">
+  <p:cSld>
+    <p:spTree>
+      <p:nvGrpSpPr>
+        <p:cNvPr id="1" name=""/>
+        <p:cNvGrpSpPr/>
+        <p:nvPr/>
+      </p:nvGrpSpPr>
+      <p:grpSpPr>
+        <a:xfrm>
+          <a:off x="0" y="0"/>
+          <a:ext cx="0" cy="0"/>
+          <a:chOff x="0" y="0"/>
+          <a:chExt cx="0" cy="0"/>
+        </a:xfrm>
+      </p:grpSpPr>
+      <p:sp>
+        <p:nvSpPr>
+          <p:cNvPr id="2" name="Content Placeholder 1">
+            <a:extLst>
+              <a:ext uri="{FF2B5EF4-FFF2-40B4-BE49-F238E27FC236}">
+                <a16:creationId xmlns:a16="http://schemas.microsoft.com/office/drawing/2014/main" id="{9572C954-C83C-EE79-685B-900385B3EC4B}"/>
+              </a:ext>
+            </a:extLst>
+          </p:cNvPr>
+          <p:cNvSpPr>
+            <a:spLocks noGrp="1"/>
+          </p:cNvSpPr>
+          <p:nvPr>
+            <p:ph idx="1"/>
+          </p:nvPr>
+        </p:nvSpPr>
+        <p:spPr>
+          <a:xfrm>
+            <a:off x="576000" y="1656000"/>
+            <a:ext cx="11041200" cy="4554000"/>
+          </a:xfrm>
+        </p:spPr>
+        <p:txBody>
+          <a:bodyPr>
+            <a:normAutofit fontScale="85000" lnSpcReduction="20000"/>
+          </a:bodyPr>
+          <a:lstStyle/>
+          <a:p>
+            <a:pPr marL="457200" indent="-457200">
+              <a:buFont typeface="+mj-lt"/>
+              <a:buAutoNum type="arabicPeriod"/>
+            </a:pPr>
+            <a:r>
+              <a:rPr lang="nl-BE" dirty="0">
+                <a:solidFill>
+                  <a:schemeClr val="bg2">
+                    <a:lumMod val="75000"/>
+                  </a:schemeClr>
+                </a:solidFill>
+              </a:rPr>
+              <a:t>Inleiding</a:t>
+            </a:r>
+          </a:p>
+          <a:p>
+            <a:pPr marL="457200" indent="-457200">
+              <a:buFont typeface="+mj-lt"/>
+              <a:buAutoNum type="arabicPeriod"/>
+            </a:pPr>
+            <a:r>
+              <a:rPr lang="nl-BE" dirty="0">
+                <a:solidFill>
+                  <a:schemeClr val="bg2">
+                    <a:lumMod val="75000"/>
+                  </a:schemeClr>
+                </a:solidFill>
+              </a:rPr>
+              <a:t>Ontwerp</a:t>
+            </a:r>
+          </a:p>
+          <a:p>
+            <a:pPr marL="457200" indent="-457200">
+              <a:buFont typeface="+mj-lt"/>
+              <a:buAutoNum type="arabicPeriod"/>
+            </a:pPr>
+            <a:r>
+              <a:rPr lang="nl-BE" dirty="0">
+                <a:solidFill>
+                  <a:schemeClr val="bg2">
+                    <a:lumMod val="75000"/>
+                  </a:schemeClr>
+                </a:solidFill>
+              </a:rPr>
+              <a:t>Stappen</a:t>
+            </a:r>
+          </a:p>
+          <a:p>
+            <a:pPr marL="914400" lvl="1" indent="-457200">
+              <a:buFont typeface="+mj-lt"/>
+              <a:buAutoNum type="arabicPeriod"/>
+            </a:pPr>
+            <a:r>
+              <a:rPr lang="nl-BE" dirty="0">
+                <a:solidFill>
+                  <a:schemeClr val="bg2">
+                    <a:lumMod val="75000"/>
+                  </a:schemeClr>
+                </a:solidFill>
+              </a:rPr>
+              <a:t>Detectie en lokalisatie</a:t>
+            </a:r>
+          </a:p>
+          <a:p>
+            <a:pPr marL="914400" lvl="1" indent="-457200">
+              <a:buFont typeface="+mj-lt"/>
+              <a:buAutoNum type="arabicPeriod"/>
+            </a:pPr>
+            <a:r>
+              <a:rPr lang="nl-BE" dirty="0">
+                <a:solidFill>
+                  <a:schemeClr val="bg2">
+                    <a:lumMod val="75000"/>
+                  </a:schemeClr>
+                </a:solidFill>
+              </a:rPr>
+              <a:t>Richten</a:t>
+            </a:r>
+          </a:p>
+          <a:p>
+            <a:pPr marL="914400" lvl="1" indent="-457200">
+              <a:buFont typeface="+mj-lt"/>
+              <a:buAutoNum type="arabicPeriod"/>
+            </a:pPr>
+            <a:r>
+              <a:rPr lang="nl-BE" dirty="0">
+                <a:solidFill>
+                  <a:schemeClr val="bg2">
+                    <a:lumMod val="75000"/>
+                  </a:schemeClr>
+                </a:solidFill>
+              </a:rPr>
+              <a:t>Blussen</a:t>
+            </a:r>
+          </a:p>
+          <a:p>
+            <a:pPr marL="457200" indent="-457200">
+              <a:lnSpc>
+                <a:spcPct val="110000"/>
+              </a:lnSpc>
+              <a:buFont typeface="+mj-lt"/>
+              <a:buAutoNum type="arabicPeriod"/>
+            </a:pPr>
+            <a:r>
+              <a:rPr lang="nl-BE" dirty="0">
+                <a:solidFill>
+                  <a:schemeClr val="bg2">
+                    <a:lumMod val="75000"/>
+                  </a:schemeClr>
+                </a:solidFill>
+              </a:rPr>
+              <a:t>Prototype</a:t>
+            </a:r>
+          </a:p>
+          <a:p>
+            <a:pPr marL="914400" lvl="1" indent="-457200">
+              <a:buFont typeface="+mj-lt"/>
+              <a:buAutoNum type="arabicPeriod"/>
+            </a:pPr>
+            <a:r>
+              <a:rPr lang="nl-BE" dirty="0">
+                <a:solidFill>
+                  <a:schemeClr val="bg2">
+                    <a:lumMod val="75000"/>
+                  </a:schemeClr>
+                </a:solidFill>
+              </a:rPr>
+              <a:t>Constructie</a:t>
+            </a:r>
+          </a:p>
+          <a:p>
+            <a:pPr marL="914400" lvl="1" indent="-457200">
+              <a:buFont typeface="+mj-lt"/>
+              <a:buAutoNum type="arabicPeriod"/>
+            </a:pPr>
+            <a:r>
+              <a:rPr lang="nl-BE" dirty="0">
+                <a:solidFill>
+                  <a:schemeClr val="bg2">
+                    <a:lumMod val="75000"/>
+                  </a:schemeClr>
+                </a:solidFill>
+              </a:rPr>
+              <a:t>Elektrisch circuit</a:t>
+            </a:r>
+          </a:p>
+          <a:p>
+            <a:pPr marL="914400" lvl="1" indent="-457200">
+              <a:buFont typeface="+mj-lt"/>
+              <a:buAutoNum type="arabicPeriod"/>
+            </a:pPr>
+            <a:r>
+              <a:rPr lang="nl-BE" dirty="0">
+                <a:solidFill>
+                  <a:schemeClr val="bg2">
+                    <a:lumMod val="75000"/>
+                  </a:schemeClr>
+                </a:solidFill>
+              </a:rPr>
+              <a:t>Roterend platform, arm en spuit</a:t>
+            </a:r>
+          </a:p>
+          <a:p>
+            <a:pPr marL="457200" indent="-457200">
+              <a:buFont typeface="+mj-lt"/>
+              <a:buAutoNum type="arabicPeriod"/>
+            </a:pPr>
+            <a:r>
+              <a:rPr lang="nl-BE" dirty="0">
+                <a:solidFill>
+                  <a:schemeClr val="bg2">
+                    <a:lumMod val="75000"/>
+                  </a:schemeClr>
+                </a:solidFill>
+              </a:rPr>
+              <a:t>Resultaten</a:t>
+            </a:r>
+          </a:p>
+          <a:p>
+            <a:pPr marL="457200" indent="-457200">
+              <a:buFont typeface="+mj-lt"/>
+              <a:buAutoNum type="arabicPeriod"/>
+            </a:pPr>
+            <a:r>
+              <a:rPr lang="nl-BE" dirty="0">
+                <a:solidFill>
+                  <a:schemeClr val="bg2">
+                    <a:lumMod val="75000"/>
+                  </a:schemeClr>
+                </a:solidFill>
+              </a:rPr>
+              <a:t>Besluit</a:t>
+            </a:r>
+          </a:p>
+          <a:p>
+            <a:pPr marL="457200" indent="-457200">
+              <a:buFont typeface="+mj-lt"/>
+              <a:buAutoNum type="arabicPeriod"/>
+            </a:pPr>
+            <a:r>
+              <a:rPr lang="nl-BE" dirty="0">
+                <a:solidFill>
+                  <a:srgbClr val="2F4D5D"/>
+                </a:solidFill>
+              </a:rPr>
+              <a:t>Bibliografie</a:t>
+            </a:r>
+          </a:p>
+          <a:p>
+            <a:pPr marL="457200" indent="-457200">
+              <a:buFont typeface="+mj-lt"/>
+              <a:buAutoNum type="arabicPeriod"/>
+            </a:pPr>
+            <a:endParaRPr lang="nl-BE" dirty="0"/>
+          </a:p>
+        </p:txBody>
+      </p:sp>
+      <p:sp>
+        <p:nvSpPr>
+          <p:cNvPr id="3" name="Footer Placeholder 2">
+            <a:extLst>
+              <a:ext uri="{FF2B5EF4-FFF2-40B4-BE49-F238E27FC236}">
+                <a16:creationId xmlns:a16="http://schemas.microsoft.com/office/drawing/2014/main" id="{87B9D861-BADE-1735-BC5D-FB0CE4C31EFE}"/>
+              </a:ext>
+            </a:extLst>
+          </p:cNvPr>
+          <p:cNvSpPr>
+            <a:spLocks noGrp="1"/>
+          </p:cNvSpPr>
+          <p:nvPr>
+            <p:ph type="ftr" sz="quarter" idx="11"/>
+          </p:nvPr>
+        </p:nvSpPr>
+        <p:spPr/>
+        <p:txBody>
+          <a:bodyPr/>
+          <a:lstStyle/>
+          <a:p>
+            <a:r>
+              <a:rPr lang="nl-NL"/>
+              <a:t>Groep Wetenschappen &amp; Techonologie - Ingenieurswetenschappen</a:t>
+            </a:r>
+          </a:p>
+        </p:txBody>
+      </p:sp>
+      <p:sp>
+        <p:nvSpPr>
+          <p:cNvPr id="4" name="Slide Number Placeholder 3">
+            <a:extLst>
+              <a:ext uri="{FF2B5EF4-FFF2-40B4-BE49-F238E27FC236}">
+                <a16:creationId xmlns:a16="http://schemas.microsoft.com/office/drawing/2014/main" id="{FC23E00C-3A77-A444-8280-8A8A5D17B5DF}"/>
+              </a:ext>
+            </a:extLst>
+          </p:cNvPr>
+          <p:cNvSpPr>
+            <a:spLocks noGrp="1"/>
+          </p:cNvSpPr>
+          <p:nvPr>
+            <p:ph type="sldNum" sz="quarter" idx="12"/>
+          </p:nvPr>
+        </p:nvSpPr>
+        <p:spPr/>
+        <p:txBody>
+          <a:bodyPr/>
+          <a:lstStyle/>
+          <a:p>
+            <a:fld id="{0A297500-7527-634B-90F4-69D0994C32B4}" type="slidenum">
+              <a:rPr lang="nl-NL" smtClean="0"/>
+              <a:t>37</a:t>
+            </a:fld>
+            <a:endParaRPr lang="nl-NL"/>
+          </a:p>
+        </p:txBody>
+      </p:sp>
+      <p:sp>
+        <p:nvSpPr>
+          <p:cNvPr id="5" name="Title 4">
+            <a:extLst>
+              <a:ext uri="{FF2B5EF4-FFF2-40B4-BE49-F238E27FC236}">
+                <a16:creationId xmlns:a16="http://schemas.microsoft.com/office/drawing/2014/main" id="{344F2F4D-955A-2213-B685-181EC6CE1CBA}"/>
+              </a:ext>
+            </a:extLst>
+          </p:cNvPr>
+          <p:cNvSpPr>
+            <a:spLocks noGrp="1"/>
+          </p:cNvSpPr>
+          <p:nvPr>
+            <p:ph type="title"/>
+          </p:nvPr>
+        </p:nvSpPr>
+        <p:spPr/>
+        <p:txBody>
+          <a:bodyPr/>
+          <a:lstStyle/>
+          <a:p>
+            <a:r>
+              <a:rPr lang="nl-BE" dirty="0"/>
+              <a:t>Overzicht</a:t>
+            </a:r>
+          </a:p>
+        </p:txBody>
+      </p:sp>
+    </p:spTree>
+    <p:extLst>
+      <p:ext uri="{BB962C8B-B14F-4D97-AF65-F5344CB8AC3E}">
+        <p14:creationId xmlns:p14="http://schemas.microsoft.com/office/powerpoint/2010/main" val="3868961438"/>
+      </p:ext>
+    </p:extLst>
+  </p:cSld>
+  <p:clrMapOvr>
+    <a:masterClrMapping/>
+  </p:clrMapOvr>
+</p:sld>
+</file>
+
+<file path=ppt/slides/slide38.xml><?xml version="1.0" encoding="utf-8"?>
+<p:sld xmlns:a="http://schemas.openxmlformats.org/drawingml/2006/main" xmlns:r="http://schemas.openxmlformats.org/officeDocument/2006/relationships" xmlns:p="http://schemas.openxmlformats.org/presentationml/2006/main">
+  <p:cSld>
+    <p:spTree>
+      <p:nvGrpSpPr>
+        <p:cNvPr id="1" name=""/>
+        <p:cNvGrpSpPr/>
+        <p:nvPr/>
+      </p:nvGrpSpPr>
+      <p:grpSpPr>
+        <a:xfrm>
+          <a:off x="0" y="0"/>
+          <a:ext cx="0" cy="0"/>
+          <a:chOff x="0" y="0"/>
+          <a:chExt cx="0" cy="0"/>
+        </a:xfrm>
+      </p:grpSpPr>
+      <p:sp>
+        <p:nvSpPr>
           <p:cNvPr id="2" name="Content Placeholder 1">
             <a:extLst>
               <a:ext uri="{FF2B5EF4-FFF2-40B4-BE49-F238E27FC236}">
@@ -12547,7 +13574,7 @@
           <a:p>
             <a:fld id="{0A297500-7527-634B-90F4-69D0994C32B4}" type="slidenum">
               <a:rPr lang="nl-NL" smtClean="0"/>
-              <a:t>34</a:t>
+              <a:t>38</a:t>
             </a:fld>
             <a:endParaRPr lang="nl-NL"/>
           </a:p>
@@ -13193,7 +14220,11 @@
               <a:buAutoNum type="arabicPeriod"/>
             </a:pPr>
             <a:r>
-              <a:rPr lang="nl-BE" dirty="0"/>
+              <a:rPr lang="nl-BE" dirty="0">
+                <a:solidFill>
+                  <a:srgbClr val="2F4D5D"/>
+                </a:solidFill>
+              </a:rPr>
               <a:t>Ontwerp</a:t>
             </a:r>
           </a:p>
@@ -13263,6 +14294,9 @@
           </a:p>
           <a:p>
             <a:pPr marL="457200" indent="-457200">
+              <a:lnSpc>
+                <a:spcPct val="110000"/>
+              </a:lnSpc>
               <a:buFont typeface="+mj-lt"/>
               <a:buAutoNum type="arabicPeriod"/>
             </a:pPr>
@@ -13995,20 +15029,6 @@
                 </a:highlight>
               </a:rPr>
               <a:t> … </a:t>
-            </a:r>
-          </a:p>
-          <a:p>
-            <a:r>
-              <a:rPr lang="nl-NL" dirty="0"/>
-              <a:t>Hoeveelheid water per blussing: </a:t>
-            </a:r>
-            <a:r>
-              <a:rPr lang="nl-NL" dirty="0">
-                <a:highlight>
-                  <a:srgbClr val="FFFF00"/>
-                </a:highlight>
-              </a:rPr>
-              <a:t>…</a:t>
             </a:r>
           </a:p>
           <a:p>
